--- a/tokistorage-partnership-deck-en.pptx
+++ b/tokistorage-partnership-deck-en.pptx
@@ -15,6 +15,8 @@
     <p:sldId id="263" r:id="rId14"/>
     <p:sldId id="264" r:id="rId15"/>
     <p:sldId id="265" r:id="rId16"/>
+    <p:sldId id="266" r:id="rId17"/>
+    <p:sldId id="267" r:id="rId18"/>
   </p:sldIdLst>
   <p:sldSz cx="9144000" cy="5143500" type="screen4x3"/>
   <p:notesSz cx="6858000" cy="9144000"/>
@@ -3140,9 +3142,33 @@
           </a:p>
         </p:txBody>
       </p:sp>
-      <p:sp>
-        <p:nvSpPr>
-          <p:cNvPr id="3" name="TextBox 2"/>
+      <p:pic>
+        <p:nvPicPr>
+          <p:cNvPr id="3" name="Picture 2" descr="tokistorage-icon-circle.png"/>
+          <p:cNvPicPr>
+            <a:picLocks noChangeAspect="1"/>
+          </p:cNvPicPr>
+          <p:nvPr/>
+        </p:nvPicPr>
+        <p:blipFill>
+          <a:blip r:embed="rId2"/>
+          <a:stretch>
+            <a:fillRect/>
+          </a:stretch>
+        </p:blipFill>
+        <p:spPr>
+          <a:xfrm>
+            <a:off x="7680960" y="365760"/>
+            <a:ext cx="914400" cy="914400"/>
+          </a:xfrm>
+          <a:prstGeom prst="rect">
+            <a:avLst/>
+          </a:prstGeom>
+        </p:spPr>
+      </p:pic>
+      <p:sp>
+        <p:nvSpPr>
+          <p:cNvPr id="4" name="TextBox 3"/>
           <p:cNvSpPr txBox="1"/>
           <p:nvPr/>
         </p:nvSpPr>
@@ -3185,7 +3211,7 @@
       </p:sp>
       <p:sp>
         <p:nvSpPr>
-          <p:cNvPr id="4" name="TextBox 3"/>
+          <p:cNvPr id="5" name="TextBox 4"/>
           <p:cNvSpPr txBox="1"/>
           <p:nvPr/>
         </p:nvSpPr>
@@ -3229,7 +3255,7 @@
       </p:sp>
       <p:sp>
         <p:nvSpPr>
-          <p:cNvPr id="5" name="TextBox 4"/>
+          <p:cNvPr id="6" name="TextBox 5"/>
           <p:cNvSpPr txBox="1"/>
           <p:nvPr/>
         </p:nvSpPr>
@@ -3273,7 +3299,7 @@
       </p:sp>
       <p:sp>
         <p:nvSpPr>
-          <p:cNvPr id="6" name="Rectangle 5"/>
+          <p:cNvPr id="7" name="Rectangle 6"/>
           <p:cNvSpPr/>
           <p:nvPr/>
         </p:nvSpPr>
@@ -3316,7 +3342,7 @@
       </p:sp>
       <p:sp>
         <p:nvSpPr>
-          <p:cNvPr id="7" name="TextBox 6"/>
+          <p:cNvPr id="8" name="TextBox 7"/>
           <p:cNvSpPr txBox="1"/>
           <p:nvPr/>
         </p:nvSpPr>
@@ -3359,7 +3385,7 @@
       </p:sp>
       <p:sp>
         <p:nvSpPr>
-          <p:cNvPr id="8" name="TextBox 7"/>
+          <p:cNvPr id="9" name="TextBox 8"/>
           <p:cNvSpPr txBox="1"/>
           <p:nvPr/>
         </p:nvSpPr>
@@ -3402,7 +3428,7 @@
       </p:sp>
       <p:sp>
         <p:nvSpPr>
-          <p:cNvPr id="9" name="TextBox 8"/>
+          <p:cNvPr id="10" name="TextBox 9"/>
           <p:cNvSpPr txBox="1"/>
           <p:nvPr/>
         </p:nvSpPr>
@@ -3470,6 +3496,2185 @@
         <p:spPr>
           <a:xfrm>
             <a:off x="0" y="0"/>
+            <a:ext cx="9144000" cy="594360"/>
+          </a:xfrm>
+          <a:prstGeom prst="rect">
+            <a:avLst/>
+          </a:prstGeom>
+          <a:solidFill>
+            <a:srgbClr val="1E293B"/>
+          </a:solidFill>
+          <a:ln>
+            <a:noFill/>
+          </a:ln>
+        </p:spPr>
+        <p:style>
+          <a:lnRef idx="1">
+            <a:schemeClr val="accent1"/>
+          </a:lnRef>
+          <a:fillRef idx="3">
+            <a:schemeClr val="accent1"/>
+          </a:fillRef>
+          <a:effectRef idx="2">
+            <a:schemeClr val="accent1"/>
+          </a:effectRef>
+          <a:fontRef idx="minor">
+            <a:schemeClr val="lt1"/>
+          </a:fontRef>
+        </p:style>
+        <p:txBody>
+          <a:bodyPr rtlCol="0" anchor="ctr"/>
+          <a:lstStyle/>
+          <a:p>
+            <a:pPr algn="ctr"/>
+          </a:p>
+        </p:txBody>
+      </p:sp>
+      <p:sp>
+        <p:nvSpPr>
+          <p:cNvPr id="3" name="TextBox 2"/>
+          <p:cNvSpPr txBox="1"/>
+          <p:nvPr/>
+        </p:nvSpPr>
+        <p:spPr>
+          <a:xfrm>
+            <a:off x="457200" y="0"/>
+            <a:ext cx="8229600" cy="594360"/>
+          </a:xfrm>
+          <a:prstGeom prst="rect">
+            <a:avLst/>
+          </a:prstGeom>
+          <a:noFill/>
+        </p:spPr>
+        <p:txBody>
+          <a:bodyPr wrap="square" anchor="ctr"/>
+          <a:lstStyle/>
+          <a:p>
+            <a:pPr algn="l">
+              <a:lnSpc>
+                <a:spcPct val="135000"/>
+              </a:lnSpc>
+              <a:spcBef>
+                <a:spcPts val="0"/>
+              </a:spcBef>
+              <a:spcAft>
+                <a:spcPts val="0"/>
+              </a:spcAft>
+            </a:pPr>
+            <a:r>
+              <a:rPr sz="1200" b="1">
+                <a:solidFill>
+                  <a:srgbClr val="FFFFFF"/>
+                </a:solidFill>
+                <a:latin typeface="Calibri"/>
+              </a:rPr>
+              <a:t>The founder is a Big Four alumnus who designed the partnership model with full awareness of firm compliance</a:t>
+            </a:r>
+          </a:p>
+        </p:txBody>
+      </p:sp>
+      <p:sp>
+        <p:nvSpPr>
+          <p:cNvPr id="4" name="TextBox 3"/>
+          <p:cNvSpPr txBox="1"/>
+          <p:nvPr/>
+        </p:nvSpPr>
+        <p:spPr>
+          <a:xfrm>
+            <a:off x="457200" y="731520"/>
+            <a:ext cx="2743200" cy="274320"/>
+          </a:xfrm>
+          <a:prstGeom prst="rect">
+            <a:avLst/>
+          </a:prstGeom>
+          <a:noFill/>
+        </p:spPr>
+        <p:txBody>
+          <a:bodyPr wrap="square"/>
+          <a:lstStyle/>
+          <a:p>
+            <a:pPr algn="l">
+              <a:lnSpc>
+                <a:spcPct val="135000"/>
+              </a:lnSpc>
+              <a:spcBef>
+                <a:spcPts val="0"/>
+              </a:spcBef>
+              <a:spcAft>
+                <a:spcPts val="0"/>
+              </a:spcAft>
+            </a:pPr>
+            <a:r>
+              <a:rPr sz="1000" b="1">
+                <a:solidFill>
+                  <a:srgbClr val="2563EB"/>
+                </a:solidFill>
+                <a:latin typeface="Calibri"/>
+              </a:rPr>
+              <a:t>TEAM &amp; INDEPENDENCE</a:t>
+            </a:r>
+          </a:p>
+        </p:txBody>
+      </p:sp>
+      <p:pic>
+        <p:nvPicPr>
+          <p:cNvPr id="5" name="Picture 4" descr="_deck_profile.png"/>
+          <p:cNvPicPr>
+            <a:picLocks noChangeAspect="1"/>
+          </p:cNvPicPr>
+          <p:nvPr/>
+        </p:nvPicPr>
+        <p:blipFill>
+          <a:blip r:embed="rId2"/>
+          <a:stretch>
+            <a:fillRect/>
+          </a:stretch>
+        </p:blipFill>
+        <p:spPr>
+          <a:xfrm>
+            <a:off x="457200" y="1024128"/>
+            <a:ext cx="914400" cy="914400"/>
+          </a:xfrm>
+          <a:prstGeom prst="rect">
+            <a:avLst/>
+          </a:prstGeom>
+        </p:spPr>
+      </p:pic>
+      <p:sp>
+        <p:nvSpPr>
+          <p:cNvPr id="6" name="TextBox 5"/>
+          <p:cNvSpPr txBox="1"/>
+          <p:nvPr/>
+        </p:nvSpPr>
+        <p:spPr>
+          <a:xfrm>
+            <a:off x="1508760" y="1078992"/>
+            <a:ext cx="6675120" cy="320040"/>
+          </a:xfrm>
+          <a:prstGeom prst="rect">
+            <a:avLst/>
+          </a:prstGeom>
+          <a:noFill/>
+        </p:spPr>
+        <p:txBody>
+          <a:bodyPr wrap="square"/>
+          <a:lstStyle/>
+          <a:p>
+            <a:pPr algn="l">
+              <a:lnSpc>
+                <a:spcPct val="135000"/>
+              </a:lnSpc>
+              <a:spcBef>
+                <a:spcPts val="0"/>
+              </a:spcBef>
+              <a:spcAft>
+                <a:spcPts val="0"/>
+              </a:spcAft>
+            </a:pPr>
+            <a:r>
+              <a:rPr sz="1300" b="1">
+                <a:solidFill>
+                  <a:srgbClr val="1E293B"/>
+                </a:solidFill>
+                <a:latin typeface="Calibri"/>
+              </a:rPr>
+              <a:t>Takuya Sato — Founder, TokiStorage</a:t>
+            </a:r>
+          </a:p>
+        </p:txBody>
+      </p:sp>
+      <p:sp>
+        <p:nvSpPr>
+          <p:cNvPr id="7" name="TextBox 6"/>
+          <p:cNvSpPr txBox="1"/>
+          <p:nvPr/>
+        </p:nvSpPr>
+        <p:spPr>
+          <a:xfrm>
+            <a:off x="1508760" y="1444752"/>
+            <a:ext cx="6675120" cy="1097280"/>
+          </a:xfrm>
+          <a:prstGeom prst="rect">
+            <a:avLst/>
+          </a:prstGeom>
+          <a:noFill/>
+        </p:spPr>
+        <p:txBody>
+          <a:bodyPr wrap="square"/>
+          <a:lstStyle/>
+          <a:p>
+            <a:pPr algn="l">
+              <a:lnSpc>
+                <a:spcPct val="135000"/>
+              </a:lnSpc>
+              <a:spcBef>
+                <a:spcPts val="0"/>
+              </a:spcBef>
+              <a:spcAft>
+                <a:spcPts val="0"/>
+              </a:spcAft>
+            </a:pPr>
+            <a:r>
+              <a:rPr sz="1000" b="0">
+                <a:solidFill>
+                  <a:srgbClr val="475569"/>
+                </a:solidFill>
+                <a:latin typeface="Calibri"/>
+              </a:rPr>
+              <a:t>Former Big Four consultant — understands firm culture, client engagement, and project design from the inside. 20+ years in semiconductor manufacturing engineering. Former president of Timeless Town Shin-Urayasu residents' association (250 households). Through SoulCarrier's work with unclaimed graves, witnessed firsthand how memories vanish — and conceived TokiStorage. Validated off-grid, institution-free 1,000-year design through testing in Maui and Lake Yamanakako.</a:t>
+            </a:r>
+          </a:p>
+        </p:txBody>
+      </p:sp>
+      <p:sp>
+        <p:nvSpPr>
+          <p:cNvPr id="8" name="Rectangle 7"/>
+          <p:cNvSpPr/>
+          <p:nvPr/>
+        </p:nvSpPr>
+        <p:spPr>
+          <a:xfrm>
+            <a:off x="457200" y="2807208"/>
+            <a:ext cx="1440180" cy="402336"/>
+          </a:xfrm>
+          <a:prstGeom prst="rect">
+            <a:avLst/>
+          </a:prstGeom>
+          <a:solidFill>
+            <a:srgbClr val="F1F5F9"/>
+          </a:solidFill>
+          <a:ln w="9525">
+            <a:solidFill>
+              <a:srgbClr val="E2E8F0"/>
+            </a:solidFill>
+          </a:ln>
+        </p:spPr>
+        <p:style>
+          <a:lnRef idx="1">
+            <a:schemeClr val="accent1"/>
+          </a:lnRef>
+          <a:fillRef idx="3">
+            <a:schemeClr val="accent1"/>
+          </a:fillRef>
+          <a:effectRef idx="2">
+            <a:schemeClr val="accent1"/>
+          </a:effectRef>
+          <a:fontRef idx="minor">
+            <a:schemeClr val="lt1"/>
+          </a:fontRef>
+        </p:style>
+        <p:txBody>
+          <a:bodyPr rtlCol="0" anchor="ctr"/>
+          <a:lstStyle/>
+          <a:p>
+            <a:pPr algn="ctr"/>
+          </a:p>
+        </p:txBody>
+      </p:sp>
+      <p:sp>
+        <p:nvSpPr>
+          <p:cNvPr id="9" name="TextBox 8"/>
+          <p:cNvSpPr txBox="1"/>
+          <p:nvPr/>
+        </p:nvSpPr>
+        <p:spPr>
+          <a:xfrm>
+            <a:off x="548640" y="2807208"/>
+            <a:ext cx="1257300" cy="402336"/>
+          </a:xfrm>
+          <a:prstGeom prst="rect">
+            <a:avLst/>
+          </a:prstGeom>
+          <a:noFill/>
+        </p:spPr>
+        <p:txBody>
+          <a:bodyPr wrap="square" anchor="ctr"/>
+          <a:lstStyle/>
+          <a:p>
+            <a:pPr algn="ctr">
+              <a:lnSpc>
+                <a:spcPct val="135000"/>
+              </a:lnSpc>
+              <a:spcBef>
+                <a:spcPts val="0"/>
+              </a:spcBef>
+              <a:spcAft>
+                <a:spcPts val="0"/>
+              </a:spcAft>
+            </a:pPr>
+            <a:r>
+              <a:rPr sz="800" b="0">
+                <a:solidFill>
+                  <a:srgbClr val="475569"/>
+                </a:solidFill>
+                <a:latin typeface="Calibri"/>
+              </a:rPr>
+              <a:t>Big Four Alumni</a:t>
+            </a:r>
+          </a:p>
+        </p:txBody>
+      </p:sp>
+      <p:sp>
+        <p:nvSpPr>
+          <p:cNvPr id="10" name="Rectangle 9"/>
+          <p:cNvSpPr/>
+          <p:nvPr/>
+        </p:nvSpPr>
+        <p:spPr>
+          <a:xfrm>
+            <a:off x="2007108" y="2807208"/>
+            <a:ext cx="2674620" cy="402336"/>
+          </a:xfrm>
+          <a:prstGeom prst="rect">
+            <a:avLst/>
+          </a:prstGeom>
+          <a:solidFill>
+            <a:srgbClr val="F1F5F9"/>
+          </a:solidFill>
+          <a:ln w="9525">
+            <a:solidFill>
+              <a:srgbClr val="E2E8F0"/>
+            </a:solidFill>
+          </a:ln>
+        </p:spPr>
+        <p:style>
+          <a:lnRef idx="1">
+            <a:schemeClr val="accent1"/>
+          </a:lnRef>
+          <a:fillRef idx="3">
+            <a:schemeClr val="accent1"/>
+          </a:fillRef>
+          <a:effectRef idx="2">
+            <a:schemeClr val="accent1"/>
+          </a:effectRef>
+          <a:fontRef idx="minor">
+            <a:schemeClr val="lt1"/>
+          </a:fontRef>
+        </p:style>
+        <p:txBody>
+          <a:bodyPr rtlCol="0" anchor="ctr"/>
+          <a:lstStyle/>
+          <a:p>
+            <a:pPr algn="ctr"/>
+          </a:p>
+        </p:txBody>
+      </p:sp>
+      <p:sp>
+        <p:nvSpPr>
+          <p:cNvPr id="11" name="TextBox 10"/>
+          <p:cNvSpPr txBox="1"/>
+          <p:nvPr/>
+        </p:nvSpPr>
+        <p:spPr>
+          <a:xfrm>
+            <a:off x="2098548" y="2807208"/>
+            <a:ext cx="2491740" cy="402336"/>
+          </a:xfrm>
+          <a:prstGeom prst="rect">
+            <a:avLst/>
+          </a:prstGeom>
+          <a:noFill/>
+        </p:spPr>
+        <p:txBody>
+          <a:bodyPr wrap="square" anchor="ctr"/>
+          <a:lstStyle/>
+          <a:p>
+            <a:pPr algn="ctr">
+              <a:lnSpc>
+                <a:spcPct val="135000"/>
+              </a:lnSpc>
+              <a:spcBef>
+                <a:spcPts val="0"/>
+              </a:spcBef>
+              <a:spcAft>
+                <a:spcPts val="0"/>
+              </a:spcAft>
+            </a:pPr>
+            <a:r>
+              <a:rPr sz="800" b="0">
+                <a:solidFill>
+                  <a:srgbClr val="475569"/>
+                </a:solidFill>
+                <a:latin typeface="Calibri"/>
+              </a:rPr>
+              <a:t>Semiconductor engineering 20+ yrs</a:t>
+            </a:r>
+          </a:p>
+        </p:txBody>
+      </p:sp>
+      <p:sp>
+        <p:nvSpPr>
+          <p:cNvPr id="12" name="Rectangle 11"/>
+          <p:cNvSpPr/>
+          <p:nvPr/>
+        </p:nvSpPr>
+        <p:spPr>
+          <a:xfrm>
+            <a:off x="4791456" y="2807208"/>
+            <a:ext cx="2880360" cy="402336"/>
+          </a:xfrm>
+          <a:prstGeom prst="rect">
+            <a:avLst/>
+          </a:prstGeom>
+          <a:solidFill>
+            <a:srgbClr val="F1F5F9"/>
+          </a:solidFill>
+          <a:ln w="9525">
+            <a:solidFill>
+              <a:srgbClr val="E2E8F0"/>
+            </a:solidFill>
+          </a:ln>
+        </p:spPr>
+        <p:style>
+          <a:lnRef idx="1">
+            <a:schemeClr val="accent1"/>
+          </a:lnRef>
+          <a:fillRef idx="3">
+            <a:schemeClr val="accent1"/>
+          </a:fillRef>
+          <a:effectRef idx="2">
+            <a:schemeClr val="accent1"/>
+          </a:effectRef>
+          <a:fontRef idx="minor">
+            <a:schemeClr val="lt1"/>
+          </a:fontRef>
+        </p:style>
+        <p:txBody>
+          <a:bodyPr rtlCol="0" anchor="ctr"/>
+          <a:lstStyle/>
+          <a:p>
+            <a:pPr algn="ctr"/>
+          </a:p>
+        </p:txBody>
+      </p:sp>
+      <p:sp>
+        <p:nvSpPr>
+          <p:cNvPr id="13" name="TextBox 12"/>
+          <p:cNvSpPr txBox="1"/>
+          <p:nvPr/>
+        </p:nvSpPr>
+        <p:spPr>
+          <a:xfrm>
+            <a:off x="4882896" y="2807208"/>
+            <a:ext cx="2697480" cy="402336"/>
+          </a:xfrm>
+          <a:prstGeom prst="rect">
+            <a:avLst/>
+          </a:prstGeom>
+          <a:noFill/>
+        </p:spPr>
+        <p:txBody>
+          <a:bodyPr wrap="square" anchor="ctr"/>
+          <a:lstStyle/>
+          <a:p>
+            <a:pPr algn="ctr">
+              <a:lnSpc>
+                <a:spcPct val="135000"/>
+              </a:lnSpc>
+              <a:spcBef>
+                <a:spcPts val="0"/>
+              </a:spcBef>
+              <a:spcAft>
+                <a:spcPts val="0"/>
+              </a:spcAft>
+            </a:pPr>
+            <a:r>
+              <a:rPr sz="800" b="0">
+                <a:solidFill>
+                  <a:srgbClr val="475569"/>
+                </a:solidFill>
+                <a:latin typeface="Calibri"/>
+              </a:rPr>
+              <a:t>Community president (250 households)</a:t>
+            </a:r>
+          </a:p>
+        </p:txBody>
+      </p:sp>
+      <p:sp>
+        <p:nvSpPr>
+          <p:cNvPr id="14" name="Rectangle 13"/>
+          <p:cNvSpPr/>
+          <p:nvPr/>
+        </p:nvSpPr>
+        <p:spPr>
+          <a:xfrm>
+            <a:off x="457200" y="3282696"/>
+            <a:ext cx="1714500" cy="402336"/>
+          </a:xfrm>
+          <a:prstGeom prst="rect">
+            <a:avLst/>
+          </a:prstGeom>
+          <a:solidFill>
+            <a:srgbClr val="F1F5F9"/>
+          </a:solidFill>
+          <a:ln w="9525">
+            <a:solidFill>
+              <a:srgbClr val="E2E8F0"/>
+            </a:solidFill>
+          </a:ln>
+        </p:spPr>
+        <p:style>
+          <a:lnRef idx="1">
+            <a:schemeClr val="accent1"/>
+          </a:lnRef>
+          <a:fillRef idx="3">
+            <a:schemeClr val="accent1"/>
+          </a:fillRef>
+          <a:effectRef idx="2">
+            <a:schemeClr val="accent1"/>
+          </a:effectRef>
+          <a:fontRef idx="minor">
+            <a:schemeClr val="lt1"/>
+          </a:fontRef>
+        </p:style>
+        <p:txBody>
+          <a:bodyPr rtlCol="0" anchor="ctr"/>
+          <a:lstStyle/>
+          <a:p>
+            <a:pPr algn="ctr"/>
+          </a:p>
+        </p:txBody>
+      </p:sp>
+      <p:sp>
+        <p:nvSpPr>
+          <p:cNvPr id="15" name="TextBox 14"/>
+          <p:cNvSpPr txBox="1"/>
+          <p:nvPr/>
+        </p:nvSpPr>
+        <p:spPr>
+          <a:xfrm>
+            <a:off x="548640" y="3282696"/>
+            <a:ext cx="1531620" cy="402336"/>
+          </a:xfrm>
+          <a:prstGeom prst="rect">
+            <a:avLst/>
+          </a:prstGeom>
+          <a:noFill/>
+        </p:spPr>
+        <p:txBody>
+          <a:bodyPr wrap="square" anchor="ctr"/>
+          <a:lstStyle/>
+          <a:p>
+            <a:pPr algn="ctr">
+              <a:lnSpc>
+                <a:spcPct val="135000"/>
+              </a:lnSpc>
+              <a:spcBef>
+                <a:spcPts val="0"/>
+              </a:spcBef>
+              <a:spcAft>
+                <a:spcPts val="0"/>
+              </a:spcAft>
+            </a:pPr>
+            <a:r>
+              <a:rPr sz="800" b="0">
+                <a:solidFill>
+                  <a:srgbClr val="475569"/>
+                </a:solidFill>
+                <a:latin typeface="Calibri"/>
+              </a:rPr>
+              <a:t>SoulCarrier founder</a:t>
+            </a:r>
+          </a:p>
+        </p:txBody>
+      </p:sp>
+      <p:sp>
+        <p:nvSpPr>
+          <p:cNvPr id="16" name="Rectangle 15"/>
+          <p:cNvSpPr/>
+          <p:nvPr/>
+        </p:nvSpPr>
+        <p:spPr>
+          <a:xfrm>
+            <a:off x="2281428" y="3282696"/>
+            <a:ext cx="1645919" cy="402336"/>
+          </a:xfrm>
+          <a:prstGeom prst="rect">
+            <a:avLst/>
+          </a:prstGeom>
+          <a:solidFill>
+            <a:srgbClr val="F1F5F9"/>
+          </a:solidFill>
+          <a:ln w="9525">
+            <a:solidFill>
+              <a:srgbClr val="E2E8F0"/>
+            </a:solidFill>
+          </a:ln>
+        </p:spPr>
+        <p:style>
+          <a:lnRef idx="1">
+            <a:schemeClr val="accent1"/>
+          </a:lnRef>
+          <a:fillRef idx="3">
+            <a:schemeClr val="accent1"/>
+          </a:fillRef>
+          <a:effectRef idx="2">
+            <a:schemeClr val="accent1"/>
+          </a:effectRef>
+          <a:fontRef idx="minor">
+            <a:schemeClr val="lt1"/>
+          </a:fontRef>
+        </p:style>
+        <p:txBody>
+          <a:bodyPr rtlCol="0" anchor="ctr"/>
+          <a:lstStyle/>
+          <a:p>
+            <a:pPr algn="ctr"/>
+          </a:p>
+        </p:txBody>
+      </p:sp>
+      <p:sp>
+        <p:nvSpPr>
+          <p:cNvPr id="17" name="TextBox 16"/>
+          <p:cNvSpPr txBox="1"/>
+          <p:nvPr/>
+        </p:nvSpPr>
+        <p:spPr>
+          <a:xfrm>
+            <a:off x="2372868" y="3282696"/>
+            <a:ext cx="1463039" cy="402336"/>
+          </a:xfrm>
+          <a:prstGeom prst="rect">
+            <a:avLst/>
+          </a:prstGeom>
+          <a:noFill/>
+        </p:spPr>
+        <p:txBody>
+          <a:bodyPr wrap="square" anchor="ctr"/>
+          <a:lstStyle/>
+          <a:p>
+            <a:pPr algn="ctr">
+              <a:lnSpc>
+                <a:spcPct val="135000"/>
+              </a:lnSpc>
+              <a:spcBef>
+                <a:spcPts val="0"/>
+              </a:spcBef>
+              <a:spcAft>
+                <a:spcPts val="0"/>
+              </a:spcAft>
+            </a:pPr>
+            <a:r>
+              <a:rPr sz="800" b="0">
+                <a:solidFill>
+                  <a:srgbClr val="475569"/>
+                </a:solidFill>
+                <a:latin typeface="Calibri"/>
+              </a:rPr>
+              <a:t>Off-grid validated</a:t>
+            </a:r>
+          </a:p>
+        </p:txBody>
+      </p:sp>
+      <p:sp>
+        <p:nvSpPr>
+          <p:cNvPr id="18" name="Rectangle 17"/>
+          <p:cNvSpPr/>
+          <p:nvPr/>
+        </p:nvSpPr>
+        <p:spPr>
+          <a:xfrm>
+            <a:off x="4037075" y="3282696"/>
+            <a:ext cx="3086100" cy="402336"/>
+          </a:xfrm>
+          <a:prstGeom prst="rect">
+            <a:avLst/>
+          </a:prstGeom>
+          <a:solidFill>
+            <a:srgbClr val="F1F5F9"/>
+          </a:solidFill>
+          <a:ln w="9525">
+            <a:solidFill>
+              <a:srgbClr val="E2E8F0"/>
+            </a:solidFill>
+          </a:ln>
+        </p:spPr>
+        <p:style>
+          <a:lnRef idx="1">
+            <a:schemeClr val="accent1"/>
+          </a:lnRef>
+          <a:fillRef idx="3">
+            <a:schemeClr val="accent1"/>
+          </a:fillRef>
+          <a:effectRef idx="2">
+            <a:schemeClr val="accent1"/>
+          </a:effectRef>
+          <a:fontRef idx="minor">
+            <a:schemeClr val="lt1"/>
+          </a:fontRef>
+        </p:style>
+        <p:txBody>
+          <a:bodyPr rtlCol="0" anchor="ctr"/>
+          <a:lstStyle/>
+          <a:p>
+            <a:pPr algn="ctr"/>
+          </a:p>
+        </p:txBody>
+      </p:sp>
+      <p:sp>
+        <p:nvSpPr>
+          <p:cNvPr id="19" name="TextBox 18"/>
+          <p:cNvSpPr txBox="1"/>
+          <p:nvPr/>
+        </p:nvSpPr>
+        <p:spPr>
+          <a:xfrm>
+            <a:off x="4128515" y="3282696"/>
+            <a:ext cx="2903220" cy="402336"/>
+          </a:xfrm>
+          <a:prstGeom prst="rect">
+            <a:avLst/>
+          </a:prstGeom>
+          <a:noFill/>
+        </p:spPr>
+        <p:txBody>
+          <a:bodyPr wrap="square" anchor="ctr"/>
+          <a:lstStyle/>
+          <a:p>
+            <a:pPr algn="ctr">
+              <a:lnSpc>
+                <a:spcPct val="135000"/>
+              </a:lnSpc>
+              <a:spcBef>
+                <a:spcPts val="0"/>
+              </a:spcBef>
+              <a:spcAft>
+                <a:spcPts val="0"/>
+              </a:spcAft>
+            </a:pPr>
+            <a:r>
+              <a:rPr sz="800" b="0">
+                <a:solidFill>
+                  <a:srgbClr val="475569"/>
+                </a:solidFill>
+                <a:latin typeface="Calibri"/>
+              </a:rPr>
+              <a:t>Relocating to Sado Island (Spring 2026)</a:t>
+            </a:r>
+          </a:p>
+        </p:txBody>
+      </p:sp>
+      <p:sp>
+        <p:nvSpPr>
+          <p:cNvPr id="20" name="Rectangle 19"/>
+          <p:cNvSpPr/>
+          <p:nvPr/>
+        </p:nvSpPr>
+        <p:spPr>
+          <a:xfrm>
+            <a:off x="457200" y="3785616"/>
+            <a:ext cx="7863840" cy="1051560"/>
+          </a:xfrm>
+          <a:prstGeom prst="rect">
+            <a:avLst/>
+          </a:prstGeom>
+          <a:solidFill>
+            <a:srgbClr val="EFF6FF"/>
+          </a:solidFill>
+          <a:ln>
+            <a:noFill/>
+          </a:ln>
+        </p:spPr>
+        <p:style>
+          <a:lnRef idx="1">
+            <a:schemeClr val="accent1"/>
+          </a:lnRef>
+          <a:fillRef idx="3">
+            <a:schemeClr val="accent1"/>
+          </a:fillRef>
+          <a:effectRef idx="2">
+            <a:schemeClr val="accent1"/>
+          </a:effectRef>
+          <a:fontRef idx="minor">
+            <a:schemeClr val="lt1"/>
+          </a:fontRef>
+        </p:style>
+        <p:txBody>
+          <a:bodyPr rtlCol="0" anchor="ctr"/>
+          <a:lstStyle/>
+          <a:p>
+            <a:pPr algn="ctr"/>
+          </a:p>
+        </p:txBody>
+      </p:sp>
+      <p:sp>
+        <p:nvSpPr>
+          <p:cNvPr id="21" name="Rectangle 20"/>
+          <p:cNvSpPr/>
+          <p:nvPr/>
+        </p:nvSpPr>
+        <p:spPr>
+          <a:xfrm>
+            <a:off x="457200" y="3785616"/>
+            <a:ext cx="54864" cy="1051560"/>
+          </a:xfrm>
+          <a:prstGeom prst="rect">
+            <a:avLst/>
+          </a:prstGeom>
+          <a:solidFill>
+            <a:srgbClr val="2563EB"/>
+          </a:solidFill>
+          <a:ln>
+            <a:noFill/>
+          </a:ln>
+        </p:spPr>
+        <p:style>
+          <a:lnRef idx="1">
+            <a:schemeClr val="accent1"/>
+          </a:lnRef>
+          <a:fillRef idx="3">
+            <a:schemeClr val="accent1"/>
+          </a:fillRef>
+          <a:effectRef idx="2">
+            <a:schemeClr val="accent1"/>
+          </a:effectRef>
+          <a:fontRef idx="minor">
+            <a:schemeClr val="lt1"/>
+          </a:fontRef>
+        </p:style>
+        <p:txBody>
+          <a:bodyPr rtlCol="0" anchor="ctr"/>
+          <a:lstStyle/>
+          <a:p>
+            <a:pPr algn="ctr"/>
+          </a:p>
+        </p:txBody>
+      </p:sp>
+      <p:sp>
+        <p:nvSpPr>
+          <p:cNvPr id="22" name="TextBox 21"/>
+          <p:cNvSpPr txBox="1"/>
+          <p:nvPr/>
+        </p:nvSpPr>
+        <p:spPr>
+          <a:xfrm>
+            <a:off x="685800" y="3877056"/>
+            <a:ext cx="7543800" cy="256032"/>
+          </a:xfrm>
+          <a:prstGeom prst="rect">
+            <a:avLst/>
+          </a:prstGeom>
+          <a:noFill/>
+        </p:spPr>
+        <p:txBody>
+          <a:bodyPr wrap="square"/>
+          <a:lstStyle/>
+          <a:p>
+            <a:pPr algn="l">
+              <a:lnSpc>
+                <a:spcPct val="135000"/>
+              </a:lnSpc>
+              <a:spcBef>
+                <a:spcPts val="0"/>
+              </a:spcBef>
+              <a:spcAft>
+                <a:spcPts val="0"/>
+              </a:spcAft>
+            </a:pPr>
+            <a:r>
+              <a:rPr sz="1000" b="1">
+                <a:solidFill>
+                  <a:srgbClr val="1E293B"/>
+                </a:solidFill>
+                <a:latin typeface="Calibri"/>
+              </a:rPr>
+              <a:t>A note on independence</a:t>
+            </a:r>
+          </a:p>
+        </p:txBody>
+      </p:sp>
+      <p:sp>
+        <p:nvSpPr>
+          <p:cNvPr id="23" name="TextBox 22"/>
+          <p:cNvSpPr txBox="1"/>
+          <p:nvPr/>
+        </p:nvSpPr>
+        <p:spPr>
+          <a:xfrm>
+            <a:off x="685800" y="4187952"/>
+            <a:ext cx="7543800" cy="576072"/>
+          </a:xfrm>
+          <a:prstGeom prst="rect">
+            <a:avLst/>
+          </a:prstGeom>
+          <a:noFill/>
+        </p:spPr>
+        <p:txBody>
+          <a:bodyPr wrap="square"/>
+          <a:lstStyle/>
+          <a:p>
+            <a:pPr algn="l">
+              <a:lnSpc>
+                <a:spcPct val="135000"/>
+              </a:lnSpc>
+              <a:spcBef>
+                <a:spcPts val="0"/>
+              </a:spcBef>
+              <a:spcAft>
+                <a:spcPts val="0"/>
+              </a:spcAft>
+            </a:pPr>
+            <a:r>
+              <a:rPr sz="1000" b="0">
+                <a:solidFill>
+                  <a:srgbClr val="475569"/>
+                </a:solidFill>
+                <a:latin typeface="Calibri"/>
+              </a:rPr>
+              <a:t>This is a vendor partnership — structurally identical to recommending Salesforce or SAP. No audit engagement, no equity relationship, no independence concerns. Designed with full awareness of firm compliance requirements.</a:t>
+            </a:r>
+          </a:p>
+        </p:txBody>
+      </p:sp>
+      <p:sp>
+        <p:nvSpPr>
+          <p:cNvPr id="24" name="Rectangle 23"/>
+          <p:cNvSpPr/>
+          <p:nvPr/>
+        </p:nvSpPr>
+        <p:spPr>
+          <a:xfrm>
+            <a:off x="0" y="4796028"/>
+            <a:ext cx="9144000" cy="6350"/>
+          </a:xfrm>
+          <a:prstGeom prst="rect">
+            <a:avLst/>
+          </a:prstGeom>
+          <a:solidFill>
+            <a:srgbClr val="E2E8F0"/>
+          </a:solidFill>
+          <a:ln>
+            <a:noFill/>
+          </a:ln>
+        </p:spPr>
+        <p:style>
+          <a:lnRef idx="1">
+            <a:schemeClr val="accent1"/>
+          </a:lnRef>
+          <a:fillRef idx="3">
+            <a:schemeClr val="accent1"/>
+          </a:fillRef>
+          <a:effectRef idx="2">
+            <a:schemeClr val="accent1"/>
+          </a:effectRef>
+          <a:fontRef idx="minor">
+            <a:schemeClr val="lt1"/>
+          </a:fontRef>
+        </p:style>
+        <p:txBody>
+          <a:bodyPr rtlCol="0" anchor="ctr"/>
+          <a:lstStyle/>
+          <a:p>
+            <a:pPr algn="ctr"/>
+          </a:p>
+        </p:txBody>
+      </p:sp>
+      <p:sp>
+        <p:nvSpPr>
+          <p:cNvPr id="25" name="TextBox 24"/>
+          <p:cNvSpPr txBox="1"/>
+          <p:nvPr/>
+        </p:nvSpPr>
+        <p:spPr>
+          <a:xfrm>
+            <a:off x="457200" y="4821428"/>
+            <a:ext cx="3657600" cy="274320"/>
+          </a:xfrm>
+          <a:prstGeom prst="rect">
+            <a:avLst/>
+          </a:prstGeom>
+          <a:noFill/>
+        </p:spPr>
+        <p:txBody>
+          <a:bodyPr wrap="square"/>
+          <a:lstStyle/>
+          <a:p>
+            <a:pPr algn="l">
+              <a:lnSpc>
+                <a:spcPct val="135000"/>
+              </a:lnSpc>
+              <a:spcBef>
+                <a:spcPts val="0"/>
+              </a:spcBef>
+              <a:spcAft>
+                <a:spcPts val="0"/>
+              </a:spcAft>
+            </a:pPr>
+            <a:r>
+              <a:rPr sz="900" b="0">
+                <a:solidFill>
+                  <a:srgbClr val="94A3B8"/>
+                </a:solidFill>
+                <a:latin typeface="Calibri"/>
+              </a:rPr>
+              <a:t>TokiStorage — Partnership Proposal</a:t>
+            </a:r>
+          </a:p>
+        </p:txBody>
+      </p:sp>
+      <p:sp>
+        <p:nvSpPr>
+          <p:cNvPr id="26" name="TextBox 25"/>
+          <p:cNvSpPr txBox="1"/>
+          <p:nvPr/>
+        </p:nvSpPr>
+        <p:spPr>
+          <a:xfrm>
+            <a:off x="3657600" y="4821428"/>
+            <a:ext cx="1828800" cy="274320"/>
+          </a:xfrm>
+          <a:prstGeom prst="rect">
+            <a:avLst/>
+          </a:prstGeom>
+          <a:noFill/>
+        </p:spPr>
+        <p:txBody>
+          <a:bodyPr wrap="square"/>
+          <a:lstStyle/>
+          <a:p>
+            <a:pPr algn="ctr">
+              <a:lnSpc>
+                <a:spcPct val="135000"/>
+              </a:lnSpc>
+              <a:spcBef>
+                <a:spcPts val="0"/>
+              </a:spcBef>
+              <a:spcAft>
+                <a:spcPts val="0"/>
+              </a:spcAft>
+            </a:pPr>
+            <a:r>
+              <a:rPr sz="900" b="0">
+                <a:solidFill>
+                  <a:srgbClr val="94A3B8"/>
+                </a:solidFill>
+                <a:latin typeface="Calibri"/>
+              </a:rPr>
+              <a:t>Confidential</a:t>
+            </a:r>
+          </a:p>
+        </p:txBody>
+      </p:sp>
+      <p:sp>
+        <p:nvSpPr>
+          <p:cNvPr id="27" name="TextBox 26"/>
+          <p:cNvSpPr txBox="1"/>
+          <p:nvPr/>
+        </p:nvSpPr>
+        <p:spPr>
+          <a:xfrm>
+            <a:off x="8229600" y="4821428"/>
+            <a:ext cx="457200" cy="274320"/>
+          </a:xfrm>
+          <a:prstGeom prst="rect">
+            <a:avLst/>
+          </a:prstGeom>
+          <a:noFill/>
+        </p:spPr>
+        <p:txBody>
+          <a:bodyPr wrap="square"/>
+          <a:lstStyle/>
+          <a:p>
+            <a:pPr algn="r">
+              <a:lnSpc>
+                <a:spcPct val="135000"/>
+              </a:lnSpc>
+              <a:spcBef>
+                <a:spcPts val="0"/>
+              </a:spcBef>
+              <a:spcAft>
+                <a:spcPts val="0"/>
+              </a:spcAft>
+            </a:pPr>
+            <a:r>
+              <a:rPr sz="900" b="1">
+                <a:solidFill>
+                  <a:srgbClr val="94A3B8"/>
+                </a:solidFill>
+                <a:latin typeface="Calibri"/>
+              </a:rPr>
+              <a:t>10</a:t>
+            </a:r>
+          </a:p>
+        </p:txBody>
+      </p:sp>
+    </p:spTree>
+  </p:cSld>
+  <p:clrMapOvr>
+    <a:masterClrMapping/>
+  </p:clrMapOvr>
+</p:sld>
+</file>
+
+<file path=ppt/slides/slide11.xml><?xml version="1.0" encoding="utf-8"?>
+<p:sld xmlns:a="http://schemas.openxmlformats.org/drawingml/2006/main" xmlns:p="http://schemas.openxmlformats.org/presentationml/2006/main" xmlns:r="http://schemas.openxmlformats.org/officeDocument/2006/relationships">
+  <p:cSld>
+    <p:spTree>
+      <p:nvGrpSpPr>
+        <p:cNvPr id="1" name=""/>
+        <p:cNvGrpSpPr/>
+        <p:nvPr/>
+      </p:nvGrpSpPr>
+      <p:grpSpPr/>
+      <p:sp>
+        <p:nvSpPr>
+          <p:cNvPr id="2" name="Rectangle 1"/>
+          <p:cNvSpPr/>
+          <p:nvPr/>
+        </p:nvSpPr>
+        <p:spPr>
+          <a:xfrm>
+            <a:off x="0" y="0"/>
+            <a:ext cx="9144000" cy="5143500"/>
+          </a:xfrm>
+          <a:prstGeom prst="rect">
+            <a:avLst/>
+          </a:prstGeom>
+          <a:solidFill>
+            <a:srgbClr val="1E293B"/>
+          </a:solidFill>
+          <a:ln>
+            <a:noFill/>
+          </a:ln>
+        </p:spPr>
+        <p:style>
+          <a:lnRef idx="1">
+            <a:schemeClr val="accent1"/>
+          </a:lnRef>
+          <a:fillRef idx="3">
+            <a:schemeClr val="accent1"/>
+          </a:fillRef>
+          <a:effectRef idx="2">
+            <a:schemeClr val="accent1"/>
+          </a:effectRef>
+          <a:fontRef idx="minor">
+            <a:schemeClr val="lt1"/>
+          </a:fontRef>
+        </p:style>
+        <p:txBody>
+          <a:bodyPr rtlCol="0" anchor="ctr"/>
+          <a:lstStyle/>
+          <a:p>
+            <a:pPr algn="ctr"/>
+          </a:p>
+        </p:txBody>
+      </p:sp>
+      <p:sp>
+        <p:nvSpPr>
+          <p:cNvPr id="3" name="TextBox 2"/>
+          <p:cNvSpPr txBox="1"/>
+          <p:nvPr/>
+        </p:nvSpPr>
+        <p:spPr>
+          <a:xfrm>
+            <a:off x="457200" y="137160"/>
+            <a:ext cx="3657600" cy="411480"/>
+          </a:xfrm>
+          <a:prstGeom prst="rect">
+            <a:avLst/>
+          </a:prstGeom>
+          <a:noFill/>
+        </p:spPr>
+        <p:txBody>
+          <a:bodyPr wrap="square"/>
+          <a:lstStyle/>
+          <a:p>
+            <a:pPr algn="l">
+              <a:lnSpc>
+                <a:spcPct val="135000"/>
+              </a:lnSpc>
+              <a:spcBef>
+                <a:spcPts val="0"/>
+              </a:spcBef>
+              <a:spcAft>
+                <a:spcPts val="0"/>
+              </a:spcAft>
+            </a:pPr>
+            <a:r>
+              <a:rPr sz="1300" b="1">
+                <a:solidFill>
+                  <a:srgbClr val="FFFFFF"/>
+                </a:solidFill>
+                <a:latin typeface="Calibri"/>
+              </a:rPr>
+              <a:t>Next Step</a:t>
+            </a:r>
+          </a:p>
+        </p:txBody>
+      </p:sp>
+      <p:sp>
+        <p:nvSpPr>
+          <p:cNvPr id="4" name="TextBox 3"/>
+          <p:cNvSpPr txBox="1"/>
+          <p:nvPr/>
+        </p:nvSpPr>
+        <p:spPr>
+          <a:xfrm>
+            <a:off x="457200" y="777240"/>
+            <a:ext cx="7315200" cy="457200"/>
+          </a:xfrm>
+          <a:prstGeom prst="rect">
+            <a:avLst/>
+          </a:prstGeom>
+          <a:noFill/>
+        </p:spPr>
+        <p:txBody>
+          <a:bodyPr wrap="square"/>
+          <a:lstStyle/>
+          <a:p>
+            <a:pPr algn="l">
+              <a:lnSpc>
+                <a:spcPct val="135000"/>
+              </a:lnSpc>
+              <a:spcBef>
+                <a:spcPts val="0"/>
+              </a:spcBef>
+              <a:spcAft>
+                <a:spcPts val="0"/>
+              </a:spcAft>
+            </a:pPr>
+            <a:r>
+              <a:rPr sz="2000" b="1">
+                <a:solidFill>
+                  <a:srgbClr val="FFFFFF"/>
+                </a:solidFill>
+                <a:latin typeface="Calibri"/>
+              </a:rPr>
+              <a:t>Proposed Timeline</a:t>
+            </a:r>
+          </a:p>
+        </p:txBody>
+      </p:sp>
+      <p:sp>
+        <p:nvSpPr>
+          <p:cNvPr id="5" name="Oval 4"/>
+          <p:cNvSpPr/>
+          <p:nvPr/>
+        </p:nvSpPr>
+        <p:spPr>
+          <a:xfrm>
+            <a:off x="731520" y="1554480"/>
+            <a:ext cx="384048" cy="384048"/>
+          </a:xfrm>
+          <a:prstGeom prst="ellipse">
+            <a:avLst/>
+          </a:prstGeom>
+          <a:solidFill>
+            <a:srgbClr val="2563EB"/>
+          </a:solidFill>
+          <a:ln>
+            <a:noFill/>
+          </a:ln>
+        </p:spPr>
+        <p:style>
+          <a:lnRef idx="1">
+            <a:schemeClr val="accent1"/>
+          </a:lnRef>
+          <a:fillRef idx="3">
+            <a:schemeClr val="accent1"/>
+          </a:fillRef>
+          <a:effectRef idx="2">
+            <a:schemeClr val="accent1"/>
+          </a:effectRef>
+          <a:fontRef idx="minor">
+            <a:schemeClr val="lt1"/>
+          </a:fontRef>
+        </p:style>
+        <p:txBody>
+          <a:bodyPr rtlCol="0" anchor="ctr"/>
+          <a:lstStyle/>
+          <a:p>
+            <a:pPr algn="ctr"/>
+          </a:p>
+        </p:txBody>
+      </p:sp>
+      <p:sp>
+        <p:nvSpPr>
+          <p:cNvPr id="6" name="TextBox 5"/>
+          <p:cNvSpPr txBox="1"/>
+          <p:nvPr/>
+        </p:nvSpPr>
+        <p:spPr>
+          <a:xfrm>
+            <a:off x="731520" y="1554480"/>
+            <a:ext cx="384048" cy="384048"/>
+          </a:xfrm>
+          <a:prstGeom prst="rect">
+            <a:avLst/>
+          </a:prstGeom>
+          <a:noFill/>
+        </p:spPr>
+        <p:txBody>
+          <a:bodyPr wrap="square" anchor="ctr"/>
+          <a:lstStyle/>
+          <a:p>
+            <a:pPr algn="ctr">
+              <a:lnSpc>
+                <a:spcPct val="135000"/>
+              </a:lnSpc>
+              <a:spcBef>
+                <a:spcPts val="0"/>
+              </a:spcBef>
+              <a:spcAft>
+                <a:spcPts val="0"/>
+              </a:spcAft>
+            </a:pPr>
+            <a:r>
+              <a:rPr sz="1000" b="1">
+                <a:solidFill>
+                  <a:srgbClr val="FFFFFF"/>
+                </a:solidFill>
+                <a:latin typeface="Calibri"/>
+              </a:rPr>
+              <a:t>01</a:t>
+            </a:r>
+          </a:p>
+        </p:txBody>
+      </p:sp>
+      <p:sp>
+        <p:nvSpPr>
+          <p:cNvPr id="7" name="TextBox 6"/>
+          <p:cNvSpPr txBox="1"/>
+          <p:nvPr/>
+        </p:nvSpPr>
+        <p:spPr>
+          <a:xfrm>
+            <a:off x="1280160" y="1517904"/>
+            <a:ext cx="3657600" cy="274320"/>
+          </a:xfrm>
+          <a:prstGeom prst="rect">
+            <a:avLst/>
+          </a:prstGeom>
+          <a:noFill/>
+        </p:spPr>
+        <p:txBody>
+          <a:bodyPr wrap="square"/>
+          <a:lstStyle/>
+          <a:p>
+            <a:pPr algn="l">
+              <a:lnSpc>
+                <a:spcPct val="135000"/>
+              </a:lnSpc>
+              <a:spcBef>
+                <a:spcPts val="0"/>
+              </a:spcBef>
+              <a:spcAft>
+                <a:spcPts val="0"/>
+              </a:spcAft>
+            </a:pPr>
+            <a:r>
+              <a:rPr sz="1200" b="1">
+                <a:solidFill>
+                  <a:srgbClr val="FFFFFF"/>
+                </a:solidFill>
+                <a:latin typeface="Calibri"/>
+              </a:rPr>
+              <a:t>Initial Meeting (30 min)</a:t>
+            </a:r>
+          </a:p>
+        </p:txBody>
+      </p:sp>
+      <p:sp>
+        <p:nvSpPr>
+          <p:cNvPr id="8" name="TextBox 7"/>
+          <p:cNvSpPr txBox="1"/>
+          <p:nvPr/>
+        </p:nvSpPr>
+        <p:spPr>
+          <a:xfrm>
+            <a:off x="1280160" y="1773936"/>
+            <a:ext cx="6400800" cy="237744"/>
+          </a:xfrm>
+          <a:prstGeom prst="rect">
+            <a:avLst/>
+          </a:prstGeom>
+          <a:noFill/>
+        </p:spPr>
+        <p:txBody>
+          <a:bodyPr wrap="square"/>
+          <a:lstStyle/>
+          <a:p>
+            <a:pPr algn="l">
+              <a:lnSpc>
+                <a:spcPct val="135000"/>
+              </a:lnSpc>
+              <a:spcBef>
+                <a:spcPts val="0"/>
+              </a:spcBef>
+              <a:spcAft>
+                <a:spcPts val="0"/>
+              </a:spcAft>
+            </a:pPr>
+            <a:r>
+              <a:rPr sz="1000" b="0">
+                <a:solidFill>
+                  <a:srgbClr val="BBBBCC"/>
+                </a:solidFill>
+                <a:latin typeface="Calibri"/>
+              </a:rPr>
+              <a:t>Share your client landscape and current challenges</a:t>
+            </a:r>
+          </a:p>
+        </p:txBody>
+      </p:sp>
+      <p:sp>
+        <p:nvSpPr>
+          <p:cNvPr id="9" name="Oval 8"/>
+          <p:cNvSpPr/>
+          <p:nvPr/>
+        </p:nvSpPr>
+        <p:spPr>
+          <a:xfrm>
+            <a:off x="731520" y="2212848"/>
+            <a:ext cx="384048" cy="384048"/>
+          </a:xfrm>
+          <a:prstGeom prst="ellipse">
+            <a:avLst/>
+          </a:prstGeom>
+          <a:solidFill>
+            <a:srgbClr val="2563EB"/>
+          </a:solidFill>
+          <a:ln>
+            <a:noFill/>
+          </a:ln>
+        </p:spPr>
+        <p:style>
+          <a:lnRef idx="1">
+            <a:schemeClr val="accent1"/>
+          </a:lnRef>
+          <a:fillRef idx="3">
+            <a:schemeClr val="accent1"/>
+          </a:fillRef>
+          <a:effectRef idx="2">
+            <a:schemeClr val="accent1"/>
+          </a:effectRef>
+          <a:fontRef idx="minor">
+            <a:schemeClr val="lt1"/>
+          </a:fontRef>
+        </p:style>
+        <p:txBody>
+          <a:bodyPr rtlCol="0" anchor="ctr"/>
+          <a:lstStyle/>
+          <a:p>
+            <a:pPr algn="ctr"/>
+          </a:p>
+        </p:txBody>
+      </p:sp>
+      <p:sp>
+        <p:nvSpPr>
+          <p:cNvPr id="10" name="TextBox 9"/>
+          <p:cNvSpPr txBox="1"/>
+          <p:nvPr/>
+        </p:nvSpPr>
+        <p:spPr>
+          <a:xfrm>
+            <a:off x="731520" y="2212848"/>
+            <a:ext cx="384048" cy="384048"/>
+          </a:xfrm>
+          <a:prstGeom prst="rect">
+            <a:avLst/>
+          </a:prstGeom>
+          <a:noFill/>
+        </p:spPr>
+        <p:txBody>
+          <a:bodyPr wrap="square" anchor="ctr"/>
+          <a:lstStyle/>
+          <a:p>
+            <a:pPr algn="ctr">
+              <a:lnSpc>
+                <a:spcPct val="135000"/>
+              </a:lnSpc>
+              <a:spcBef>
+                <a:spcPts val="0"/>
+              </a:spcBef>
+              <a:spcAft>
+                <a:spcPts val="0"/>
+              </a:spcAft>
+            </a:pPr>
+            <a:r>
+              <a:rPr sz="1000" b="1">
+                <a:solidFill>
+                  <a:srgbClr val="FFFFFF"/>
+                </a:solidFill>
+                <a:latin typeface="Calibri"/>
+              </a:rPr>
+              <a:t>02</a:t>
+            </a:r>
+          </a:p>
+        </p:txBody>
+      </p:sp>
+      <p:sp>
+        <p:nvSpPr>
+          <p:cNvPr id="11" name="TextBox 10"/>
+          <p:cNvSpPr txBox="1"/>
+          <p:nvPr/>
+        </p:nvSpPr>
+        <p:spPr>
+          <a:xfrm>
+            <a:off x="1280160" y="2176272"/>
+            <a:ext cx="3657600" cy="274320"/>
+          </a:xfrm>
+          <a:prstGeom prst="rect">
+            <a:avLst/>
+          </a:prstGeom>
+          <a:noFill/>
+        </p:spPr>
+        <p:txBody>
+          <a:bodyPr wrap="square"/>
+          <a:lstStyle/>
+          <a:p>
+            <a:pPr algn="l">
+              <a:lnSpc>
+                <a:spcPct val="135000"/>
+              </a:lnSpc>
+              <a:spcBef>
+                <a:spcPts val="0"/>
+              </a:spcBef>
+              <a:spcAft>
+                <a:spcPts val="0"/>
+              </a:spcAft>
+            </a:pPr>
+            <a:r>
+              <a:rPr sz="1200" b="1">
+                <a:solidFill>
+                  <a:srgbClr val="FFFFFF"/>
+                </a:solidFill>
+                <a:latin typeface="Calibri"/>
+              </a:rPr>
+              <a:t>Use Case Selection</a:t>
+            </a:r>
+          </a:p>
+        </p:txBody>
+      </p:sp>
+      <p:sp>
+        <p:nvSpPr>
+          <p:cNvPr id="12" name="TextBox 11"/>
+          <p:cNvSpPr txBox="1"/>
+          <p:nvPr/>
+        </p:nvSpPr>
+        <p:spPr>
+          <a:xfrm>
+            <a:off x="1280160" y="2432304"/>
+            <a:ext cx="6400800" cy="237744"/>
+          </a:xfrm>
+          <a:prstGeom prst="rect">
+            <a:avLst/>
+          </a:prstGeom>
+          <a:noFill/>
+        </p:spPr>
+        <p:txBody>
+          <a:bodyPr wrap="square"/>
+          <a:lstStyle/>
+          <a:p>
+            <a:pPr algn="l">
+              <a:lnSpc>
+                <a:spcPct val="135000"/>
+              </a:lnSpc>
+              <a:spcBef>
+                <a:spcPts val="0"/>
+              </a:spcBef>
+              <a:spcAft>
+                <a:spcPts val="0"/>
+              </a:spcAft>
+            </a:pPr>
+            <a:r>
+              <a:rPr sz="1000" b="0">
+                <a:solidFill>
+                  <a:srgbClr val="BBBBCC"/>
+                </a:solidFill>
+                <a:latin typeface="Calibri"/>
+              </a:rPr>
+              <a:t>Identify high-affinity sectors from your portfolio</a:t>
+            </a:r>
+          </a:p>
+        </p:txBody>
+      </p:sp>
+      <p:sp>
+        <p:nvSpPr>
+          <p:cNvPr id="13" name="Oval 12"/>
+          <p:cNvSpPr/>
+          <p:nvPr/>
+        </p:nvSpPr>
+        <p:spPr>
+          <a:xfrm>
+            <a:off x="731520" y="2871216"/>
+            <a:ext cx="384048" cy="384048"/>
+          </a:xfrm>
+          <a:prstGeom prst="ellipse">
+            <a:avLst/>
+          </a:prstGeom>
+          <a:solidFill>
+            <a:srgbClr val="2563EB"/>
+          </a:solidFill>
+          <a:ln>
+            <a:noFill/>
+          </a:ln>
+        </p:spPr>
+        <p:style>
+          <a:lnRef idx="1">
+            <a:schemeClr val="accent1"/>
+          </a:lnRef>
+          <a:fillRef idx="3">
+            <a:schemeClr val="accent1"/>
+          </a:fillRef>
+          <a:effectRef idx="2">
+            <a:schemeClr val="accent1"/>
+          </a:effectRef>
+          <a:fontRef idx="minor">
+            <a:schemeClr val="lt1"/>
+          </a:fontRef>
+        </p:style>
+        <p:txBody>
+          <a:bodyPr rtlCol="0" anchor="ctr"/>
+          <a:lstStyle/>
+          <a:p>
+            <a:pPr algn="ctr"/>
+          </a:p>
+        </p:txBody>
+      </p:sp>
+      <p:sp>
+        <p:nvSpPr>
+          <p:cNvPr id="14" name="TextBox 13"/>
+          <p:cNvSpPr txBox="1"/>
+          <p:nvPr/>
+        </p:nvSpPr>
+        <p:spPr>
+          <a:xfrm>
+            <a:off x="731520" y="2871216"/>
+            <a:ext cx="384048" cy="384048"/>
+          </a:xfrm>
+          <a:prstGeom prst="rect">
+            <a:avLst/>
+          </a:prstGeom>
+          <a:noFill/>
+        </p:spPr>
+        <p:txBody>
+          <a:bodyPr wrap="square" anchor="ctr"/>
+          <a:lstStyle/>
+          <a:p>
+            <a:pPr algn="ctr">
+              <a:lnSpc>
+                <a:spcPct val="135000"/>
+              </a:lnSpc>
+              <a:spcBef>
+                <a:spcPts val="0"/>
+              </a:spcBef>
+              <a:spcAft>
+                <a:spcPts val="0"/>
+              </a:spcAft>
+            </a:pPr>
+            <a:r>
+              <a:rPr sz="1000" b="1">
+                <a:solidFill>
+                  <a:srgbClr val="FFFFFF"/>
+                </a:solidFill>
+                <a:latin typeface="Calibri"/>
+              </a:rPr>
+              <a:t>03</a:t>
+            </a:r>
+          </a:p>
+        </p:txBody>
+      </p:sp>
+      <p:sp>
+        <p:nvSpPr>
+          <p:cNvPr id="15" name="TextBox 14"/>
+          <p:cNvSpPr txBox="1"/>
+          <p:nvPr/>
+        </p:nvSpPr>
+        <p:spPr>
+          <a:xfrm>
+            <a:off x="1280160" y="2834640"/>
+            <a:ext cx="3657600" cy="274320"/>
+          </a:xfrm>
+          <a:prstGeom prst="rect">
+            <a:avLst/>
+          </a:prstGeom>
+          <a:noFill/>
+        </p:spPr>
+        <p:txBody>
+          <a:bodyPr wrap="square"/>
+          <a:lstStyle/>
+          <a:p>
+            <a:pPr algn="l">
+              <a:lnSpc>
+                <a:spcPct val="135000"/>
+              </a:lnSpc>
+              <a:spcBef>
+                <a:spcPts val="0"/>
+              </a:spcBef>
+              <a:spcAft>
+                <a:spcPts val="0"/>
+              </a:spcAft>
+            </a:pPr>
+            <a:r>
+              <a:rPr sz="1200" b="1">
+                <a:solidFill>
+                  <a:srgbClr val="FFFFFF"/>
+                </a:solidFill>
+                <a:latin typeface="Calibri"/>
+              </a:rPr>
+              <a:t>Partnership Design</a:t>
+            </a:r>
+          </a:p>
+        </p:txBody>
+      </p:sp>
+      <p:sp>
+        <p:nvSpPr>
+          <p:cNvPr id="16" name="TextBox 15"/>
+          <p:cNvSpPr txBox="1"/>
+          <p:nvPr/>
+        </p:nvSpPr>
+        <p:spPr>
+          <a:xfrm>
+            <a:off x="1280160" y="3090672"/>
+            <a:ext cx="6400800" cy="237744"/>
+          </a:xfrm>
+          <a:prstGeom prst="rect">
+            <a:avLst/>
+          </a:prstGeom>
+          <a:noFill/>
+        </p:spPr>
+        <p:txBody>
+          <a:bodyPr wrap="square"/>
+          <a:lstStyle/>
+          <a:p>
+            <a:pPr algn="l">
+              <a:lnSpc>
+                <a:spcPct val="135000"/>
+              </a:lnSpc>
+              <a:spcBef>
+                <a:spcPts val="0"/>
+              </a:spcBef>
+              <a:spcAft>
+                <a:spcPts val="0"/>
+              </a:spcAft>
+            </a:pPr>
+            <a:r>
+              <a:rPr sz="1000" b="0">
+                <a:solidFill>
+                  <a:srgbClr val="BBBBCC"/>
+                </a:solidFill>
+                <a:latin typeface="Calibri"/>
+              </a:rPr>
+              <a:t>Select model, define scope and terms</a:t>
+            </a:r>
+          </a:p>
+        </p:txBody>
+      </p:sp>
+      <p:sp>
+        <p:nvSpPr>
+          <p:cNvPr id="17" name="Oval 16"/>
+          <p:cNvSpPr/>
+          <p:nvPr/>
+        </p:nvSpPr>
+        <p:spPr>
+          <a:xfrm>
+            <a:off x="731520" y="3529584"/>
+            <a:ext cx="384048" cy="384048"/>
+          </a:xfrm>
+          <a:prstGeom prst="ellipse">
+            <a:avLst/>
+          </a:prstGeom>
+          <a:solidFill>
+            <a:srgbClr val="2563EB"/>
+          </a:solidFill>
+          <a:ln>
+            <a:noFill/>
+          </a:ln>
+        </p:spPr>
+        <p:style>
+          <a:lnRef idx="1">
+            <a:schemeClr val="accent1"/>
+          </a:lnRef>
+          <a:fillRef idx="3">
+            <a:schemeClr val="accent1"/>
+          </a:fillRef>
+          <a:effectRef idx="2">
+            <a:schemeClr val="accent1"/>
+          </a:effectRef>
+          <a:fontRef idx="minor">
+            <a:schemeClr val="lt1"/>
+          </a:fontRef>
+        </p:style>
+        <p:txBody>
+          <a:bodyPr rtlCol="0" anchor="ctr"/>
+          <a:lstStyle/>
+          <a:p>
+            <a:pPr algn="ctr"/>
+          </a:p>
+        </p:txBody>
+      </p:sp>
+      <p:sp>
+        <p:nvSpPr>
+          <p:cNvPr id="18" name="TextBox 17"/>
+          <p:cNvSpPr txBox="1"/>
+          <p:nvPr/>
+        </p:nvSpPr>
+        <p:spPr>
+          <a:xfrm>
+            <a:off x="731520" y="3529584"/>
+            <a:ext cx="384048" cy="384048"/>
+          </a:xfrm>
+          <a:prstGeom prst="rect">
+            <a:avLst/>
+          </a:prstGeom>
+          <a:noFill/>
+        </p:spPr>
+        <p:txBody>
+          <a:bodyPr wrap="square" anchor="ctr"/>
+          <a:lstStyle/>
+          <a:p>
+            <a:pPr algn="ctr">
+              <a:lnSpc>
+                <a:spcPct val="135000"/>
+              </a:lnSpc>
+              <a:spcBef>
+                <a:spcPts val="0"/>
+              </a:spcBef>
+              <a:spcAft>
+                <a:spcPts val="0"/>
+              </a:spcAft>
+            </a:pPr>
+            <a:r>
+              <a:rPr sz="1000" b="1">
+                <a:solidFill>
+                  <a:srgbClr val="FFFFFF"/>
+                </a:solidFill>
+                <a:latin typeface="Calibri"/>
+              </a:rPr>
+              <a:t>04</a:t>
+            </a:r>
+          </a:p>
+        </p:txBody>
+      </p:sp>
+      <p:sp>
+        <p:nvSpPr>
+          <p:cNvPr id="19" name="TextBox 18"/>
+          <p:cNvSpPr txBox="1"/>
+          <p:nvPr/>
+        </p:nvSpPr>
+        <p:spPr>
+          <a:xfrm>
+            <a:off x="1280160" y="3493008"/>
+            <a:ext cx="3657600" cy="274320"/>
+          </a:xfrm>
+          <a:prstGeom prst="rect">
+            <a:avLst/>
+          </a:prstGeom>
+          <a:noFill/>
+        </p:spPr>
+        <p:txBody>
+          <a:bodyPr wrap="square"/>
+          <a:lstStyle/>
+          <a:p>
+            <a:pPr algn="l">
+              <a:lnSpc>
+                <a:spcPct val="135000"/>
+              </a:lnSpc>
+              <a:spcBef>
+                <a:spcPts val="0"/>
+              </a:spcBef>
+              <a:spcAft>
+                <a:spcPts val="0"/>
+              </a:spcAft>
+            </a:pPr>
+            <a:r>
+              <a:rPr sz="1200" b="1">
+                <a:solidFill>
+                  <a:srgbClr val="FFFFFF"/>
+                </a:solidFill>
+                <a:latin typeface="Calibri"/>
+              </a:rPr>
+              <a:t>Pilot Engagement</a:t>
+            </a:r>
+          </a:p>
+        </p:txBody>
+      </p:sp>
+      <p:sp>
+        <p:nvSpPr>
+          <p:cNvPr id="20" name="TextBox 19"/>
+          <p:cNvSpPr txBox="1"/>
+          <p:nvPr/>
+        </p:nvSpPr>
+        <p:spPr>
+          <a:xfrm>
+            <a:off x="1280160" y="3749040"/>
+            <a:ext cx="6400800" cy="237744"/>
+          </a:xfrm>
+          <a:prstGeom prst="rect">
+            <a:avLst/>
+          </a:prstGeom>
+          <a:noFill/>
+        </p:spPr>
+        <p:txBody>
+          <a:bodyPr wrap="square"/>
+          <a:lstStyle/>
+          <a:p>
+            <a:pPr algn="l">
+              <a:lnSpc>
+                <a:spcPct val="135000"/>
+              </a:lnSpc>
+              <a:spcBef>
+                <a:spcPts val="0"/>
+              </a:spcBef>
+              <a:spcAft>
+                <a:spcPts val="0"/>
+              </a:spcAft>
+            </a:pPr>
+            <a:r>
+              <a:rPr sz="1000" b="0">
+                <a:solidFill>
+                  <a:srgbClr val="BBBBCC"/>
+                </a:solidFill>
+                <a:latin typeface="Calibri"/>
+              </a:rPr>
+              <a:t>Prove value with 1–2 client engagements</a:t>
+            </a:r>
+          </a:p>
+        </p:txBody>
+      </p:sp>
+      <p:sp>
+        <p:nvSpPr>
+          <p:cNvPr id="21" name="TextBox 20"/>
+          <p:cNvSpPr txBox="1"/>
+          <p:nvPr/>
+        </p:nvSpPr>
+        <p:spPr>
+          <a:xfrm>
+            <a:off x="731520" y="4229100"/>
+            <a:ext cx="7315200" cy="274320"/>
+          </a:xfrm>
+          <a:prstGeom prst="rect">
+            <a:avLst/>
+          </a:prstGeom>
+          <a:noFill/>
+        </p:spPr>
+        <p:txBody>
+          <a:bodyPr wrap="square"/>
+          <a:lstStyle/>
+          <a:p>
+            <a:pPr algn="l">
+              <a:lnSpc>
+                <a:spcPct val="135000"/>
+              </a:lnSpc>
+              <a:spcBef>
+                <a:spcPts val="0"/>
+              </a:spcBef>
+              <a:spcAft>
+                <a:spcPts val="0"/>
+              </a:spcAft>
+            </a:pPr>
+            <a:r>
+              <a:rPr sz="1000" b="0">
+                <a:solidFill>
+                  <a:srgbClr val="94A3B8"/>
+                </a:solidFill>
+                <a:latin typeface="Calibri"/>
+              </a:rPr>
+              <a:t>Takuya Sato — Founder, TokiStorage</a:t>
+            </a:r>
+          </a:p>
+        </p:txBody>
+      </p:sp>
+      <p:sp>
+        <p:nvSpPr>
+          <p:cNvPr id="22" name="Rectangle 21"/>
+          <p:cNvSpPr/>
+          <p:nvPr/>
+        </p:nvSpPr>
+        <p:spPr>
+          <a:xfrm>
+            <a:off x="0" y="4613148"/>
+            <a:ext cx="9144000" cy="6350"/>
+          </a:xfrm>
+          <a:prstGeom prst="rect">
+            <a:avLst/>
+          </a:prstGeom>
+          <a:solidFill>
+            <a:srgbClr val="334455"/>
+          </a:solidFill>
+          <a:ln>
+            <a:noFill/>
+          </a:ln>
+        </p:spPr>
+        <p:style>
+          <a:lnRef idx="1">
+            <a:schemeClr val="accent1"/>
+          </a:lnRef>
+          <a:fillRef idx="3">
+            <a:schemeClr val="accent1"/>
+          </a:fillRef>
+          <a:effectRef idx="2">
+            <a:schemeClr val="accent1"/>
+          </a:effectRef>
+          <a:fontRef idx="minor">
+            <a:schemeClr val="lt1"/>
+          </a:fontRef>
+        </p:style>
+        <p:txBody>
+          <a:bodyPr rtlCol="0" anchor="ctr"/>
+          <a:lstStyle/>
+          <a:p>
+            <a:pPr algn="ctr"/>
+          </a:p>
+        </p:txBody>
+      </p:sp>
+      <p:sp>
+        <p:nvSpPr>
+          <p:cNvPr id="23" name="TextBox 22"/>
+          <p:cNvSpPr txBox="1"/>
+          <p:nvPr/>
+        </p:nvSpPr>
+        <p:spPr>
+          <a:xfrm>
+            <a:off x="457200" y="4640580"/>
+            <a:ext cx="3657600" cy="320040"/>
+          </a:xfrm>
+          <a:prstGeom prst="rect">
+            <a:avLst/>
+          </a:prstGeom>
+          <a:noFill/>
+        </p:spPr>
+        <p:txBody>
+          <a:bodyPr wrap="square"/>
+          <a:lstStyle/>
+          <a:p>
+            <a:pPr algn="l">
+              <a:lnSpc>
+                <a:spcPct val="135000"/>
+              </a:lnSpc>
+              <a:spcBef>
+                <a:spcPts val="0"/>
+              </a:spcBef>
+              <a:spcAft>
+                <a:spcPts val="0"/>
+              </a:spcAft>
+            </a:pPr>
+            <a:r>
+              <a:rPr sz="900" b="0">
+                <a:solidFill>
+                  <a:srgbClr val="94A3B8"/>
+                </a:solidFill>
+                <a:latin typeface="Calibri"/>
+              </a:rPr>
+              <a:t>TokiStorage</a:t>
+            </a:r>
+          </a:p>
+        </p:txBody>
+      </p:sp>
+      <p:sp>
+        <p:nvSpPr>
+          <p:cNvPr id="24" name="TextBox 23"/>
+          <p:cNvSpPr txBox="1"/>
+          <p:nvPr/>
+        </p:nvSpPr>
+        <p:spPr>
+          <a:xfrm>
+            <a:off x="3657600" y="4640580"/>
+            <a:ext cx="1828800" cy="320040"/>
+          </a:xfrm>
+          <a:prstGeom prst="rect">
+            <a:avLst/>
+          </a:prstGeom>
+          <a:noFill/>
+        </p:spPr>
+        <p:txBody>
+          <a:bodyPr wrap="square"/>
+          <a:lstStyle/>
+          <a:p>
+            <a:pPr algn="ctr">
+              <a:lnSpc>
+                <a:spcPct val="135000"/>
+              </a:lnSpc>
+              <a:spcBef>
+                <a:spcPts val="0"/>
+              </a:spcBef>
+              <a:spcAft>
+                <a:spcPts val="0"/>
+              </a:spcAft>
+            </a:pPr>
+            <a:r>
+              <a:rPr sz="900" b="0">
+                <a:solidFill>
+                  <a:srgbClr val="94A3B8"/>
+                </a:solidFill>
+                <a:latin typeface="Calibri"/>
+              </a:rPr>
+              <a:t>Confidential</a:t>
+            </a:r>
+          </a:p>
+        </p:txBody>
+      </p:sp>
+      <p:sp>
+        <p:nvSpPr>
+          <p:cNvPr id="25" name="TextBox 24"/>
+          <p:cNvSpPr txBox="1"/>
+          <p:nvPr/>
+        </p:nvSpPr>
+        <p:spPr>
+          <a:xfrm>
+            <a:off x="8229600" y="4640580"/>
+            <a:ext cx="457200" cy="320040"/>
+          </a:xfrm>
+          <a:prstGeom prst="rect">
+            <a:avLst/>
+          </a:prstGeom>
+          <a:noFill/>
+        </p:spPr>
+        <p:txBody>
+          <a:bodyPr wrap="square"/>
+          <a:lstStyle/>
+          <a:p>
+            <a:pPr algn="r">
+              <a:lnSpc>
+                <a:spcPct val="135000"/>
+              </a:lnSpc>
+              <a:spcBef>
+                <a:spcPts val="0"/>
+              </a:spcBef>
+              <a:spcAft>
+                <a:spcPts val="0"/>
+              </a:spcAft>
+            </a:pPr>
+            <a:r>
+              <a:rPr sz="900" b="1">
+                <a:solidFill>
+                  <a:srgbClr val="94A3B8"/>
+                </a:solidFill>
+                <a:latin typeface="Calibri"/>
+              </a:rPr>
+              <a:t>11</a:t>
+            </a:r>
+          </a:p>
+        </p:txBody>
+      </p:sp>
+    </p:spTree>
+  </p:cSld>
+  <p:clrMapOvr>
+    <a:masterClrMapping/>
+  </p:clrMapOvr>
+</p:sld>
+</file>
+
+<file path=ppt/slides/slide12.xml><?xml version="1.0" encoding="utf-8"?>
+<p:sld xmlns:a="http://schemas.openxmlformats.org/drawingml/2006/main" xmlns:p="http://schemas.openxmlformats.org/presentationml/2006/main" xmlns:r="http://schemas.openxmlformats.org/officeDocument/2006/relationships">
+  <p:cSld>
+    <p:spTree>
+      <p:nvGrpSpPr>
+        <p:cNvPr id="1" name=""/>
+        <p:cNvGrpSpPr/>
+        <p:nvPr/>
+      </p:nvGrpSpPr>
+      <p:grpSpPr/>
+      <p:sp>
+        <p:nvSpPr>
+          <p:cNvPr id="2" name="Rectangle 1"/>
+          <p:cNvSpPr/>
+          <p:nvPr/>
+        </p:nvSpPr>
+        <p:spPr>
+          <a:xfrm>
+            <a:off x="0" y="0"/>
             <a:ext cx="9144000" cy="5143500"/>
           </a:xfrm>
           <a:prstGeom prst="rect">
@@ -3846,7 +6051,7 @@
                 </a:solidFill>
                 <a:latin typeface="Calibri"/>
               </a:rPr>
-              <a:t>10</a:t>
+              <a:t>12</a:t>
             </a:r>
           </a:p>
         </p:txBody>
@@ -5008,7 +7213,7 @@
                 </a:solidFill>
                 <a:latin typeface="Calibri"/>
               </a:rPr>
-              <a:t>Quartz glass recording</a:t>
+              <a:t>Three-Layer Distributed Storage</a:t>
             </a:r>
           </a:p>
         </p:txBody>
@@ -5051,7 +7256,7 @@
                 </a:solidFill>
                 <a:latin typeface="Calibri"/>
               </a:rPr>
-              <a:t>QR codes inscribed via metal deposition. Zero servers, zero power. SLA 100%, guaranteed 1,000 years. Readable by any smartphone camera.</a:t>
+              <a:t>Physical (quartz glass/laminate), National (National Diet Library legal deposit), Private (GitHub). Fully compliant with the 3-2-1 backup rule. Zero single points of failure.</a:t>
             </a:r>
           </a:p>
         </p:txBody>
@@ -7693,7 +9898,7 @@
                 </a:solidFill>
                 <a:latin typeface="Calibri"/>
               </a:rPr>
-              <a:t>Social impact</a:t>
+              <a:t>Storage structure</a:t>
             </a:r>
           </a:p>
         </p:txBody>
@@ -7781,7 +9986,7 @@
                 </a:solidFill>
                 <a:latin typeface="Calibri"/>
               </a:rPr>
-              <a:t>Platform-level contribution</a:t>
+              <a:t>Cloud-centralized</a:t>
             </a:r>
           </a:p>
         </p:txBody>
@@ -7869,6 +10074,270 @@
                 </a:solidFill>
                 <a:latin typeface="Calibri"/>
               </a:rPr>
+              <a:t>Three-layer distributed (physical/national/private) — 3-2-1 rule compliant</a:t>
+            </a:r>
+          </a:p>
+        </p:txBody>
+      </p:sp>
+      <p:sp>
+        <p:nvSpPr>
+          <p:cNvPr id="47" name="Rectangle 46"/>
+          <p:cNvSpPr/>
+          <p:nvPr/>
+        </p:nvSpPr>
+        <p:spPr>
+          <a:xfrm>
+            <a:off x="640080" y="4251960"/>
+            <a:ext cx="1371600" cy="457200"/>
+          </a:xfrm>
+          <a:prstGeom prst="rect">
+            <a:avLst/>
+          </a:prstGeom>
+          <a:solidFill>
+            <a:srgbClr val="F1F5F9"/>
+          </a:solidFill>
+          <a:ln w="6350">
+            <a:solidFill>
+              <a:srgbClr val="E2E8F0"/>
+            </a:solidFill>
+          </a:ln>
+        </p:spPr>
+        <p:style>
+          <a:lnRef idx="1">
+            <a:schemeClr val="accent1"/>
+          </a:lnRef>
+          <a:fillRef idx="3">
+            <a:schemeClr val="accent1"/>
+          </a:fillRef>
+          <a:effectRef idx="2">
+            <a:schemeClr val="accent1"/>
+          </a:effectRef>
+          <a:fontRef idx="minor">
+            <a:schemeClr val="lt1"/>
+          </a:fontRef>
+        </p:style>
+        <p:txBody>
+          <a:bodyPr rtlCol="0" anchor="ctr"/>
+          <a:lstStyle/>
+          <a:p>
+            <a:pPr algn="ctr"/>
+          </a:p>
+        </p:txBody>
+      </p:sp>
+      <p:sp>
+        <p:nvSpPr>
+          <p:cNvPr id="48" name="TextBox 47"/>
+          <p:cNvSpPr txBox="1"/>
+          <p:nvPr/>
+        </p:nvSpPr>
+        <p:spPr>
+          <a:xfrm>
+            <a:off x="731520" y="4251960"/>
+            <a:ext cx="1188720" cy="457200"/>
+          </a:xfrm>
+          <a:prstGeom prst="rect">
+            <a:avLst/>
+          </a:prstGeom>
+          <a:noFill/>
+        </p:spPr>
+        <p:txBody>
+          <a:bodyPr wrap="square" anchor="ctr"/>
+          <a:lstStyle/>
+          <a:p>
+            <a:pPr algn="l">
+              <a:lnSpc>
+                <a:spcPct val="135000"/>
+              </a:lnSpc>
+              <a:spcBef>
+                <a:spcPts val="0"/>
+              </a:spcBef>
+              <a:spcAft>
+                <a:spcPts val="0"/>
+              </a:spcAft>
+            </a:pPr>
+            <a:r>
+              <a:rPr sz="1000" b="1">
+                <a:solidFill>
+                  <a:srgbClr val="1E293B"/>
+                </a:solidFill>
+                <a:latin typeface="Calibri"/>
+              </a:rPr>
+              <a:t>Social impact</a:t>
+            </a:r>
+          </a:p>
+        </p:txBody>
+      </p:sp>
+      <p:sp>
+        <p:nvSpPr>
+          <p:cNvPr id="49" name="Rectangle 48"/>
+          <p:cNvSpPr/>
+          <p:nvPr/>
+        </p:nvSpPr>
+        <p:spPr>
+          <a:xfrm>
+            <a:off x="2011680" y="4251960"/>
+            <a:ext cx="3200400" cy="457200"/>
+          </a:xfrm>
+          <a:prstGeom prst="rect">
+            <a:avLst/>
+          </a:prstGeom>
+          <a:solidFill>
+            <a:srgbClr val="FFFFFF"/>
+          </a:solidFill>
+          <a:ln w="6350">
+            <a:solidFill>
+              <a:srgbClr val="E2E8F0"/>
+            </a:solidFill>
+          </a:ln>
+        </p:spPr>
+        <p:style>
+          <a:lnRef idx="1">
+            <a:schemeClr val="accent1"/>
+          </a:lnRef>
+          <a:fillRef idx="3">
+            <a:schemeClr val="accent1"/>
+          </a:fillRef>
+          <a:effectRef idx="2">
+            <a:schemeClr val="accent1"/>
+          </a:effectRef>
+          <a:fontRef idx="minor">
+            <a:schemeClr val="lt1"/>
+          </a:fontRef>
+        </p:style>
+        <p:txBody>
+          <a:bodyPr rtlCol="0" anchor="ctr"/>
+          <a:lstStyle/>
+          <a:p>
+            <a:pPr algn="ctr"/>
+          </a:p>
+        </p:txBody>
+      </p:sp>
+      <p:sp>
+        <p:nvSpPr>
+          <p:cNvPr id="50" name="TextBox 49"/>
+          <p:cNvSpPr txBox="1"/>
+          <p:nvPr/>
+        </p:nvSpPr>
+        <p:spPr>
+          <a:xfrm>
+            <a:off x="2103120" y="4251960"/>
+            <a:ext cx="3017520" cy="457200"/>
+          </a:xfrm>
+          <a:prstGeom prst="rect">
+            <a:avLst/>
+          </a:prstGeom>
+          <a:noFill/>
+        </p:spPr>
+        <p:txBody>
+          <a:bodyPr wrap="square" anchor="ctr"/>
+          <a:lstStyle/>
+          <a:p>
+            <a:pPr algn="l">
+              <a:lnSpc>
+                <a:spcPct val="135000"/>
+              </a:lnSpc>
+              <a:spcBef>
+                <a:spcPts val="0"/>
+              </a:spcBef>
+              <a:spcAft>
+                <a:spcPts val="0"/>
+              </a:spcAft>
+            </a:pPr>
+            <a:r>
+              <a:rPr sz="1000" b="0">
+                <a:solidFill>
+                  <a:srgbClr val="475569"/>
+                </a:solidFill>
+                <a:latin typeface="Calibri"/>
+              </a:rPr>
+              <a:t>Platform-level contribution</a:t>
+            </a:r>
+          </a:p>
+        </p:txBody>
+      </p:sp>
+      <p:sp>
+        <p:nvSpPr>
+          <p:cNvPr id="51" name="Rectangle 50"/>
+          <p:cNvSpPr/>
+          <p:nvPr/>
+        </p:nvSpPr>
+        <p:spPr>
+          <a:xfrm>
+            <a:off x="5212080" y="4251960"/>
+            <a:ext cx="3291840" cy="457200"/>
+          </a:xfrm>
+          <a:prstGeom prst="rect">
+            <a:avLst/>
+          </a:prstGeom>
+          <a:solidFill>
+            <a:srgbClr val="EFF6FF"/>
+          </a:solidFill>
+          <a:ln w="6350">
+            <a:solidFill>
+              <a:srgbClr val="E2E8F0"/>
+            </a:solidFill>
+          </a:ln>
+        </p:spPr>
+        <p:style>
+          <a:lnRef idx="1">
+            <a:schemeClr val="accent1"/>
+          </a:lnRef>
+          <a:fillRef idx="3">
+            <a:schemeClr val="accent1"/>
+          </a:fillRef>
+          <a:effectRef idx="2">
+            <a:schemeClr val="accent1"/>
+          </a:effectRef>
+          <a:fontRef idx="minor">
+            <a:schemeClr val="lt1"/>
+          </a:fontRef>
+        </p:style>
+        <p:txBody>
+          <a:bodyPr rtlCol="0" anchor="ctr"/>
+          <a:lstStyle/>
+          <a:p>
+            <a:pPr algn="ctr"/>
+          </a:p>
+        </p:txBody>
+      </p:sp>
+      <p:sp>
+        <p:nvSpPr>
+          <p:cNvPr id="52" name="TextBox 51"/>
+          <p:cNvSpPr txBox="1"/>
+          <p:nvPr/>
+        </p:nvSpPr>
+        <p:spPr>
+          <a:xfrm>
+            <a:off x="5303520" y="4251960"/>
+            <a:ext cx="3108960" cy="457200"/>
+          </a:xfrm>
+          <a:prstGeom prst="rect">
+            <a:avLst/>
+          </a:prstGeom>
+          <a:noFill/>
+        </p:spPr>
+        <p:txBody>
+          <a:bodyPr wrap="square" anchor="ctr"/>
+          <a:lstStyle/>
+          <a:p>
+            <a:pPr algn="l">
+              <a:lnSpc>
+                <a:spcPct val="135000"/>
+              </a:lnSpc>
+              <a:spcBef>
+                <a:spcPts val="0"/>
+              </a:spcBef>
+              <a:spcAft>
+                <a:spcPts val="0"/>
+              </a:spcAft>
+            </a:pPr>
+            <a:r>
+              <a:rPr sz="1000" b="0">
+                <a:solidFill>
+                  <a:srgbClr val="1D4ED8"/>
+                </a:solidFill>
+                <a:latin typeface="Calibri"/>
+              </a:rPr>
               <a:t>SoulCarrier (unclaimed graves mission)</a:t>
             </a:r>
           </a:p>
@@ -7876,7 +10345,7 @@
       </p:sp>
       <p:sp>
         <p:nvSpPr>
-          <p:cNvPr id="47" name="Rectangle 46"/>
+          <p:cNvPr id="53" name="Rectangle 52"/>
           <p:cNvSpPr/>
           <p:nvPr/>
         </p:nvSpPr>
@@ -7919,7 +10388,7 @@
       </p:sp>
       <p:sp>
         <p:nvSpPr>
-          <p:cNvPr id="48" name="TextBox 47"/>
+          <p:cNvPr id="54" name="TextBox 53"/>
           <p:cNvSpPr txBox="1"/>
           <p:nvPr/>
         </p:nvSpPr>
@@ -7962,7 +10431,7 @@
       </p:sp>
       <p:sp>
         <p:nvSpPr>
-          <p:cNvPr id="49" name="TextBox 48"/>
+          <p:cNvPr id="55" name="TextBox 54"/>
           <p:cNvSpPr txBox="1"/>
           <p:nvPr/>
         </p:nvSpPr>
@@ -8005,7 +10474,7 @@
       </p:sp>
       <p:sp>
         <p:nvSpPr>
-          <p:cNvPr id="50" name="TextBox 49"/>
+          <p:cNvPr id="56" name="TextBox 55"/>
           <p:cNvSpPr txBox="1"/>
           <p:nvPr/>
         </p:nvSpPr>
@@ -8145,7 +10614,7 @@
                 </a:solidFill>
                 <a:latin typeface="Calibri"/>
               </a:rPr>
-              <a:t>Three partnership models tailored to your business model, with progressive escalation possible</a:t>
+              <a:t>Starting from ¥5,000 ($33) — an exceptionally low entry barrier for your proposals</a:t>
             </a:r>
           </a:p>
         </p:txBody>
@@ -8188,7 +10657,7 @@
                 </a:solidFill>
                 <a:latin typeface="Calibri"/>
               </a:rPr>
-              <a:t>PARTNERSHIP MODELS</a:t>
+              <a:t>PRICING</a:t>
             </a:r>
           </a:p>
         </p:txBody>
@@ -8202,7 +10671,7 @@
         <p:spPr>
           <a:xfrm>
             <a:off x="457200" y="1051560"/>
-            <a:ext cx="7863840" cy="1051560"/>
+            <a:ext cx="3931920" cy="1783080"/>
           </a:xfrm>
           <a:prstGeom prst="rect">
             <a:avLst/>
@@ -8240,229 +10709,143 @@
       </p:sp>
       <p:sp>
         <p:nvSpPr>
-          <p:cNvPr id="6" name="Rectangle 5"/>
+          <p:cNvPr id="6" name="TextBox 5"/>
+          <p:cNvSpPr txBox="1"/>
+          <p:nvPr/>
+        </p:nvSpPr>
+        <p:spPr>
+          <a:xfrm>
+            <a:off x="594360" y="1143000"/>
+            <a:ext cx="3657600" cy="274320"/>
+          </a:xfrm>
+          <a:prstGeom prst="rect">
+            <a:avLst/>
+          </a:prstGeom>
+          <a:noFill/>
+        </p:spPr>
+        <p:txBody>
+          <a:bodyPr wrap="square"/>
+          <a:lstStyle/>
+          <a:p>
+            <a:pPr algn="l">
+              <a:lnSpc>
+                <a:spcPct val="135000"/>
+              </a:lnSpc>
+              <a:spcBef>
+                <a:spcPts val="0"/>
+              </a:spcBef>
+              <a:spcAft>
+                <a:spcPts val="0"/>
+              </a:spcAft>
+            </a:pPr>
+            <a:r>
+              <a:rPr sz="1200" b="1">
+                <a:solidFill>
+                  <a:srgbClr val="1E293B"/>
+                </a:solidFill>
+                <a:latin typeface="Calibri"/>
+              </a:rPr>
+              <a:t>Trial Plan</a:t>
+            </a:r>
+          </a:p>
+        </p:txBody>
+      </p:sp>
+      <p:sp>
+        <p:nvSpPr>
+          <p:cNvPr id="7" name="TextBox 6"/>
+          <p:cNvSpPr txBox="1"/>
+          <p:nvPr/>
+        </p:nvSpPr>
+        <p:spPr>
+          <a:xfrm>
+            <a:off x="594360" y="1435608"/>
+            <a:ext cx="3657600" cy="320040"/>
+          </a:xfrm>
+          <a:prstGeom prst="rect">
+            <a:avLst/>
+          </a:prstGeom>
+          <a:noFill/>
+        </p:spPr>
+        <p:txBody>
+          <a:bodyPr wrap="square"/>
+          <a:lstStyle/>
+          <a:p>
+            <a:pPr algn="l">
+              <a:lnSpc>
+                <a:spcPct val="135000"/>
+              </a:lnSpc>
+              <a:spcBef>
+                <a:spcPts val="0"/>
+              </a:spcBef>
+              <a:spcAft>
+                <a:spcPts val="0"/>
+              </a:spcAft>
+            </a:pPr>
+            <a:r>
+              <a:rPr sz="1400" b="1">
+                <a:solidFill>
+                  <a:srgbClr val="2563EB"/>
+                </a:solidFill>
+                <a:latin typeface="Calibri"/>
+              </a:rPr>
+              <a:t>¥5,000 ($33)</a:t>
+            </a:r>
+          </a:p>
+        </p:txBody>
+      </p:sp>
+      <p:sp>
+        <p:nvSpPr>
+          <p:cNvPr id="8" name="TextBox 7"/>
+          <p:cNvSpPr txBox="1"/>
+          <p:nvPr/>
+        </p:nvSpPr>
+        <p:spPr>
+          <a:xfrm>
+            <a:off x="594360" y="1828800"/>
+            <a:ext cx="3657600" cy="914400"/>
+          </a:xfrm>
+          <a:prstGeom prst="rect">
+            <a:avLst/>
+          </a:prstGeom>
+          <a:noFill/>
+        </p:spPr>
+        <p:txBody>
+          <a:bodyPr wrap="square"/>
+          <a:lstStyle/>
+          <a:p>
+            <a:pPr algn="l">
+              <a:lnSpc>
+                <a:spcPct val="135000"/>
+              </a:lnSpc>
+              <a:spcBef>
+                <a:spcPts val="0"/>
+              </a:spcBef>
+              <a:spcAft>
+                <a:spcPts val="0"/>
+              </a:spcAft>
+            </a:pPr>
+            <a:r>
+              <a:rPr sz="1000" b="0">
+                <a:solidFill>
+                  <a:srgbClr val="475569"/>
+                </a:solidFill>
+                <a:latin typeface="Calibri"/>
+              </a:rPr>
+              <a:t>Experience three-layer storage with A4 laminate. Voice QR → laminate + NDL deposit + GitHub.</a:t>
+            </a:r>
+          </a:p>
+        </p:txBody>
+      </p:sp>
+      <p:sp>
+        <p:nvSpPr>
+          <p:cNvPr id="9" name="Rectangle 8"/>
           <p:cNvSpPr/>
           <p:nvPr/>
         </p:nvSpPr>
         <p:spPr>
           <a:xfrm>
-            <a:off x="594360" y="1170432"/>
-            <a:ext cx="777240" cy="822960"/>
-          </a:xfrm>
-          <a:prstGeom prst="rect">
-            <a:avLst/>
-          </a:prstGeom>
-          <a:solidFill>
-            <a:srgbClr val="2563EB"/>
-          </a:solidFill>
-          <a:ln>
-            <a:noFill/>
-          </a:ln>
-        </p:spPr>
-        <p:style>
-          <a:lnRef idx="1">
-            <a:schemeClr val="accent1"/>
-          </a:lnRef>
-          <a:fillRef idx="3">
-            <a:schemeClr val="accent1"/>
-          </a:fillRef>
-          <a:effectRef idx="2">
-            <a:schemeClr val="accent1"/>
-          </a:effectRef>
-          <a:fontRef idx="minor">
-            <a:schemeClr val="lt1"/>
-          </a:fontRef>
-        </p:style>
-        <p:txBody>
-          <a:bodyPr rtlCol="0" anchor="ctr"/>
-          <a:lstStyle/>
-          <a:p>
-            <a:pPr algn="ctr"/>
-          </a:p>
-        </p:txBody>
-      </p:sp>
-      <p:sp>
-        <p:nvSpPr>
-          <p:cNvPr id="7" name="TextBox 6"/>
-          <p:cNvSpPr txBox="1"/>
-          <p:nvPr/>
-        </p:nvSpPr>
-        <p:spPr>
-          <a:xfrm>
-            <a:off x="594360" y="1170432"/>
-            <a:ext cx="777240" cy="822960"/>
-          </a:xfrm>
-          <a:prstGeom prst="rect">
-            <a:avLst/>
-          </a:prstGeom>
-          <a:noFill/>
-        </p:spPr>
-        <p:txBody>
-          <a:bodyPr wrap="square" anchor="ctr"/>
-          <a:lstStyle/>
-          <a:p>
-            <a:pPr algn="ctr">
-              <a:lnSpc>
-                <a:spcPct val="135000"/>
-              </a:lnSpc>
-              <a:spcBef>
-                <a:spcPts val="0"/>
-              </a:spcBef>
-              <a:spcAft>
-                <a:spcPts val="0"/>
-              </a:spcAft>
-            </a:pPr>
-            <a:r>
-              <a:rPr sz="800" b="1">
-                <a:solidFill>
-                  <a:srgbClr val="FFFFFF"/>
-                </a:solidFill>
-                <a:latin typeface="Calibri"/>
-              </a:rPr>
-              <a:t>Referral</a:t>
-            </a:r>
-          </a:p>
-        </p:txBody>
-      </p:sp>
-      <p:sp>
-        <p:nvSpPr>
-          <p:cNvPr id="8" name="TextBox 7"/>
-          <p:cNvSpPr txBox="1"/>
-          <p:nvPr/>
-        </p:nvSpPr>
-        <p:spPr>
-          <a:xfrm>
-            <a:off x="1508760" y="1124712"/>
-            <a:ext cx="6675120" cy="347472"/>
-          </a:xfrm>
-          <a:prstGeom prst="rect">
-            <a:avLst/>
-          </a:prstGeom>
-          <a:noFill/>
-        </p:spPr>
-        <p:txBody>
-          <a:bodyPr wrap="square"/>
-          <a:lstStyle/>
-          <a:p>
-            <a:pPr algn="l">
-              <a:lnSpc>
-                <a:spcPct val="135000"/>
-              </a:lnSpc>
-              <a:spcBef>
-                <a:spcPts val="0"/>
-              </a:spcBef>
-              <a:spcAft>
-                <a:spcPts val="0"/>
-              </a:spcAft>
-            </a:pPr>
-            <a:r>
-              <a:rPr sz="1100" b="1">
-                <a:solidFill>
-                  <a:srgbClr val="1E293B"/>
-                </a:solidFill>
-                <a:latin typeface="Calibri"/>
-              </a:rPr>
-              <a:t>A. Client Referral Partnership</a:t>
-            </a:r>
-          </a:p>
-        </p:txBody>
-      </p:sp>
-      <p:sp>
-        <p:nvSpPr>
-          <p:cNvPr id="9" name="TextBox 8"/>
-          <p:cNvSpPr txBox="1"/>
-          <p:nvPr/>
-        </p:nvSpPr>
-        <p:spPr>
-          <a:xfrm>
-            <a:off x="1508760" y="1417320"/>
-            <a:ext cx="6675120" cy="310896"/>
-          </a:xfrm>
-          <a:prstGeom prst="rect">
-            <a:avLst/>
-          </a:prstGeom>
-          <a:noFill/>
-        </p:spPr>
-        <p:txBody>
-          <a:bodyPr wrap="square"/>
-          <a:lstStyle/>
-          <a:p>
-            <a:pPr algn="l">
-              <a:lnSpc>
-                <a:spcPct val="135000"/>
-              </a:lnSpc>
-              <a:spcBef>
-                <a:spcPts val="0"/>
-              </a:spcBef>
-              <a:spcAft>
-                <a:spcPts val="0"/>
-              </a:spcAft>
-            </a:pPr>
-            <a:r>
-              <a:rPr sz="1000" b="0">
-                <a:solidFill>
-                  <a:srgbClr val="475569"/>
-                </a:solidFill>
-                <a:latin typeface="Calibri"/>
-              </a:rPr>
-              <a:t>Introduce clients when TokiStorage fits. You receive a referral fee; we handle delivery end-to-end.</a:t>
-            </a:r>
-          </a:p>
-        </p:txBody>
-      </p:sp>
-      <p:sp>
-        <p:nvSpPr>
-          <p:cNvPr id="10" name="TextBox 9"/>
-          <p:cNvSpPr txBox="1"/>
-          <p:nvPr/>
-        </p:nvSpPr>
-        <p:spPr>
-          <a:xfrm>
-            <a:off x="1508760" y="1783080"/>
-            <a:ext cx="6675120" cy="201168"/>
-          </a:xfrm>
-          <a:prstGeom prst="rect">
-            <a:avLst/>
-          </a:prstGeom>
-          <a:noFill/>
-        </p:spPr>
-        <p:txBody>
-          <a:bodyPr wrap="square"/>
-          <a:lstStyle/>
-          <a:p>
-            <a:pPr algn="l">
-              <a:lnSpc>
-                <a:spcPct val="135000"/>
-              </a:lnSpc>
-              <a:spcBef>
-                <a:spcPts val="0"/>
-              </a:spcBef>
-              <a:spcAft>
-                <a:spcPts val="0"/>
-              </a:spcAft>
-            </a:pPr>
-            <a:r>
-              <a:rPr sz="900" b="0">
-                <a:solidFill>
-                  <a:srgbClr val="2563EB"/>
-                </a:solidFill>
-                <a:latin typeface="Calibri"/>
-              </a:rPr>
-              <a:t>E.g.: End-of-life consulting → offer proof of existence / Funeral DX → add memorial option</a:t>
-            </a:r>
-          </a:p>
-        </p:txBody>
-      </p:sp>
-      <p:sp>
-        <p:nvSpPr>
-          <p:cNvPr id="11" name="Rectangle 10"/>
-          <p:cNvSpPr/>
-          <p:nvPr/>
-        </p:nvSpPr>
-        <p:spPr>
-          <a:xfrm>
-            <a:off x="457200" y="2212848"/>
-            <a:ext cx="7863840" cy="1051560"/>
+            <a:off x="4617720" y="1051560"/>
+            <a:ext cx="3931920" cy="1783080"/>
           </a:xfrm>
           <a:prstGeom prst="rect">
             <a:avLst/>
@@ -8500,229 +10883,143 @@
       </p:sp>
       <p:sp>
         <p:nvSpPr>
-          <p:cNvPr id="12" name="Rectangle 11"/>
+          <p:cNvPr id="10" name="TextBox 9"/>
+          <p:cNvSpPr txBox="1"/>
+          <p:nvPr/>
+        </p:nvSpPr>
+        <p:spPr>
+          <a:xfrm>
+            <a:off x="4754880" y="1143000"/>
+            <a:ext cx="3657600" cy="274320"/>
+          </a:xfrm>
+          <a:prstGeom prst="rect">
+            <a:avLst/>
+          </a:prstGeom>
+          <a:noFill/>
+        </p:spPr>
+        <p:txBody>
+          <a:bodyPr wrap="square"/>
+          <a:lstStyle/>
+          <a:p>
+            <a:pPr algn="l">
+              <a:lnSpc>
+                <a:spcPct val="135000"/>
+              </a:lnSpc>
+              <a:spcBef>
+                <a:spcPts val="0"/>
+              </a:spcBef>
+              <a:spcAft>
+                <a:spcPts val="0"/>
+              </a:spcAft>
+            </a:pPr>
+            <a:r>
+              <a:rPr sz="1200" b="1">
+                <a:solidFill>
+                  <a:srgbClr val="1E293B"/>
+                </a:solidFill>
+                <a:latin typeface="Calibri"/>
+              </a:rPr>
+              <a:t>Individual Plan</a:t>
+            </a:r>
+          </a:p>
+        </p:txBody>
+      </p:sp>
+      <p:sp>
+        <p:nvSpPr>
+          <p:cNvPr id="11" name="TextBox 10"/>
+          <p:cNvSpPr txBox="1"/>
+          <p:nvPr/>
+        </p:nvSpPr>
+        <p:spPr>
+          <a:xfrm>
+            <a:off x="4754880" y="1435608"/>
+            <a:ext cx="3657600" cy="320040"/>
+          </a:xfrm>
+          <a:prstGeom prst="rect">
+            <a:avLst/>
+          </a:prstGeom>
+          <a:noFill/>
+        </p:spPr>
+        <p:txBody>
+          <a:bodyPr wrap="square"/>
+          <a:lstStyle/>
+          <a:p>
+            <a:pPr algn="l">
+              <a:lnSpc>
+                <a:spcPct val="135000"/>
+              </a:lnSpc>
+              <a:spcBef>
+                <a:spcPts val="0"/>
+              </a:spcBef>
+              <a:spcAft>
+                <a:spcPts val="0"/>
+              </a:spcAft>
+            </a:pPr>
+            <a:r>
+              <a:rPr sz="1400" b="1">
+                <a:solidFill>
+                  <a:srgbClr val="2563EB"/>
+                </a:solidFill>
+                <a:latin typeface="Calibri"/>
+              </a:rPr>
+              <a:t>¥50,000 ($330)</a:t>
+            </a:r>
+          </a:p>
+        </p:txBody>
+      </p:sp>
+      <p:sp>
+        <p:nvSpPr>
+          <p:cNvPr id="12" name="TextBox 11"/>
+          <p:cNvSpPr txBox="1"/>
+          <p:nvPr/>
+        </p:nvSpPr>
+        <p:spPr>
+          <a:xfrm>
+            <a:off x="4754880" y="1828800"/>
+            <a:ext cx="3657600" cy="914400"/>
+          </a:xfrm>
+          <a:prstGeom prst="rect">
+            <a:avLst/>
+          </a:prstGeom>
+          <a:noFill/>
+        </p:spPr>
+        <p:txBody>
+          <a:bodyPr wrap="square"/>
+          <a:lstStyle/>
+          <a:p>
+            <a:pPr algn="l">
+              <a:lnSpc>
+                <a:spcPct val="135000"/>
+              </a:lnSpc>
+              <a:spcBef>
+                <a:spcPts val="0"/>
+              </a:spcBef>
+              <a:spcAft>
+                <a:spcPts val="0"/>
+              </a:spcAft>
+            </a:pPr>
+            <a:r>
+              <a:rPr sz="1000" b="0">
+                <a:solidFill>
+                  <a:srgbClr val="475569"/>
+                </a:solidFill>
+                <a:latin typeface="Calibri"/>
+              </a:rPr>
+              <a:t>Inscribed on quartz glass. ¥50 per year. 1,000-year durability (theoretical).</a:t>
+            </a:r>
+          </a:p>
+        </p:txBody>
+      </p:sp>
+      <p:sp>
+        <p:nvSpPr>
+          <p:cNvPr id="13" name="Rectangle 12"/>
           <p:cNvSpPr/>
           <p:nvPr/>
         </p:nvSpPr>
         <p:spPr>
           <a:xfrm>
-            <a:off x="594360" y="2331720"/>
-            <a:ext cx="777240" cy="822960"/>
-          </a:xfrm>
-          <a:prstGeom prst="rect">
-            <a:avLst/>
-          </a:prstGeom>
-          <a:solidFill>
-            <a:srgbClr val="C9A962"/>
-          </a:solidFill>
-          <a:ln>
-            <a:noFill/>
-          </a:ln>
-        </p:spPr>
-        <p:style>
-          <a:lnRef idx="1">
-            <a:schemeClr val="accent1"/>
-          </a:lnRef>
-          <a:fillRef idx="3">
-            <a:schemeClr val="accent1"/>
-          </a:fillRef>
-          <a:effectRef idx="2">
-            <a:schemeClr val="accent1"/>
-          </a:effectRef>
-          <a:fontRef idx="minor">
-            <a:schemeClr val="lt1"/>
-          </a:fontRef>
-        </p:style>
-        <p:txBody>
-          <a:bodyPr rtlCol="0" anchor="ctr"/>
-          <a:lstStyle/>
-          <a:p>
-            <a:pPr algn="ctr"/>
-          </a:p>
-        </p:txBody>
-      </p:sp>
-      <p:sp>
-        <p:nvSpPr>
-          <p:cNvPr id="13" name="TextBox 12"/>
-          <p:cNvSpPr txBox="1"/>
-          <p:nvPr/>
-        </p:nvSpPr>
-        <p:spPr>
-          <a:xfrm>
-            <a:off x="594360" y="2331720"/>
-            <a:ext cx="777240" cy="822960"/>
-          </a:xfrm>
-          <a:prstGeom prst="rect">
-            <a:avLst/>
-          </a:prstGeom>
-          <a:noFill/>
-        </p:spPr>
-        <p:txBody>
-          <a:bodyPr wrap="square" anchor="ctr"/>
-          <a:lstStyle/>
-          <a:p>
-            <a:pPr algn="ctr">
-              <a:lnSpc>
-                <a:spcPct val="135000"/>
-              </a:lnSpc>
-              <a:spcBef>
-                <a:spcPts val="0"/>
-              </a:spcBef>
-              <a:spcAft>
-                <a:spcPts val="0"/>
-              </a:spcAft>
-            </a:pPr>
-            <a:r>
-              <a:rPr sz="800" b="1">
-                <a:solidFill>
-                  <a:srgbClr val="FFFFFF"/>
-                </a:solidFill>
-                <a:latin typeface="Calibri"/>
-              </a:rPr>
-              <a:t>Joint</a:t>
-            </a:r>
-          </a:p>
-        </p:txBody>
-      </p:sp>
-      <p:sp>
-        <p:nvSpPr>
-          <p:cNvPr id="14" name="TextBox 13"/>
-          <p:cNvSpPr txBox="1"/>
-          <p:nvPr/>
-        </p:nvSpPr>
-        <p:spPr>
-          <a:xfrm>
-            <a:off x="1508760" y="2286000"/>
-            <a:ext cx="6675120" cy="347472"/>
-          </a:xfrm>
-          <a:prstGeom prst="rect">
-            <a:avLst/>
-          </a:prstGeom>
-          <a:noFill/>
-        </p:spPr>
-        <p:txBody>
-          <a:bodyPr wrap="square"/>
-          <a:lstStyle/>
-          <a:p>
-            <a:pPr algn="l">
-              <a:lnSpc>
-                <a:spcPct val="135000"/>
-              </a:lnSpc>
-              <a:spcBef>
-                <a:spcPts val="0"/>
-              </a:spcBef>
-              <a:spcAft>
-                <a:spcPts val="0"/>
-              </a:spcAft>
-            </a:pPr>
-            <a:r>
-              <a:rPr sz="1100" b="1">
-                <a:solidFill>
-                  <a:srgbClr val="1E293B"/>
-                </a:solidFill>
-                <a:latin typeface="Calibri"/>
-              </a:rPr>
-              <a:t>B. Joint Solution Partnership</a:t>
-            </a:r>
-          </a:p>
-        </p:txBody>
-      </p:sp>
-      <p:sp>
-        <p:nvSpPr>
-          <p:cNvPr id="15" name="TextBox 14"/>
-          <p:cNvSpPr txBox="1"/>
-          <p:nvPr/>
-        </p:nvSpPr>
-        <p:spPr>
-          <a:xfrm>
-            <a:off x="1508760" y="2578608"/>
-            <a:ext cx="6675120" cy="310896"/>
-          </a:xfrm>
-          <a:prstGeom prst="rect">
-            <a:avLst/>
-          </a:prstGeom>
-          <a:noFill/>
-        </p:spPr>
-        <p:txBody>
-          <a:bodyPr wrap="square"/>
-          <a:lstStyle/>
-          <a:p>
-            <a:pPr algn="l">
-              <a:lnSpc>
-                <a:spcPct val="135000"/>
-              </a:lnSpc>
-              <a:spcBef>
-                <a:spcPts val="0"/>
-              </a:spcBef>
-              <a:spcAft>
-                <a:spcPts val="0"/>
-              </a:spcAft>
-            </a:pPr>
-            <a:r>
-              <a:rPr sz="1000" b="0">
-                <a:solidFill>
-                  <a:srgbClr val="475569"/>
-                </a:solidFill>
-                <a:latin typeface="Calibri"/>
-              </a:rPr>
-              <a:t>Embed TokiStorage into your consulting engagements. Position millennium records as the "outcome layer" of ESG, revitalization, or DX projects.</a:t>
-            </a:r>
-          </a:p>
-        </p:txBody>
-      </p:sp>
-      <p:sp>
-        <p:nvSpPr>
-          <p:cNvPr id="16" name="TextBox 15"/>
-          <p:cNvSpPr txBox="1"/>
-          <p:nvPr/>
-        </p:nvSpPr>
-        <p:spPr>
-          <a:xfrm>
-            <a:off x="1508760" y="2944368"/>
-            <a:ext cx="6675120" cy="201168"/>
-          </a:xfrm>
-          <a:prstGeom prst="rect">
-            <a:avLst/>
-          </a:prstGeom>
-          <a:noFill/>
-        </p:spPr>
-        <p:txBody>
-          <a:bodyPr wrap="square"/>
-          <a:lstStyle/>
-          <a:p>
-            <a:pPr algn="l">
-              <a:lnSpc>
-                <a:spcPct val="135000"/>
-              </a:lnSpc>
-              <a:spcBef>
-                <a:spcPts val="0"/>
-              </a:spcBef>
-              <a:spcAft>
-                <a:spcPts val="0"/>
-              </a:spcAft>
-            </a:pPr>
-            <a:r>
-              <a:rPr sz="900" b="0">
-                <a:solidFill>
-                  <a:srgbClr val="2563EB"/>
-                </a:solidFill>
-                <a:latin typeface="Calibri"/>
-              </a:rPr>
-              <a:t>E.g.: Municipal DX → community archive / Hotel CX → guest record upgrade</a:t>
-            </a:r>
-          </a:p>
-        </p:txBody>
-      </p:sp>
-      <p:sp>
-        <p:nvSpPr>
-          <p:cNvPr id="17" name="Rectangle 16"/>
-          <p:cNvSpPr/>
-          <p:nvPr/>
-        </p:nvSpPr>
-        <p:spPr>
-          <a:xfrm>
-            <a:off x="457200" y="3374136"/>
-            <a:ext cx="7863840" cy="1051560"/>
+            <a:off x="457200" y="2971800"/>
+            <a:ext cx="3931920" cy="1783080"/>
           </a:xfrm>
           <a:prstGeom prst="rect">
             <a:avLst/>
@@ -8760,23 +11057,154 @@
       </p:sp>
       <p:sp>
         <p:nvSpPr>
-          <p:cNvPr id="18" name="Rectangle 17"/>
+          <p:cNvPr id="14" name="TextBox 13"/>
+          <p:cNvSpPr txBox="1"/>
+          <p:nvPr/>
+        </p:nvSpPr>
+        <p:spPr>
+          <a:xfrm>
+            <a:off x="594360" y="3063240"/>
+            <a:ext cx="3657600" cy="274320"/>
+          </a:xfrm>
+          <a:prstGeom prst="rect">
+            <a:avLst/>
+          </a:prstGeom>
+          <a:noFill/>
+        </p:spPr>
+        <p:txBody>
+          <a:bodyPr wrap="square"/>
+          <a:lstStyle/>
+          <a:p>
+            <a:pPr algn="l">
+              <a:lnSpc>
+                <a:spcPct val="135000"/>
+              </a:lnSpc>
+              <a:spcBef>
+                <a:spcPts val="0"/>
+              </a:spcBef>
+              <a:spcAft>
+                <a:spcPts val="0"/>
+              </a:spcAft>
+            </a:pPr>
+            <a:r>
+              <a:rPr sz="1200" b="1">
+                <a:solidFill>
+                  <a:srgbClr val="1E293B"/>
+                </a:solidFill>
+                <a:latin typeface="Calibri"/>
+              </a:rPr>
+              <a:t>Three-Generation</a:t>
+            </a:r>
+          </a:p>
+        </p:txBody>
+      </p:sp>
+      <p:sp>
+        <p:nvSpPr>
+          <p:cNvPr id="15" name="TextBox 14"/>
+          <p:cNvSpPr txBox="1"/>
+          <p:nvPr/>
+        </p:nvSpPr>
+        <p:spPr>
+          <a:xfrm>
+            <a:off x="594360" y="3355848"/>
+            <a:ext cx="3657600" cy="320040"/>
+          </a:xfrm>
+          <a:prstGeom prst="rect">
+            <a:avLst/>
+          </a:prstGeom>
+          <a:noFill/>
+        </p:spPr>
+        <p:txBody>
+          <a:bodyPr wrap="square"/>
+          <a:lstStyle/>
+          <a:p>
+            <a:pPr algn="l">
+              <a:lnSpc>
+                <a:spcPct val="135000"/>
+              </a:lnSpc>
+              <a:spcBef>
+                <a:spcPts val="0"/>
+              </a:spcBef>
+              <a:spcAft>
+                <a:spcPts val="0"/>
+              </a:spcAft>
+            </a:pPr>
+            <a:r>
+              <a:rPr sz="1400" b="1">
+                <a:solidFill>
+                  <a:srgbClr val="2563EB"/>
+                </a:solidFill>
+                <a:latin typeface="Calibri"/>
+              </a:rPr>
+              <a:t>¥550,000 ($3,600)</a:t>
+            </a:r>
+          </a:p>
+        </p:txBody>
+      </p:sp>
+      <p:sp>
+        <p:nvSpPr>
+          <p:cNvPr id="16" name="TextBox 15"/>
+          <p:cNvSpPr txBox="1"/>
+          <p:nvPr/>
+        </p:nvSpPr>
+        <p:spPr>
+          <a:xfrm>
+            <a:off x="594360" y="3749040"/>
+            <a:ext cx="3657600" cy="914400"/>
+          </a:xfrm>
+          <a:prstGeom prst="rect">
+            <a:avLst/>
+          </a:prstGeom>
+          <a:noFill/>
+        </p:spPr>
+        <p:txBody>
+          <a:bodyPr wrap="square"/>
+          <a:lstStyle/>
+          <a:p>
+            <a:pPr algn="l">
+              <a:lnSpc>
+                <a:spcPct val="135000"/>
+              </a:lnSpc>
+              <a:spcBef>
+                <a:spcPts val="0"/>
+              </a:spcBef>
+              <a:spcAft>
+                <a:spcPts val="0"/>
+              </a:spcAft>
+            </a:pPr>
+            <a:r>
+              <a:rPr sz="1000" b="0">
+                <a:solidFill>
+                  <a:srgbClr val="475569"/>
+                </a:solidFill>
+                <a:latin typeface="Calibri"/>
+              </a:rPr>
+              <a:t>Three family members + on-site inscription on Sado Island. Recommended.</a:t>
+            </a:r>
+          </a:p>
+        </p:txBody>
+      </p:sp>
+      <p:sp>
+        <p:nvSpPr>
+          <p:cNvPr id="17" name="Rectangle 16"/>
           <p:cNvSpPr/>
           <p:nvPr/>
         </p:nvSpPr>
         <p:spPr>
           <a:xfrm>
-            <a:off x="594360" y="3493008"/>
-            <a:ext cx="777240" cy="822960"/>
+            <a:off x="4617720" y="2971800"/>
+            <a:ext cx="3931920" cy="1783080"/>
           </a:xfrm>
           <a:prstGeom prst="rect">
             <a:avLst/>
           </a:prstGeom>
           <a:solidFill>
-            <a:srgbClr val="16A34A"/>
+            <a:srgbClr val="FFFFFF"/>
           </a:solidFill>
-          <a:ln>
-            <a:noFill/>
+          <a:ln w="9525">
+            <a:solidFill>
+              <a:srgbClr val="E2E8F0"/>
+            </a:solidFill>
           </a:ln>
         </p:spPr>
         <p:style>
@@ -8803,43 +11231,86 @@
       </p:sp>
       <p:sp>
         <p:nvSpPr>
+          <p:cNvPr id="18" name="TextBox 17"/>
+          <p:cNvSpPr txBox="1"/>
+          <p:nvPr/>
+        </p:nvSpPr>
+        <p:spPr>
+          <a:xfrm>
+            <a:off x="4754880" y="3063240"/>
+            <a:ext cx="3657600" cy="274320"/>
+          </a:xfrm>
+          <a:prstGeom prst="rect">
+            <a:avLst/>
+          </a:prstGeom>
+          <a:noFill/>
+        </p:spPr>
+        <p:txBody>
+          <a:bodyPr wrap="square"/>
+          <a:lstStyle/>
+          <a:p>
+            <a:pPr algn="l">
+              <a:lnSpc>
+                <a:spcPct val="135000"/>
+              </a:lnSpc>
+              <a:spcBef>
+                <a:spcPts val="0"/>
+              </a:spcBef>
+              <a:spcAft>
+                <a:spcPts val="0"/>
+              </a:spcAft>
+            </a:pPr>
+            <a:r>
+              <a:rPr sz="1200" b="1">
+                <a:solidFill>
+                  <a:srgbClr val="1E293B"/>
+                </a:solidFill>
+                <a:latin typeface="Calibri"/>
+              </a:rPr>
+              <a:t>Voice Memorial</a:t>
+            </a:r>
+          </a:p>
+        </p:txBody>
+      </p:sp>
+      <p:sp>
+        <p:nvSpPr>
           <p:cNvPr id="19" name="TextBox 18"/>
           <p:cNvSpPr txBox="1"/>
           <p:nvPr/>
         </p:nvSpPr>
         <p:spPr>
           <a:xfrm>
-            <a:off x="594360" y="3493008"/>
-            <a:ext cx="777240" cy="822960"/>
-          </a:xfrm>
-          <a:prstGeom prst="rect">
-            <a:avLst/>
-          </a:prstGeom>
-          <a:noFill/>
-        </p:spPr>
-        <p:txBody>
-          <a:bodyPr wrap="square" anchor="ctr"/>
-          <a:lstStyle/>
-          <a:p>
-            <a:pPr algn="ctr">
-              <a:lnSpc>
-                <a:spcPct val="135000"/>
-              </a:lnSpc>
-              <a:spcBef>
-                <a:spcPts val="0"/>
-              </a:spcBef>
-              <a:spcAft>
-                <a:spcPts val="0"/>
-              </a:spcAft>
-            </a:pPr>
-            <a:r>
-              <a:rPr sz="800" b="1">
-                <a:solidFill>
-                  <a:srgbClr val="FFFFFF"/>
-                </a:solidFill>
-                <a:latin typeface="Calibri"/>
-              </a:rPr>
-              <a:t>Co-Create</a:t>
+            <a:off x="4754880" y="3355848"/>
+            <a:ext cx="3657600" cy="320040"/>
+          </a:xfrm>
+          <a:prstGeom prst="rect">
+            <a:avLst/>
+          </a:prstGeom>
+          <a:noFill/>
+        </p:spPr>
+        <p:txBody>
+          <a:bodyPr wrap="square"/>
+          <a:lstStyle/>
+          <a:p>
+            <a:pPr algn="l">
+              <a:lnSpc>
+                <a:spcPct val="135000"/>
+              </a:lnSpc>
+              <a:spcBef>
+                <a:spcPts val="0"/>
+              </a:spcBef>
+              <a:spcAft>
+                <a:spcPts val="0"/>
+              </a:spcAft>
+            </a:pPr>
+            <a:r>
+              <a:rPr sz="1400" b="1">
+                <a:solidFill>
+                  <a:srgbClr val="2563EB"/>
+                </a:solidFill>
+                <a:latin typeface="Calibri"/>
+              </a:rPr>
+              <a:t>¥5,550,000 ($36,500)</a:t>
             </a:r>
           </a:p>
         </p:txBody>
@@ -8852,8 +11323,8 @@
         </p:nvSpPr>
         <p:spPr>
           <a:xfrm>
-            <a:off x="1508760" y="3447288"/>
-            <a:ext cx="6675120" cy="347472"/>
+            <a:off x="4754880" y="3749040"/>
+            <a:ext cx="3657600" cy="914400"/>
           </a:xfrm>
           <a:prstGeom prst="rect">
             <a:avLst/>
@@ -8876,106 +11347,20 @@
               </a:spcAft>
             </a:pPr>
             <a:r>
-              <a:rPr sz="1100" b="1">
-                <a:solidFill>
-                  <a:srgbClr val="1E293B"/>
-                </a:solidFill>
-                <a:latin typeface="Calibri"/>
-              </a:rPr>
-              <a:t>C. New Business Co-Creation</a:t>
-            </a:r>
-          </a:p>
-        </p:txBody>
-      </p:sp>
-      <p:sp>
-        <p:nvSpPr>
-          <p:cNvPr id="21" name="TextBox 20"/>
-          <p:cNvSpPr txBox="1"/>
-          <p:nvPr/>
-        </p:nvSpPr>
-        <p:spPr>
-          <a:xfrm>
-            <a:off x="1508760" y="3739896"/>
-            <a:ext cx="6675120" cy="310896"/>
-          </a:xfrm>
-          <a:prstGeom prst="rect">
-            <a:avLst/>
-          </a:prstGeom>
-          <a:noFill/>
-        </p:spPr>
-        <p:txBody>
-          <a:bodyPr wrap="square"/>
-          <a:lstStyle/>
-          <a:p>
-            <a:pPr algn="l">
-              <a:lnSpc>
-                <a:spcPct val="135000"/>
-              </a:lnSpc>
-              <a:spcBef>
-                <a:spcPts val="0"/>
-              </a:spcBef>
-              <a:spcAft>
-                <a:spcPts val="0"/>
-              </a:spcAft>
-            </a:pPr>
-            <a:r>
               <a:rPr sz="1000" b="0">
                 <a:solidFill>
                   <a:srgbClr val="475569"/>
                 </a:solidFill>
                 <a:latin typeface="Calibri"/>
               </a:rPr>
-              <a:t>Launch a new venture together. We bring technology, philosophy, and use cases. You bring market access, credibility, and scale.</a:t>
-            </a:r>
-          </a:p>
-        </p:txBody>
-      </p:sp>
-      <p:sp>
-        <p:nvSpPr>
-          <p:cNvPr id="22" name="TextBox 21"/>
-          <p:cNvSpPr txBox="1"/>
-          <p:nvPr/>
-        </p:nvSpPr>
-        <p:spPr>
-          <a:xfrm>
-            <a:off x="1508760" y="4105656"/>
-            <a:ext cx="6675120" cy="201168"/>
-          </a:xfrm>
-          <a:prstGeom prst="rect">
-            <a:avLst/>
-          </a:prstGeom>
-          <a:noFill/>
-        </p:spPr>
-        <p:txBody>
-          <a:bodyPr wrap="square"/>
-          <a:lstStyle/>
-          <a:p>
-            <a:pPr algn="l">
-              <a:lnSpc>
-                <a:spcPct val="135000"/>
-              </a:lnSpc>
-              <a:spcBef>
-                <a:spcPts val="0"/>
-              </a:spcBef>
-              <a:spcAft>
-                <a:spcPts val="0"/>
-              </a:spcAft>
-            </a:pPr>
-            <a:r>
-              <a:rPr sz="900" b="0">
-                <a:solidFill>
-                  <a:srgbClr val="2563EB"/>
-                </a:solidFill>
-                <a:latin typeface="Calibri"/>
-              </a:rPr>
-              <a:t>E.g.: Memorial-tech startup / Enterprise perpetual archive service</a:t>
-            </a:r>
-          </a:p>
-        </p:txBody>
-      </p:sp>
-      <p:sp>
-        <p:nvSpPr>
-          <p:cNvPr id="23" name="Rectangle 22"/>
+              <a:t>Fully bespoke. Voice restoration, custom design, premium experience.</a:t>
+            </a:r>
+          </a:p>
+        </p:txBody>
+      </p:sp>
+      <p:sp>
+        <p:nvSpPr>
+          <p:cNvPr id="21" name="Rectangle 20"/>
           <p:cNvSpPr/>
           <p:nvPr/>
         </p:nvSpPr>
@@ -9018,7 +11403,7 @@
       </p:sp>
       <p:sp>
         <p:nvSpPr>
-          <p:cNvPr id="24" name="TextBox 23"/>
+          <p:cNvPr id="22" name="TextBox 21"/>
           <p:cNvSpPr txBox="1"/>
           <p:nvPr/>
         </p:nvSpPr>
@@ -9061,7 +11446,7 @@
       </p:sp>
       <p:sp>
         <p:nvSpPr>
-          <p:cNvPr id="25" name="TextBox 24"/>
+          <p:cNvPr id="23" name="TextBox 22"/>
           <p:cNvSpPr txBox="1"/>
           <p:nvPr/>
         </p:nvSpPr>
@@ -9104,7 +11489,7 @@
       </p:sp>
       <p:sp>
         <p:nvSpPr>
-          <p:cNvPr id="26" name="TextBox 25"/>
+          <p:cNvPr id="24" name="TextBox 23"/>
           <p:cNvSpPr txBox="1"/>
           <p:nvPr/>
         </p:nvSpPr>
@@ -9244,7 +11629,7 @@
                 </a:solidFill>
                 <a:latin typeface="Calibri"/>
               </a:rPr>
-              <a:t>Revenue design ensures all three parties — client, partner, and TokiStorage — win</a:t>
+              <a:t>Three partnership models tailored to your business model, with progressive escalation possible</a:t>
             </a:r>
           </a:p>
         </p:txBody>
@@ -9287,7 +11672,7 @@
                 </a:solidFill>
                 <a:latin typeface="Calibri"/>
               </a:rPr>
-              <a:t>REVENUE FLOW</a:t>
+              <a:t>PARTNERSHIP MODELS</a:t>
             </a:r>
           </a:p>
         </p:txBody>
@@ -9300,14 +11685,14 @@
         </p:nvSpPr>
         <p:spPr>
           <a:xfrm>
-            <a:off x="777240" y="1097280"/>
-            <a:ext cx="2286000" cy="960120"/>
+            <a:off x="457200" y="1051560"/>
+            <a:ext cx="7863840" cy="1051560"/>
           </a:xfrm>
           <a:prstGeom prst="rect">
             <a:avLst/>
           </a:prstGeom>
           <a:solidFill>
-            <a:srgbClr val="F0FDF4"/>
+            <a:srgbClr val="FFFFFF"/>
           </a:solidFill>
           <a:ln w="9525">
             <a:solidFill>
@@ -9339,14 +11724,100 @@
       </p:sp>
       <p:sp>
         <p:nvSpPr>
-          <p:cNvPr id="6" name="TextBox 5"/>
-          <p:cNvSpPr txBox="1"/>
-          <p:nvPr/>
-        </p:nvSpPr>
-        <p:spPr>
-          <a:xfrm>
-            <a:off x="868680" y="1170432"/>
-            <a:ext cx="2103120" cy="274320"/>
+          <p:cNvPr id="6" name="Rectangle 5"/>
+          <p:cNvSpPr/>
+          <p:nvPr/>
+        </p:nvSpPr>
+        <p:spPr>
+          <a:xfrm>
+            <a:off x="594360" y="1170432"/>
+            <a:ext cx="777240" cy="822960"/>
+          </a:xfrm>
+          <a:prstGeom prst="rect">
+            <a:avLst/>
+          </a:prstGeom>
+          <a:solidFill>
+            <a:srgbClr val="2563EB"/>
+          </a:solidFill>
+          <a:ln>
+            <a:noFill/>
+          </a:ln>
+        </p:spPr>
+        <p:style>
+          <a:lnRef idx="1">
+            <a:schemeClr val="accent1"/>
+          </a:lnRef>
+          <a:fillRef idx="3">
+            <a:schemeClr val="accent1"/>
+          </a:fillRef>
+          <a:effectRef idx="2">
+            <a:schemeClr val="accent1"/>
+          </a:effectRef>
+          <a:fontRef idx="minor">
+            <a:schemeClr val="lt1"/>
+          </a:fontRef>
+        </p:style>
+        <p:txBody>
+          <a:bodyPr rtlCol="0" anchor="ctr"/>
+          <a:lstStyle/>
+          <a:p>
+            <a:pPr algn="ctr"/>
+          </a:p>
+        </p:txBody>
+      </p:sp>
+      <p:sp>
+        <p:nvSpPr>
+          <p:cNvPr id="7" name="TextBox 6"/>
+          <p:cNvSpPr txBox="1"/>
+          <p:nvPr/>
+        </p:nvSpPr>
+        <p:spPr>
+          <a:xfrm>
+            <a:off x="594360" y="1170432"/>
+            <a:ext cx="777240" cy="822960"/>
+          </a:xfrm>
+          <a:prstGeom prst="rect">
+            <a:avLst/>
+          </a:prstGeom>
+          <a:noFill/>
+        </p:spPr>
+        <p:txBody>
+          <a:bodyPr wrap="square" anchor="ctr"/>
+          <a:lstStyle/>
+          <a:p>
+            <a:pPr algn="ctr">
+              <a:lnSpc>
+                <a:spcPct val="135000"/>
+              </a:lnSpc>
+              <a:spcBef>
+                <a:spcPts val="0"/>
+              </a:spcBef>
+              <a:spcAft>
+                <a:spcPts val="0"/>
+              </a:spcAft>
+            </a:pPr>
+            <a:r>
+              <a:rPr sz="800" b="1">
+                <a:solidFill>
+                  <a:srgbClr val="FFFFFF"/>
+                </a:solidFill>
+                <a:latin typeface="Calibri"/>
+              </a:rPr>
+              <a:t>Referral</a:t>
+            </a:r>
+          </a:p>
+        </p:txBody>
+      </p:sp>
+      <p:sp>
+        <p:nvSpPr>
+          <p:cNvPr id="8" name="TextBox 7"/>
+          <p:cNvSpPr txBox="1"/>
+          <p:nvPr/>
+        </p:nvSpPr>
+        <p:spPr>
+          <a:xfrm>
+            <a:off x="1508760" y="1124712"/>
+            <a:ext cx="6675120" cy="347472"/>
           </a:xfrm>
           <a:prstGeom prst="rect">
             <a:avLst/>
@@ -9357,7 +11828,7 @@
           <a:bodyPr wrap="square"/>
           <a:lstStyle/>
           <a:p>
-            <a:pPr algn="ctr">
+            <a:pPr algn="l">
               <a:lnSpc>
                 <a:spcPct val="135000"/>
               </a:lnSpc>
@@ -9371,25 +11842,25 @@
             <a:r>
               <a:rPr sz="1100" b="1">
                 <a:solidFill>
-                  <a:srgbClr val="16A34A"/>
-                </a:solidFill>
-                <a:latin typeface="Calibri"/>
-              </a:rPr>
-              <a:t>Client</a:t>
-            </a:r>
-          </a:p>
-        </p:txBody>
-      </p:sp>
-      <p:sp>
-        <p:nvSpPr>
-          <p:cNvPr id="7" name="TextBox 6"/>
-          <p:cNvSpPr txBox="1"/>
-          <p:nvPr/>
-        </p:nvSpPr>
-        <p:spPr>
-          <a:xfrm>
-            <a:off x="868680" y="1517904"/>
-            <a:ext cx="2103120" cy="466344"/>
+                  <a:srgbClr val="1E293B"/>
+                </a:solidFill>
+                <a:latin typeface="Calibri"/>
+              </a:rPr>
+              <a:t>A. Client Referral Partnership</a:t>
+            </a:r>
+          </a:p>
+        </p:txBody>
+      </p:sp>
+      <p:sp>
+        <p:nvSpPr>
+          <p:cNvPr id="9" name="TextBox 8"/>
+          <p:cNvSpPr txBox="1"/>
+          <p:nvPr/>
+        </p:nvSpPr>
+        <p:spPr>
+          <a:xfrm>
+            <a:off x="1508760" y="1417320"/>
+            <a:ext cx="6675120" cy="310896"/>
           </a:xfrm>
           <a:prstGeom prst="rect">
             <a:avLst/>
@@ -9400,7 +11871,7 @@
           <a:bodyPr wrap="square"/>
           <a:lstStyle/>
           <a:p>
-            <a:pPr algn="ctr">
+            <a:pPr algn="l">
               <a:lnSpc>
                 <a:spcPct val="135000"/>
               </a:lnSpc>
@@ -9418,22 +11889,21 @@
                 </a:solidFill>
                 <a:latin typeface="Calibri"/>
               </a:rPr>
-              <a:t>1,000-year proof of existence
-Tangible social meaning</a:t>
-            </a:r>
-          </a:p>
-        </p:txBody>
-      </p:sp>
-      <p:sp>
-        <p:nvSpPr>
-          <p:cNvPr id="8" name="TextBox 7"/>
-          <p:cNvSpPr txBox="1"/>
-          <p:nvPr/>
-        </p:nvSpPr>
-        <p:spPr>
-          <a:xfrm>
-            <a:off x="3108960" y="1371600"/>
-            <a:ext cx="274320" cy="320040"/>
+              <a:t>Introduce clients when TokiStorage fits. You receive a referral fee; we handle delivery end-to-end.</a:t>
+            </a:r>
+          </a:p>
+        </p:txBody>
+      </p:sp>
+      <p:sp>
+        <p:nvSpPr>
+          <p:cNvPr id="10" name="TextBox 9"/>
+          <p:cNvSpPr txBox="1"/>
+          <p:nvPr/>
+        </p:nvSpPr>
+        <p:spPr>
+          <a:xfrm>
+            <a:off x="1508760" y="1783080"/>
+            <a:ext cx="6675120" cy="201168"/>
           </a:xfrm>
           <a:prstGeom prst="rect">
             <a:avLst/>
@@ -9444,45 +11914,45 @@
           <a:bodyPr wrap="square"/>
           <a:lstStyle/>
           <a:p>
-            <a:pPr algn="ctr">
-              <a:lnSpc>
-                <a:spcPct val="135000"/>
-              </a:lnSpc>
-              <a:spcBef>
-                <a:spcPts val="0"/>
-              </a:spcBef>
-              <a:spcAft>
-                <a:spcPts val="0"/>
-              </a:spcAft>
-            </a:pPr>
-            <a:r>
-              <a:rPr sz="1800" b="0">
-                <a:solidFill>
-                  <a:srgbClr val="94A3B8"/>
-                </a:solidFill>
-                <a:latin typeface="Calibri"/>
-              </a:rPr>
-              <a:t>←</a:t>
-            </a:r>
-          </a:p>
-        </p:txBody>
-      </p:sp>
-      <p:sp>
-        <p:nvSpPr>
-          <p:cNvPr id="9" name="Rectangle 8"/>
+            <a:pPr algn="l">
+              <a:lnSpc>
+                <a:spcPct val="135000"/>
+              </a:lnSpc>
+              <a:spcBef>
+                <a:spcPts val="0"/>
+              </a:spcBef>
+              <a:spcAft>
+                <a:spcPts val="0"/>
+              </a:spcAft>
+            </a:pPr>
+            <a:r>
+              <a:rPr sz="900" b="0">
+                <a:solidFill>
+                  <a:srgbClr val="2563EB"/>
+                </a:solidFill>
+                <a:latin typeface="Calibri"/>
+              </a:rPr>
+              <a:t>E.g.: End-of-life consulting → offer proof of existence / Funeral DX → add memorial option</a:t>
+            </a:r>
+          </a:p>
+        </p:txBody>
+      </p:sp>
+      <p:sp>
+        <p:nvSpPr>
+          <p:cNvPr id="11" name="Rectangle 10"/>
           <p:cNvSpPr/>
           <p:nvPr/>
         </p:nvSpPr>
         <p:spPr>
           <a:xfrm>
-            <a:off x="3429000" y="1097280"/>
-            <a:ext cx="2286000" cy="960120"/>
+            <a:off x="457200" y="2212848"/>
+            <a:ext cx="7863840" cy="1051560"/>
           </a:xfrm>
           <a:prstGeom prst="rect">
             <a:avLst/>
           </a:prstGeom>
           <a:solidFill>
-            <a:srgbClr val="EFF6FF"/>
+            <a:srgbClr val="FFFFFF"/>
           </a:solidFill>
           <a:ln w="9525">
             <a:solidFill>
@@ -9514,14 +11984,100 @@
       </p:sp>
       <p:sp>
         <p:nvSpPr>
-          <p:cNvPr id="10" name="TextBox 9"/>
-          <p:cNvSpPr txBox="1"/>
-          <p:nvPr/>
-        </p:nvSpPr>
-        <p:spPr>
-          <a:xfrm>
-            <a:off x="3520440" y="1170432"/>
-            <a:ext cx="2103120" cy="274320"/>
+          <p:cNvPr id="12" name="Rectangle 11"/>
+          <p:cNvSpPr/>
+          <p:nvPr/>
+        </p:nvSpPr>
+        <p:spPr>
+          <a:xfrm>
+            <a:off x="594360" y="2331720"/>
+            <a:ext cx="777240" cy="822960"/>
+          </a:xfrm>
+          <a:prstGeom prst="rect">
+            <a:avLst/>
+          </a:prstGeom>
+          <a:solidFill>
+            <a:srgbClr val="C9A962"/>
+          </a:solidFill>
+          <a:ln>
+            <a:noFill/>
+          </a:ln>
+        </p:spPr>
+        <p:style>
+          <a:lnRef idx="1">
+            <a:schemeClr val="accent1"/>
+          </a:lnRef>
+          <a:fillRef idx="3">
+            <a:schemeClr val="accent1"/>
+          </a:fillRef>
+          <a:effectRef idx="2">
+            <a:schemeClr val="accent1"/>
+          </a:effectRef>
+          <a:fontRef idx="minor">
+            <a:schemeClr val="lt1"/>
+          </a:fontRef>
+        </p:style>
+        <p:txBody>
+          <a:bodyPr rtlCol="0" anchor="ctr"/>
+          <a:lstStyle/>
+          <a:p>
+            <a:pPr algn="ctr"/>
+          </a:p>
+        </p:txBody>
+      </p:sp>
+      <p:sp>
+        <p:nvSpPr>
+          <p:cNvPr id="13" name="TextBox 12"/>
+          <p:cNvSpPr txBox="1"/>
+          <p:nvPr/>
+        </p:nvSpPr>
+        <p:spPr>
+          <a:xfrm>
+            <a:off x="594360" y="2331720"/>
+            <a:ext cx="777240" cy="822960"/>
+          </a:xfrm>
+          <a:prstGeom prst="rect">
+            <a:avLst/>
+          </a:prstGeom>
+          <a:noFill/>
+        </p:spPr>
+        <p:txBody>
+          <a:bodyPr wrap="square" anchor="ctr"/>
+          <a:lstStyle/>
+          <a:p>
+            <a:pPr algn="ctr">
+              <a:lnSpc>
+                <a:spcPct val="135000"/>
+              </a:lnSpc>
+              <a:spcBef>
+                <a:spcPts val="0"/>
+              </a:spcBef>
+              <a:spcAft>
+                <a:spcPts val="0"/>
+              </a:spcAft>
+            </a:pPr>
+            <a:r>
+              <a:rPr sz="800" b="1">
+                <a:solidFill>
+                  <a:srgbClr val="FFFFFF"/>
+                </a:solidFill>
+                <a:latin typeface="Calibri"/>
+              </a:rPr>
+              <a:t>Joint</a:t>
+            </a:r>
+          </a:p>
+        </p:txBody>
+      </p:sp>
+      <p:sp>
+        <p:nvSpPr>
+          <p:cNvPr id="14" name="TextBox 13"/>
+          <p:cNvSpPr txBox="1"/>
+          <p:nvPr/>
+        </p:nvSpPr>
+        <p:spPr>
+          <a:xfrm>
+            <a:off x="1508760" y="2286000"/>
+            <a:ext cx="6675120" cy="347472"/>
           </a:xfrm>
           <a:prstGeom prst="rect">
             <a:avLst/>
@@ -9532,7 +12088,7 @@
           <a:bodyPr wrap="square"/>
           <a:lstStyle/>
           <a:p>
-            <a:pPr algn="ctr">
+            <a:pPr algn="l">
               <a:lnSpc>
                 <a:spcPct val="135000"/>
               </a:lnSpc>
@@ -9546,118 +12102,117 @@
             <a:r>
               <a:rPr sz="1100" b="1">
                 <a:solidFill>
+                  <a:srgbClr val="1E293B"/>
+                </a:solidFill>
+                <a:latin typeface="Calibri"/>
+              </a:rPr>
+              <a:t>B. Joint Solution Partnership</a:t>
+            </a:r>
+          </a:p>
+        </p:txBody>
+      </p:sp>
+      <p:sp>
+        <p:nvSpPr>
+          <p:cNvPr id="15" name="TextBox 14"/>
+          <p:cNvSpPr txBox="1"/>
+          <p:nvPr/>
+        </p:nvSpPr>
+        <p:spPr>
+          <a:xfrm>
+            <a:off x="1508760" y="2578608"/>
+            <a:ext cx="6675120" cy="310896"/>
+          </a:xfrm>
+          <a:prstGeom prst="rect">
+            <a:avLst/>
+          </a:prstGeom>
+          <a:noFill/>
+        </p:spPr>
+        <p:txBody>
+          <a:bodyPr wrap="square"/>
+          <a:lstStyle/>
+          <a:p>
+            <a:pPr algn="l">
+              <a:lnSpc>
+                <a:spcPct val="135000"/>
+              </a:lnSpc>
+              <a:spcBef>
+                <a:spcPts val="0"/>
+              </a:spcBef>
+              <a:spcAft>
+                <a:spcPts val="0"/>
+              </a:spcAft>
+            </a:pPr>
+            <a:r>
+              <a:rPr sz="1000" b="0">
+                <a:solidFill>
+                  <a:srgbClr val="475569"/>
+                </a:solidFill>
+                <a:latin typeface="Calibri"/>
+              </a:rPr>
+              <a:t>Embed TokiStorage into your consulting engagements. Position millennium records as the "outcome layer" of ESG, revitalization, or DX projects.</a:t>
+            </a:r>
+          </a:p>
+        </p:txBody>
+      </p:sp>
+      <p:sp>
+        <p:nvSpPr>
+          <p:cNvPr id="16" name="TextBox 15"/>
+          <p:cNvSpPr txBox="1"/>
+          <p:nvPr/>
+        </p:nvSpPr>
+        <p:spPr>
+          <a:xfrm>
+            <a:off x="1508760" y="2944368"/>
+            <a:ext cx="6675120" cy="201168"/>
+          </a:xfrm>
+          <a:prstGeom prst="rect">
+            <a:avLst/>
+          </a:prstGeom>
+          <a:noFill/>
+        </p:spPr>
+        <p:txBody>
+          <a:bodyPr wrap="square"/>
+          <a:lstStyle/>
+          <a:p>
+            <a:pPr algn="l">
+              <a:lnSpc>
+                <a:spcPct val="135000"/>
+              </a:lnSpc>
+              <a:spcBef>
+                <a:spcPts val="0"/>
+              </a:spcBef>
+              <a:spcAft>
+                <a:spcPts val="0"/>
+              </a:spcAft>
+            </a:pPr>
+            <a:r>
+              <a:rPr sz="900" b="0">
+                <a:solidFill>
                   <a:srgbClr val="2563EB"/>
                 </a:solidFill>
                 <a:latin typeface="Calibri"/>
               </a:rPr>
-              <a:t>Partner (you)</a:t>
-            </a:r>
-          </a:p>
-        </p:txBody>
-      </p:sp>
-      <p:sp>
-        <p:nvSpPr>
-          <p:cNvPr id="11" name="TextBox 10"/>
-          <p:cNvSpPr txBox="1"/>
-          <p:nvPr/>
-        </p:nvSpPr>
-        <p:spPr>
-          <a:xfrm>
-            <a:off x="3520440" y="1517904"/>
-            <a:ext cx="2103120" cy="466344"/>
-          </a:xfrm>
-          <a:prstGeom prst="rect">
-            <a:avLst/>
-          </a:prstGeom>
-          <a:noFill/>
-        </p:spPr>
-        <p:txBody>
-          <a:bodyPr wrap="square"/>
-          <a:lstStyle/>
-          <a:p>
-            <a:pPr algn="ctr">
-              <a:lnSpc>
-                <a:spcPct val="135000"/>
-              </a:lnSpc>
-              <a:spcBef>
-                <a:spcPts val="0"/>
-              </a:spcBef>
-              <a:spcAft>
-                <a:spcPts val="0"/>
-              </a:spcAft>
-            </a:pPr>
-            <a:r>
-              <a:rPr sz="1000" b="0">
-                <a:solidFill>
-                  <a:srgbClr val="475569"/>
-                </a:solidFill>
-                <a:latin typeface="Calibri"/>
-              </a:rPr>
-              <a:t>Referral fee or joint revenue
-Client LTV increase</a:t>
-            </a:r>
-          </a:p>
-        </p:txBody>
-      </p:sp>
-      <p:sp>
-        <p:nvSpPr>
-          <p:cNvPr id="12" name="TextBox 11"/>
-          <p:cNvSpPr txBox="1"/>
-          <p:nvPr/>
-        </p:nvSpPr>
-        <p:spPr>
-          <a:xfrm>
-            <a:off x="5760720" y="1371600"/>
-            <a:ext cx="274320" cy="320040"/>
-          </a:xfrm>
-          <a:prstGeom prst="rect">
-            <a:avLst/>
-          </a:prstGeom>
-          <a:noFill/>
-        </p:spPr>
-        <p:txBody>
-          <a:bodyPr wrap="square"/>
-          <a:lstStyle/>
-          <a:p>
-            <a:pPr algn="ctr">
-              <a:lnSpc>
-                <a:spcPct val="135000"/>
-              </a:lnSpc>
-              <a:spcBef>
-                <a:spcPts val="0"/>
-              </a:spcBef>
-              <a:spcAft>
-                <a:spcPts val="0"/>
-              </a:spcAft>
-            </a:pPr>
-            <a:r>
-              <a:rPr sz="1800" b="0">
-                <a:solidFill>
-                  <a:srgbClr val="94A3B8"/>
-                </a:solidFill>
-                <a:latin typeface="Calibri"/>
-              </a:rPr>
-              <a:t>←</a:t>
-            </a:r>
-          </a:p>
-        </p:txBody>
-      </p:sp>
-      <p:sp>
-        <p:nvSpPr>
-          <p:cNvPr id="13" name="Rectangle 12"/>
+              <a:t>E.g.: Municipal DX → community archive / Hotel CX → guest record upgrade</a:t>
+            </a:r>
+          </a:p>
+        </p:txBody>
+      </p:sp>
+      <p:sp>
+        <p:nvSpPr>
+          <p:cNvPr id="17" name="Rectangle 16"/>
           <p:cNvSpPr/>
           <p:nvPr/>
         </p:nvSpPr>
         <p:spPr>
           <a:xfrm>
-            <a:off x="6080760" y="1097280"/>
-            <a:ext cx="2286000" cy="960120"/>
+            <a:off x="457200" y="3374136"/>
+            <a:ext cx="7863840" cy="1051560"/>
           </a:xfrm>
           <a:prstGeom prst="rect">
             <a:avLst/>
           </a:prstGeom>
           <a:solidFill>
-            <a:srgbClr val="FDF8E8"/>
+            <a:srgbClr val="FFFFFF"/>
           </a:solidFill>
           <a:ln w="9525">
             <a:solidFill>
@@ -9689,107 +12244,20 @@
       </p:sp>
       <p:sp>
         <p:nvSpPr>
-          <p:cNvPr id="14" name="TextBox 13"/>
-          <p:cNvSpPr txBox="1"/>
-          <p:nvPr/>
-        </p:nvSpPr>
-        <p:spPr>
-          <a:xfrm>
-            <a:off x="6172200" y="1170432"/>
-            <a:ext cx="2103120" cy="274320"/>
-          </a:xfrm>
-          <a:prstGeom prst="rect">
-            <a:avLst/>
-          </a:prstGeom>
-          <a:noFill/>
-        </p:spPr>
-        <p:txBody>
-          <a:bodyPr wrap="square"/>
-          <a:lstStyle/>
-          <a:p>
-            <a:pPr algn="ctr">
-              <a:lnSpc>
-                <a:spcPct val="135000"/>
-              </a:lnSpc>
-              <a:spcBef>
-                <a:spcPts val="0"/>
-              </a:spcBef>
-              <a:spcAft>
-                <a:spcPts val="0"/>
-              </a:spcAft>
-            </a:pPr>
-            <a:r>
-              <a:rPr sz="1100" b="1">
-                <a:solidFill>
-                  <a:srgbClr val="92400E"/>
-                </a:solidFill>
-                <a:latin typeface="Calibri"/>
-              </a:rPr>
-              <a:t>TokiStorage</a:t>
-            </a:r>
-          </a:p>
-        </p:txBody>
-      </p:sp>
-      <p:sp>
-        <p:nvSpPr>
-          <p:cNvPr id="15" name="TextBox 14"/>
-          <p:cNvSpPr txBox="1"/>
-          <p:nvPr/>
-        </p:nvSpPr>
-        <p:spPr>
-          <a:xfrm>
-            <a:off x="6172200" y="1517904"/>
-            <a:ext cx="2103120" cy="466344"/>
-          </a:xfrm>
-          <a:prstGeom prst="rect">
-            <a:avLst/>
-          </a:prstGeom>
-          <a:noFill/>
-        </p:spPr>
-        <p:txBody>
-          <a:bodyPr wrap="square"/>
-          <a:lstStyle/>
-          <a:p>
-            <a:pPr algn="ctr">
-              <a:lnSpc>
-                <a:spcPct val="135000"/>
-              </a:lnSpc>
-              <a:spcBef>
-                <a:spcPts val="0"/>
-              </a:spcBef>
-              <a:spcAft>
-                <a:spcPts val="0"/>
-              </a:spcAft>
-            </a:pPr>
-            <a:r>
-              <a:rPr sz="1000" b="0">
-                <a:solidFill>
-                  <a:srgbClr val="475569"/>
-                </a:solidFill>
-                <a:latin typeface="Calibri"/>
-              </a:rPr>
-              <a:t>Technology &amp; delivery
-Revenue → SoulCarrier mission</a:t>
-            </a:r>
-          </a:p>
-        </p:txBody>
-      </p:sp>
-      <p:sp>
-        <p:nvSpPr>
-          <p:cNvPr id="16" name="Rectangle 15"/>
+          <p:cNvPr id="18" name="Rectangle 17"/>
           <p:cNvSpPr/>
           <p:nvPr/>
         </p:nvSpPr>
         <p:spPr>
           <a:xfrm>
-            <a:off x="457200" y="2423160"/>
-            <a:ext cx="7863840" cy="1051560"/>
+            <a:off x="594360" y="3493008"/>
+            <a:ext cx="777240" cy="822960"/>
           </a:xfrm>
           <a:prstGeom prst="rect">
             <a:avLst/>
           </a:prstGeom>
           <a:solidFill>
-            <a:srgbClr val="EFF6FF"/>
+            <a:srgbClr val="16A34A"/>
           </a:solidFill>
           <a:ln>
             <a:noFill/>
@@ -9819,57 +12287,57 @@
       </p:sp>
       <p:sp>
         <p:nvSpPr>
-          <p:cNvPr id="17" name="Rectangle 16"/>
-          <p:cNvSpPr/>
-          <p:nvPr/>
-        </p:nvSpPr>
-        <p:spPr>
-          <a:xfrm>
-            <a:off x="457200" y="2423160"/>
-            <a:ext cx="54864" cy="1051560"/>
-          </a:xfrm>
-          <a:prstGeom prst="rect">
-            <a:avLst/>
-          </a:prstGeom>
-          <a:solidFill>
-            <a:srgbClr val="2563EB"/>
-          </a:solidFill>
-          <a:ln>
-            <a:noFill/>
-          </a:ln>
-        </p:spPr>
-        <p:style>
-          <a:lnRef idx="1">
-            <a:schemeClr val="accent1"/>
-          </a:lnRef>
-          <a:fillRef idx="3">
-            <a:schemeClr val="accent1"/>
-          </a:fillRef>
-          <a:effectRef idx="2">
-            <a:schemeClr val="accent1"/>
-          </a:effectRef>
-          <a:fontRef idx="minor">
-            <a:schemeClr val="lt1"/>
-          </a:fontRef>
-        </p:style>
-        <p:txBody>
-          <a:bodyPr rtlCol="0" anchor="ctr"/>
-          <a:lstStyle/>
-          <a:p>
-            <a:pPr algn="ctr"/>
-          </a:p>
-        </p:txBody>
-      </p:sp>
-      <p:sp>
-        <p:nvSpPr>
-          <p:cNvPr id="18" name="TextBox 17"/>
-          <p:cNvSpPr txBox="1"/>
-          <p:nvPr/>
-        </p:nvSpPr>
-        <p:spPr>
-          <a:xfrm>
-            <a:off x="685800" y="2514600"/>
-            <a:ext cx="7543800" cy="256032"/>
+          <p:cNvPr id="19" name="TextBox 18"/>
+          <p:cNvSpPr txBox="1"/>
+          <p:nvPr/>
+        </p:nvSpPr>
+        <p:spPr>
+          <a:xfrm>
+            <a:off x="594360" y="3493008"/>
+            <a:ext cx="777240" cy="822960"/>
+          </a:xfrm>
+          <a:prstGeom prst="rect">
+            <a:avLst/>
+          </a:prstGeom>
+          <a:noFill/>
+        </p:spPr>
+        <p:txBody>
+          <a:bodyPr wrap="square" anchor="ctr"/>
+          <a:lstStyle/>
+          <a:p>
+            <a:pPr algn="ctr">
+              <a:lnSpc>
+                <a:spcPct val="135000"/>
+              </a:lnSpc>
+              <a:spcBef>
+                <a:spcPts val="0"/>
+              </a:spcBef>
+              <a:spcAft>
+                <a:spcPts val="0"/>
+              </a:spcAft>
+            </a:pPr>
+            <a:r>
+              <a:rPr sz="800" b="1">
+                <a:solidFill>
+                  <a:srgbClr val="FFFFFF"/>
+                </a:solidFill>
+                <a:latin typeface="Calibri"/>
+              </a:rPr>
+              <a:t>Co-Create</a:t>
+            </a:r>
+          </a:p>
+        </p:txBody>
+      </p:sp>
+      <p:sp>
+        <p:nvSpPr>
+          <p:cNvPr id="20" name="TextBox 19"/>
+          <p:cNvSpPr txBox="1"/>
+          <p:nvPr/>
+        </p:nvSpPr>
+        <p:spPr>
+          <a:xfrm>
+            <a:off x="1508760" y="3447288"/>
+            <a:ext cx="6675120" cy="347472"/>
           </a:xfrm>
           <a:prstGeom prst="rect">
             <a:avLst/>
@@ -9898,21 +12366,21 @@
                 </a:solidFill>
                 <a:latin typeface="Calibri"/>
               </a:rPr>
-              <a:t>Early Partner Advantage</a:t>
-            </a:r>
-          </a:p>
-        </p:txBody>
-      </p:sp>
-      <p:sp>
-        <p:nvSpPr>
-          <p:cNvPr id="19" name="TextBox 18"/>
-          <p:cNvSpPr txBox="1"/>
-          <p:nvPr/>
-        </p:nvSpPr>
-        <p:spPr>
-          <a:xfrm>
-            <a:off x="685800" y="2834640"/>
-            <a:ext cx="7543800" cy="548640"/>
+              <a:t>C. New Business Co-Creation</a:t>
+            </a:r>
+          </a:p>
+        </p:txBody>
+      </p:sp>
+      <p:sp>
+        <p:nvSpPr>
+          <p:cNvPr id="21" name="TextBox 20"/>
+          <p:cNvSpPr txBox="1"/>
+          <p:nvPr/>
+        </p:nvSpPr>
+        <p:spPr>
+          <a:xfrm>
+            <a:off x="1508760" y="3739896"/>
+            <a:ext cx="6675120" cy="310896"/>
           </a:xfrm>
           <a:prstGeom prst="rect">
             <a:avLst/>
@@ -9941,14 +12409,57 @@
                 </a:solidFill>
                 <a:latin typeface="Calibri"/>
               </a:rPr>
-              <a:t>We are approaching consulting firms sequentially. The first firm to partner receives preferential terms — including priority referral conditions and potential regional exclusivity. Early movers shape the partnership.</a:t>
-            </a:r>
-          </a:p>
-        </p:txBody>
-      </p:sp>
-      <p:sp>
-        <p:nvSpPr>
-          <p:cNvPr id="20" name="Rectangle 19"/>
+              <a:t>Launch a new venture together. We bring technology, philosophy, and use cases. You bring market access, credibility, and scale.</a:t>
+            </a:r>
+          </a:p>
+        </p:txBody>
+      </p:sp>
+      <p:sp>
+        <p:nvSpPr>
+          <p:cNvPr id="22" name="TextBox 21"/>
+          <p:cNvSpPr txBox="1"/>
+          <p:nvPr/>
+        </p:nvSpPr>
+        <p:spPr>
+          <a:xfrm>
+            <a:off x="1508760" y="4105656"/>
+            <a:ext cx="6675120" cy="201168"/>
+          </a:xfrm>
+          <a:prstGeom prst="rect">
+            <a:avLst/>
+          </a:prstGeom>
+          <a:noFill/>
+        </p:spPr>
+        <p:txBody>
+          <a:bodyPr wrap="square"/>
+          <a:lstStyle/>
+          <a:p>
+            <a:pPr algn="l">
+              <a:lnSpc>
+                <a:spcPct val="135000"/>
+              </a:lnSpc>
+              <a:spcBef>
+                <a:spcPts val="0"/>
+              </a:spcBef>
+              <a:spcAft>
+                <a:spcPts val="0"/>
+              </a:spcAft>
+            </a:pPr>
+            <a:r>
+              <a:rPr sz="900" b="0">
+                <a:solidFill>
+                  <a:srgbClr val="2563EB"/>
+                </a:solidFill>
+                <a:latin typeface="Calibri"/>
+              </a:rPr>
+              <a:t>E.g.: Memorial-tech startup / Enterprise perpetual archive service</a:t>
+            </a:r>
+          </a:p>
+        </p:txBody>
+      </p:sp>
+      <p:sp>
+        <p:nvSpPr>
+          <p:cNvPr id="23" name="Rectangle 22"/>
           <p:cNvSpPr/>
           <p:nvPr/>
         </p:nvSpPr>
@@ -9991,7 +12502,7 @@
       </p:sp>
       <p:sp>
         <p:nvSpPr>
-          <p:cNvPr id="21" name="TextBox 20"/>
+          <p:cNvPr id="24" name="TextBox 23"/>
           <p:cNvSpPr txBox="1"/>
           <p:nvPr/>
         </p:nvSpPr>
@@ -10034,7 +12545,7 @@
       </p:sp>
       <p:sp>
         <p:nvSpPr>
-          <p:cNvPr id="22" name="TextBox 21"/>
+          <p:cNvPr id="25" name="TextBox 24"/>
           <p:cNvSpPr txBox="1"/>
           <p:nvPr/>
         </p:nvSpPr>
@@ -10077,7 +12588,7 @@
       </p:sp>
       <p:sp>
         <p:nvSpPr>
-          <p:cNvPr id="23" name="TextBox 22"/>
+          <p:cNvPr id="26" name="TextBox 25"/>
           <p:cNvSpPr txBox="1"/>
           <p:nvPr/>
         </p:nvSpPr>
@@ -10217,7 +12728,7 @@
                 </a:solidFill>
                 <a:latin typeface="Calibri"/>
               </a:rPr>
-              <a:t>Six client sectors show particularly high affinity: funeral, hospitality, religious, government, ESG, and finance</a:t>
+              <a:t>Three major AI platforms and cultural institutions have independently validated us</a:t>
             </a:r>
           </a:p>
         </p:txBody>
@@ -10260,64 +12771,21 @@
                 </a:solidFill>
                 <a:latin typeface="Calibri"/>
               </a:rPr>
-              <a:t>CLIENT FIT</a:t>
-            </a:r>
-          </a:p>
-        </p:txBody>
-      </p:sp>
-      <p:sp>
-        <p:nvSpPr>
-          <p:cNvPr id="5" name="TextBox 4"/>
-          <p:cNvSpPr txBox="1"/>
-          <p:nvPr/>
-        </p:nvSpPr>
-        <p:spPr>
-          <a:xfrm>
-            <a:off x="457200" y="1005840"/>
-            <a:ext cx="7315200" cy="274320"/>
-          </a:xfrm>
-          <a:prstGeom prst="rect">
-            <a:avLst/>
-          </a:prstGeom>
-          <a:noFill/>
-        </p:spPr>
-        <p:txBody>
-          <a:bodyPr wrap="square"/>
-          <a:lstStyle/>
-          <a:p>
-            <a:pPr algn="l">
-              <a:lnSpc>
-                <a:spcPct val="135000"/>
-              </a:lnSpc>
-              <a:spcBef>
-                <a:spcPts val="0"/>
-              </a:spcBef>
-              <a:spcAft>
-                <a:spcPts val="0"/>
-              </a:spcAft>
-            </a:pPr>
-            <a:r>
-              <a:rPr sz="1100" b="0">
-                <a:solidFill>
-                  <a:srgbClr val="475569"/>
-                </a:solidFill>
-                <a:latin typeface="Calibri"/>
-              </a:rPr>
-              <a:t>Does your client portfolio include any of these sectors?</a:t>
-            </a:r>
-          </a:p>
-        </p:txBody>
-      </p:sp>
-      <p:sp>
-        <p:nvSpPr>
-          <p:cNvPr id="6" name="Rectangle 5"/>
+              <a:t>TRACTION &amp; TRUST</a:t>
+            </a:r>
+          </a:p>
+        </p:txBody>
+      </p:sp>
+      <p:sp>
+        <p:nvSpPr>
+          <p:cNvPr id="5" name="Rectangle 4"/>
           <p:cNvSpPr/>
           <p:nvPr/>
         </p:nvSpPr>
         <p:spPr>
           <a:xfrm>
-            <a:off x="457200" y="1371600"/>
-            <a:ext cx="2606040" cy="1417320"/>
+            <a:off x="457200" y="1051560"/>
+            <a:ext cx="2606040" cy="2011680"/>
           </a:xfrm>
           <a:prstGeom prst="rect">
             <a:avLst/>
@@ -10355,186 +12823,143 @@
       </p:sp>
       <p:sp>
         <p:nvSpPr>
-          <p:cNvPr id="7" name="Oval 6"/>
+          <p:cNvPr id="6" name="TextBox 5"/>
+          <p:cNvSpPr txBox="1"/>
+          <p:nvPr/>
+        </p:nvSpPr>
+        <p:spPr>
+          <a:xfrm>
+            <a:off x="594360" y="1143000"/>
+            <a:ext cx="2331720" cy="228600"/>
+          </a:xfrm>
+          <a:prstGeom prst="rect">
+            <a:avLst/>
+          </a:prstGeom>
+          <a:noFill/>
+        </p:spPr>
+        <p:txBody>
+          <a:bodyPr wrap="square"/>
+          <a:lstStyle/>
+          <a:p>
+            <a:pPr algn="l">
+              <a:lnSpc>
+                <a:spcPct val="135000"/>
+              </a:lnSpc>
+              <a:spcBef>
+                <a:spcPts val="0"/>
+              </a:spcBef>
+              <a:spcAft>
+                <a:spcPts val="0"/>
+              </a:spcAft>
+            </a:pPr>
+            <a:r>
+              <a:rPr sz="900" b="1">
+                <a:solidFill>
+                  <a:srgbClr val="2563EB"/>
+                </a:solidFill>
+                <a:latin typeface="Calibri"/>
+              </a:rPr>
+              <a:t>Claude / Anthropic</a:t>
+            </a:r>
+          </a:p>
+        </p:txBody>
+      </p:sp>
+      <p:sp>
+        <p:nvSpPr>
+          <p:cNvPr id="7" name="TextBox 6"/>
+          <p:cNvSpPr txBox="1"/>
+          <p:nvPr/>
+        </p:nvSpPr>
+        <p:spPr>
+          <a:xfrm>
+            <a:off x="594360" y="1417320"/>
+            <a:ext cx="2331720" cy="274320"/>
+          </a:xfrm>
+          <a:prstGeom prst="rect">
+            <a:avLst/>
+          </a:prstGeom>
+          <a:noFill/>
+        </p:spPr>
+        <p:txBody>
+          <a:bodyPr wrap="square"/>
+          <a:lstStyle/>
+          <a:p>
+            <a:pPr algn="l">
+              <a:lnSpc>
+                <a:spcPct val="135000"/>
+              </a:lnSpc>
+              <a:spcBef>
+                <a:spcPts val="0"/>
+              </a:spcBef>
+              <a:spcAft>
+                <a:spcPts val="0"/>
+              </a:spcAft>
+            </a:pPr>
+            <a:r>
+              <a:rPr sz="1100" b="1">
+                <a:solidFill>
+                  <a:srgbClr val="1E293B"/>
+                </a:solidFill>
+                <a:latin typeface="Calibri"/>
+              </a:rPr>
+              <a:t>Architecture Design</a:t>
+            </a:r>
+          </a:p>
+        </p:txBody>
+      </p:sp>
+      <p:sp>
+        <p:nvSpPr>
+          <p:cNvPr id="8" name="TextBox 7"/>
+          <p:cNvSpPr txBox="1"/>
+          <p:nvPr/>
+        </p:nvSpPr>
+        <p:spPr>
+          <a:xfrm>
+            <a:off x="594360" y="1737360"/>
+            <a:ext cx="2331720" cy="1234440"/>
+          </a:xfrm>
+          <a:prstGeom prst="rect">
+            <a:avLst/>
+          </a:prstGeom>
+          <a:noFill/>
+        </p:spPr>
+        <p:txBody>
+          <a:bodyPr wrap="square"/>
+          <a:lstStyle/>
+          <a:p>
+            <a:pPr algn="l">
+              <a:lnSpc>
+                <a:spcPct val="135000"/>
+              </a:lnSpc>
+              <a:spcBef>
+                <a:spcPts val="0"/>
+              </a:spcBef>
+              <a:spcAft>
+                <a:spcPts val="0"/>
+              </a:spcAft>
+            </a:pPr>
+            <a:r>
+              <a:rPr sz="1000" b="0">
+                <a:solidFill>
+                  <a:srgbClr val="475569"/>
+                </a:solidFill>
+                <a:latin typeface="Calibri"/>
+              </a:rPr>
+              <a:t>"The three-layer architecture eliminates single points of failure and maximizes information survival probability"</a:t>
+            </a:r>
+          </a:p>
+        </p:txBody>
+      </p:sp>
+      <p:sp>
+        <p:nvSpPr>
+          <p:cNvPr id="9" name="Rectangle 8"/>
           <p:cNvSpPr/>
           <p:nvPr/>
         </p:nvSpPr>
         <p:spPr>
           <a:xfrm>
-            <a:off x="1568196" y="1463040"/>
-            <a:ext cx="384048" cy="384048"/>
-          </a:xfrm>
-          <a:prstGeom prst="ellipse">
-            <a:avLst/>
-          </a:prstGeom>
-          <a:solidFill>
-            <a:srgbClr val="EFF6FF"/>
-          </a:solidFill>
-          <a:ln>
-            <a:noFill/>
-          </a:ln>
-        </p:spPr>
-        <p:style>
-          <a:lnRef idx="1">
-            <a:schemeClr val="accent1"/>
-          </a:lnRef>
-          <a:fillRef idx="3">
-            <a:schemeClr val="accent1"/>
-          </a:fillRef>
-          <a:effectRef idx="2">
-            <a:schemeClr val="accent1"/>
-          </a:effectRef>
-          <a:fontRef idx="minor">
-            <a:schemeClr val="lt1"/>
-          </a:fontRef>
-        </p:style>
-        <p:txBody>
-          <a:bodyPr rtlCol="0" anchor="ctr"/>
-          <a:lstStyle/>
-          <a:p>
-            <a:pPr algn="ctr"/>
-          </a:p>
-        </p:txBody>
-      </p:sp>
-      <p:sp>
-        <p:nvSpPr>
-          <p:cNvPr id="8" name="TextBox 7"/>
-          <p:cNvSpPr txBox="1"/>
-          <p:nvPr/>
-        </p:nvSpPr>
-        <p:spPr>
-          <a:xfrm>
-            <a:off x="1568196" y="1463040"/>
-            <a:ext cx="384048" cy="384048"/>
-          </a:xfrm>
-          <a:prstGeom prst="rect">
-            <a:avLst/>
-          </a:prstGeom>
-          <a:noFill/>
-        </p:spPr>
-        <p:txBody>
-          <a:bodyPr wrap="square" anchor="ctr"/>
-          <a:lstStyle/>
-          <a:p>
-            <a:pPr algn="ctr">
-              <a:lnSpc>
-                <a:spcPct val="135000"/>
-              </a:lnSpc>
-              <a:spcBef>
-                <a:spcPts val="0"/>
-              </a:spcBef>
-              <a:spcAft>
-                <a:spcPts val="0"/>
-              </a:spcAft>
-            </a:pPr>
-            <a:r>
-              <a:rPr sz="1200" b="1">
-                <a:solidFill>
-                  <a:srgbClr val="2563EB"/>
-                </a:solidFill>
-                <a:latin typeface="Calibri"/>
-              </a:rPr>
-              <a:t>M</a:t>
-            </a:r>
-          </a:p>
-        </p:txBody>
-      </p:sp>
-      <p:sp>
-        <p:nvSpPr>
-          <p:cNvPr id="9" name="TextBox 8"/>
-          <p:cNvSpPr txBox="1"/>
-          <p:nvPr/>
-        </p:nvSpPr>
-        <p:spPr>
-          <a:xfrm>
-            <a:off x="530352" y="1883664"/>
-            <a:ext cx="2459736" cy="237744"/>
-          </a:xfrm>
-          <a:prstGeom prst="rect">
-            <a:avLst/>
-          </a:prstGeom>
-          <a:noFill/>
-        </p:spPr>
-        <p:txBody>
-          <a:bodyPr wrap="square"/>
-          <a:lstStyle/>
-          <a:p>
-            <a:pPr algn="ctr">
-              <a:lnSpc>
-                <a:spcPct val="135000"/>
-              </a:lnSpc>
-              <a:spcBef>
-                <a:spcPts val="0"/>
-              </a:spcBef>
-              <a:spcAft>
-                <a:spcPts val="0"/>
-              </a:spcAft>
-            </a:pPr>
-            <a:r>
-              <a:rPr sz="1100" b="1">
-                <a:solidFill>
-                  <a:srgbClr val="1E293B"/>
-                </a:solidFill>
-                <a:latin typeface="Calibri"/>
-              </a:rPr>
-              <a:t>Funeral &amp; Memorial</a:t>
-            </a:r>
-          </a:p>
-        </p:txBody>
-      </p:sp>
-      <p:sp>
-        <p:nvSpPr>
-          <p:cNvPr id="10" name="TextBox 9"/>
-          <p:cNvSpPr txBox="1"/>
-          <p:nvPr/>
-        </p:nvSpPr>
-        <p:spPr>
-          <a:xfrm>
-            <a:off x="530352" y="2194560"/>
-            <a:ext cx="2459736" cy="521208"/>
-          </a:xfrm>
-          <a:prstGeom prst="rect">
-            <a:avLst/>
-          </a:prstGeom>
-          <a:noFill/>
-        </p:spPr>
-        <p:txBody>
-          <a:bodyPr wrap="square"/>
-          <a:lstStyle/>
-          <a:p>
-            <a:pPr algn="ctr">
-              <a:lnSpc>
-                <a:spcPct val="135000"/>
-              </a:lnSpc>
-              <a:spcBef>
-                <a:spcPts val="0"/>
-              </a:spcBef>
-              <a:spcAft>
-                <a:spcPts val="0"/>
-              </a:spcAft>
-            </a:pPr>
-            <a:r>
-              <a:rPr sz="900" b="0">
-                <a:solidFill>
-                  <a:srgbClr val="475569"/>
-                </a:solidFill>
-                <a:latin typeface="Calibri"/>
-              </a:rPr>
-              <a:t>Gravestone alternatives, digital perpetual care, bereavement services</a:t>
-            </a:r>
-          </a:p>
-        </p:txBody>
-      </p:sp>
-      <p:sp>
-        <p:nvSpPr>
-          <p:cNvPr id="11" name="Rectangle 10"/>
-          <p:cNvSpPr/>
-          <p:nvPr/>
-        </p:nvSpPr>
-        <p:spPr>
-          <a:xfrm>
-            <a:off x="3273552" y="1371600"/>
-            <a:ext cx="2606040" cy="1417320"/>
+            <a:off x="3273552" y="1051560"/>
+            <a:ext cx="2606040" cy="2011680"/>
           </a:xfrm>
           <a:prstGeom prst="rect">
             <a:avLst/>
@@ -10572,186 +12997,143 @@
       </p:sp>
       <p:sp>
         <p:nvSpPr>
-          <p:cNvPr id="12" name="Oval 11"/>
+          <p:cNvPr id="10" name="TextBox 9"/>
+          <p:cNvSpPr txBox="1"/>
+          <p:nvPr/>
+        </p:nvSpPr>
+        <p:spPr>
+          <a:xfrm>
+            <a:off x="3410712" y="1143000"/>
+            <a:ext cx="2331720" cy="228600"/>
+          </a:xfrm>
+          <a:prstGeom prst="rect">
+            <a:avLst/>
+          </a:prstGeom>
+          <a:noFill/>
+        </p:spPr>
+        <p:txBody>
+          <a:bodyPr wrap="square"/>
+          <a:lstStyle/>
+          <a:p>
+            <a:pPr algn="l">
+              <a:lnSpc>
+                <a:spcPct val="135000"/>
+              </a:lnSpc>
+              <a:spcBef>
+                <a:spcPts val="0"/>
+              </a:spcBef>
+              <a:spcAft>
+                <a:spcPts val="0"/>
+              </a:spcAft>
+            </a:pPr>
+            <a:r>
+              <a:rPr sz="900" b="1">
+                <a:solidFill>
+                  <a:srgbClr val="2563EB"/>
+                </a:solidFill>
+                <a:latin typeface="Calibri"/>
+              </a:rPr>
+              <a:t>Gemini / Google</a:t>
+            </a:r>
+          </a:p>
+        </p:txBody>
+      </p:sp>
+      <p:sp>
+        <p:nvSpPr>
+          <p:cNvPr id="11" name="TextBox 10"/>
+          <p:cNvSpPr txBox="1"/>
+          <p:nvPr/>
+        </p:nvSpPr>
+        <p:spPr>
+          <a:xfrm>
+            <a:off x="3410712" y="1417320"/>
+            <a:ext cx="2331720" cy="274320"/>
+          </a:xfrm>
+          <a:prstGeom prst="rect">
+            <a:avLst/>
+          </a:prstGeom>
+          <a:noFill/>
+        </p:spPr>
+        <p:txBody>
+          <a:bodyPr wrap="square"/>
+          <a:lstStyle/>
+          <a:p>
+            <a:pPr algn="l">
+              <a:lnSpc>
+                <a:spcPct val="135000"/>
+              </a:lnSpc>
+              <a:spcBef>
+                <a:spcPts val="0"/>
+              </a:spcBef>
+              <a:spcAft>
+                <a:spcPts val="0"/>
+              </a:spcAft>
+            </a:pPr>
+            <a:r>
+              <a:rPr sz="1100" b="1">
+                <a:solidFill>
+                  <a:srgbClr val="1E293B"/>
+                </a:solidFill>
+                <a:latin typeface="Calibri"/>
+              </a:rPr>
+              <a:t>Institutional Design</a:t>
+            </a:r>
+          </a:p>
+        </p:txBody>
+      </p:sp>
+      <p:sp>
+        <p:nvSpPr>
+          <p:cNvPr id="12" name="TextBox 11"/>
+          <p:cNvSpPr txBox="1"/>
+          <p:nvPr/>
+        </p:nvSpPr>
+        <p:spPr>
+          <a:xfrm>
+            <a:off x="3410712" y="1737360"/>
+            <a:ext cx="2331720" cy="1234440"/>
+          </a:xfrm>
+          <a:prstGeom prst="rect">
+            <a:avLst/>
+          </a:prstGeom>
+          <a:noFill/>
+        </p:spPr>
+        <p:txBody>
+          <a:bodyPr wrap="square"/>
+          <a:lstStyle/>
+          <a:p>
+            <a:pPr algn="l">
+              <a:lnSpc>
+                <a:spcPct val="135000"/>
+              </a:lnSpc>
+              <a:spcBef>
+                <a:spcPts val="0"/>
+              </a:spcBef>
+              <a:spcAft>
+                <a:spcPts val="0"/>
+              </a:spcAft>
+            </a:pPr>
+            <a:r>
+              <a:rPr sz="1000" b="0">
+                <a:solidFill>
+                  <a:srgbClr val="475569"/>
+                </a:solidFill>
+                <a:latin typeface="Calibri"/>
+              </a:rPr>
+              <a:t>"A sophisticated design that leverages the architecture of legal systems"</a:t>
+            </a:r>
+          </a:p>
+        </p:txBody>
+      </p:sp>
+      <p:sp>
+        <p:nvSpPr>
+          <p:cNvPr id="13" name="Rectangle 12"/>
           <p:cNvSpPr/>
           <p:nvPr/>
         </p:nvSpPr>
         <p:spPr>
           <a:xfrm>
-            <a:off x="4384548" y="1463040"/>
-            <a:ext cx="384048" cy="384048"/>
-          </a:xfrm>
-          <a:prstGeom prst="ellipse">
-            <a:avLst/>
-          </a:prstGeom>
-          <a:solidFill>
-            <a:srgbClr val="EFF6FF"/>
-          </a:solidFill>
-          <a:ln>
-            <a:noFill/>
-          </a:ln>
-        </p:spPr>
-        <p:style>
-          <a:lnRef idx="1">
-            <a:schemeClr val="accent1"/>
-          </a:lnRef>
-          <a:fillRef idx="3">
-            <a:schemeClr val="accent1"/>
-          </a:fillRef>
-          <a:effectRef idx="2">
-            <a:schemeClr val="accent1"/>
-          </a:effectRef>
-          <a:fontRef idx="minor">
-            <a:schemeClr val="lt1"/>
-          </a:fontRef>
-        </p:style>
-        <p:txBody>
-          <a:bodyPr rtlCol="0" anchor="ctr"/>
-          <a:lstStyle/>
-          <a:p>
-            <a:pPr algn="ctr"/>
-          </a:p>
-        </p:txBody>
-      </p:sp>
-      <p:sp>
-        <p:nvSpPr>
-          <p:cNvPr id="13" name="TextBox 12"/>
-          <p:cNvSpPr txBox="1"/>
-          <p:nvPr/>
-        </p:nvSpPr>
-        <p:spPr>
-          <a:xfrm>
-            <a:off x="4384548" y="1463040"/>
-            <a:ext cx="384048" cy="384048"/>
-          </a:xfrm>
-          <a:prstGeom prst="rect">
-            <a:avLst/>
-          </a:prstGeom>
-          <a:noFill/>
-        </p:spPr>
-        <p:txBody>
-          <a:bodyPr wrap="square" anchor="ctr"/>
-          <a:lstStyle/>
-          <a:p>
-            <a:pPr algn="ctr">
-              <a:lnSpc>
-                <a:spcPct val="135000"/>
-              </a:lnSpc>
-              <a:spcBef>
-                <a:spcPts val="0"/>
-              </a:spcBef>
-              <a:spcAft>
-                <a:spcPts val="0"/>
-              </a:spcAft>
-            </a:pPr>
-            <a:r>
-              <a:rPr sz="1200" b="1">
-                <a:solidFill>
-                  <a:srgbClr val="2563EB"/>
-                </a:solidFill>
-                <a:latin typeface="Calibri"/>
-              </a:rPr>
-              <a:t>H</a:t>
-            </a:r>
-          </a:p>
-        </p:txBody>
-      </p:sp>
-      <p:sp>
-        <p:nvSpPr>
-          <p:cNvPr id="14" name="TextBox 13"/>
-          <p:cNvSpPr txBox="1"/>
-          <p:nvPr/>
-        </p:nvSpPr>
-        <p:spPr>
-          <a:xfrm>
-            <a:off x="3346704" y="1883664"/>
-            <a:ext cx="2459736" cy="237744"/>
-          </a:xfrm>
-          <a:prstGeom prst="rect">
-            <a:avLst/>
-          </a:prstGeom>
-          <a:noFill/>
-        </p:spPr>
-        <p:txBody>
-          <a:bodyPr wrap="square"/>
-          <a:lstStyle/>
-          <a:p>
-            <a:pPr algn="ctr">
-              <a:lnSpc>
-                <a:spcPct val="135000"/>
-              </a:lnSpc>
-              <a:spcBef>
-                <a:spcPts val="0"/>
-              </a:spcBef>
-              <a:spcAft>
-                <a:spcPts val="0"/>
-              </a:spcAft>
-            </a:pPr>
-            <a:r>
-              <a:rPr sz="1100" b="1">
-                <a:solidFill>
-                  <a:srgbClr val="1E293B"/>
-                </a:solidFill>
-                <a:latin typeface="Calibri"/>
-              </a:rPr>
-              <a:t>Hospitality</a:t>
-            </a:r>
-          </a:p>
-        </p:txBody>
-      </p:sp>
-      <p:sp>
-        <p:nvSpPr>
-          <p:cNvPr id="15" name="TextBox 14"/>
-          <p:cNvSpPr txBox="1"/>
-          <p:nvPr/>
-        </p:nvSpPr>
-        <p:spPr>
-          <a:xfrm>
-            <a:off x="3346704" y="2194560"/>
-            <a:ext cx="2459736" cy="521208"/>
-          </a:xfrm>
-          <a:prstGeom prst="rect">
-            <a:avLst/>
-          </a:prstGeom>
-          <a:noFill/>
-        </p:spPr>
-        <p:txBody>
-          <a:bodyPr wrap="square"/>
-          <a:lstStyle/>
-          <a:p>
-            <a:pPr algn="ctr">
-              <a:lnSpc>
-                <a:spcPct val="135000"/>
-              </a:lnSpc>
-              <a:spcBef>
-                <a:spcPts val="0"/>
-              </a:spcBef>
-              <a:spcAft>
-                <a:spcPts val="0"/>
-              </a:spcAft>
-            </a:pPr>
-            <a:r>
-              <a:rPr sz="900" b="0">
-                <a:solidFill>
-                  <a:srgbClr val="475569"/>
-                </a:solidFill>
-                <a:latin typeface="Calibri"/>
-              </a:rPr>
-              <a:t>Wedding records, hotel CX, anniversary services</a:t>
-            </a:r>
-          </a:p>
-        </p:txBody>
-      </p:sp>
-      <p:sp>
-        <p:nvSpPr>
-          <p:cNvPr id="16" name="Rectangle 15"/>
-          <p:cNvSpPr/>
-          <p:nvPr/>
-        </p:nvSpPr>
-        <p:spPr>
-          <a:xfrm>
-            <a:off x="6089904" y="1371600"/>
-            <a:ext cx="2606040" cy="1417320"/>
+            <a:off x="6089904" y="1051560"/>
+            <a:ext cx="2606040" cy="2011680"/>
           </a:xfrm>
           <a:prstGeom prst="rect">
             <a:avLst/>
@@ -10789,20 +13171,149 @@
       </p:sp>
       <p:sp>
         <p:nvSpPr>
-          <p:cNvPr id="17" name="Oval 16"/>
+          <p:cNvPr id="14" name="TextBox 13"/>
+          <p:cNvSpPr txBox="1"/>
+          <p:nvPr/>
+        </p:nvSpPr>
+        <p:spPr>
+          <a:xfrm>
+            <a:off x="6227064" y="1143000"/>
+            <a:ext cx="2331720" cy="228600"/>
+          </a:xfrm>
+          <a:prstGeom prst="rect">
+            <a:avLst/>
+          </a:prstGeom>
+          <a:noFill/>
+        </p:spPr>
+        <p:txBody>
+          <a:bodyPr wrap="square"/>
+          <a:lstStyle/>
+          <a:p>
+            <a:pPr algn="l">
+              <a:lnSpc>
+                <a:spcPct val="135000"/>
+              </a:lnSpc>
+              <a:spcBef>
+                <a:spcPts val="0"/>
+              </a:spcBef>
+              <a:spcAft>
+                <a:spcPts val="0"/>
+              </a:spcAft>
+            </a:pPr>
+            <a:r>
+              <a:rPr sz="900" b="1">
+                <a:solidFill>
+                  <a:srgbClr val="2563EB"/>
+                </a:solidFill>
+                <a:latin typeface="Calibri"/>
+              </a:rPr>
+              <a:t>ChatGPT / OpenAI</a:t>
+            </a:r>
+          </a:p>
+        </p:txBody>
+      </p:sp>
+      <p:sp>
+        <p:nvSpPr>
+          <p:cNvPr id="15" name="TextBox 14"/>
+          <p:cNvSpPr txBox="1"/>
+          <p:nvPr/>
+        </p:nvSpPr>
+        <p:spPr>
+          <a:xfrm>
+            <a:off x="6227064" y="1417320"/>
+            <a:ext cx="2331720" cy="274320"/>
+          </a:xfrm>
+          <a:prstGeom prst="rect">
+            <a:avLst/>
+          </a:prstGeom>
+          <a:noFill/>
+        </p:spPr>
+        <p:txBody>
+          <a:bodyPr wrap="square"/>
+          <a:lstStyle/>
+          <a:p>
+            <a:pPr algn="l">
+              <a:lnSpc>
+                <a:spcPct val="135000"/>
+              </a:lnSpc>
+              <a:spcBef>
+                <a:spcPts val="0"/>
+              </a:spcBef>
+              <a:spcAft>
+                <a:spcPts val="0"/>
+              </a:spcAft>
+            </a:pPr>
+            <a:r>
+              <a:rPr sz="1100" b="1">
+                <a:solidFill>
+                  <a:srgbClr val="1E293B"/>
+                </a:solidFill>
+                <a:latin typeface="Calibri"/>
+              </a:rPr>
+              <a:t>Cost Performance</a:t>
+            </a:r>
+          </a:p>
+        </p:txBody>
+      </p:sp>
+      <p:sp>
+        <p:nvSpPr>
+          <p:cNvPr id="16" name="TextBox 15"/>
+          <p:cNvSpPr txBox="1"/>
+          <p:nvPr/>
+        </p:nvSpPr>
+        <p:spPr>
+          <a:xfrm>
+            <a:off x="6227064" y="1737360"/>
+            <a:ext cx="2331720" cy="1234440"/>
+          </a:xfrm>
+          <a:prstGeom prst="rect">
+            <a:avLst/>
+          </a:prstGeom>
+          <a:noFill/>
+        </p:spPr>
+        <p:txBody>
+          <a:bodyPr wrap="square"/>
+          <a:lstStyle/>
+          <a:p>
+            <a:pPr algn="l">
+              <a:lnSpc>
+                <a:spcPct val="135000"/>
+              </a:lnSpc>
+              <a:spcBef>
+                <a:spcPts val="0"/>
+              </a:spcBef>
+              <a:spcAft>
+                <a:spcPts val="0"/>
+              </a:spcAft>
+            </a:pPr>
+            <a:r>
+              <a:rPr sz="1000" b="0">
+                <a:solidFill>
+                  <a:srgbClr val="475569"/>
+                </a:solidFill>
+                <a:latin typeface="Calibri"/>
+              </a:rPr>
+              <a:t>"An annual cost of ¥50 is extraordinary value"</a:t>
+            </a:r>
+          </a:p>
+        </p:txBody>
+      </p:sp>
+      <p:sp>
+        <p:nvSpPr>
+          <p:cNvPr id="17" name="Rectangle 16"/>
           <p:cNvSpPr/>
           <p:nvPr/>
         </p:nvSpPr>
         <p:spPr>
           <a:xfrm>
-            <a:off x="7200900" y="1463040"/>
-            <a:ext cx="384048" cy="384048"/>
-          </a:xfrm>
-          <a:prstGeom prst="ellipse">
+            <a:off x="457200" y="3246120"/>
+            <a:ext cx="7863840" cy="640080"/>
+          </a:xfrm>
+          <a:prstGeom prst="rect">
             <a:avLst/>
           </a:prstGeom>
           <a:solidFill>
-            <a:srgbClr val="EFF6FF"/>
+            <a:srgbClr val="FDF8E8"/>
           </a:solidFill>
           <a:ln>
             <a:noFill/>
@@ -10832,154 +13343,23 @@
       </p:sp>
       <p:sp>
         <p:nvSpPr>
-          <p:cNvPr id="18" name="TextBox 17"/>
-          <p:cNvSpPr txBox="1"/>
-          <p:nvPr/>
-        </p:nvSpPr>
-        <p:spPr>
-          <a:xfrm>
-            <a:off x="7200900" y="1463040"/>
-            <a:ext cx="384048" cy="384048"/>
-          </a:xfrm>
-          <a:prstGeom prst="rect">
-            <a:avLst/>
-          </a:prstGeom>
-          <a:noFill/>
-        </p:spPr>
-        <p:txBody>
-          <a:bodyPr wrap="square" anchor="ctr"/>
-          <a:lstStyle/>
-          <a:p>
-            <a:pPr algn="ctr">
-              <a:lnSpc>
-                <a:spcPct val="135000"/>
-              </a:lnSpc>
-              <a:spcBef>
-                <a:spcPts val="0"/>
-              </a:spcBef>
-              <a:spcAft>
-                <a:spcPts val="0"/>
-              </a:spcAft>
-            </a:pPr>
-            <a:r>
-              <a:rPr sz="1200" b="1">
-                <a:solidFill>
-                  <a:srgbClr val="2563EB"/>
-                </a:solidFill>
-                <a:latin typeface="Calibri"/>
-              </a:rPr>
-              <a:t>R</a:t>
-            </a:r>
-          </a:p>
-        </p:txBody>
-      </p:sp>
-      <p:sp>
-        <p:nvSpPr>
-          <p:cNvPr id="19" name="TextBox 18"/>
-          <p:cNvSpPr txBox="1"/>
-          <p:nvPr/>
-        </p:nvSpPr>
-        <p:spPr>
-          <a:xfrm>
-            <a:off x="6163056" y="1883664"/>
-            <a:ext cx="2459736" cy="237744"/>
-          </a:xfrm>
-          <a:prstGeom prst="rect">
-            <a:avLst/>
-          </a:prstGeom>
-          <a:noFill/>
-        </p:spPr>
-        <p:txBody>
-          <a:bodyPr wrap="square"/>
-          <a:lstStyle/>
-          <a:p>
-            <a:pPr algn="ctr">
-              <a:lnSpc>
-                <a:spcPct val="135000"/>
-              </a:lnSpc>
-              <a:spcBef>
-                <a:spcPts val="0"/>
-              </a:spcBef>
-              <a:spcAft>
-                <a:spcPts val="0"/>
-              </a:spcAft>
-            </a:pPr>
-            <a:r>
-              <a:rPr sz="1100" b="1">
-                <a:solidFill>
-                  <a:srgbClr val="1E293B"/>
-                </a:solidFill>
-                <a:latin typeface="Calibri"/>
-              </a:rPr>
-              <a:t>Religious Institutions</a:t>
-            </a:r>
-          </a:p>
-        </p:txBody>
-      </p:sp>
-      <p:sp>
-        <p:nvSpPr>
-          <p:cNvPr id="20" name="TextBox 19"/>
-          <p:cNvSpPr txBox="1"/>
-          <p:nvPr/>
-        </p:nvSpPr>
-        <p:spPr>
-          <a:xfrm>
-            <a:off x="6163056" y="2194560"/>
-            <a:ext cx="2459736" cy="521208"/>
-          </a:xfrm>
-          <a:prstGeom prst="rect">
-            <a:avLst/>
-          </a:prstGeom>
-          <a:noFill/>
-        </p:spPr>
-        <p:txBody>
-          <a:bodyPr wrap="square"/>
-          <a:lstStyle/>
-          <a:p>
-            <a:pPr algn="ctr">
-              <a:lnSpc>
-                <a:spcPct val="135000"/>
-              </a:lnSpc>
-              <a:spcBef>
-                <a:spcPts val="0"/>
-              </a:spcBef>
-              <a:spcAft>
-                <a:spcPts val="0"/>
-              </a:spcAft>
-            </a:pPr>
-            <a:r>
-              <a:rPr sz="900" b="0">
-                <a:solidFill>
-                  <a:srgbClr val="475569"/>
-                </a:solidFill>
-                <a:latin typeface="Calibri"/>
-              </a:rPr>
-              <a:t>Perpetual congregation records, visitor DX, cultural preservation</a:t>
-            </a:r>
-          </a:p>
-        </p:txBody>
-      </p:sp>
-      <p:sp>
-        <p:nvSpPr>
-          <p:cNvPr id="21" name="Rectangle 20"/>
+          <p:cNvPr id="18" name="Rectangle 17"/>
           <p:cNvSpPr/>
           <p:nvPr/>
         </p:nvSpPr>
         <p:spPr>
           <a:xfrm>
-            <a:off x="457200" y="2926080"/>
-            <a:ext cx="2606040" cy="1417320"/>
+            <a:off x="457200" y="3246120"/>
+            <a:ext cx="54864" cy="640080"/>
           </a:xfrm>
           <a:prstGeom prst="rect">
             <a:avLst/>
           </a:prstGeom>
           <a:solidFill>
-            <a:srgbClr val="FFFFFF"/>
+            <a:srgbClr val="C9A962"/>
           </a:solidFill>
-          <a:ln w="9525">
-            <a:solidFill>
-              <a:srgbClr val="E2E8F0"/>
-            </a:solidFill>
+          <a:ln>
+            <a:noFill/>
           </a:ln>
         </p:spPr>
         <p:style>
@@ -11006,57 +13386,14 @@
       </p:sp>
       <p:sp>
         <p:nvSpPr>
-          <p:cNvPr id="22" name="Oval 21"/>
-          <p:cNvSpPr/>
-          <p:nvPr/>
-        </p:nvSpPr>
-        <p:spPr>
-          <a:xfrm>
-            <a:off x="1568196" y="3017520"/>
-            <a:ext cx="384048" cy="384048"/>
-          </a:xfrm>
-          <a:prstGeom prst="ellipse">
-            <a:avLst/>
-          </a:prstGeom>
-          <a:solidFill>
-            <a:srgbClr val="EFF6FF"/>
-          </a:solidFill>
-          <a:ln>
-            <a:noFill/>
-          </a:ln>
-        </p:spPr>
-        <p:style>
-          <a:lnRef idx="1">
-            <a:schemeClr val="accent1"/>
-          </a:lnRef>
-          <a:fillRef idx="3">
-            <a:schemeClr val="accent1"/>
-          </a:fillRef>
-          <a:effectRef idx="2">
-            <a:schemeClr val="accent1"/>
-          </a:effectRef>
-          <a:fontRef idx="minor">
-            <a:schemeClr val="lt1"/>
-          </a:fontRef>
-        </p:style>
-        <p:txBody>
-          <a:bodyPr rtlCol="0" anchor="ctr"/>
-          <a:lstStyle/>
-          <a:p>
-            <a:pPr algn="ctr"/>
-          </a:p>
-        </p:txBody>
-      </p:sp>
-      <p:sp>
-        <p:nvSpPr>
-          <p:cNvPr id="23" name="TextBox 22"/>
-          <p:cNvSpPr txBox="1"/>
-          <p:nvPr/>
-        </p:nvSpPr>
-        <p:spPr>
-          <a:xfrm>
-            <a:off x="1568196" y="3017520"/>
-            <a:ext cx="384048" cy="384048"/>
+          <p:cNvPr id="19" name="TextBox 18"/>
+          <p:cNvSpPr txBox="1"/>
+          <p:nvPr/>
+        </p:nvSpPr>
+        <p:spPr>
+          <a:xfrm>
+            <a:off x="685800" y="3337560"/>
+            <a:ext cx="7543800" cy="457200"/>
           </a:xfrm>
           <a:prstGeom prst="rect">
             <a:avLst/>
@@ -11067,552 +13404,32 @@
           <a:bodyPr wrap="square" anchor="ctr"/>
           <a:lstStyle/>
           <a:p>
-            <a:pPr algn="ctr">
-              <a:lnSpc>
-                <a:spcPct val="135000"/>
-              </a:lnSpc>
-              <a:spcBef>
-                <a:spcPts val="0"/>
-              </a:spcBef>
-              <a:spcAft>
-                <a:spcPts val="0"/>
-              </a:spcAft>
-            </a:pPr>
-            <a:r>
-              <a:rPr sz="1200" b="1">
-                <a:solidFill>
-                  <a:srgbClr val="2563EB"/>
-                </a:solidFill>
-                <a:latin typeface="Calibri"/>
-              </a:rPr>
-              <a:t>G</a:t>
-            </a:r>
-          </a:p>
-        </p:txBody>
-      </p:sp>
-      <p:sp>
-        <p:nvSpPr>
-          <p:cNvPr id="24" name="TextBox 23"/>
-          <p:cNvSpPr txBox="1"/>
-          <p:nvPr/>
-        </p:nvSpPr>
-        <p:spPr>
-          <a:xfrm>
-            <a:off x="530352" y="3438144"/>
-            <a:ext cx="2459736" cy="237744"/>
-          </a:xfrm>
-          <a:prstGeom prst="rect">
-            <a:avLst/>
-          </a:prstGeom>
-          <a:noFill/>
-        </p:spPr>
-        <p:txBody>
-          <a:bodyPr wrap="square"/>
-          <a:lstStyle/>
-          <a:p>
-            <a:pPr algn="ctr">
-              <a:lnSpc>
-                <a:spcPct val="135000"/>
-              </a:lnSpc>
-              <a:spcBef>
-                <a:spcPts val="0"/>
-              </a:spcBef>
-              <a:spcAft>
-                <a:spcPts val="0"/>
-              </a:spcAft>
-            </a:pPr>
-            <a:r>
-              <a:rPr sz="1100" b="1">
-                <a:solidFill>
-                  <a:srgbClr val="1E293B"/>
-                </a:solidFill>
-                <a:latin typeface="Calibri"/>
-              </a:rPr>
-              <a:t>Government &amp; Education</a:t>
-            </a:r>
-          </a:p>
-        </p:txBody>
-      </p:sp>
-      <p:sp>
-        <p:nvSpPr>
-          <p:cNvPr id="25" name="TextBox 24"/>
-          <p:cNvSpPr txBox="1"/>
-          <p:nvPr/>
-        </p:nvSpPr>
-        <p:spPr>
-          <a:xfrm>
-            <a:off x="530352" y="3749040"/>
-            <a:ext cx="2459736" cy="521208"/>
-          </a:xfrm>
-          <a:prstGeom prst="rect">
-            <a:avLst/>
-          </a:prstGeom>
-          <a:noFill/>
-        </p:spPr>
-        <p:txBody>
-          <a:bodyPr wrap="square"/>
-          <a:lstStyle/>
-          <a:p>
-            <a:pPr algn="ctr">
-              <a:lnSpc>
-                <a:spcPct val="135000"/>
-              </a:lnSpc>
-              <a:spcBef>
-                <a:spcPts val="0"/>
-              </a:spcBef>
-              <a:spcAft>
-                <a:spcPts val="0"/>
-              </a:spcAft>
-            </a:pPr>
-            <a:r>
-              <a:rPr sz="900" b="0">
+            <a:pPr algn="l">
+              <a:lnSpc>
+                <a:spcPct val="135000"/>
+              </a:lnSpc>
+              <a:spcBef>
+                <a:spcPts val="0"/>
+              </a:spcBef>
+              <a:spcAft>
+                <a:spcPts val="0"/>
+              </a:spcAft>
+            </a:pPr>
+            <a:r>
+              <a:rPr sz="1000" b="0">
                 <a:solidFill>
                   <a:srgbClr val="475569"/>
                 </a:solidFill>
                 <a:latin typeface="Calibri"/>
               </a:rPr>
-              <a:t>Community archives, disaster records, school history</a:t>
-            </a:r>
-          </a:p>
-        </p:txBody>
-      </p:sp>
-      <p:sp>
-        <p:nvSpPr>
-          <p:cNvPr id="26" name="Rectangle 25"/>
-          <p:cNvSpPr/>
-          <p:nvPr/>
-        </p:nvSpPr>
-        <p:spPr>
-          <a:xfrm>
-            <a:off x="3273552" y="2926080"/>
-            <a:ext cx="2606040" cy="1417320"/>
-          </a:xfrm>
-          <a:prstGeom prst="rect">
-            <a:avLst/>
-          </a:prstGeom>
-          <a:solidFill>
-            <a:srgbClr val="FFFFFF"/>
-          </a:solidFill>
-          <a:ln w="9525">
-            <a:solidFill>
-              <a:srgbClr val="E2E8F0"/>
-            </a:solidFill>
-          </a:ln>
-        </p:spPr>
-        <p:style>
-          <a:lnRef idx="1">
-            <a:schemeClr val="accent1"/>
-          </a:lnRef>
-          <a:fillRef idx="3">
-            <a:schemeClr val="accent1"/>
-          </a:fillRef>
-          <a:effectRef idx="2">
-            <a:schemeClr val="accent1"/>
-          </a:effectRef>
-          <a:fontRef idx="minor">
-            <a:schemeClr val="lt1"/>
-          </a:fontRef>
-        </p:style>
-        <p:txBody>
-          <a:bodyPr rtlCol="0" anchor="ctr"/>
-          <a:lstStyle/>
-          <a:p>
-            <a:pPr algn="ctr"/>
-          </a:p>
-        </p:txBody>
-      </p:sp>
-      <p:sp>
-        <p:nvSpPr>
-          <p:cNvPr id="27" name="Oval 26"/>
-          <p:cNvSpPr/>
-          <p:nvPr/>
-        </p:nvSpPr>
-        <p:spPr>
-          <a:xfrm>
-            <a:off x="4384548" y="3017520"/>
-            <a:ext cx="384048" cy="384048"/>
-          </a:xfrm>
-          <a:prstGeom prst="ellipse">
-            <a:avLst/>
-          </a:prstGeom>
-          <a:solidFill>
-            <a:srgbClr val="EFF6FF"/>
-          </a:solidFill>
-          <a:ln>
-            <a:noFill/>
-          </a:ln>
-        </p:spPr>
-        <p:style>
-          <a:lnRef idx="1">
-            <a:schemeClr val="accent1"/>
-          </a:lnRef>
-          <a:fillRef idx="3">
-            <a:schemeClr val="accent1"/>
-          </a:fillRef>
-          <a:effectRef idx="2">
-            <a:schemeClr val="accent1"/>
-          </a:effectRef>
-          <a:fontRef idx="minor">
-            <a:schemeClr val="lt1"/>
-          </a:fontRef>
-        </p:style>
-        <p:txBody>
-          <a:bodyPr rtlCol="0" anchor="ctr"/>
-          <a:lstStyle/>
-          <a:p>
-            <a:pPr algn="ctr"/>
-          </a:p>
-        </p:txBody>
-      </p:sp>
-      <p:sp>
-        <p:nvSpPr>
-          <p:cNvPr id="28" name="TextBox 27"/>
-          <p:cNvSpPr txBox="1"/>
-          <p:nvPr/>
-        </p:nvSpPr>
-        <p:spPr>
-          <a:xfrm>
-            <a:off x="4384548" y="3017520"/>
-            <a:ext cx="384048" cy="384048"/>
-          </a:xfrm>
-          <a:prstGeom prst="rect">
-            <a:avLst/>
-          </a:prstGeom>
-          <a:noFill/>
-        </p:spPr>
-        <p:txBody>
-          <a:bodyPr wrap="square" anchor="ctr"/>
-          <a:lstStyle/>
-          <a:p>
-            <a:pPr algn="ctr">
-              <a:lnSpc>
-                <a:spcPct val="135000"/>
-              </a:lnSpc>
-              <a:spcBef>
-                <a:spcPts val="0"/>
-              </a:spcBef>
-              <a:spcAft>
-                <a:spcPts val="0"/>
-              </a:spcAft>
-            </a:pPr>
-            <a:r>
-              <a:rPr sz="1200" b="1">
-                <a:solidFill>
-                  <a:srgbClr val="2563EB"/>
-                </a:solidFill>
-                <a:latin typeface="Calibri"/>
-              </a:rPr>
-              <a:t>E</a:t>
-            </a:r>
-          </a:p>
-        </p:txBody>
-      </p:sp>
-      <p:sp>
-        <p:nvSpPr>
-          <p:cNvPr id="29" name="TextBox 28"/>
-          <p:cNvSpPr txBox="1"/>
-          <p:nvPr/>
-        </p:nvSpPr>
-        <p:spPr>
-          <a:xfrm>
-            <a:off x="3346704" y="3438144"/>
-            <a:ext cx="2459736" cy="237744"/>
-          </a:xfrm>
-          <a:prstGeom prst="rect">
-            <a:avLst/>
-          </a:prstGeom>
-          <a:noFill/>
-        </p:spPr>
-        <p:txBody>
-          <a:bodyPr wrap="square"/>
-          <a:lstStyle/>
-          <a:p>
-            <a:pPr algn="ctr">
-              <a:lnSpc>
-                <a:spcPct val="135000"/>
-              </a:lnSpc>
-              <a:spcBef>
-                <a:spcPts val="0"/>
-              </a:spcBef>
-              <a:spcAft>
-                <a:spcPts val="0"/>
-              </a:spcAft>
-            </a:pPr>
-            <a:r>
-              <a:rPr sz="1100" b="1">
-                <a:solidFill>
-                  <a:srgbClr val="1E293B"/>
-                </a:solidFill>
-                <a:latin typeface="Calibri"/>
-              </a:rPr>
-              <a:t>ESG &amp; Sustainability</a:t>
-            </a:r>
-          </a:p>
-        </p:txBody>
-      </p:sp>
-      <p:sp>
-        <p:nvSpPr>
-          <p:cNvPr id="30" name="TextBox 29"/>
-          <p:cNvSpPr txBox="1"/>
-          <p:nvPr/>
-        </p:nvSpPr>
-        <p:spPr>
-          <a:xfrm>
-            <a:off x="3346704" y="3749040"/>
-            <a:ext cx="2459736" cy="521208"/>
-          </a:xfrm>
-          <a:prstGeom prst="rect">
-            <a:avLst/>
-          </a:prstGeom>
-          <a:noFill/>
-        </p:spPr>
-        <p:txBody>
-          <a:bodyPr wrap="square"/>
-          <a:lstStyle/>
-          <a:p>
-            <a:pPr algn="ctr">
-              <a:lnSpc>
-                <a:spcPct val="135000"/>
-              </a:lnSpc>
-              <a:spcBef>
-                <a:spcPts val="0"/>
-              </a:spcBef>
-              <a:spcAft>
-                <a:spcPts val="0"/>
-              </a:spcAft>
-            </a:pPr>
-            <a:r>
-              <a:rPr sz="900" b="0">
-                <a:solidFill>
-                  <a:srgbClr val="475569"/>
-                </a:solidFill>
-                <a:latin typeface="Calibri"/>
-              </a:rPr>
-              <a:t>1,000-year corporate purpose records, SDG impact proof</a:t>
-            </a:r>
-          </a:p>
-        </p:txBody>
-      </p:sp>
-      <p:sp>
-        <p:nvSpPr>
-          <p:cNvPr id="31" name="Rectangle 30"/>
-          <p:cNvSpPr/>
-          <p:nvPr/>
-        </p:nvSpPr>
-        <p:spPr>
-          <a:xfrm>
-            <a:off x="6089904" y="2926080"/>
-            <a:ext cx="2606040" cy="1417320"/>
-          </a:xfrm>
-          <a:prstGeom prst="rect">
-            <a:avLst/>
-          </a:prstGeom>
-          <a:solidFill>
-            <a:srgbClr val="FFFFFF"/>
-          </a:solidFill>
-          <a:ln w="9525">
-            <a:solidFill>
-              <a:srgbClr val="E2E8F0"/>
-            </a:solidFill>
-          </a:ln>
-        </p:spPr>
-        <p:style>
-          <a:lnRef idx="1">
-            <a:schemeClr val="accent1"/>
-          </a:lnRef>
-          <a:fillRef idx="3">
-            <a:schemeClr val="accent1"/>
-          </a:fillRef>
-          <a:effectRef idx="2">
-            <a:schemeClr val="accent1"/>
-          </a:effectRef>
-          <a:fontRef idx="minor">
-            <a:schemeClr val="lt1"/>
-          </a:fontRef>
-        </p:style>
-        <p:txBody>
-          <a:bodyPr rtlCol="0" anchor="ctr"/>
-          <a:lstStyle/>
-          <a:p>
-            <a:pPr algn="ctr"/>
-          </a:p>
-        </p:txBody>
-      </p:sp>
-      <p:sp>
-        <p:nvSpPr>
-          <p:cNvPr id="32" name="Oval 31"/>
-          <p:cNvSpPr/>
-          <p:nvPr/>
-        </p:nvSpPr>
-        <p:spPr>
-          <a:xfrm>
-            <a:off x="7200900" y="3017520"/>
-            <a:ext cx="384048" cy="384048"/>
-          </a:xfrm>
-          <a:prstGeom prst="ellipse">
-            <a:avLst/>
-          </a:prstGeom>
-          <a:solidFill>
-            <a:srgbClr val="EFF6FF"/>
-          </a:solidFill>
-          <a:ln>
-            <a:noFill/>
-          </a:ln>
-        </p:spPr>
-        <p:style>
-          <a:lnRef idx="1">
-            <a:schemeClr val="accent1"/>
-          </a:lnRef>
-          <a:fillRef idx="3">
-            <a:schemeClr val="accent1"/>
-          </a:fillRef>
-          <a:effectRef idx="2">
-            <a:schemeClr val="accent1"/>
-          </a:effectRef>
-          <a:fontRef idx="minor">
-            <a:schemeClr val="lt1"/>
-          </a:fontRef>
-        </p:style>
-        <p:txBody>
-          <a:bodyPr rtlCol="0" anchor="ctr"/>
-          <a:lstStyle/>
-          <a:p>
-            <a:pPr algn="ctr"/>
-          </a:p>
-        </p:txBody>
-      </p:sp>
-      <p:sp>
-        <p:nvSpPr>
-          <p:cNvPr id="33" name="TextBox 32"/>
-          <p:cNvSpPr txBox="1"/>
-          <p:nvPr/>
-        </p:nvSpPr>
-        <p:spPr>
-          <a:xfrm>
-            <a:off x="7200900" y="3017520"/>
-            <a:ext cx="384048" cy="384048"/>
-          </a:xfrm>
-          <a:prstGeom prst="rect">
-            <a:avLst/>
-          </a:prstGeom>
-          <a:noFill/>
-        </p:spPr>
-        <p:txBody>
-          <a:bodyPr wrap="square" anchor="ctr"/>
-          <a:lstStyle/>
-          <a:p>
-            <a:pPr algn="ctr">
-              <a:lnSpc>
-                <a:spcPct val="135000"/>
-              </a:lnSpc>
-              <a:spcBef>
-                <a:spcPts val="0"/>
-              </a:spcBef>
-              <a:spcAft>
-                <a:spcPts val="0"/>
-              </a:spcAft>
-            </a:pPr>
-            <a:r>
-              <a:rPr sz="1200" b="1">
-                <a:solidFill>
-                  <a:srgbClr val="2563EB"/>
-                </a:solidFill>
-                <a:latin typeface="Calibri"/>
-              </a:rPr>
-              <a:t>F</a:t>
-            </a:r>
-          </a:p>
-        </p:txBody>
-      </p:sp>
-      <p:sp>
-        <p:nvSpPr>
-          <p:cNvPr id="34" name="TextBox 33"/>
-          <p:cNvSpPr txBox="1"/>
-          <p:nvPr/>
-        </p:nvSpPr>
-        <p:spPr>
-          <a:xfrm>
-            <a:off x="6163056" y="3438144"/>
-            <a:ext cx="2459736" cy="237744"/>
-          </a:xfrm>
-          <a:prstGeom prst="rect">
-            <a:avLst/>
-          </a:prstGeom>
-          <a:noFill/>
-        </p:spPr>
-        <p:txBody>
-          <a:bodyPr wrap="square"/>
-          <a:lstStyle/>
-          <a:p>
-            <a:pPr algn="ctr">
-              <a:lnSpc>
-                <a:spcPct val="135000"/>
-              </a:lnSpc>
-              <a:spcBef>
-                <a:spcPts val="0"/>
-              </a:spcBef>
-              <a:spcAft>
-                <a:spcPts val="0"/>
-              </a:spcAft>
-            </a:pPr>
-            <a:r>
-              <a:rPr sz="1100" b="1">
-                <a:solidFill>
-                  <a:srgbClr val="1E293B"/>
-                </a:solidFill>
-                <a:latin typeface="Calibri"/>
-              </a:rPr>
-              <a:t>Finance &amp; Insurance</a:t>
-            </a:r>
-          </a:p>
-        </p:txBody>
-      </p:sp>
-      <p:sp>
-        <p:nvSpPr>
-          <p:cNvPr id="35" name="TextBox 34"/>
-          <p:cNvSpPr txBox="1"/>
-          <p:nvPr/>
-        </p:nvSpPr>
-        <p:spPr>
-          <a:xfrm>
-            <a:off x="6163056" y="3749040"/>
-            <a:ext cx="2459736" cy="521208"/>
-          </a:xfrm>
-          <a:prstGeom prst="rect">
-            <a:avLst/>
-          </a:prstGeom>
-          <a:noFill/>
-        </p:spPr>
-        <p:txBody>
-          <a:bodyPr wrap="square"/>
-          <a:lstStyle/>
-          <a:p>
-            <a:pPr algn="ctr">
-              <a:lnSpc>
-                <a:spcPct val="135000"/>
-              </a:lnSpc>
-              <a:spcBef>
-                <a:spcPts val="0"/>
-              </a:spcBef>
-              <a:spcAft>
-                <a:spcPts val="0"/>
-              </a:spcAft>
-            </a:pPr>
-            <a:r>
-              <a:rPr sz="900" b="0">
-                <a:solidFill>
-                  <a:srgbClr val="475569"/>
-                </a:solidFill>
-                <a:latin typeface="Calibri"/>
-              </a:rPr>
-              <a:t>End-of-life service integration, digital estate</a:t>
-            </a:r>
-          </a:p>
-        </p:txBody>
-      </p:sp>
-      <p:sp>
-        <p:nvSpPr>
-          <p:cNvPr id="36" name="Rectangle 35"/>
+              <a:t>Ise Grand Shrine offering (2026) / Mt. Hiei Enryaku-ji Eternal Light offering (2026) / Sole proprietorship registered (Feb 11, 2026)</a:t>
+            </a:r>
+          </a:p>
+        </p:txBody>
+      </p:sp>
+      <p:sp>
+        <p:nvSpPr>
+          <p:cNvPr id="20" name="Rectangle 19"/>
           <p:cNvSpPr/>
           <p:nvPr/>
         </p:nvSpPr>
@@ -11655,7 +13472,7 @@
       </p:sp>
       <p:sp>
         <p:nvSpPr>
-          <p:cNvPr id="37" name="TextBox 36"/>
+          <p:cNvPr id="21" name="TextBox 20"/>
           <p:cNvSpPr txBox="1"/>
           <p:nvPr/>
         </p:nvSpPr>
@@ -11698,7 +13515,7 @@
       </p:sp>
       <p:sp>
         <p:nvSpPr>
-          <p:cNvPr id="38" name="TextBox 37"/>
+          <p:cNvPr id="22" name="TextBox 21"/>
           <p:cNvSpPr txBox="1"/>
           <p:nvPr/>
         </p:nvSpPr>
@@ -11741,7 +13558,7 @@
       </p:sp>
       <p:sp>
         <p:nvSpPr>
-          <p:cNvPr id="39" name="TextBox 38"/>
+          <p:cNvPr id="23" name="TextBox 22"/>
           <p:cNvSpPr txBox="1"/>
           <p:nvPr/>
         </p:nvSpPr>
@@ -11881,7 +13698,7 @@
                 </a:solidFill>
                 <a:latin typeface="Calibri"/>
               </a:rPr>
-              <a:t>The founder is a Big Four alumnus who designed the partnership model with full awareness of firm compliance</a:t>
+              <a:t>Revenue design ensures all three parties — client, partner, and TokiStorage — win</a:t>
             </a:r>
           </a:p>
         </p:txBody>
@@ -11924,137 +13741,27 @@
                 </a:solidFill>
                 <a:latin typeface="Calibri"/>
               </a:rPr>
-              <a:t>TEAM &amp; INDEPENDENCE</a:t>
-            </a:r>
-          </a:p>
-        </p:txBody>
-      </p:sp>
-      <p:pic>
-        <p:nvPicPr>
-          <p:cNvPr id="5" name="Picture 4" descr="_deck_profile.png"/>
-          <p:cNvPicPr>
-            <a:picLocks noChangeAspect="1"/>
-          </p:cNvPicPr>
-          <p:nvPr/>
-        </p:nvPicPr>
-        <p:blipFill>
-          <a:blip r:embed="rId2"/>
-          <a:stretch>
-            <a:fillRect/>
-          </a:stretch>
-        </p:blipFill>
-        <p:spPr>
-          <a:xfrm>
-            <a:off x="457200" y="1024128"/>
-            <a:ext cx="914400" cy="914400"/>
-          </a:xfrm>
-          <a:prstGeom prst="rect">
-            <a:avLst/>
-          </a:prstGeom>
-        </p:spPr>
-      </p:pic>
-      <p:sp>
-        <p:nvSpPr>
-          <p:cNvPr id="6" name="TextBox 5"/>
-          <p:cNvSpPr txBox="1"/>
-          <p:nvPr/>
-        </p:nvSpPr>
-        <p:spPr>
-          <a:xfrm>
-            <a:off x="1508760" y="1078992"/>
-            <a:ext cx="6675120" cy="320040"/>
-          </a:xfrm>
-          <a:prstGeom prst="rect">
-            <a:avLst/>
-          </a:prstGeom>
-          <a:noFill/>
-        </p:spPr>
-        <p:txBody>
-          <a:bodyPr wrap="square"/>
-          <a:lstStyle/>
-          <a:p>
-            <a:pPr algn="l">
-              <a:lnSpc>
-                <a:spcPct val="135000"/>
-              </a:lnSpc>
-              <a:spcBef>
-                <a:spcPts val="0"/>
-              </a:spcBef>
-              <a:spcAft>
-                <a:spcPts val="0"/>
-              </a:spcAft>
-            </a:pPr>
-            <a:r>
-              <a:rPr sz="1300" b="1">
-                <a:solidFill>
-                  <a:srgbClr val="1E293B"/>
-                </a:solidFill>
-                <a:latin typeface="Calibri"/>
-              </a:rPr>
-              <a:t>Takuya Sato — Founder, TokiStorage</a:t>
-            </a:r>
-          </a:p>
-        </p:txBody>
-      </p:sp>
-      <p:sp>
-        <p:nvSpPr>
-          <p:cNvPr id="7" name="TextBox 6"/>
-          <p:cNvSpPr txBox="1"/>
-          <p:nvPr/>
-        </p:nvSpPr>
-        <p:spPr>
-          <a:xfrm>
-            <a:off x="1508760" y="1444752"/>
-            <a:ext cx="6675120" cy="1097280"/>
-          </a:xfrm>
-          <a:prstGeom prst="rect">
-            <a:avLst/>
-          </a:prstGeom>
-          <a:noFill/>
-        </p:spPr>
-        <p:txBody>
-          <a:bodyPr wrap="square"/>
-          <a:lstStyle/>
-          <a:p>
-            <a:pPr algn="l">
-              <a:lnSpc>
-                <a:spcPct val="135000"/>
-              </a:lnSpc>
-              <a:spcBef>
-                <a:spcPts val="0"/>
-              </a:spcBef>
-              <a:spcAft>
-                <a:spcPts val="0"/>
-              </a:spcAft>
-            </a:pPr>
-            <a:r>
-              <a:rPr sz="1000" b="0">
-                <a:solidFill>
-                  <a:srgbClr val="475569"/>
-                </a:solidFill>
-                <a:latin typeface="Calibri"/>
-              </a:rPr>
-              <a:t>Former Big Four consultant — understands firm culture, client engagement, and project design from the inside. 20+ years in semiconductor manufacturing engineering. Former president of Timeless Town Shin-Urayasu residents' association (250 households). Through SoulCarrier's work with unclaimed graves, witnessed firsthand how memories vanish — and conceived TokiStorage. Validated off-grid, institution-free 1,000-year design through testing in Maui and Lake Yamanakako.</a:t>
-            </a:r>
-          </a:p>
-        </p:txBody>
-      </p:sp>
-      <p:sp>
-        <p:nvSpPr>
-          <p:cNvPr id="8" name="Rectangle 7"/>
+              <a:t>REVENUE FLOW</a:t>
+            </a:r>
+          </a:p>
+        </p:txBody>
+      </p:sp>
+      <p:sp>
+        <p:nvSpPr>
+          <p:cNvPr id="5" name="Rectangle 4"/>
           <p:cNvSpPr/>
           <p:nvPr/>
         </p:nvSpPr>
         <p:spPr>
           <a:xfrm>
-            <a:off x="457200" y="2807208"/>
-            <a:ext cx="1440180" cy="402336"/>
+            <a:off x="777240" y="1097280"/>
+            <a:ext cx="2286000" cy="960120"/>
           </a:xfrm>
           <a:prstGeom prst="rect">
             <a:avLst/>
           </a:prstGeom>
           <a:solidFill>
-            <a:srgbClr val="F1F5F9"/>
+            <a:srgbClr val="F0FDF4"/>
           </a:solidFill>
           <a:ln w="9525">
             <a:solidFill>
@@ -12086,22 +13793,22 @@
       </p:sp>
       <p:sp>
         <p:nvSpPr>
-          <p:cNvPr id="9" name="TextBox 8"/>
-          <p:cNvSpPr txBox="1"/>
-          <p:nvPr/>
-        </p:nvSpPr>
-        <p:spPr>
-          <a:xfrm>
-            <a:off x="548640" y="2807208"/>
-            <a:ext cx="1257300" cy="402336"/>
-          </a:xfrm>
-          <a:prstGeom prst="rect">
-            <a:avLst/>
-          </a:prstGeom>
-          <a:noFill/>
-        </p:spPr>
-        <p:txBody>
-          <a:bodyPr wrap="square" anchor="ctr"/>
+          <p:cNvPr id="6" name="TextBox 5"/>
+          <p:cNvSpPr txBox="1"/>
+          <p:nvPr/>
+        </p:nvSpPr>
+        <p:spPr>
+          <a:xfrm>
+            <a:off x="868680" y="1170432"/>
+            <a:ext cx="2103120" cy="274320"/>
+          </a:xfrm>
+          <a:prstGeom prst="rect">
+            <a:avLst/>
+          </a:prstGeom>
+          <a:noFill/>
+        </p:spPr>
+        <p:txBody>
+          <a:bodyPr wrap="square"/>
           <a:lstStyle/>
           <a:p>
             <a:pPr algn="ctr">
@@ -12116,33 +13823,120 @@
               </a:spcAft>
             </a:pPr>
             <a:r>
-              <a:rPr sz="800" b="0">
+              <a:rPr sz="1100" b="1">
+                <a:solidFill>
+                  <a:srgbClr val="16A34A"/>
+                </a:solidFill>
+                <a:latin typeface="Calibri"/>
+              </a:rPr>
+              <a:t>Client</a:t>
+            </a:r>
+          </a:p>
+        </p:txBody>
+      </p:sp>
+      <p:sp>
+        <p:nvSpPr>
+          <p:cNvPr id="7" name="TextBox 6"/>
+          <p:cNvSpPr txBox="1"/>
+          <p:nvPr/>
+        </p:nvSpPr>
+        <p:spPr>
+          <a:xfrm>
+            <a:off x="868680" y="1517904"/>
+            <a:ext cx="2103120" cy="466344"/>
+          </a:xfrm>
+          <a:prstGeom prst="rect">
+            <a:avLst/>
+          </a:prstGeom>
+          <a:noFill/>
+        </p:spPr>
+        <p:txBody>
+          <a:bodyPr wrap="square"/>
+          <a:lstStyle/>
+          <a:p>
+            <a:pPr algn="ctr">
+              <a:lnSpc>
+                <a:spcPct val="135000"/>
+              </a:lnSpc>
+              <a:spcBef>
+                <a:spcPts val="0"/>
+              </a:spcBef>
+              <a:spcAft>
+                <a:spcPts val="0"/>
+              </a:spcAft>
+            </a:pPr>
+            <a:r>
+              <a:rPr sz="1000" b="0">
                 <a:solidFill>
                   <a:srgbClr val="475569"/>
                 </a:solidFill>
                 <a:latin typeface="Calibri"/>
               </a:rPr>
-              <a:t>Big Four Alumni</a:t>
-            </a:r>
-          </a:p>
-        </p:txBody>
-      </p:sp>
-      <p:sp>
-        <p:nvSpPr>
-          <p:cNvPr id="10" name="Rectangle 9"/>
+              <a:t>1,000-year proof of existence
+Tangible social meaning</a:t>
+            </a:r>
+          </a:p>
+        </p:txBody>
+      </p:sp>
+      <p:sp>
+        <p:nvSpPr>
+          <p:cNvPr id="8" name="TextBox 7"/>
+          <p:cNvSpPr txBox="1"/>
+          <p:nvPr/>
+        </p:nvSpPr>
+        <p:spPr>
+          <a:xfrm>
+            <a:off x="3108960" y="1371600"/>
+            <a:ext cx="274320" cy="320040"/>
+          </a:xfrm>
+          <a:prstGeom prst="rect">
+            <a:avLst/>
+          </a:prstGeom>
+          <a:noFill/>
+        </p:spPr>
+        <p:txBody>
+          <a:bodyPr wrap="square"/>
+          <a:lstStyle/>
+          <a:p>
+            <a:pPr algn="ctr">
+              <a:lnSpc>
+                <a:spcPct val="135000"/>
+              </a:lnSpc>
+              <a:spcBef>
+                <a:spcPts val="0"/>
+              </a:spcBef>
+              <a:spcAft>
+                <a:spcPts val="0"/>
+              </a:spcAft>
+            </a:pPr>
+            <a:r>
+              <a:rPr sz="1800" b="0">
+                <a:solidFill>
+                  <a:srgbClr val="94A3B8"/>
+                </a:solidFill>
+                <a:latin typeface="Calibri"/>
+              </a:rPr>
+              <a:t>←</a:t>
+            </a:r>
+          </a:p>
+        </p:txBody>
+      </p:sp>
+      <p:sp>
+        <p:nvSpPr>
+          <p:cNvPr id="9" name="Rectangle 8"/>
           <p:cNvSpPr/>
           <p:nvPr/>
         </p:nvSpPr>
         <p:spPr>
           <a:xfrm>
-            <a:off x="2007108" y="2807208"/>
-            <a:ext cx="2674620" cy="402336"/>
+            <a:off x="3429000" y="1097280"/>
+            <a:ext cx="2286000" cy="960120"/>
           </a:xfrm>
           <a:prstGeom prst="rect">
             <a:avLst/>
           </a:prstGeom>
           <a:solidFill>
-            <a:srgbClr val="F1F5F9"/>
+            <a:srgbClr val="EFF6FF"/>
           </a:solidFill>
           <a:ln w="9525">
             <a:solidFill>
@@ -12174,22 +13968,65 @@
       </p:sp>
       <p:sp>
         <p:nvSpPr>
+          <p:cNvPr id="10" name="TextBox 9"/>
+          <p:cNvSpPr txBox="1"/>
+          <p:nvPr/>
+        </p:nvSpPr>
+        <p:spPr>
+          <a:xfrm>
+            <a:off x="3520440" y="1170432"/>
+            <a:ext cx="2103120" cy="274320"/>
+          </a:xfrm>
+          <a:prstGeom prst="rect">
+            <a:avLst/>
+          </a:prstGeom>
+          <a:noFill/>
+        </p:spPr>
+        <p:txBody>
+          <a:bodyPr wrap="square"/>
+          <a:lstStyle/>
+          <a:p>
+            <a:pPr algn="ctr">
+              <a:lnSpc>
+                <a:spcPct val="135000"/>
+              </a:lnSpc>
+              <a:spcBef>
+                <a:spcPts val="0"/>
+              </a:spcBef>
+              <a:spcAft>
+                <a:spcPts val="0"/>
+              </a:spcAft>
+            </a:pPr>
+            <a:r>
+              <a:rPr sz="1100" b="1">
+                <a:solidFill>
+                  <a:srgbClr val="2563EB"/>
+                </a:solidFill>
+                <a:latin typeface="Calibri"/>
+              </a:rPr>
+              <a:t>Partner (you)</a:t>
+            </a:r>
+          </a:p>
+        </p:txBody>
+      </p:sp>
+      <p:sp>
+        <p:nvSpPr>
           <p:cNvPr id="11" name="TextBox 10"/>
           <p:cNvSpPr txBox="1"/>
           <p:nvPr/>
         </p:nvSpPr>
         <p:spPr>
           <a:xfrm>
-            <a:off x="2098548" y="2807208"/>
-            <a:ext cx="2491740" cy="402336"/>
-          </a:xfrm>
-          <a:prstGeom prst="rect">
-            <a:avLst/>
-          </a:prstGeom>
-          <a:noFill/>
-        </p:spPr>
-        <p:txBody>
-          <a:bodyPr wrap="square" anchor="ctr"/>
+            <a:off x="3520440" y="1517904"/>
+            <a:ext cx="2103120" cy="466344"/>
+          </a:xfrm>
+          <a:prstGeom prst="rect">
+            <a:avLst/>
+          </a:prstGeom>
+          <a:noFill/>
+        </p:spPr>
+        <p:txBody>
+          <a:bodyPr wrap="square"/>
           <a:lstStyle/>
           <a:p>
             <a:pPr algn="ctr">
@@ -12204,33 +14041,77 @@
               </a:spcAft>
             </a:pPr>
             <a:r>
-              <a:rPr sz="800" b="0">
+              <a:rPr sz="1000" b="0">
                 <a:solidFill>
                   <a:srgbClr val="475569"/>
                 </a:solidFill>
                 <a:latin typeface="Calibri"/>
               </a:rPr>
-              <a:t>Semiconductor engineering 20+ yrs</a:t>
-            </a:r>
-          </a:p>
-        </p:txBody>
-      </p:sp>
-      <p:sp>
-        <p:nvSpPr>
-          <p:cNvPr id="12" name="Rectangle 11"/>
+              <a:t>Referral fee or joint revenue
+Client LTV increase</a:t>
+            </a:r>
+          </a:p>
+        </p:txBody>
+      </p:sp>
+      <p:sp>
+        <p:nvSpPr>
+          <p:cNvPr id="12" name="TextBox 11"/>
+          <p:cNvSpPr txBox="1"/>
+          <p:nvPr/>
+        </p:nvSpPr>
+        <p:spPr>
+          <a:xfrm>
+            <a:off x="5760720" y="1371600"/>
+            <a:ext cx="274320" cy="320040"/>
+          </a:xfrm>
+          <a:prstGeom prst="rect">
+            <a:avLst/>
+          </a:prstGeom>
+          <a:noFill/>
+        </p:spPr>
+        <p:txBody>
+          <a:bodyPr wrap="square"/>
+          <a:lstStyle/>
+          <a:p>
+            <a:pPr algn="ctr">
+              <a:lnSpc>
+                <a:spcPct val="135000"/>
+              </a:lnSpc>
+              <a:spcBef>
+                <a:spcPts val="0"/>
+              </a:spcBef>
+              <a:spcAft>
+                <a:spcPts val="0"/>
+              </a:spcAft>
+            </a:pPr>
+            <a:r>
+              <a:rPr sz="1800" b="0">
+                <a:solidFill>
+                  <a:srgbClr val="94A3B8"/>
+                </a:solidFill>
+                <a:latin typeface="Calibri"/>
+              </a:rPr>
+              <a:t>←</a:t>
+            </a:r>
+          </a:p>
+        </p:txBody>
+      </p:sp>
+      <p:sp>
+        <p:nvSpPr>
+          <p:cNvPr id="13" name="Rectangle 12"/>
           <p:cNvSpPr/>
           <p:nvPr/>
         </p:nvSpPr>
         <p:spPr>
           <a:xfrm>
-            <a:off x="4791456" y="2807208"/>
-            <a:ext cx="2880360" cy="402336"/>
+            <a:off x="6080760" y="1097280"/>
+            <a:ext cx="2286000" cy="960120"/>
           </a:xfrm>
           <a:prstGeom prst="rect">
             <a:avLst/>
           </a:prstGeom>
           <a:solidFill>
-            <a:srgbClr val="F1F5F9"/>
+            <a:srgbClr val="FDF8E8"/>
           </a:solidFill>
           <a:ln w="9525">
             <a:solidFill>
@@ -12262,22 +14143,22 @@
       </p:sp>
       <p:sp>
         <p:nvSpPr>
-          <p:cNvPr id="13" name="TextBox 12"/>
-          <p:cNvSpPr txBox="1"/>
-          <p:nvPr/>
-        </p:nvSpPr>
-        <p:spPr>
-          <a:xfrm>
-            <a:off x="4882896" y="2807208"/>
-            <a:ext cx="2697480" cy="402336"/>
-          </a:xfrm>
-          <a:prstGeom prst="rect">
-            <a:avLst/>
-          </a:prstGeom>
-          <a:noFill/>
-        </p:spPr>
-        <p:txBody>
-          <a:bodyPr wrap="square" anchor="ctr"/>
+          <p:cNvPr id="14" name="TextBox 13"/>
+          <p:cNvSpPr txBox="1"/>
+          <p:nvPr/>
+        </p:nvSpPr>
+        <p:spPr>
+          <a:xfrm>
+            <a:off x="6172200" y="1170432"/>
+            <a:ext cx="2103120" cy="274320"/>
+          </a:xfrm>
+          <a:prstGeom prst="rect">
+            <a:avLst/>
+          </a:prstGeom>
+          <a:noFill/>
+        </p:spPr>
+        <p:txBody>
+          <a:bodyPr wrap="square"/>
           <a:lstStyle/>
           <a:p>
             <a:pPr algn="ctr">
@@ -12292,101 +14173,57 @@
               </a:spcAft>
             </a:pPr>
             <a:r>
-              <a:rPr sz="800" b="0">
+              <a:rPr sz="1100" b="1">
+                <a:solidFill>
+                  <a:srgbClr val="92400E"/>
+                </a:solidFill>
+                <a:latin typeface="Calibri"/>
+              </a:rPr>
+              <a:t>TokiStorage</a:t>
+            </a:r>
+          </a:p>
+        </p:txBody>
+      </p:sp>
+      <p:sp>
+        <p:nvSpPr>
+          <p:cNvPr id="15" name="TextBox 14"/>
+          <p:cNvSpPr txBox="1"/>
+          <p:nvPr/>
+        </p:nvSpPr>
+        <p:spPr>
+          <a:xfrm>
+            <a:off x="6172200" y="1517904"/>
+            <a:ext cx="2103120" cy="466344"/>
+          </a:xfrm>
+          <a:prstGeom prst="rect">
+            <a:avLst/>
+          </a:prstGeom>
+          <a:noFill/>
+        </p:spPr>
+        <p:txBody>
+          <a:bodyPr wrap="square"/>
+          <a:lstStyle/>
+          <a:p>
+            <a:pPr algn="ctr">
+              <a:lnSpc>
+                <a:spcPct val="135000"/>
+              </a:lnSpc>
+              <a:spcBef>
+                <a:spcPts val="0"/>
+              </a:spcBef>
+              <a:spcAft>
+                <a:spcPts val="0"/>
+              </a:spcAft>
+            </a:pPr>
+            <a:r>
+              <a:rPr sz="1000" b="0">
                 <a:solidFill>
                   <a:srgbClr val="475569"/>
                 </a:solidFill>
                 <a:latin typeface="Calibri"/>
               </a:rPr>
-              <a:t>Community president (250 households)</a:t>
-            </a:r>
-          </a:p>
-        </p:txBody>
-      </p:sp>
-      <p:sp>
-        <p:nvSpPr>
-          <p:cNvPr id="14" name="Rectangle 13"/>
-          <p:cNvSpPr/>
-          <p:nvPr/>
-        </p:nvSpPr>
-        <p:spPr>
-          <a:xfrm>
-            <a:off x="457200" y="3282696"/>
-            <a:ext cx="1714500" cy="402336"/>
-          </a:xfrm>
-          <a:prstGeom prst="rect">
-            <a:avLst/>
-          </a:prstGeom>
-          <a:solidFill>
-            <a:srgbClr val="F1F5F9"/>
-          </a:solidFill>
-          <a:ln w="9525">
-            <a:solidFill>
-              <a:srgbClr val="E2E8F0"/>
-            </a:solidFill>
-          </a:ln>
-        </p:spPr>
-        <p:style>
-          <a:lnRef idx="1">
-            <a:schemeClr val="accent1"/>
-          </a:lnRef>
-          <a:fillRef idx="3">
-            <a:schemeClr val="accent1"/>
-          </a:fillRef>
-          <a:effectRef idx="2">
-            <a:schemeClr val="accent1"/>
-          </a:effectRef>
-          <a:fontRef idx="minor">
-            <a:schemeClr val="lt1"/>
-          </a:fontRef>
-        </p:style>
-        <p:txBody>
-          <a:bodyPr rtlCol="0" anchor="ctr"/>
-          <a:lstStyle/>
-          <a:p>
-            <a:pPr algn="ctr"/>
-          </a:p>
-        </p:txBody>
-      </p:sp>
-      <p:sp>
-        <p:nvSpPr>
-          <p:cNvPr id="15" name="TextBox 14"/>
-          <p:cNvSpPr txBox="1"/>
-          <p:nvPr/>
-        </p:nvSpPr>
-        <p:spPr>
-          <a:xfrm>
-            <a:off x="548640" y="3282696"/>
-            <a:ext cx="1531620" cy="402336"/>
-          </a:xfrm>
-          <a:prstGeom prst="rect">
-            <a:avLst/>
-          </a:prstGeom>
-          <a:noFill/>
-        </p:spPr>
-        <p:txBody>
-          <a:bodyPr wrap="square" anchor="ctr"/>
-          <a:lstStyle/>
-          <a:p>
-            <a:pPr algn="ctr">
-              <a:lnSpc>
-                <a:spcPct val="135000"/>
-              </a:lnSpc>
-              <a:spcBef>
-                <a:spcPts val="0"/>
-              </a:spcBef>
-              <a:spcAft>
-                <a:spcPts val="0"/>
-              </a:spcAft>
-            </a:pPr>
-            <a:r>
-              <a:rPr sz="800" b="0">
-                <a:solidFill>
-                  <a:srgbClr val="475569"/>
-                </a:solidFill>
-                <a:latin typeface="Calibri"/>
-              </a:rPr>
-              <a:t>SoulCarrier founder</a:t>
+              <a:t>Technology &amp; delivery
+Revenue → SoulCarrier mission</a:t>
             </a:r>
           </a:p>
         </p:txBody>
@@ -12399,183 +14236,7 @@
         </p:nvSpPr>
         <p:spPr>
           <a:xfrm>
-            <a:off x="2281428" y="3282696"/>
-            <a:ext cx="1645919" cy="402336"/>
-          </a:xfrm>
-          <a:prstGeom prst="rect">
-            <a:avLst/>
-          </a:prstGeom>
-          <a:solidFill>
-            <a:srgbClr val="F1F5F9"/>
-          </a:solidFill>
-          <a:ln w="9525">
-            <a:solidFill>
-              <a:srgbClr val="E2E8F0"/>
-            </a:solidFill>
-          </a:ln>
-        </p:spPr>
-        <p:style>
-          <a:lnRef idx="1">
-            <a:schemeClr val="accent1"/>
-          </a:lnRef>
-          <a:fillRef idx="3">
-            <a:schemeClr val="accent1"/>
-          </a:fillRef>
-          <a:effectRef idx="2">
-            <a:schemeClr val="accent1"/>
-          </a:effectRef>
-          <a:fontRef idx="minor">
-            <a:schemeClr val="lt1"/>
-          </a:fontRef>
-        </p:style>
-        <p:txBody>
-          <a:bodyPr rtlCol="0" anchor="ctr"/>
-          <a:lstStyle/>
-          <a:p>
-            <a:pPr algn="ctr"/>
-          </a:p>
-        </p:txBody>
-      </p:sp>
-      <p:sp>
-        <p:nvSpPr>
-          <p:cNvPr id="17" name="TextBox 16"/>
-          <p:cNvSpPr txBox="1"/>
-          <p:nvPr/>
-        </p:nvSpPr>
-        <p:spPr>
-          <a:xfrm>
-            <a:off x="2372868" y="3282696"/>
-            <a:ext cx="1463039" cy="402336"/>
-          </a:xfrm>
-          <a:prstGeom prst="rect">
-            <a:avLst/>
-          </a:prstGeom>
-          <a:noFill/>
-        </p:spPr>
-        <p:txBody>
-          <a:bodyPr wrap="square" anchor="ctr"/>
-          <a:lstStyle/>
-          <a:p>
-            <a:pPr algn="ctr">
-              <a:lnSpc>
-                <a:spcPct val="135000"/>
-              </a:lnSpc>
-              <a:spcBef>
-                <a:spcPts val="0"/>
-              </a:spcBef>
-              <a:spcAft>
-                <a:spcPts val="0"/>
-              </a:spcAft>
-            </a:pPr>
-            <a:r>
-              <a:rPr sz="800" b="0">
-                <a:solidFill>
-                  <a:srgbClr val="475569"/>
-                </a:solidFill>
-                <a:latin typeface="Calibri"/>
-              </a:rPr>
-              <a:t>Off-grid validated</a:t>
-            </a:r>
-          </a:p>
-        </p:txBody>
-      </p:sp>
-      <p:sp>
-        <p:nvSpPr>
-          <p:cNvPr id="18" name="Rectangle 17"/>
-          <p:cNvSpPr/>
-          <p:nvPr/>
-        </p:nvSpPr>
-        <p:spPr>
-          <a:xfrm>
-            <a:off x="4037075" y="3282696"/>
-            <a:ext cx="3086100" cy="402336"/>
-          </a:xfrm>
-          <a:prstGeom prst="rect">
-            <a:avLst/>
-          </a:prstGeom>
-          <a:solidFill>
-            <a:srgbClr val="F1F5F9"/>
-          </a:solidFill>
-          <a:ln w="9525">
-            <a:solidFill>
-              <a:srgbClr val="E2E8F0"/>
-            </a:solidFill>
-          </a:ln>
-        </p:spPr>
-        <p:style>
-          <a:lnRef idx="1">
-            <a:schemeClr val="accent1"/>
-          </a:lnRef>
-          <a:fillRef idx="3">
-            <a:schemeClr val="accent1"/>
-          </a:fillRef>
-          <a:effectRef idx="2">
-            <a:schemeClr val="accent1"/>
-          </a:effectRef>
-          <a:fontRef idx="minor">
-            <a:schemeClr val="lt1"/>
-          </a:fontRef>
-        </p:style>
-        <p:txBody>
-          <a:bodyPr rtlCol="0" anchor="ctr"/>
-          <a:lstStyle/>
-          <a:p>
-            <a:pPr algn="ctr"/>
-          </a:p>
-        </p:txBody>
-      </p:sp>
-      <p:sp>
-        <p:nvSpPr>
-          <p:cNvPr id="19" name="TextBox 18"/>
-          <p:cNvSpPr txBox="1"/>
-          <p:nvPr/>
-        </p:nvSpPr>
-        <p:spPr>
-          <a:xfrm>
-            <a:off x="4128515" y="3282696"/>
-            <a:ext cx="2903220" cy="402336"/>
-          </a:xfrm>
-          <a:prstGeom prst="rect">
-            <a:avLst/>
-          </a:prstGeom>
-          <a:noFill/>
-        </p:spPr>
-        <p:txBody>
-          <a:bodyPr wrap="square" anchor="ctr"/>
-          <a:lstStyle/>
-          <a:p>
-            <a:pPr algn="ctr">
-              <a:lnSpc>
-                <a:spcPct val="135000"/>
-              </a:lnSpc>
-              <a:spcBef>
-                <a:spcPts val="0"/>
-              </a:spcBef>
-              <a:spcAft>
-                <a:spcPts val="0"/>
-              </a:spcAft>
-            </a:pPr>
-            <a:r>
-              <a:rPr sz="800" b="0">
-                <a:solidFill>
-                  <a:srgbClr val="475569"/>
-                </a:solidFill>
-                <a:latin typeface="Calibri"/>
-              </a:rPr>
-              <a:t>Relocating to Sado Island (Spring 2026)</a:t>
-            </a:r>
-          </a:p>
-        </p:txBody>
-      </p:sp>
-      <p:sp>
-        <p:nvSpPr>
-          <p:cNvPr id="20" name="Rectangle 19"/>
-          <p:cNvSpPr/>
-          <p:nvPr/>
-        </p:nvSpPr>
-        <p:spPr>
-          <a:xfrm>
-            <a:off x="457200" y="3785616"/>
+            <a:off x="457200" y="2423160"/>
             <a:ext cx="7863840" cy="1051560"/>
           </a:xfrm>
           <a:prstGeom prst="rect">
@@ -12612,13 +14273,13 @@
       </p:sp>
       <p:sp>
         <p:nvSpPr>
-          <p:cNvPr id="21" name="Rectangle 20"/>
+          <p:cNvPr id="17" name="Rectangle 16"/>
           <p:cNvSpPr/>
           <p:nvPr/>
         </p:nvSpPr>
         <p:spPr>
           <a:xfrm>
-            <a:off x="457200" y="3785616"/>
+            <a:off x="457200" y="2423160"/>
             <a:ext cx="54864" cy="1051560"/>
           </a:xfrm>
           <a:prstGeom prst="rect">
@@ -12655,13 +14316,13 @@
       </p:sp>
       <p:sp>
         <p:nvSpPr>
-          <p:cNvPr id="22" name="TextBox 21"/>
-          <p:cNvSpPr txBox="1"/>
-          <p:nvPr/>
-        </p:nvSpPr>
-        <p:spPr>
-          <a:xfrm>
-            <a:off x="685800" y="3877056"/>
+          <p:cNvPr id="18" name="TextBox 17"/>
+          <p:cNvSpPr txBox="1"/>
+          <p:nvPr/>
+        </p:nvSpPr>
+        <p:spPr>
+          <a:xfrm>
+            <a:off x="685800" y="2514600"/>
             <a:ext cx="7543800" cy="256032"/>
           </a:xfrm>
           <a:prstGeom prst="rect">
@@ -12685,27 +14346,27 @@
               </a:spcAft>
             </a:pPr>
             <a:r>
-              <a:rPr sz="1000" b="1">
+              <a:rPr sz="1100" b="1">
                 <a:solidFill>
                   <a:srgbClr val="1E293B"/>
                 </a:solidFill>
                 <a:latin typeface="Calibri"/>
               </a:rPr>
-              <a:t>A note on independence</a:t>
-            </a:r>
-          </a:p>
-        </p:txBody>
-      </p:sp>
-      <p:sp>
-        <p:nvSpPr>
-          <p:cNvPr id="23" name="TextBox 22"/>
-          <p:cNvSpPr txBox="1"/>
-          <p:nvPr/>
-        </p:nvSpPr>
-        <p:spPr>
-          <a:xfrm>
-            <a:off x="685800" y="4187952"/>
-            <a:ext cx="7543800" cy="576072"/>
+              <a:t>Early Partner Advantage</a:t>
+            </a:r>
+          </a:p>
+        </p:txBody>
+      </p:sp>
+      <p:sp>
+        <p:nvSpPr>
+          <p:cNvPr id="19" name="TextBox 18"/>
+          <p:cNvSpPr txBox="1"/>
+          <p:nvPr/>
+        </p:nvSpPr>
+        <p:spPr>
+          <a:xfrm>
+            <a:off x="685800" y="2834640"/>
+            <a:ext cx="7543800" cy="548640"/>
           </a:xfrm>
           <a:prstGeom prst="rect">
             <a:avLst/>
@@ -12734,14 +14395,14 @@
                 </a:solidFill>
                 <a:latin typeface="Calibri"/>
               </a:rPr>
-              <a:t>This is a vendor partnership — structurally identical to recommending Salesforce or SAP. No audit engagement, no equity relationship, no independence concerns. Designed with full awareness of firm compliance requirements.</a:t>
-            </a:r>
-          </a:p>
-        </p:txBody>
-      </p:sp>
-      <p:sp>
-        <p:nvSpPr>
-          <p:cNvPr id="24" name="Rectangle 23"/>
+              <a:t>We are approaching consulting firms sequentially. The first firm to partner receives preferential terms — including priority referral conditions and potential regional exclusivity. Early movers shape the partnership.</a:t>
+            </a:r>
+          </a:p>
+        </p:txBody>
+      </p:sp>
+      <p:sp>
+        <p:nvSpPr>
+          <p:cNvPr id="20" name="Rectangle 19"/>
           <p:cNvSpPr/>
           <p:nvPr/>
         </p:nvSpPr>
@@ -12784,7 +14445,7 @@
       </p:sp>
       <p:sp>
         <p:nvSpPr>
-          <p:cNvPr id="25" name="TextBox 24"/>
+          <p:cNvPr id="21" name="TextBox 20"/>
           <p:cNvSpPr txBox="1"/>
           <p:nvPr/>
         </p:nvSpPr>
@@ -12827,7 +14488,7 @@
       </p:sp>
       <p:sp>
         <p:nvSpPr>
-          <p:cNvPr id="26" name="TextBox 25"/>
+          <p:cNvPr id="22" name="TextBox 21"/>
           <p:cNvSpPr txBox="1"/>
           <p:nvPr/>
         </p:nvSpPr>
@@ -12870,7 +14531,7 @@
       </p:sp>
       <p:sp>
         <p:nvSpPr>
-          <p:cNvPr id="27" name="TextBox 26"/>
+          <p:cNvPr id="23" name="TextBox 22"/>
           <p:cNvSpPr txBox="1"/>
           <p:nvPr/>
         </p:nvSpPr>
@@ -12938,7 +14599,7 @@
         <p:spPr>
           <a:xfrm>
             <a:off x="0" y="0"/>
-            <a:ext cx="9144000" cy="5143500"/>
+            <a:ext cx="9144000" cy="594360"/>
           </a:xfrm>
           <a:prstGeom prst="rect">
             <a:avLst/>
@@ -12980,8 +14641,51 @@
         </p:nvSpPr>
         <p:spPr>
           <a:xfrm>
-            <a:off x="457200" y="137160"/>
-            <a:ext cx="3657600" cy="411480"/>
+            <a:off x="457200" y="0"/>
+            <a:ext cx="8229600" cy="594360"/>
+          </a:xfrm>
+          <a:prstGeom prst="rect">
+            <a:avLst/>
+          </a:prstGeom>
+          <a:noFill/>
+        </p:spPr>
+        <p:txBody>
+          <a:bodyPr wrap="square" anchor="ctr"/>
+          <a:lstStyle/>
+          <a:p>
+            <a:pPr algn="l">
+              <a:lnSpc>
+                <a:spcPct val="135000"/>
+              </a:lnSpc>
+              <a:spcBef>
+                <a:spcPts val="0"/>
+              </a:spcBef>
+              <a:spcAft>
+                <a:spcPts val="0"/>
+              </a:spcAft>
+            </a:pPr>
+            <a:r>
+              <a:rPr sz="1200" b="1">
+                <a:solidFill>
+                  <a:srgbClr val="FFFFFF"/>
+                </a:solidFill>
+                <a:latin typeface="Calibri"/>
+              </a:rPr>
+              <a:t>Six client sectors show particularly high affinity: funeral, hospitality, religious, government, ESG, and finance</a:t>
+            </a:r>
+          </a:p>
+        </p:txBody>
+      </p:sp>
+      <p:sp>
+        <p:nvSpPr>
+          <p:cNvPr id="4" name="TextBox 3"/>
+          <p:cNvSpPr txBox="1"/>
+          <p:nvPr/>
+        </p:nvSpPr>
+        <p:spPr>
+          <a:xfrm>
+            <a:off x="457200" y="731520"/>
+            <a:ext cx="2743200" cy="274320"/>
           </a:xfrm>
           <a:prstGeom prst="rect">
             <a:avLst/>
@@ -13004,27 +14708,27 @@
               </a:spcAft>
             </a:pPr>
             <a:r>
-              <a:rPr sz="1300" b="1">
-                <a:solidFill>
-                  <a:srgbClr val="FFFFFF"/>
-                </a:solidFill>
-                <a:latin typeface="Calibri"/>
-              </a:rPr>
-              <a:t>Next Step</a:t>
-            </a:r>
-          </a:p>
-        </p:txBody>
-      </p:sp>
-      <p:sp>
-        <p:nvSpPr>
-          <p:cNvPr id="4" name="TextBox 3"/>
-          <p:cNvSpPr txBox="1"/>
-          <p:nvPr/>
-        </p:nvSpPr>
-        <p:spPr>
-          <a:xfrm>
-            <a:off x="457200" y="777240"/>
-            <a:ext cx="7315200" cy="457200"/>
+              <a:rPr sz="1000" b="1">
+                <a:solidFill>
+                  <a:srgbClr val="2563EB"/>
+                </a:solidFill>
+                <a:latin typeface="Calibri"/>
+              </a:rPr>
+              <a:t>CLIENT FIT</a:t>
+            </a:r>
+          </a:p>
+        </p:txBody>
+      </p:sp>
+      <p:sp>
+        <p:nvSpPr>
+          <p:cNvPr id="5" name="TextBox 4"/>
+          <p:cNvSpPr txBox="1"/>
+          <p:nvPr/>
+        </p:nvSpPr>
+        <p:spPr>
+          <a:xfrm>
+            <a:off x="457200" y="1005840"/>
+            <a:ext cx="7315200" cy="274320"/>
           </a:xfrm>
           <a:prstGeom prst="rect">
             <a:avLst/>
@@ -13047,36 +14751,38 @@
               </a:spcAft>
             </a:pPr>
             <a:r>
-              <a:rPr sz="2000" b="1">
-                <a:solidFill>
-                  <a:srgbClr val="FFFFFF"/>
-                </a:solidFill>
-                <a:latin typeface="Calibri"/>
-              </a:rPr>
-              <a:t>Proposed Timeline</a:t>
-            </a:r>
-          </a:p>
-        </p:txBody>
-      </p:sp>
-      <p:sp>
-        <p:nvSpPr>
-          <p:cNvPr id="5" name="Oval 4"/>
+              <a:rPr sz="1100" b="0">
+                <a:solidFill>
+                  <a:srgbClr val="475569"/>
+                </a:solidFill>
+                <a:latin typeface="Calibri"/>
+              </a:rPr>
+              <a:t>Does your client portfolio include any of these sectors?</a:t>
+            </a:r>
+          </a:p>
+        </p:txBody>
+      </p:sp>
+      <p:sp>
+        <p:nvSpPr>
+          <p:cNvPr id="6" name="Rectangle 5"/>
           <p:cNvSpPr/>
           <p:nvPr/>
         </p:nvSpPr>
         <p:spPr>
           <a:xfrm>
-            <a:off x="731520" y="1554480"/>
-            <a:ext cx="384048" cy="384048"/>
-          </a:xfrm>
-          <a:prstGeom prst="ellipse">
+            <a:off x="457200" y="1371600"/>
+            <a:ext cx="2606040" cy="1417320"/>
+          </a:xfrm>
+          <a:prstGeom prst="rect">
             <a:avLst/>
           </a:prstGeom>
           <a:solidFill>
-            <a:srgbClr val="2563EB"/>
+            <a:srgbClr val="FFFFFF"/>
           </a:solidFill>
-          <a:ln>
-            <a:noFill/>
+          <a:ln w="9525">
+            <a:solidFill>
+              <a:srgbClr val="E2E8F0"/>
+            </a:solidFill>
           </a:ln>
         </p:spPr>
         <p:style>
@@ -13103,149 +14809,20 @@
       </p:sp>
       <p:sp>
         <p:nvSpPr>
-          <p:cNvPr id="6" name="TextBox 5"/>
-          <p:cNvSpPr txBox="1"/>
-          <p:nvPr/>
-        </p:nvSpPr>
-        <p:spPr>
-          <a:xfrm>
-            <a:off x="731520" y="1554480"/>
+          <p:cNvPr id="7" name="Oval 6"/>
+          <p:cNvSpPr/>
+          <p:nvPr/>
+        </p:nvSpPr>
+        <p:spPr>
+          <a:xfrm>
+            <a:off x="1568196" y="1463040"/>
             <a:ext cx="384048" cy="384048"/>
           </a:xfrm>
-          <a:prstGeom prst="rect">
-            <a:avLst/>
-          </a:prstGeom>
-          <a:noFill/>
-        </p:spPr>
-        <p:txBody>
-          <a:bodyPr wrap="square" anchor="ctr"/>
-          <a:lstStyle/>
-          <a:p>
-            <a:pPr algn="ctr">
-              <a:lnSpc>
-                <a:spcPct val="135000"/>
-              </a:lnSpc>
-              <a:spcBef>
-                <a:spcPts val="0"/>
-              </a:spcBef>
-              <a:spcAft>
-                <a:spcPts val="0"/>
-              </a:spcAft>
-            </a:pPr>
-            <a:r>
-              <a:rPr sz="1000" b="1">
-                <a:solidFill>
-                  <a:srgbClr val="FFFFFF"/>
-                </a:solidFill>
-                <a:latin typeface="Calibri"/>
-              </a:rPr>
-              <a:t>01</a:t>
-            </a:r>
-          </a:p>
-        </p:txBody>
-      </p:sp>
-      <p:sp>
-        <p:nvSpPr>
-          <p:cNvPr id="7" name="TextBox 6"/>
-          <p:cNvSpPr txBox="1"/>
-          <p:nvPr/>
-        </p:nvSpPr>
-        <p:spPr>
-          <a:xfrm>
-            <a:off x="1280160" y="1517904"/>
-            <a:ext cx="3657600" cy="274320"/>
-          </a:xfrm>
-          <a:prstGeom prst="rect">
-            <a:avLst/>
-          </a:prstGeom>
-          <a:noFill/>
-        </p:spPr>
-        <p:txBody>
-          <a:bodyPr wrap="square"/>
-          <a:lstStyle/>
-          <a:p>
-            <a:pPr algn="l">
-              <a:lnSpc>
-                <a:spcPct val="135000"/>
-              </a:lnSpc>
-              <a:spcBef>
-                <a:spcPts val="0"/>
-              </a:spcBef>
-              <a:spcAft>
-                <a:spcPts val="0"/>
-              </a:spcAft>
-            </a:pPr>
-            <a:r>
-              <a:rPr sz="1200" b="1">
-                <a:solidFill>
-                  <a:srgbClr val="FFFFFF"/>
-                </a:solidFill>
-                <a:latin typeface="Calibri"/>
-              </a:rPr>
-              <a:t>Initial Meeting (30 min)</a:t>
-            </a:r>
-          </a:p>
-        </p:txBody>
-      </p:sp>
-      <p:sp>
-        <p:nvSpPr>
-          <p:cNvPr id="8" name="TextBox 7"/>
-          <p:cNvSpPr txBox="1"/>
-          <p:nvPr/>
-        </p:nvSpPr>
-        <p:spPr>
-          <a:xfrm>
-            <a:off x="1280160" y="1773936"/>
-            <a:ext cx="6400800" cy="237744"/>
-          </a:xfrm>
-          <a:prstGeom prst="rect">
-            <a:avLst/>
-          </a:prstGeom>
-          <a:noFill/>
-        </p:spPr>
-        <p:txBody>
-          <a:bodyPr wrap="square"/>
-          <a:lstStyle/>
-          <a:p>
-            <a:pPr algn="l">
-              <a:lnSpc>
-                <a:spcPct val="135000"/>
-              </a:lnSpc>
-              <a:spcBef>
-                <a:spcPts val="0"/>
-              </a:spcBef>
-              <a:spcAft>
-                <a:spcPts val="0"/>
-              </a:spcAft>
-            </a:pPr>
-            <a:r>
-              <a:rPr sz="1000" b="0">
-                <a:solidFill>
-                  <a:srgbClr val="BBBBCC"/>
-                </a:solidFill>
-                <a:latin typeface="Calibri"/>
-              </a:rPr>
-              <a:t>Share your client landscape and current challenges</a:t>
-            </a:r>
-          </a:p>
-        </p:txBody>
-      </p:sp>
-      <p:sp>
-        <p:nvSpPr>
-          <p:cNvPr id="9" name="Oval 8"/>
-          <p:cNvSpPr/>
-          <p:nvPr/>
-        </p:nvSpPr>
-        <p:spPr>
-          <a:xfrm>
-            <a:off x="731520" y="2212848"/>
-            <a:ext cx="384048" cy="384048"/>
-          </a:xfrm>
           <a:prstGeom prst="ellipse">
             <a:avLst/>
           </a:prstGeom>
           <a:solidFill>
-            <a:srgbClr val="2563EB"/>
+            <a:srgbClr val="EFF6FF"/>
           </a:solidFill>
           <a:ln>
             <a:noFill/>
@@ -13275,22 +14852,108 @@
       </p:sp>
       <p:sp>
         <p:nvSpPr>
+          <p:cNvPr id="8" name="TextBox 7"/>
+          <p:cNvSpPr txBox="1"/>
+          <p:nvPr/>
+        </p:nvSpPr>
+        <p:spPr>
+          <a:xfrm>
+            <a:off x="1568196" y="1463040"/>
+            <a:ext cx="384048" cy="384048"/>
+          </a:xfrm>
+          <a:prstGeom prst="rect">
+            <a:avLst/>
+          </a:prstGeom>
+          <a:noFill/>
+        </p:spPr>
+        <p:txBody>
+          <a:bodyPr wrap="square" anchor="ctr"/>
+          <a:lstStyle/>
+          <a:p>
+            <a:pPr algn="ctr">
+              <a:lnSpc>
+                <a:spcPct val="135000"/>
+              </a:lnSpc>
+              <a:spcBef>
+                <a:spcPts val="0"/>
+              </a:spcBef>
+              <a:spcAft>
+                <a:spcPts val="0"/>
+              </a:spcAft>
+            </a:pPr>
+            <a:r>
+              <a:rPr sz="1200" b="1">
+                <a:solidFill>
+                  <a:srgbClr val="2563EB"/>
+                </a:solidFill>
+                <a:latin typeface="Calibri"/>
+              </a:rPr>
+              <a:t>M</a:t>
+            </a:r>
+          </a:p>
+        </p:txBody>
+      </p:sp>
+      <p:sp>
+        <p:nvSpPr>
+          <p:cNvPr id="9" name="TextBox 8"/>
+          <p:cNvSpPr txBox="1"/>
+          <p:nvPr/>
+        </p:nvSpPr>
+        <p:spPr>
+          <a:xfrm>
+            <a:off x="530352" y="1883664"/>
+            <a:ext cx="2459736" cy="237744"/>
+          </a:xfrm>
+          <a:prstGeom prst="rect">
+            <a:avLst/>
+          </a:prstGeom>
+          <a:noFill/>
+        </p:spPr>
+        <p:txBody>
+          <a:bodyPr wrap="square"/>
+          <a:lstStyle/>
+          <a:p>
+            <a:pPr algn="ctr">
+              <a:lnSpc>
+                <a:spcPct val="135000"/>
+              </a:lnSpc>
+              <a:spcBef>
+                <a:spcPts val="0"/>
+              </a:spcBef>
+              <a:spcAft>
+                <a:spcPts val="0"/>
+              </a:spcAft>
+            </a:pPr>
+            <a:r>
+              <a:rPr sz="1100" b="1">
+                <a:solidFill>
+                  <a:srgbClr val="1E293B"/>
+                </a:solidFill>
+                <a:latin typeface="Calibri"/>
+              </a:rPr>
+              <a:t>Funeral &amp; Memorial</a:t>
+            </a:r>
+          </a:p>
+        </p:txBody>
+      </p:sp>
+      <p:sp>
+        <p:nvSpPr>
           <p:cNvPr id="10" name="TextBox 9"/>
           <p:cNvSpPr txBox="1"/>
           <p:nvPr/>
         </p:nvSpPr>
         <p:spPr>
           <a:xfrm>
-            <a:off x="731520" y="2212848"/>
-            <a:ext cx="384048" cy="384048"/>
-          </a:xfrm>
-          <a:prstGeom prst="rect">
-            <a:avLst/>
-          </a:prstGeom>
-          <a:noFill/>
-        </p:spPr>
-        <p:txBody>
-          <a:bodyPr wrap="square" anchor="ctr"/>
+            <a:off x="530352" y="2194560"/>
+            <a:ext cx="2459736" cy="521208"/>
+          </a:xfrm>
+          <a:prstGeom prst="rect">
+            <a:avLst/>
+          </a:prstGeom>
+          <a:noFill/>
+        </p:spPr>
+        <p:txBody>
+          <a:bodyPr wrap="square"/>
           <a:lstStyle/>
           <a:p>
             <a:pPr algn="ctr">
@@ -13305,122 +14968,38 @@
               </a:spcAft>
             </a:pPr>
             <a:r>
-              <a:rPr sz="1000" b="1">
-                <a:solidFill>
-                  <a:srgbClr val="FFFFFF"/>
-                </a:solidFill>
-                <a:latin typeface="Calibri"/>
-              </a:rPr>
-              <a:t>02</a:t>
-            </a:r>
-          </a:p>
-        </p:txBody>
-      </p:sp>
-      <p:sp>
-        <p:nvSpPr>
-          <p:cNvPr id="11" name="TextBox 10"/>
-          <p:cNvSpPr txBox="1"/>
-          <p:nvPr/>
-        </p:nvSpPr>
-        <p:spPr>
-          <a:xfrm>
-            <a:off x="1280160" y="2176272"/>
-            <a:ext cx="3657600" cy="274320"/>
-          </a:xfrm>
-          <a:prstGeom prst="rect">
-            <a:avLst/>
-          </a:prstGeom>
-          <a:noFill/>
-        </p:spPr>
-        <p:txBody>
-          <a:bodyPr wrap="square"/>
-          <a:lstStyle/>
-          <a:p>
-            <a:pPr algn="l">
-              <a:lnSpc>
-                <a:spcPct val="135000"/>
-              </a:lnSpc>
-              <a:spcBef>
-                <a:spcPts val="0"/>
-              </a:spcBef>
-              <a:spcAft>
-                <a:spcPts val="0"/>
-              </a:spcAft>
-            </a:pPr>
-            <a:r>
-              <a:rPr sz="1200" b="1">
-                <a:solidFill>
-                  <a:srgbClr val="FFFFFF"/>
-                </a:solidFill>
-                <a:latin typeface="Calibri"/>
-              </a:rPr>
-              <a:t>Use Case Selection</a:t>
-            </a:r>
-          </a:p>
-        </p:txBody>
-      </p:sp>
-      <p:sp>
-        <p:nvSpPr>
-          <p:cNvPr id="12" name="TextBox 11"/>
-          <p:cNvSpPr txBox="1"/>
-          <p:nvPr/>
-        </p:nvSpPr>
-        <p:spPr>
-          <a:xfrm>
-            <a:off x="1280160" y="2432304"/>
-            <a:ext cx="6400800" cy="237744"/>
-          </a:xfrm>
-          <a:prstGeom prst="rect">
-            <a:avLst/>
-          </a:prstGeom>
-          <a:noFill/>
-        </p:spPr>
-        <p:txBody>
-          <a:bodyPr wrap="square"/>
-          <a:lstStyle/>
-          <a:p>
-            <a:pPr algn="l">
-              <a:lnSpc>
-                <a:spcPct val="135000"/>
-              </a:lnSpc>
-              <a:spcBef>
-                <a:spcPts val="0"/>
-              </a:spcBef>
-              <a:spcAft>
-                <a:spcPts val="0"/>
-              </a:spcAft>
-            </a:pPr>
-            <a:r>
-              <a:rPr sz="1000" b="0">
-                <a:solidFill>
-                  <a:srgbClr val="BBBBCC"/>
-                </a:solidFill>
-                <a:latin typeface="Calibri"/>
-              </a:rPr>
-              <a:t>Identify high-affinity sectors from your portfolio</a:t>
-            </a:r>
-          </a:p>
-        </p:txBody>
-      </p:sp>
-      <p:sp>
-        <p:nvSpPr>
-          <p:cNvPr id="13" name="Oval 12"/>
+              <a:rPr sz="900" b="0">
+                <a:solidFill>
+                  <a:srgbClr val="475569"/>
+                </a:solidFill>
+                <a:latin typeface="Calibri"/>
+              </a:rPr>
+              <a:t>Gravestone alternatives, digital perpetual care, bereavement services</a:t>
+            </a:r>
+          </a:p>
+        </p:txBody>
+      </p:sp>
+      <p:sp>
+        <p:nvSpPr>
+          <p:cNvPr id="11" name="Rectangle 10"/>
           <p:cNvSpPr/>
           <p:nvPr/>
         </p:nvSpPr>
         <p:spPr>
           <a:xfrm>
-            <a:off x="731520" y="2871216"/>
-            <a:ext cx="384048" cy="384048"/>
-          </a:xfrm>
-          <a:prstGeom prst="ellipse">
+            <a:off x="3273552" y="1371600"/>
+            <a:ext cx="2606040" cy="1417320"/>
+          </a:xfrm>
+          <a:prstGeom prst="rect">
             <a:avLst/>
           </a:prstGeom>
           <a:solidFill>
-            <a:srgbClr val="2563EB"/>
+            <a:srgbClr val="FFFFFF"/>
           </a:solidFill>
-          <a:ln>
-            <a:noFill/>
+          <a:ln w="9525">
+            <a:solidFill>
+              <a:srgbClr val="E2E8F0"/>
+            </a:solidFill>
           </a:ln>
         </p:spPr>
         <p:style>
@@ -13447,149 +15026,20 @@
       </p:sp>
       <p:sp>
         <p:nvSpPr>
-          <p:cNvPr id="14" name="TextBox 13"/>
-          <p:cNvSpPr txBox="1"/>
-          <p:nvPr/>
-        </p:nvSpPr>
-        <p:spPr>
-          <a:xfrm>
-            <a:off x="731520" y="2871216"/>
+          <p:cNvPr id="12" name="Oval 11"/>
+          <p:cNvSpPr/>
+          <p:nvPr/>
+        </p:nvSpPr>
+        <p:spPr>
+          <a:xfrm>
+            <a:off x="4384548" y="1463040"/>
             <a:ext cx="384048" cy="384048"/>
           </a:xfrm>
-          <a:prstGeom prst="rect">
-            <a:avLst/>
-          </a:prstGeom>
-          <a:noFill/>
-        </p:spPr>
-        <p:txBody>
-          <a:bodyPr wrap="square" anchor="ctr"/>
-          <a:lstStyle/>
-          <a:p>
-            <a:pPr algn="ctr">
-              <a:lnSpc>
-                <a:spcPct val="135000"/>
-              </a:lnSpc>
-              <a:spcBef>
-                <a:spcPts val="0"/>
-              </a:spcBef>
-              <a:spcAft>
-                <a:spcPts val="0"/>
-              </a:spcAft>
-            </a:pPr>
-            <a:r>
-              <a:rPr sz="1000" b="1">
-                <a:solidFill>
-                  <a:srgbClr val="FFFFFF"/>
-                </a:solidFill>
-                <a:latin typeface="Calibri"/>
-              </a:rPr>
-              <a:t>03</a:t>
-            </a:r>
-          </a:p>
-        </p:txBody>
-      </p:sp>
-      <p:sp>
-        <p:nvSpPr>
-          <p:cNvPr id="15" name="TextBox 14"/>
-          <p:cNvSpPr txBox="1"/>
-          <p:nvPr/>
-        </p:nvSpPr>
-        <p:spPr>
-          <a:xfrm>
-            <a:off x="1280160" y="2834640"/>
-            <a:ext cx="3657600" cy="274320"/>
-          </a:xfrm>
-          <a:prstGeom prst="rect">
-            <a:avLst/>
-          </a:prstGeom>
-          <a:noFill/>
-        </p:spPr>
-        <p:txBody>
-          <a:bodyPr wrap="square"/>
-          <a:lstStyle/>
-          <a:p>
-            <a:pPr algn="l">
-              <a:lnSpc>
-                <a:spcPct val="135000"/>
-              </a:lnSpc>
-              <a:spcBef>
-                <a:spcPts val="0"/>
-              </a:spcBef>
-              <a:spcAft>
-                <a:spcPts val="0"/>
-              </a:spcAft>
-            </a:pPr>
-            <a:r>
-              <a:rPr sz="1200" b="1">
-                <a:solidFill>
-                  <a:srgbClr val="FFFFFF"/>
-                </a:solidFill>
-                <a:latin typeface="Calibri"/>
-              </a:rPr>
-              <a:t>Partnership Design</a:t>
-            </a:r>
-          </a:p>
-        </p:txBody>
-      </p:sp>
-      <p:sp>
-        <p:nvSpPr>
-          <p:cNvPr id="16" name="TextBox 15"/>
-          <p:cNvSpPr txBox="1"/>
-          <p:nvPr/>
-        </p:nvSpPr>
-        <p:spPr>
-          <a:xfrm>
-            <a:off x="1280160" y="3090672"/>
-            <a:ext cx="6400800" cy="237744"/>
-          </a:xfrm>
-          <a:prstGeom prst="rect">
-            <a:avLst/>
-          </a:prstGeom>
-          <a:noFill/>
-        </p:spPr>
-        <p:txBody>
-          <a:bodyPr wrap="square"/>
-          <a:lstStyle/>
-          <a:p>
-            <a:pPr algn="l">
-              <a:lnSpc>
-                <a:spcPct val="135000"/>
-              </a:lnSpc>
-              <a:spcBef>
-                <a:spcPts val="0"/>
-              </a:spcBef>
-              <a:spcAft>
-                <a:spcPts val="0"/>
-              </a:spcAft>
-            </a:pPr>
-            <a:r>
-              <a:rPr sz="1000" b="0">
-                <a:solidFill>
-                  <a:srgbClr val="BBBBCC"/>
-                </a:solidFill>
-                <a:latin typeface="Calibri"/>
-              </a:rPr>
-              <a:t>Select model, define scope and terms</a:t>
-            </a:r>
-          </a:p>
-        </p:txBody>
-      </p:sp>
-      <p:sp>
-        <p:nvSpPr>
-          <p:cNvPr id="17" name="Oval 16"/>
-          <p:cNvSpPr/>
-          <p:nvPr/>
-        </p:nvSpPr>
-        <p:spPr>
-          <a:xfrm>
-            <a:off x="731520" y="3529584"/>
-            <a:ext cx="384048" cy="384048"/>
-          </a:xfrm>
           <a:prstGeom prst="ellipse">
             <a:avLst/>
           </a:prstGeom>
           <a:solidFill>
-            <a:srgbClr val="2563EB"/>
+            <a:srgbClr val="EFF6FF"/>
           </a:solidFill>
           <a:ln>
             <a:noFill/>
@@ -13619,13 +15069,13 @@
       </p:sp>
       <p:sp>
         <p:nvSpPr>
-          <p:cNvPr id="18" name="TextBox 17"/>
-          <p:cNvSpPr txBox="1"/>
-          <p:nvPr/>
-        </p:nvSpPr>
-        <p:spPr>
-          <a:xfrm>
-            <a:off x="731520" y="3529584"/>
+          <p:cNvPr id="13" name="TextBox 12"/>
+          <p:cNvSpPr txBox="1"/>
+          <p:nvPr/>
+        </p:nvSpPr>
+        <p:spPr>
+          <a:xfrm>
+            <a:off x="4384548" y="1463040"/>
             <a:ext cx="384048" cy="384048"/>
           </a:xfrm>
           <a:prstGeom prst="rect">
@@ -13649,27 +15099,27 @@
               </a:spcAft>
             </a:pPr>
             <a:r>
-              <a:rPr sz="1000" b="1">
-                <a:solidFill>
-                  <a:srgbClr val="FFFFFF"/>
-                </a:solidFill>
-                <a:latin typeface="Calibri"/>
-              </a:rPr>
-              <a:t>04</a:t>
-            </a:r>
-          </a:p>
-        </p:txBody>
-      </p:sp>
-      <p:sp>
-        <p:nvSpPr>
-          <p:cNvPr id="19" name="TextBox 18"/>
-          <p:cNvSpPr txBox="1"/>
-          <p:nvPr/>
-        </p:nvSpPr>
-        <p:spPr>
-          <a:xfrm>
-            <a:off x="1280160" y="3493008"/>
-            <a:ext cx="3657600" cy="274320"/>
+              <a:rPr sz="1200" b="1">
+                <a:solidFill>
+                  <a:srgbClr val="2563EB"/>
+                </a:solidFill>
+                <a:latin typeface="Calibri"/>
+              </a:rPr>
+              <a:t>H</a:t>
+            </a:r>
+          </a:p>
+        </p:txBody>
+      </p:sp>
+      <p:sp>
+        <p:nvSpPr>
+          <p:cNvPr id="14" name="TextBox 13"/>
+          <p:cNvSpPr txBox="1"/>
+          <p:nvPr/>
+        </p:nvSpPr>
+        <p:spPr>
+          <a:xfrm>
+            <a:off x="3346704" y="1883664"/>
+            <a:ext cx="2459736" cy="237744"/>
           </a:xfrm>
           <a:prstGeom prst="rect">
             <a:avLst/>
@@ -13680,39 +15130,39 @@
           <a:bodyPr wrap="square"/>
           <a:lstStyle/>
           <a:p>
-            <a:pPr algn="l">
-              <a:lnSpc>
-                <a:spcPct val="135000"/>
-              </a:lnSpc>
-              <a:spcBef>
-                <a:spcPts val="0"/>
-              </a:spcBef>
-              <a:spcAft>
-                <a:spcPts val="0"/>
-              </a:spcAft>
-            </a:pPr>
-            <a:r>
-              <a:rPr sz="1200" b="1">
-                <a:solidFill>
-                  <a:srgbClr val="FFFFFF"/>
-                </a:solidFill>
-                <a:latin typeface="Calibri"/>
-              </a:rPr>
-              <a:t>Pilot Engagement</a:t>
-            </a:r>
-          </a:p>
-        </p:txBody>
-      </p:sp>
-      <p:sp>
-        <p:nvSpPr>
-          <p:cNvPr id="20" name="TextBox 19"/>
-          <p:cNvSpPr txBox="1"/>
-          <p:nvPr/>
-        </p:nvSpPr>
-        <p:spPr>
-          <a:xfrm>
-            <a:off x="1280160" y="3749040"/>
-            <a:ext cx="6400800" cy="237744"/>
+            <a:pPr algn="ctr">
+              <a:lnSpc>
+                <a:spcPct val="135000"/>
+              </a:lnSpc>
+              <a:spcBef>
+                <a:spcPts val="0"/>
+              </a:spcBef>
+              <a:spcAft>
+                <a:spcPts val="0"/>
+              </a:spcAft>
+            </a:pPr>
+            <a:r>
+              <a:rPr sz="1100" b="1">
+                <a:solidFill>
+                  <a:srgbClr val="1E293B"/>
+                </a:solidFill>
+                <a:latin typeface="Calibri"/>
+              </a:rPr>
+              <a:t>Hospitality</a:t>
+            </a:r>
+          </a:p>
+        </p:txBody>
+      </p:sp>
+      <p:sp>
+        <p:nvSpPr>
+          <p:cNvPr id="15" name="TextBox 14"/>
+          <p:cNvSpPr txBox="1"/>
+          <p:nvPr/>
+        </p:nvSpPr>
+        <p:spPr>
+          <a:xfrm>
+            <a:off x="3346704" y="2194560"/>
+            <a:ext cx="2459736" cy="521208"/>
           </a:xfrm>
           <a:prstGeom prst="rect">
             <a:avLst/>
@@ -13723,91 +15173,50 @@
           <a:bodyPr wrap="square"/>
           <a:lstStyle/>
           <a:p>
-            <a:pPr algn="l">
-              <a:lnSpc>
-                <a:spcPct val="135000"/>
-              </a:lnSpc>
-              <a:spcBef>
-                <a:spcPts val="0"/>
-              </a:spcBef>
-              <a:spcAft>
-                <a:spcPts val="0"/>
-              </a:spcAft>
-            </a:pPr>
-            <a:r>
-              <a:rPr sz="1000" b="0">
-                <a:solidFill>
-                  <a:srgbClr val="BBBBCC"/>
-                </a:solidFill>
-                <a:latin typeface="Calibri"/>
-              </a:rPr>
-              <a:t>Prove value with 1–2 client engagements</a:t>
-            </a:r>
-          </a:p>
-        </p:txBody>
-      </p:sp>
-      <p:sp>
-        <p:nvSpPr>
-          <p:cNvPr id="21" name="TextBox 20"/>
-          <p:cNvSpPr txBox="1"/>
-          <p:nvPr/>
-        </p:nvSpPr>
-        <p:spPr>
-          <a:xfrm>
-            <a:off x="731520" y="4229100"/>
-            <a:ext cx="7315200" cy="274320"/>
-          </a:xfrm>
-          <a:prstGeom prst="rect">
-            <a:avLst/>
-          </a:prstGeom>
-          <a:noFill/>
-        </p:spPr>
-        <p:txBody>
-          <a:bodyPr wrap="square"/>
-          <a:lstStyle/>
-          <a:p>
-            <a:pPr algn="l">
-              <a:lnSpc>
-                <a:spcPct val="135000"/>
-              </a:lnSpc>
-              <a:spcBef>
-                <a:spcPts val="0"/>
-              </a:spcBef>
-              <a:spcAft>
-                <a:spcPts val="0"/>
-              </a:spcAft>
-            </a:pPr>
-            <a:r>
-              <a:rPr sz="1000" b="0">
-                <a:solidFill>
-                  <a:srgbClr val="94A3B8"/>
-                </a:solidFill>
-                <a:latin typeface="Calibri"/>
-              </a:rPr>
-              <a:t>Takuya Sato — Founder, TokiStorage</a:t>
-            </a:r>
-          </a:p>
-        </p:txBody>
-      </p:sp>
-      <p:sp>
-        <p:nvSpPr>
-          <p:cNvPr id="22" name="Rectangle 21"/>
+            <a:pPr algn="ctr">
+              <a:lnSpc>
+                <a:spcPct val="135000"/>
+              </a:lnSpc>
+              <a:spcBef>
+                <a:spcPts val="0"/>
+              </a:spcBef>
+              <a:spcAft>
+                <a:spcPts val="0"/>
+              </a:spcAft>
+            </a:pPr>
+            <a:r>
+              <a:rPr sz="900" b="0">
+                <a:solidFill>
+                  <a:srgbClr val="475569"/>
+                </a:solidFill>
+                <a:latin typeface="Calibri"/>
+              </a:rPr>
+              <a:t>Wedding records, hotel CX, anniversary services</a:t>
+            </a:r>
+          </a:p>
+        </p:txBody>
+      </p:sp>
+      <p:sp>
+        <p:nvSpPr>
+          <p:cNvPr id="16" name="Rectangle 15"/>
           <p:cNvSpPr/>
           <p:nvPr/>
         </p:nvSpPr>
         <p:spPr>
           <a:xfrm>
-            <a:off x="0" y="4613148"/>
-            <a:ext cx="9144000" cy="6350"/>
+            <a:off x="6089904" y="1371600"/>
+            <a:ext cx="2606040" cy="1417320"/>
           </a:xfrm>
           <a:prstGeom prst="rect">
             <a:avLst/>
           </a:prstGeom>
           <a:solidFill>
-            <a:srgbClr val="334455"/>
+            <a:srgbClr val="FFFFFF"/>
           </a:solidFill>
-          <a:ln>
-            <a:noFill/>
+          <a:ln w="9525">
+            <a:solidFill>
+              <a:srgbClr val="E2E8F0"/>
+            </a:solidFill>
           </a:ln>
         </p:spPr>
         <p:style>
@@ -13834,14 +15243,317 @@
       </p:sp>
       <p:sp>
         <p:nvSpPr>
+          <p:cNvPr id="17" name="Oval 16"/>
+          <p:cNvSpPr/>
+          <p:nvPr/>
+        </p:nvSpPr>
+        <p:spPr>
+          <a:xfrm>
+            <a:off x="7200900" y="1463040"/>
+            <a:ext cx="384048" cy="384048"/>
+          </a:xfrm>
+          <a:prstGeom prst="ellipse">
+            <a:avLst/>
+          </a:prstGeom>
+          <a:solidFill>
+            <a:srgbClr val="EFF6FF"/>
+          </a:solidFill>
+          <a:ln>
+            <a:noFill/>
+          </a:ln>
+        </p:spPr>
+        <p:style>
+          <a:lnRef idx="1">
+            <a:schemeClr val="accent1"/>
+          </a:lnRef>
+          <a:fillRef idx="3">
+            <a:schemeClr val="accent1"/>
+          </a:fillRef>
+          <a:effectRef idx="2">
+            <a:schemeClr val="accent1"/>
+          </a:effectRef>
+          <a:fontRef idx="minor">
+            <a:schemeClr val="lt1"/>
+          </a:fontRef>
+        </p:style>
+        <p:txBody>
+          <a:bodyPr rtlCol="0" anchor="ctr"/>
+          <a:lstStyle/>
+          <a:p>
+            <a:pPr algn="ctr"/>
+          </a:p>
+        </p:txBody>
+      </p:sp>
+      <p:sp>
+        <p:nvSpPr>
+          <p:cNvPr id="18" name="TextBox 17"/>
+          <p:cNvSpPr txBox="1"/>
+          <p:nvPr/>
+        </p:nvSpPr>
+        <p:spPr>
+          <a:xfrm>
+            <a:off x="7200900" y="1463040"/>
+            <a:ext cx="384048" cy="384048"/>
+          </a:xfrm>
+          <a:prstGeom prst="rect">
+            <a:avLst/>
+          </a:prstGeom>
+          <a:noFill/>
+        </p:spPr>
+        <p:txBody>
+          <a:bodyPr wrap="square" anchor="ctr"/>
+          <a:lstStyle/>
+          <a:p>
+            <a:pPr algn="ctr">
+              <a:lnSpc>
+                <a:spcPct val="135000"/>
+              </a:lnSpc>
+              <a:spcBef>
+                <a:spcPts val="0"/>
+              </a:spcBef>
+              <a:spcAft>
+                <a:spcPts val="0"/>
+              </a:spcAft>
+            </a:pPr>
+            <a:r>
+              <a:rPr sz="1200" b="1">
+                <a:solidFill>
+                  <a:srgbClr val="2563EB"/>
+                </a:solidFill>
+                <a:latin typeface="Calibri"/>
+              </a:rPr>
+              <a:t>R</a:t>
+            </a:r>
+          </a:p>
+        </p:txBody>
+      </p:sp>
+      <p:sp>
+        <p:nvSpPr>
+          <p:cNvPr id="19" name="TextBox 18"/>
+          <p:cNvSpPr txBox="1"/>
+          <p:nvPr/>
+        </p:nvSpPr>
+        <p:spPr>
+          <a:xfrm>
+            <a:off x="6163056" y="1883664"/>
+            <a:ext cx="2459736" cy="237744"/>
+          </a:xfrm>
+          <a:prstGeom prst="rect">
+            <a:avLst/>
+          </a:prstGeom>
+          <a:noFill/>
+        </p:spPr>
+        <p:txBody>
+          <a:bodyPr wrap="square"/>
+          <a:lstStyle/>
+          <a:p>
+            <a:pPr algn="ctr">
+              <a:lnSpc>
+                <a:spcPct val="135000"/>
+              </a:lnSpc>
+              <a:spcBef>
+                <a:spcPts val="0"/>
+              </a:spcBef>
+              <a:spcAft>
+                <a:spcPts val="0"/>
+              </a:spcAft>
+            </a:pPr>
+            <a:r>
+              <a:rPr sz="1100" b="1">
+                <a:solidFill>
+                  <a:srgbClr val="1E293B"/>
+                </a:solidFill>
+                <a:latin typeface="Calibri"/>
+              </a:rPr>
+              <a:t>Religious Institutions</a:t>
+            </a:r>
+          </a:p>
+        </p:txBody>
+      </p:sp>
+      <p:sp>
+        <p:nvSpPr>
+          <p:cNvPr id="20" name="TextBox 19"/>
+          <p:cNvSpPr txBox="1"/>
+          <p:nvPr/>
+        </p:nvSpPr>
+        <p:spPr>
+          <a:xfrm>
+            <a:off x="6163056" y="2194560"/>
+            <a:ext cx="2459736" cy="521208"/>
+          </a:xfrm>
+          <a:prstGeom prst="rect">
+            <a:avLst/>
+          </a:prstGeom>
+          <a:noFill/>
+        </p:spPr>
+        <p:txBody>
+          <a:bodyPr wrap="square"/>
+          <a:lstStyle/>
+          <a:p>
+            <a:pPr algn="ctr">
+              <a:lnSpc>
+                <a:spcPct val="135000"/>
+              </a:lnSpc>
+              <a:spcBef>
+                <a:spcPts val="0"/>
+              </a:spcBef>
+              <a:spcAft>
+                <a:spcPts val="0"/>
+              </a:spcAft>
+            </a:pPr>
+            <a:r>
+              <a:rPr sz="900" b="0">
+                <a:solidFill>
+                  <a:srgbClr val="475569"/>
+                </a:solidFill>
+                <a:latin typeface="Calibri"/>
+              </a:rPr>
+              <a:t>Perpetual congregation records, visitor DX, cultural preservation</a:t>
+            </a:r>
+          </a:p>
+        </p:txBody>
+      </p:sp>
+      <p:sp>
+        <p:nvSpPr>
+          <p:cNvPr id="21" name="Rectangle 20"/>
+          <p:cNvSpPr/>
+          <p:nvPr/>
+        </p:nvSpPr>
+        <p:spPr>
+          <a:xfrm>
+            <a:off x="457200" y="2926080"/>
+            <a:ext cx="2606040" cy="1417320"/>
+          </a:xfrm>
+          <a:prstGeom prst="rect">
+            <a:avLst/>
+          </a:prstGeom>
+          <a:solidFill>
+            <a:srgbClr val="FFFFFF"/>
+          </a:solidFill>
+          <a:ln w="9525">
+            <a:solidFill>
+              <a:srgbClr val="E2E8F0"/>
+            </a:solidFill>
+          </a:ln>
+        </p:spPr>
+        <p:style>
+          <a:lnRef idx="1">
+            <a:schemeClr val="accent1"/>
+          </a:lnRef>
+          <a:fillRef idx="3">
+            <a:schemeClr val="accent1"/>
+          </a:fillRef>
+          <a:effectRef idx="2">
+            <a:schemeClr val="accent1"/>
+          </a:effectRef>
+          <a:fontRef idx="minor">
+            <a:schemeClr val="lt1"/>
+          </a:fontRef>
+        </p:style>
+        <p:txBody>
+          <a:bodyPr rtlCol="0" anchor="ctr"/>
+          <a:lstStyle/>
+          <a:p>
+            <a:pPr algn="ctr"/>
+          </a:p>
+        </p:txBody>
+      </p:sp>
+      <p:sp>
+        <p:nvSpPr>
+          <p:cNvPr id="22" name="Oval 21"/>
+          <p:cNvSpPr/>
+          <p:nvPr/>
+        </p:nvSpPr>
+        <p:spPr>
+          <a:xfrm>
+            <a:off x="1568196" y="3017520"/>
+            <a:ext cx="384048" cy="384048"/>
+          </a:xfrm>
+          <a:prstGeom prst="ellipse">
+            <a:avLst/>
+          </a:prstGeom>
+          <a:solidFill>
+            <a:srgbClr val="EFF6FF"/>
+          </a:solidFill>
+          <a:ln>
+            <a:noFill/>
+          </a:ln>
+        </p:spPr>
+        <p:style>
+          <a:lnRef idx="1">
+            <a:schemeClr val="accent1"/>
+          </a:lnRef>
+          <a:fillRef idx="3">
+            <a:schemeClr val="accent1"/>
+          </a:fillRef>
+          <a:effectRef idx="2">
+            <a:schemeClr val="accent1"/>
+          </a:effectRef>
+          <a:fontRef idx="minor">
+            <a:schemeClr val="lt1"/>
+          </a:fontRef>
+        </p:style>
+        <p:txBody>
+          <a:bodyPr rtlCol="0" anchor="ctr"/>
+          <a:lstStyle/>
+          <a:p>
+            <a:pPr algn="ctr"/>
+          </a:p>
+        </p:txBody>
+      </p:sp>
+      <p:sp>
+        <p:nvSpPr>
           <p:cNvPr id="23" name="TextBox 22"/>
           <p:cNvSpPr txBox="1"/>
           <p:nvPr/>
         </p:nvSpPr>
         <p:spPr>
           <a:xfrm>
-            <a:off x="457200" y="4640580"/>
-            <a:ext cx="3657600" cy="320040"/>
+            <a:off x="1568196" y="3017520"/>
+            <a:ext cx="384048" cy="384048"/>
+          </a:xfrm>
+          <a:prstGeom prst="rect">
+            <a:avLst/>
+          </a:prstGeom>
+          <a:noFill/>
+        </p:spPr>
+        <p:txBody>
+          <a:bodyPr wrap="square" anchor="ctr"/>
+          <a:lstStyle/>
+          <a:p>
+            <a:pPr algn="ctr">
+              <a:lnSpc>
+                <a:spcPct val="135000"/>
+              </a:lnSpc>
+              <a:spcBef>
+                <a:spcPts val="0"/>
+              </a:spcBef>
+              <a:spcAft>
+                <a:spcPts val="0"/>
+              </a:spcAft>
+            </a:pPr>
+            <a:r>
+              <a:rPr sz="1200" b="1">
+                <a:solidFill>
+                  <a:srgbClr val="2563EB"/>
+                </a:solidFill>
+                <a:latin typeface="Calibri"/>
+              </a:rPr>
+              <a:t>G</a:t>
+            </a:r>
+          </a:p>
+        </p:txBody>
+      </p:sp>
+      <p:sp>
+        <p:nvSpPr>
+          <p:cNvPr id="24" name="TextBox 23"/>
+          <p:cNvSpPr txBox="1"/>
+          <p:nvPr/>
+        </p:nvSpPr>
+        <p:spPr>
+          <a:xfrm>
+            <a:off x="530352" y="3438144"/>
+            <a:ext cx="2459736" cy="237744"/>
           </a:xfrm>
           <a:prstGeom prst="rect">
             <a:avLst/>
@@ -13852,6 +15564,569 @@
           <a:bodyPr wrap="square"/>
           <a:lstStyle/>
           <a:p>
+            <a:pPr algn="ctr">
+              <a:lnSpc>
+                <a:spcPct val="135000"/>
+              </a:lnSpc>
+              <a:spcBef>
+                <a:spcPts val="0"/>
+              </a:spcBef>
+              <a:spcAft>
+                <a:spcPts val="0"/>
+              </a:spcAft>
+            </a:pPr>
+            <a:r>
+              <a:rPr sz="1100" b="1">
+                <a:solidFill>
+                  <a:srgbClr val="1E293B"/>
+                </a:solidFill>
+                <a:latin typeface="Calibri"/>
+              </a:rPr>
+              <a:t>Government &amp; Education</a:t>
+            </a:r>
+          </a:p>
+        </p:txBody>
+      </p:sp>
+      <p:sp>
+        <p:nvSpPr>
+          <p:cNvPr id="25" name="TextBox 24"/>
+          <p:cNvSpPr txBox="1"/>
+          <p:nvPr/>
+        </p:nvSpPr>
+        <p:spPr>
+          <a:xfrm>
+            <a:off x="530352" y="3749040"/>
+            <a:ext cx="2459736" cy="521208"/>
+          </a:xfrm>
+          <a:prstGeom prst="rect">
+            <a:avLst/>
+          </a:prstGeom>
+          <a:noFill/>
+        </p:spPr>
+        <p:txBody>
+          <a:bodyPr wrap="square"/>
+          <a:lstStyle/>
+          <a:p>
+            <a:pPr algn="ctr">
+              <a:lnSpc>
+                <a:spcPct val="135000"/>
+              </a:lnSpc>
+              <a:spcBef>
+                <a:spcPts val="0"/>
+              </a:spcBef>
+              <a:spcAft>
+                <a:spcPts val="0"/>
+              </a:spcAft>
+            </a:pPr>
+            <a:r>
+              <a:rPr sz="900" b="0">
+                <a:solidFill>
+                  <a:srgbClr val="475569"/>
+                </a:solidFill>
+                <a:latin typeface="Calibri"/>
+              </a:rPr>
+              <a:t>Community archives, disaster records, school history</a:t>
+            </a:r>
+          </a:p>
+        </p:txBody>
+      </p:sp>
+      <p:sp>
+        <p:nvSpPr>
+          <p:cNvPr id="26" name="Rectangle 25"/>
+          <p:cNvSpPr/>
+          <p:nvPr/>
+        </p:nvSpPr>
+        <p:spPr>
+          <a:xfrm>
+            <a:off x="3273552" y="2926080"/>
+            <a:ext cx="2606040" cy="1417320"/>
+          </a:xfrm>
+          <a:prstGeom prst="rect">
+            <a:avLst/>
+          </a:prstGeom>
+          <a:solidFill>
+            <a:srgbClr val="FFFFFF"/>
+          </a:solidFill>
+          <a:ln w="9525">
+            <a:solidFill>
+              <a:srgbClr val="E2E8F0"/>
+            </a:solidFill>
+          </a:ln>
+        </p:spPr>
+        <p:style>
+          <a:lnRef idx="1">
+            <a:schemeClr val="accent1"/>
+          </a:lnRef>
+          <a:fillRef idx="3">
+            <a:schemeClr val="accent1"/>
+          </a:fillRef>
+          <a:effectRef idx="2">
+            <a:schemeClr val="accent1"/>
+          </a:effectRef>
+          <a:fontRef idx="minor">
+            <a:schemeClr val="lt1"/>
+          </a:fontRef>
+        </p:style>
+        <p:txBody>
+          <a:bodyPr rtlCol="0" anchor="ctr"/>
+          <a:lstStyle/>
+          <a:p>
+            <a:pPr algn="ctr"/>
+          </a:p>
+        </p:txBody>
+      </p:sp>
+      <p:sp>
+        <p:nvSpPr>
+          <p:cNvPr id="27" name="Oval 26"/>
+          <p:cNvSpPr/>
+          <p:nvPr/>
+        </p:nvSpPr>
+        <p:spPr>
+          <a:xfrm>
+            <a:off x="4384548" y="3017520"/>
+            <a:ext cx="384048" cy="384048"/>
+          </a:xfrm>
+          <a:prstGeom prst="ellipse">
+            <a:avLst/>
+          </a:prstGeom>
+          <a:solidFill>
+            <a:srgbClr val="EFF6FF"/>
+          </a:solidFill>
+          <a:ln>
+            <a:noFill/>
+          </a:ln>
+        </p:spPr>
+        <p:style>
+          <a:lnRef idx="1">
+            <a:schemeClr val="accent1"/>
+          </a:lnRef>
+          <a:fillRef idx="3">
+            <a:schemeClr val="accent1"/>
+          </a:fillRef>
+          <a:effectRef idx="2">
+            <a:schemeClr val="accent1"/>
+          </a:effectRef>
+          <a:fontRef idx="minor">
+            <a:schemeClr val="lt1"/>
+          </a:fontRef>
+        </p:style>
+        <p:txBody>
+          <a:bodyPr rtlCol="0" anchor="ctr"/>
+          <a:lstStyle/>
+          <a:p>
+            <a:pPr algn="ctr"/>
+          </a:p>
+        </p:txBody>
+      </p:sp>
+      <p:sp>
+        <p:nvSpPr>
+          <p:cNvPr id="28" name="TextBox 27"/>
+          <p:cNvSpPr txBox="1"/>
+          <p:nvPr/>
+        </p:nvSpPr>
+        <p:spPr>
+          <a:xfrm>
+            <a:off x="4384548" y="3017520"/>
+            <a:ext cx="384048" cy="384048"/>
+          </a:xfrm>
+          <a:prstGeom prst="rect">
+            <a:avLst/>
+          </a:prstGeom>
+          <a:noFill/>
+        </p:spPr>
+        <p:txBody>
+          <a:bodyPr wrap="square" anchor="ctr"/>
+          <a:lstStyle/>
+          <a:p>
+            <a:pPr algn="ctr">
+              <a:lnSpc>
+                <a:spcPct val="135000"/>
+              </a:lnSpc>
+              <a:spcBef>
+                <a:spcPts val="0"/>
+              </a:spcBef>
+              <a:spcAft>
+                <a:spcPts val="0"/>
+              </a:spcAft>
+            </a:pPr>
+            <a:r>
+              <a:rPr sz="1200" b="1">
+                <a:solidFill>
+                  <a:srgbClr val="2563EB"/>
+                </a:solidFill>
+                <a:latin typeface="Calibri"/>
+              </a:rPr>
+              <a:t>E</a:t>
+            </a:r>
+          </a:p>
+        </p:txBody>
+      </p:sp>
+      <p:sp>
+        <p:nvSpPr>
+          <p:cNvPr id="29" name="TextBox 28"/>
+          <p:cNvSpPr txBox="1"/>
+          <p:nvPr/>
+        </p:nvSpPr>
+        <p:spPr>
+          <a:xfrm>
+            <a:off x="3346704" y="3438144"/>
+            <a:ext cx="2459736" cy="237744"/>
+          </a:xfrm>
+          <a:prstGeom prst="rect">
+            <a:avLst/>
+          </a:prstGeom>
+          <a:noFill/>
+        </p:spPr>
+        <p:txBody>
+          <a:bodyPr wrap="square"/>
+          <a:lstStyle/>
+          <a:p>
+            <a:pPr algn="ctr">
+              <a:lnSpc>
+                <a:spcPct val="135000"/>
+              </a:lnSpc>
+              <a:spcBef>
+                <a:spcPts val="0"/>
+              </a:spcBef>
+              <a:spcAft>
+                <a:spcPts val="0"/>
+              </a:spcAft>
+            </a:pPr>
+            <a:r>
+              <a:rPr sz="1100" b="1">
+                <a:solidFill>
+                  <a:srgbClr val="1E293B"/>
+                </a:solidFill>
+                <a:latin typeface="Calibri"/>
+              </a:rPr>
+              <a:t>ESG &amp; Sustainability</a:t>
+            </a:r>
+          </a:p>
+        </p:txBody>
+      </p:sp>
+      <p:sp>
+        <p:nvSpPr>
+          <p:cNvPr id="30" name="TextBox 29"/>
+          <p:cNvSpPr txBox="1"/>
+          <p:nvPr/>
+        </p:nvSpPr>
+        <p:spPr>
+          <a:xfrm>
+            <a:off x="3346704" y="3749040"/>
+            <a:ext cx="2459736" cy="521208"/>
+          </a:xfrm>
+          <a:prstGeom prst="rect">
+            <a:avLst/>
+          </a:prstGeom>
+          <a:noFill/>
+        </p:spPr>
+        <p:txBody>
+          <a:bodyPr wrap="square"/>
+          <a:lstStyle/>
+          <a:p>
+            <a:pPr algn="ctr">
+              <a:lnSpc>
+                <a:spcPct val="135000"/>
+              </a:lnSpc>
+              <a:spcBef>
+                <a:spcPts val="0"/>
+              </a:spcBef>
+              <a:spcAft>
+                <a:spcPts val="0"/>
+              </a:spcAft>
+            </a:pPr>
+            <a:r>
+              <a:rPr sz="900" b="0">
+                <a:solidFill>
+                  <a:srgbClr val="475569"/>
+                </a:solidFill>
+                <a:latin typeface="Calibri"/>
+              </a:rPr>
+              <a:t>1,000-year corporate purpose records, SDG impact proof</a:t>
+            </a:r>
+          </a:p>
+        </p:txBody>
+      </p:sp>
+      <p:sp>
+        <p:nvSpPr>
+          <p:cNvPr id="31" name="Rectangle 30"/>
+          <p:cNvSpPr/>
+          <p:nvPr/>
+        </p:nvSpPr>
+        <p:spPr>
+          <a:xfrm>
+            <a:off x="6089904" y="2926080"/>
+            <a:ext cx="2606040" cy="1417320"/>
+          </a:xfrm>
+          <a:prstGeom prst="rect">
+            <a:avLst/>
+          </a:prstGeom>
+          <a:solidFill>
+            <a:srgbClr val="FFFFFF"/>
+          </a:solidFill>
+          <a:ln w="9525">
+            <a:solidFill>
+              <a:srgbClr val="E2E8F0"/>
+            </a:solidFill>
+          </a:ln>
+        </p:spPr>
+        <p:style>
+          <a:lnRef idx="1">
+            <a:schemeClr val="accent1"/>
+          </a:lnRef>
+          <a:fillRef idx="3">
+            <a:schemeClr val="accent1"/>
+          </a:fillRef>
+          <a:effectRef idx="2">
+            <a:schemeClr val="accent1"/>
+          </a:effectRef>
+          <a:fontRef idx="minor">
+            <a:schemeClr val="lt1"/>
+          </a:fontRef>
+        </p:style>
+        <p:txBody>
+          <a:bodyPr rtlCol="0" anchor="ctr"/>
+          <a:lstStyle/>
+          <a:p>
+            <a:pPr algn="ctr"/>
+          </a:p>
+        </p:txBody>
+      </p:sp>
+      <p:sp>
+        <p:nvSpPr>
+          <p:cNvPr id="32" name="Oval 31"/>
+          <p:cNvSpPr/>
+          <p:nvPr/>
+        </p:nvSpPr>
+        <p:spPr>
+          <a:xfrm>
+            <a:off x="7200900" y="3017520"/>
+            <a:ext cx="384048" cy="384048"/>
+          </a:xfrm>
+          <a:prstGeom prst="ellipse">
+            <a:avLst/>
+          </a:prstGeom>
+          <a:solidFill>
+            <a:srgbClr val="EFF6FF"/>
+          </a:solidFill>
+          <a:ln>
+            <a:noFill/>
+          </a:ln>
+        </p:spPr>
+        <p:style>
+          <a:lnRef idx="1">
+            <a:schemeClr val="accent1"/>
+          </a:lnRef>
+          <a:fillRef idx="3">
+            <a:schemeClr val="accent1"/>
+          </a:fillRef>
+          <a:effectRef idx="2">
+            <a:schemeClr val="accent1"/>
+          </a:effectRef>
+          <a:fontRef idx="minor">
+            <a:schemeClr val="lt1"/>
+          </a:fontRef>
+        </p:style>
+        <p:txBody>
+          <a:bodyPr rtlCol="0" anchor="ctr"/>
+          <a:lstStyle/>
+          <a:p>
+            <a:pPr algn="ctr"/>
+          </a:p>
+        </p:txBody>
+      </p:sp>
+      <p:sp>
+        <p:nvSpPr>
+          <p:cNvPr id="33" name="TextBox 32"/>
+          <p:cNvSpPr txBox="1"/>
+          <p:nvPr/>
+        </p:nvSpPr>
+        <p:spPr>
+          <a:xfrm>
+            <a:off x="7200900" y="3017520"/>
+            <a:ext cx="384048" cy="384048"/>
+          </a:xfrm>
+          <a:prstGeom prst="rect">
+            <a:avLst/>
+          </a:prstGeom>
+          <a:noFill/>
+        </p:spPr>
+        <p:txBody>
+          <a:bodyPr wrap="square" anchor="ctr"/>
+          <a:lstStyle/>
+          <a:p>
+            <a:pPr algn="ctr">
+              <a:lnSpc>
+                <a:spcPct val="135000"/>
+              </a:lnSpc>
+              <a:spcBef>
+                <a:spcPts val="0"/>
+              </a:spcBef>
+              <a:spcAft>
+                <a:spcPts val="0"/>
+              </a:spcAft>
+            </a:pPr>
+            <a:r>
+              <a:rPr sz="1200" b="1">
+                <a:solidFill>
+                  <a:srgbClr val="2563EB"/>
+                </a:solidFill>
+                <a:latin typeface="Calibri"/>
+              </a:rPr>
+              <a:t>F</a:t>
+            </a:r>
+          </a:p>
+        </p:txBody>
+      </p:sp>
+      <p:sp>
+        <p:nvSpPr>
+          <p:cNvPr id="34" name="TextBox 33"/>
+          <p:cNvSpPr txBox="1"/>
+          <p:nvPr/>
+        </p:nvSpPr>
+        <p:spPr>
+          <a:xfrm>
+            <a:off x="6163056" y="3438144"/>
+            <a:ext cx="2459736" cy="237744"/>
+          </a:xfrm>
+          <a:prstGeom prst="rect">
+            <a:avLst/>
+          </a:prstGeom>
+          <a:noFill/>
+        </p:spPr>
+        <p:txBody>
+          <a:bodyPr wrap="square"/>
+          <a:lstStyle/>
+          <a:p>
+            <a:pPr algn="ctr">
+              <a:lnSpc>
+                <a:spcPct val="135000"/>
+              </a:lnSpc>
+              <a:spcBef>
+                <a:spcPts val="0"/>
+              </a:spcBef>
+              <a:spcAft>
+                <a:spcPts val="0"/>
+              </a:spcAft>
+            </a:pPr>
+            <a:r>
+              <a:rPr sz="1100" b="1">
+                <a:solidFill>
+                  <a:srgbClr val="1E293B"/>
+                </a:solidFill>
+                <a:latin typeface="Calibri"/>
+              </a:rPr>
+              <a:t>Finance &amp; Insurance</a:t>
+            </a:r>
+          </a:p>
+        </p:txBody>
+      </p:sp>
+      <p:sp>
+        <p:nvSpPr>
+          <p:cNvPr id="35" name="TextBox 34"/>
+          <p:cNvSpPr txBox="1"/>
+          <p:nvPr/>
+        </p:nvSpPr>
+        <p:spPr>
+          <a:xfrm>
+            <a:off x="6163056" y="3749040"/>
+            <a:ext cx="2459736" cy="521208"/>
+          </a:xfrm>
+          <a:prstGeom prst="rect">
+            <a:avLst/>
+          </a:prstGeom>
+          <a:noFill/>
+        </p:spPr>
+        <p:txBody>
+          <a:bodyPr wrap="square"/>
+          <a:lstStyle/>
+          <a:p>
+            <a:pPr algn="ctr">
+              <a:lnSpc>
+                <a:spcPct val="135000"/>
+              </a:lnSpc>
+              <a:spcBef>
+                <a:spcPts val="0"/>
+              </a:spcBef>
+              <a:spcAft>
+                <a:spcPts val="0"/>
+              </a:spcAft>
+            </a:pPr>
+            <a:r>
+              <a:rPr sz="900" b="0">
+                <a:solidFill>
+                  <a:srgbClr val="475569"/>
+                </a:solidFill>
+                <a:latin typeface="Calibri"/>
+              </a:rPr>
+              <a:t>End-of-life service integration, digital estate</a:t>
+            </a:r>
+          </a:p>
+        </p:txBody>
+      </p:sp>
+      <p:sp>
+        <p:nvSpPr>
+          <p:cNvPr id="36" name="Rectangle 35"/>
+          <p:cNvSpPr/>
+          <p:nvPr/>
+        </p:nvSpPr>
+        <p:spPr>
+          <a:xfrm>
+            <a:off x="0" y="4796028"/>
+            <a:ext cx="9144000" cy="6350"/>
+          </a:xfrm>
+          <a:prstGeom prst="rect">
+            <a:avLst/>
+          </a:prstGeom>
+          <a:solidFill>
+            <a:srgbClr val="E2E8F0"/>
+          </a:solidFill>
+          <a:ln>
+            <a:noFill/>
+          </a:ln>
+        </p:spPr>
+        <p:style>
+          <a:lnRef idx="1">
+            <a:schemeClr val="accent1"/>
+          </a:lnRef>
+          <a:fillRef idx="3">
+            <a:schemeClr val="accent1"/>
+          </a:fillRef>
+          <a:effectRef idx="2">
+            <a:schemeClr val="accent1"/>
+          </a:effectRef>
+          <a:fontRef idx="minor">
+            <a:schemeClr val="lt1"/>
+          </a:fontRef>
+        </p:style>
+        <p:txBody>
+          <a:bodyPr rtlCol="0" anchor="ctr"/>
+          <a:lstStyle/>
+          <a:p>
+            <a:pPr algn="ctr"/>
+          </a:p>
+        </p:txBody>
+      </p:sp>
+      <p:sp>
+        <p:nvSpPr>
+          <p:cNvPr id="37" name="TextBox 36"/>
+          <p:cNvSpPr txBox="1"/>
+          <p:nvPr/>
+        </p:nvSpPr>
+        <p:spPr>
+          <a:xfrm>
+            <a:off x="457200" y="4821428"/>
+            <a:ext cx="3657600" cy="274320"/>
+          </a:xfrm>
+          <a:prstGeom prst="rect">
+            <a:avLst/>
+          </a:prstGeom>
+          <a:noFill/>
+        </p:spPr>
+        <p:txBody>
+          <a:bodyPr wrap="square"/>
+          <a:lstStyle/>
+          <a:p>
             <a:pPr algn="l">
               <a:lnSpc>
                 <a:spcPct val="135000"/>
@@ -13870,21 +16145,21 @@
                 </a:solidFill>
                 <a:latin typeface="Calibri"/>
               </a:rPr>
-              <a:t>TokiStorage</a:t>
-            </a:r>
-          </a:p>
-        </p:txBody>
-      </p:sp>
-      <p:sp>
-        <p:nvSpPr>
-          <p:cNvPr id="24" name="TextBox 23"/>
-          <p:cNvSpPr txBox="1"/>
-          <p:nvPr/>
-        </p:nvSpPr>
-        <p:spPr>
-          <a:xfrm>
-            <a:off x="3657600" y="4640580"/>
-            <a:ext cx="1828800" cy="320040"/>
+              <a:t>TokiStorage — Partnership Proposal</a:t>
+            </a:r>
+          </a:p>
+        </p:txBody>
+      </p:sp>
+      <p:sp>
+        <p:nvSpPr>
+          <p:cNvPr id="38" name="TextBox 37"/>
+          <p:cNvSpPr txBox="1"/>
+          <p:nvPr/>
+        </p:nvSpPr>
+        <p:spPr>
+          <a:xfrm>
+            <a:off x="3657600" y="4821428"/>
+            <a:ext cx="1828800" cy="274320"/>
           </a:xfrm>
           <a:prstGeom prst="rect">
             <a:avLst/>
@@ -13920,14 +16195,14 @@
       </p:sp>
       <p:sp>
         <p:nvSpPr>
-          <p:cNvPr id="25" name="TextBox 24"/>
-          <p:cNvSpPr txBox="1"/>
-          <p:nvPr/>
-        </p:nvSpPr>
-        <p:spPr>
-          <a:xfrm>
-            <a:off x="8229600" y="4640580"/>
-            <a:ext cx="457200" cy="320040"/>
+          <p:cNvPr id="39" name="TextBox 38"/>
+          <p:cNvSpPr txBox="1"/>
+          <p:nvPr/>
+        </p:nvSpPr>
+        <p:spPr>
+          <a:xfrm>
+            <a:off x="8229600" y="4821428"/>
+            <a:ext cx="457200" cy="274320"/>
           </a:xfrm>
           <a:prstGeom prst="rect">
             <a:avLst/>

--- a/tokistorage-partnership-deck-en.pptx
+++ b/tokistorage-partnership-deck-en.pptx
@@ -3144,7 +3144,7 @@
       </p:sp>
       <p:pic>
         <p:nvPicPr>
-          <p:cNvPr id="3" name="Picture 2" descr="tokistorage-icon-circle.png"/>
+          <p:cNvPr id="3" name="Picture 2" descr="tokistorage-icon-white-bg.png"/>
           <p:cNvPicPr>
             <a:picLocks noChangeAspect="1"/>
           </p:cNvPicPr>

--- a/tokistorage-partnership-deck-en.pptx
+++ b/tokistorage-partnership-deck-en.pptx
@@ -4175,7 +4175,7 @@
         <p:spPr>
           <a:xfrm>
             <a:off x="4037075" y="3282696"/>
-            <a:ext cx="3086100" cy="402336"/>
+            <a:ext cx="2606040" cy="402336"/>
           </a:xfrm>
           <a:prstGeom prst="rect">
             <a:avLst/>
@@ -4220,7 +4220,7 @@
         <p:spPr>
           <a:xfrm>
             <a:off x="4128515" y="3282696"/>
-            <a:ext cx="2903220" cy="402336"/>
+            <a:ext cx="2423160" cy="402336"/>
           </a:xfrm>
           <a:prstGeom prst="rect">
             <a:avLst/>
@@ -4249,7 +4249,7 @@
                 </a:solidFill>
                 <a:latin typeface="Calibri"/>
               </a:rPr>
-              <a:t>Relocating to Sado Island (Spring 2026)</a:t>
+              <a:t>Establishing base on Sado Island</a:t>
             </a:r>
           </a:p>
         </p:txBody>
@@ -10831,7 +10831,7 @@
                 </a:solidFill>
                 <a:latin typeface="Calibri"/>
               </a:rPr>
-              <a:t>Experience three-layer storage with A4 laminate. Voice QR → laminate + NDL deposit + GitHub.</a:t>
+              <a:t>Experience three-layer storage with A4 laminate. TokiQR → laminate + NDL deposit + GitHub.</a:t>
             </a:r>
           </a:p>
         </p:txBody>

--- a/tokistorage-partnership-deck-en.pptx
+++ b/tokistorage-partnership-deck-en.pptx
@@ -7170,7 +7170,7 @@
                 </a:solidFill>
                 <a:latin typeface="Calibri"/>
               </a:rPr>
-              <a:t>Q</a:t>
+              <a:t>T</a:t>
             </a:r>
           </a:p>
         </p:txBody>
@@ -7213,7 +7213,7 @@
                 </a:solidFill>
                 <a:latin typeface="Calibri"/>
               </a:rPr>
-              <a:t>Three-Layer Distributed Storage</a:t>
+              <a:t>TokiQR — Free, instant experience</a:t>
             </a:r>
           </a:p>
         </p:txBody>
@@ -7256,7 +7256,7 @@
                 </a:solidFill>
                 <a:latin typeface="Calibri"/>
               </a:rPr>
-              <a:t>Physical (quartz glass/laminate), National (National Diet Library legal deposit), Private (GitHub). Fully compliant with the 3-2-1 backup rule. Zero single points of failure.</a:t>
+              <a:t>Voice, face, and text in a QR code. Anyone can create one for free on their smartphone, with full three-layer distributed storage. Proprietary encoding (PCT patent in process).</a:t>
             </a:r>
           </a:p>
         </p:txBody>
@@ -7387,7 +7387,7 @@
                 </a:solidFill>
                 <a:latin typeface="Calibri"/>
               </a:rPr>
-              <a:t>U</a:t>
+              <a:t>Q</a:t>
             </a:r>
           </a:p>
         </p:txBody>
@@ -7430,7 +7430,7 @@
                 </a:solidFill>
                 <a:latin typeface="Calibri"/>
               </a:rPr>
-              <a:t>200+ use cases (organized by industry)</a:t>
+              <a:t>Three-Layer Distributed Storage</a:t>
             </a:r>
           </a:p>
         </p:txBody>
@@ -7473,7 +7473,7 @@
                 </a:solidFill>
                 <a:latin typeface="Calibri"/>
               </a:rPr>
-              <a:t>End-of-life, weddings, temples, schools, corporations, municipalities, NGOs, hotels, airlines. Ready for direct proposal integration.</a:t>
+              <a:t>Physical (quartz glass/laminate), National (National Diet Library legal deposit), Private (GitHub). 3-2-1 backup rule compliant. Zero single points of failure.</a:t>
             </a:r>
           </a:p>
         </p:txBody>
@@ -7604,7 +7604,7 @@
                 </a:solidFill>
                 <a:latin typeface="Calibri"/>
               </a:rPr>
-              <a:t>E</a:t>
+              <a:t>U</a:t>
             </a:r>
           </a:p>
         </p:txBody>
@@ -7647,7 +7647,7 @@
                 </a:solidFill>
                 <a:latin typeface="Calibri"/>
               </a:rPr>
-              <a:t>70+ philosophical essays (9 domains)</a:t>
+              <a:t>200+ use cases (organized by industry)</a:t>
             </a:r>
           </a:p>
         </p:txBody>
@@ -7690,7 +7690,7 @@
                 </a:solidFill>
                 <a:latin typeface="Calibri"/>
               </a:rPr>
-              <a:t>Proof of existence explored across psychology, religion, economics, AI, and space. Standalone intellectual content for client proposals.</a:t>
+              <a:t>End-of-life, weddings, temples, schools, corporations, municipalities, NGOs, hotels, airlines. Ready for direct proposal integration.</a:t>
             </a:r>
           </a:p>
         </p:txBody>
@@ -7864,7 +7864,7 @@
                 </a:solidFill>
                 <a:latin typeface="Calibri"/>
               </a:rPr>
-              <a:t>Pearl Soap + Ambassador network</a:t>
+              <a:t>Pearl Soap + Coach &amp; Ambassador network</a:t>
             </a:r>
           </a:p>
         </p:txBody>
@@ -7907,7 +7907,7 @@
                 </a:solidFill>
                 <a:latin typeface="Calibri"/>
               </a:rPr>
-              <a:t>A gift-economy practice and decentralized workshop network ready to scale nationwide. Direct end-user touchpoint.</a:t>
+              <a:t>A gift-economy practice with certified coaches and ambassadors running workshops nationwide. A decentralized movement.</a:t>
             </a:r>
           </a:p>
         </p:txBody>
@@ -10614,7 +10614,7 @@
                 </a:solidFill>
                 <a:latin typeface="Calibri"/>
               </a:rPr>
-              <a:t>Starting from ¥5,000 ($33) — an exceptionally low entry barrier for your proposals</a:t>
+              <a:t>TokiQR is free — zero entry barrier for your proposals</a:t>
             </a:r>
           </a:p>
         </p:txBody>
@@ -10664,14 +10664,57 @@
       </p:sp>
       <p:sp>
         <p:nvSpPr>
-          <p:cNvPr id="5" name="Rectangle 4"/>
+          <p:cNvPr id="5" name="TextBox 4"/>
+          <p:cNvSpPr txBox="1"/>
+          <p:nvPr/>
+        </p:nvSpPr>
+        <p:spPr>
+          <a:xfrm>
+            <a:off x="457200" y="1005840"/>
+            <a:ext cx="3657600" cy="228600"/>
+          </a:xfrm>
+          <a:prstGeom prst="rect">
+            <a:avLst/>
+          </a:prstGeom>
+          <a:noFill/>
+        </p:spPr>
+        <p:txBody>
+          <a:bodyPr wrap="square"/>
+          <a:lstStyle/>
+          <a:p>
+            <a:pPr algn="l">
+              <a:lnSpc>
+                <a:spcPct val="135000"/>
+              </a:lnSpc>
+              <a:spcBef>
+                <a:spcPts val="0"/>
+              </a:spcBef>
+              <a:spcAft>
+                <a:spcPts val="0"/>
+              </a:spcAft>
+            </a:pPr>
+            <a:r>
+              <a:rPr sz="1000" b="1">
+                <a:solidFill>
+                  <a:srgbClr val="475569"/>
+                </a:solidFill>
+                <a:latin typeface="Calibri"/>
+              </a:rPr>
+              <a:t>Self-Service Products</a:t>
+            </a:r>
+          </a:p>
+        </p:txBody>
+      </p:sp>
+      <p:sp>
+        <p:nvSpPr>
+          <p:cNvPr id="6" name="Rectangle 5"/>
           <p:cNvSpPr/>
           <p:nvPr/>
         </p:nvSpPr>
         <p:spPr>
           <a:xfrm>
-            <a:off x="457200" y="1051560"/>
-            <a:ext cx="3931920" cy="1783080"/>
+            <a:off x="457200" y="1280160"/>
+            <a:ext cx="2606040" cy="1325880"/>
           </a:xfrm>
           <a:prstGeom prst="rect">
             <a:avLst/>
@@ -10709,14 +10752,14 @@
       </p:sp>
       <p:sp>
         <p:nvSpPr>
-          <p:cNvPr id="6" name="TextBox 5"/>
-          <p:cNvSpPr txBox="1"/>
-          <p:nvPr/>
-        </p:nvSpPr>
-        <p:spPr>
-          <a:xfrm>
-            <a:off x="594360" y="1143000"/>
-            <a:ext cx="3657600" cy="274320"/>
+          <p:cNvPr id="7" name="TextBox 6"/>
+          <p:cNvSpPr txBox="1"/>
+          <p:nvPr/>
+        </p:nvSpPr>
+        <p:spPr>
+          <a:xfrm>
+            <a:off x="566928" y="1353312"/>
+            <a:ext cx="2386584" cy="228600"/>
           </a:xfrm>
           <a:prstGeom prst="rect">
             <a:avLst/>
@@ -10739,27 +10782,27 @@
               </a:spcAft>
             </a:pPr>
             <a:r>
-              <a:rPr sz="1200" b="1">
+              <a:rPr sz="1100" b="1">
                 <a:solidFill>
                   <a:srgbClr val="1E293B"/>
                 </a:solidFill>
                 <a:latin typeface="Calibri"/>
               </a:rPr>
-              <a:t>Trial Plan</a:t>
-            </a:r>
-          </a:p>
-        </p:txBody>
-      </p:sp>
-      <p:sp>
-        <p:nvSpPr>
-          <p:cNvPr id="7" name="TextBox 6"/>
-          <p:cNvSpPr txBox="1"/>
-          <p:nvPr/>
-        </p:nvSpPr>
-        <p:spPr>
-          <a:xfrm>
-            <a:off x="594360" y="1435608"/>
-            <a:ext cx="3657600" cy="320040"/>
+              <a:t>TokiQR</a:t>
+            </a:r>
+          </a:p>
+        </p:txBody>
+      </p:sp>
+      <p:sp>
+        <p:nvSpPr>
+          <p:cNvPr id="8" name="TextBox 7"/>
+          <p:cNvSpPr txBox="1"/>
+          <p:nvPr/>
+        </p:nvSpPr>
+        <p:spPr>
+          <a:xfrm>
+            <a:off x="566928" y="1581912"/>
+            <a:ext cx="2386584" cy="274320"/>
           </a:xfrm>
           <a:prstGeom prst="rect">
             <a:avLst/>
@@ -10782,27 +10825,27 @@
               </a:spcAft>
             </a:pPr>
             <a:r>
-              <a:rPr sz="1400" b="1">
+              <a:rPr sz="1300" b="1">
                 <a:solidFill>
                   <a:srgbClr val="2563EB"/>
                 </a:solidFill>
                 <a:latin typeface="Calibri"/>
               </a:rPr>
-              <a:t>¥5,000 ($33)</a:t>
-            </a:r>
-          </a:p>
-        </p:txBody>
-      </p:sp>
-      <p:sp>
-        <p:nvSpPr>
-          <p:cNvPr id="8" name="TextBox 7"/>
-          <p:cNvSpPr txBox="1"/>
-          <p:nvPr/>
-        </p:nvSpPr>
-        <p:spPr>
-          <a:xfrm>
-            <a:off x="594360" y="1828800"/>
-            <a:ext cx="3657600" cy="914400"/>
+              <a:t>Free</a:t>
+            </a:r>
+          </a:p>
+        </p:txBody>
+      </p:sp>
+      <p:sp>
+        <p:nvSpPr>
+          <p:cNvPr id="9" name="TextBox 8"/>
+          <p:cNvSpPr txBox="1"/>
+          <p:nvPr/>
+        </p:nvSpPr>
+        <p:spPr>
+          <a:xfrm>
+            <a:off x="566928" y="1901952"/>
+            <a:ext cx="2386584" cy="612648"/>
           </a:xfrm>
           <a:prstGeom prst="rect">
             <a:avLst/>
@@ -10825,27 +10868,27 @@
               </a:spcAft>
             </a:pPr>
             <a:r>
-              <a:rPr sz="1000" b="0">
+              <a:rPr sz="900" b="0">
                 <a:solidFill>
                   <a:srgbClr val="475569"/>
                 </a:solidFill>
                 <a:latin typeface="Calibri"/>
               </a:rPr>
-              <a:t>Experience three-layer storage with A4 laminate. TokiQR → laminate + NDL deposit + GitHub.</a:t>
-            </a:r>
-          </a:p>
-        </p:txBody>
-      </p:sp>
-      <p:sp>
-        <p:nvSpPr>
-          <p:cNvPr id="9" name="Rectangle 8"/>
+              <a:t>Voice, face, and text in a QR code. Create on any smartphone; NDL + GitHub three-layer storage.</a:t>
+            </a:r>
+          </a:p>
+        </p:txBody>
+      </p:sp>
+      <p:sp>
+        <p:nvSpPr>
+          <p:cNvPr id="10" name="Rectangle 9"/>
           <p:cNvSpPr/>
           <p:nvPr/>
         </p:nvSpPr>
         <p:spPr>
           <a:xfrm>
-            <a:off x="4617720" y="1051560"/>
-            <a:ext cx="3931920" cy="1783080"/>
+            <a:off x="3273552" y="1280160"/>
+            <a:ext cx="2606040" cy="1325880"/>
           </a:xfrm>
           <a:prstGeom prst="rect">
             <a:avLst/>
@@ -10883,14 +10926,14 @@
       </p:sp>
       <p:sp>
         <p:nvSpPr>
-          <p:cNvPr id="10" name="TextBox 9"/>
-          <p:cNvSpPr txBox="1"/>
-          <p:nvPr/>
-        </p:nvSpPr>
-        <p:spPr>
-          <a:xfrm>
-            <a:off x="4754880" y="1143000"/>
-            <a:ext cx="3657600" cy="274320"/>
+          <p:cNvPr id="11" name="TextBox 10"/>
+          <p:cNvSpPr txBox="1"/>
+          <p:nvPr/>
+        </p:nvSpPr>
+        <p:spPr>
+          <a:xfrm>
+            <a:off x="3383280" y="1353312"/>
+            <a:ext cx="2386584" cy="228600"/>
           </a:xfrm>
           <a:prstGeom prst="rect">
             <a:avLst/>
@@ -10913,27 +10956,27 @@
               </a:spcAft>
             </a:pPr>
             <a:r>
-              <a:rPr sz="1200" b="1">
+              <a:rPr sz="1100" b="1">
                 <a:solidFill>
                   <a:srgbClr val="1E293B"/>
                 </a:solidFill>
                 <a:latin typeface="Calibri"/>
               </a:rPr>
-              <a:t>Individual Plan</a:t>
-            </a:r>
-          </a:p>
-        </p:txBody>
-      </p:sp>
-      <p:sp>
-        <p:nvSpPr>
-          <p:cNvPr id="11" name="TextBox 10"/>
-          <p:cNvSpPr txBox="1"/>
-          <p:nvPr/>
-        </p:nvSpPr>
-        <p:spPr>
-          <a:xfrm>
-            <a:off x="4754880" y="1435608"/>
-            <a:ext cx="3657600" cy="320040"/>
+              <a:t>UV Laminate QR</a:t>
+            </a:r>
+          </a:p>
+        </p:txBody>
+      </p:sp>
+      <p:sp>
+        <p:nvSpPr>
+          <p:cNvPr id="12" name="TextBox 11"/>
+          <p:cNvSpPr txBox="1"/>
+          <p:nvPr/>
+        </p:nvSpPr>
+        <p:spPr>
+          <a:xfrm>
+            <a:off x="3383280" y="1581912"/>
+            <a:ext cx="2386584" cy="274320"/>
           </a:xfrm>
           <a:prstGeom prst="rect">
             <a:avLst/>
@@ -10956,27 +10999,27 @@
               </a:spcAft>
             </a:pPr>
             <a:r>
-              <a:rPr sz="1400" b="1">
+              <a:rPr sz="1300" b="1">
                 <a:solidFill>
                   <a:srgbClr val="2563EB"/>
                 </a:solidFill>
                 <a:latin typeface="Calibri"/>
               </a:rPr>
-              <a:t>¥50,000 ($330)</a:t>
-            </a:r>
-          </a:p>
-        </p:txBody>
-      </p:sp>
-      <p:sp>
-        <p:nvSpPr>
-          <p:cNvPr id="12" name="TextBox 11"/>
-          <p:cNvSpPr txBox="1"/>
-          <p:nvPr/>
-        </p:nvSpPr>
-        <p:spPr>
-          <a:xfrm>
-            <a:off x="4754880" y="1828800"/>
-            <a:ext cx="3657600" cy="914400"/>
+              <a:t>¥5,000 ($33)</a:t>
+            </a:r>
+          </a:p>
+        </p:txBody>
+      </p:sp>
+      <p:sp>
+        <p:nvSpPr>
+          <p:cNvPr id="13" name="TextBox 12"/>
+          <p:cNvSpPr txBox="1"/>
+          <p:nvPr/>
+        </p:nvSpPr>
+        <p:spPr>
+          <a:xfrm>
+            <a:off x="3383280" y="1901952"/>
+            <a:ext cx="2386584" cy="612648"/>
           </a:xfrm>
           <a:prstGeom prst="rect">
             <a:avLst/>
@@ -10999,27 +11042,27 @@
               </a:spcAft>
             </a:pPr>
             <a:r>
-              <a:rPr sz="1000" b="0">
+              <a:rPr sz="900" b="0">
                 <a:solidFill>
                   <a:srgbClr val="475569"/>
                 </a:solidFill>
                 <a:latin typeface="Calibri"/>
               </a:rPr>
-              <a:t>Inscribed on quartz glass. ¥50 per year. 1,000-year durability (theoretical).</a:t>
-            </a:r>
-          </a:p>
-        </p:txBody>
-      </p:sp>
-      <p:sp>
-        <p:nvSpPr>
-          <p:cNvPr id="13" name="Rectangle 12"/>
+              <a:t>Voice QR on A4 laminate. Weather-resistant, long-term preservation.</a:t>
+            </a:r>
+          </a:p>
+        </p:txBody>
+      </p:sp>
+      <p:sp>
+        <p:nvSpPr>
+          <p:cNvPr id="14" name="Rectangle 13"/>
           <p:cNvSpPr/>
           <p:nvPr/>
         </p:nvSpPr>
         <p:spPr>
           <a:xfrm>
-            <a:off x="457200" y="2971800"/>
-            <a:ext cx="3931920" cy="1783080"/>
+            <a:off x="6089904" y="1280160"/>
+            <a:ext cx="2606040" cy="1325880"/>
           </a:xfrm>
           <a:prstGeom prst="rect">
             <a:avLst/>
@@ -11057,14 +11100,14 @@
       </p:sp>
       <p:sp>
         <p:nvSpPr>
-          <p:cNvPr id="14" name="TextBox 13"/>
-          <p:cNvSpPr txBox="1"/>
-          <p:nvPr/>
-        </p:nvSpPr>
-        <p:spPr>
-          <a:xfrm>
-            <a:off x="594360" y="3063240"/>
-            <a:ext cx="3657600" cy="274320"/>
+          <p:cNvPr id="15" name="TextBox 14"/>
+          <p:cNvSpPr txBox="1"/>
+          <p:nvPr/>
+        </p:nvSpPr>
+        <p:spPr>
+          <a:xfrm>
+            <a:off x="6199632" y="1353312"/>
+            <a:ext cx="2386584" cy="228600"/>
           </a:xfrm>
           <a:prstGeom prst="rect">
             <a:avLst/>
@@ -11087,12 +11130,229 @@
               </a:spcAft>
             </a:pPr>
             <a:r>
-              <a:rPr sz="1200" b="1">
+              <a:rPr sz="1100" b="1">
                 <a:solidFill>
                   <a:srgbClr val="1E293B"/>
                 </a:solidFill>
                 <a:latin typeface="Calibri"/>
               </a:rPr>
+              <a:t>Quartz Glass QR</a:t>
+            </a:r>
+          </a:p>
+        </p:txBody>
+      </p:sp>
+      <p:sp>
+        <p:nvSpPr>
+          <p:cNvPr id="16" name="TextBox 15"/>
+          <p:cNvSpPr txBox="1"/>
+          <p:nvPr/>
+        </p:nvSpPr>
+        <p:spPr>
+          <a:xfrm>
+            <a:off x="6199632" y="1581912"/>
+            <a:ext cx="2386584" cy="274320"/>
+          </a:xfrm>
+          <a:prstGeom prst="rect">
+            <a:avLst/>
+          </a:prstGeom>
+          <a:noFill/>
+        </p:spPr>
+        <p:txBody>
+          <a:bodyPr wrap="square"/>
+          <a:lstStyle/>
+          <a:p>
+            <a:pPr algn="l">
+              <a:lnSpc>
+                <a:spcPct val="135000"/>
+              </a:lnSpc>
+              <a:spcBef>
+                <a:spcPts val="0"/>
+              </a:spcBef>
+              <a:spcAft>
+                <a:spcPts val="0"/>
+              </a:spcAft>
+            </a:pPr>
+            <a:r>
+              <a:rPr sz="1300" b="1">
+                <a:solidFill>
+                  <a:srgbClr val="2563EB"/>
+                </a:solidFill>
+                <a:latin typeface="Calibri"/>
+              </a:rPr>
+              <a:t>¥50,000 ($330)</a:t>
+            </a:r>
+          </a:p>
+        </p:txBody>
+      </p:sp>
+      <p:sp>
+        <p:nvSpPr>
+          <p:cNvPr id="17" name="TextBox 16"/>
+          <p:cNvSpPr txBox="1"/>
+          <p:nvPr/>
+        </p:nvSpPr>
+        <p:spPr>
+          <a:xfrm>
+            <a:off x="6199632" y="1901952"/>
+            <a:ext cx="2386584" cy="612648"/>
+          </a:xfrm>
+          <a:prstGeom prst="rect">
+            <a:avLst/>
+          </a:prstGeom>
+          <a:noFill/>
+        </p:spPr>
+        <p:txBody>
+          <a:bodyPr wrap="square"/>
+          <a:lstStyle/>
+          <a:p>
+            <a:pPr algn="l">
+              <a:lnSpc>
+                <a:spcPct val="135000"/>
+              </a:lnSpc>
+              <a:spcBef>
+                <a:spcPts val="0"/>
+              </a:spcBef>
+              <a:spcAft>
+                <a:spcPts val="0"/>
+              </a:spcAft>
+            </a:pPr>
+            <a:r>
+              <a:rPr sz="900" b="0">
+                <a:solidFill>
+                  <a:srgbClr val="475569"/>
+                </a:solidFill>
+                <a:latin typeface="Calibri"/>
+              </a:rPr>
+              <a:t>Inscribed on quartz glass. ¥50/year. 1,000-year durability (theoretical).</a:t>
+            </a:r>
+          </a:p>
+        </p:txBody>
+      </p:sp>
+      <p:sp>
+        <p:nvSpPr>
+          <p:cNvPr id="18" name="TextBox 17"/>
+          <p:cNvSpPr txBox="1"/>
+          <p:nvPr/>
+        </p:nvSpPr>
+        <p:spPr>
+          <a:xfrm>
+            <a:off x="457200" y="2788920"/>
+            <a:ext cx="3657600" cy="228600"/>
+          </a:xfrm>
+          <a:prstGeom prst="rect">
+            <a:avLst/>
+          </a:prstGeom>
+          <a:noFill/>
+        </p:spPr>
+        <p:txBody>
+          <a:bodyPr wrap="square"/>
+          <a:lstStyle/>
+          <a:p>
+            <a:pPr algn="l">
+              <a:lnSpc>
+                <a:spcPct val="135000"/>
+              </a:lnSpc>
+              <a:spcBef>
+                <a:spcPts val="0"/>
+              </a:spcBef>
+              <a:spcAft>
+                <a:spcPts val="0"/>
+              </a:spcAft>
+            </a:pPr>
+            <a:r>
+              <a:rPr sz="1000" b="1">
+                <a:solidFill>
+                  <a:srgbClr val="475569"/>
+                </a:solidFill>
+                <a:latin typeface="Calibri"/>
+              </a:rPr>
+              <a:t>Timeless Consulting</a:t>
+            </a:r>
+          </a:p>
+        </p:txBody>
+      </p:sp>
+      <p:sp>
+        <p:nvSpPr>
+          <p:cNvPr id="19" name="Rectangle 18"/>
+          <p:cNvSpPr/>
+          <p:nvPr/>
+        </p:nvSpPr>
+        <p:spPr>
+          <a:xfrm>
+            <a:off x="457200" y="3108960"/>
+            <a:ext cx="3931920" cy="1097280"/>
+          </a:xfrm>
+          <a:prstGeom prst="rect">
+            <a:avLst/>
+          </a:prstGeom>
+          <a:solidFill>
+            <a:srgbClr val="FFFFFF"/>
+          </a:solidFill>
+          <a:ln w="9525">
+            <a:solidFill>
+              <a:srgbClr val="C9A962"/>
+            </a:solidFill>
+          </a:ln>
+        </p:spPr>
+        <p:style>
+          <a:lnRef idx="1">
+            <a:schemeClr val="accent1"/>
+          </a:lnRef>
+          <a:fillRef idx="3">
+            <a:schemeClr val="accent1"/>
+          </a:fillRef>
+          <a:effectRef idx="2">
+            <a:schemeClr val="accent1"/>
+          </a:effectRef>
+          <a:fontRef idx="minor">
+            <a:schemeClr val="lt1"/>
+          </a:fontRef>
+        </p:style>
+        <p:txBody>
+          <a:bodyPr rtlCol="0" anchor="ctr"/>
+          <a:lstStyle/>
+          <a:p>
+            <a:pPr algn="ctr"/>
+          </a:p>
+        </p:txBody>
+      </p:sp>
+      <p:sp>
+        <p:nvSpPr>
+          <p:cNvPr id="20" name="TextBox 19"/>
+          <p:cNvSpPr txBox="1"/>
+          <p:nvPr/>
+        </p:nvSpPr>
+        <p:spPr>
+          <a:xfrm>
+            <a:off x="566928" y="3182112"/>
+            <a:ext cx="3712464" cy="228600"/>
+          </a:xfrm>
+          <a:prstGeom prst="rect">
+            <a:avLst/>
+          </a:prstGeom>
+          <a:noFill/>
+        </p:spPr>
+        <p:txBody>
+          <a:bodyPr wrap="square"/>
+          <a:lstStyle/>
+          <a:p>
+            <a:pPr algn="l">
+              <a:lnSpc>
+                <a:spcPct val="135000"/>
+              </a:lnSpc>
+              <a:spcBef>
+                <a:spcPts val="0"/>
+              </a:spcBef>
+              <a:spcAft>
+                <a:spcPts val="0"/>
+              </a:spcAft>
+            </a:pPr>
+            <a:r>
+              <a:rPr sz="1100" b="1">
+                <a:solidFill>
+                  <a:srgbClr val="1E293B"/>
+                </a:solidFill>
+                <a:latin typeface="Calibri"/>
+              </a:rPr>
               <a:t>Three-Generation</a:t>
             </a:r>
           </a:p>
@@ -11100,14 +11360,14 @@
       </p:sp>
       <p:sp>
         <p:nvSpPr>
-          <p:cNvPr id="15" name="TextBox 14"/>
-          <p:cNvSpPr txBox="1"/>
-          <p:nvPr/>
-        </p:nvSpPr>
-        <p:spPr>
-          <a:xfrm>
-            <a:off x="594360" y="3355848"/>
-            <a:ext cx="3657600" cy="320040"/>
+          <p:cNvPr id="21" name="TextBox 20"/>
+          <p:cNvSpPr txBox="1"/>
+          <p:nvPr/>
+        </p:nvSpPr>
+        <p:spPr>
+          <a:xfrm>
+            <a:off x="566928" y="3410712"/>
+            <a:ext cx="3712464" cy="274320"/>
           </a:xfrm>
           <a:prstGeom prst="rect">
             <a:avLst/>
@@ -11130,9 +11390,9 @@
               </a:spcAft>
             </a:pPr>
             <a:r>
-              <a:rPr sz="1400" b="1">
-                <a:solidFill>
-                  <a:srgbClr val="2563EB"/>
+              <a:rPr sz="1300" b="1">
+                <a:solidFill>
+                  <a:srgbClr val="C9A962"/>
                 </a:solidFill>
                 <a:latin typeface="Calibri"/>
               </a:rPr>
@@ -11143,14 +11403,14 @@
       </p:sp>
       <p:sp>
         <p:nvSpPr>
-          <p:cNvPr id="16" name="TextBox 15"/>
-          <p:cNvSpPr txBox="1"/>
-          <p:nvPr/>
-        </p:nvSpPr>
-        <p:spPr>
-          <a:xfrm>
-            <a:off x="594360" y="3749040"/>
-            <a:ext cx="3657600" cy="914400"/>
+          <p:cNvPr id="22" name="TextBox 21"/>
+          <p:cNvSpPr txBox="1"/>
+          <p:nvPr/>
+        </p:nvSpPr>
+        <p:spPr>
+          <a:xfrm>
+            <a:off x="566928" y="3703320"/>
+            <a:ext cx="3712464" cy="411480"/>
           </a:xfrm>
           <a:prstGeom prst="rect">
             <a:avLst/>
@@ -11173,7 +11433,7 @@
               </a:spcAft>
             </a:pPr>
             <a:r>
-              <a:rPr sz="1000" b="0">
+              <a:rPr sz="900" b="0">
                 <a:solidFill>
                   <a:srgbClr val="475569"/>
                 </a:solidFill>
@@ -11186,14 +11446,14 @@
       </p:sp>
       <p:sp>
         <p:nvSpPr>
-          <p:cNvPr id="17" name="Rectangle 16"/>
+          <p:cNvPr id="23" name="Rectangle 22"/>
           <p:cNvSpPr/>
           <p:nvPr/>
         </p:nvSpPr>
         <p:spPr>
           <a:xfrm>
-            <a:off x="4617720" y="2971800"/>
-            <a:ext cx="3931920" cy="1783080"/>
+            <a:off x="4617720" y="3108960"/>
+            <a:ext cx="3931920" cy="1097280"/>
           </a:xfrm>
           <a:prstGeom prst="rect">
             <a:avLst/>
@@ -11231,14 +11491,14 @@
       </p:sp>
       <p:sp>
         <p:nvSpPr>
-          <p:cNvPr id="18" name="TextBox 17"/>
-          <p:cNvSpPr txBox="1"/>
-          <p:nvPr/>
-        </p:nvSpPr>
-        <p:spPr>
-          <a:xfrm>
-            <a:off x="4754880" y="3063240"/>
-            <a:ext cx="3657600" cy="274320"/>
+          <p:cNvPr id="24" name="TextBox 23"/>
+          <p:cNvSpPr txBox="1"/>
+          <p:nvPr/>
+        </p:nvSpPr>
+        <p:spPr>
+          <a:xfrm>
+            <a:off x="4727448" y="3182112"/>
+            <a:ext cx="3712464" cy="228600"/>
           </a:xfrm>
           <a:prstGeom prst="rect">
             <a:avLst/>
@@ -11261,27 +11521,27 @@
               </a:spcAft>
             </a:pPr>
             <a:r>
-              <a:rPr sz="1200" b="1">
+              <a:rPr sz="1100" b="1">
                 <a:solidFill>
                   <a:srgbClr val="1E293B"/>
                 </a:solidFill>
                 <a:latin typeface="Calibri"/>
               </a:rPr>
-              <a:t>Voice Memorial</a:t>
-            </a:r>
-          </a:p>
-        </p:txBody>
-      </p:sp>
-      <p:sp>
-        <p:nvSpPr>
-          <p:cNvPr id="19" name="TextBox 18"/>
-          <p:cNvSpPr txBox="1"/>
-          <p:nvPr/>
-        </p:nvSpPr>
-        <p:spPr>
-          <a:xfrm>
-            <a:off x="4754880" y="3355848"/>
-            <a:ext cx="3657600" cy="320040"/>
+              <a:t>Timeless Transformation</a:t>
+            </a:r>
+          </a:p>
+        </p:txBody>
+      </p:sp>
+      <p:sp>
+        <p:nvSpPr>
+          <p:cNvPr id="25" name="TextBox 24"/>
+          <p:cNvSpPr txBox="1"/>
+          <p:nvPr/>
+        </p:nvSpPr>
+        <p:spPr>
+          <a:xfrm>
+            <a:off x="4727448" y="3410712"/>
+            <a:ext cx="3712464" cy="274320"/>
           </a:xfrm>
           <a:prstGeom prst="rect">
             <a:avLst/>
@@ -11304,9 +11564,9 @@
               </a:spcAft>
             </a:pPr>
             <a:r>
-              <a:rPr sz="1400" b="1">
-                <a:solidFill>
-                  <a:srgbClr val="2563EB"/>
+              <a:rPr sz="1300" b="1">
+                <a:solidFill>
+                  <a:srgbClr val="C9A962"/>
                 </a:solidFill>
                 <a:latin typeface="Calibri"/>
               </a:rPr>
@@ -11317,14 +11577,14 @@
       </p:sp>
       <p:sp>
         <p:nvSpPr>
-          <p:cNvPr id="20" name="TextBox 19"/>
-          <p:cNvSpPr txBox="1"/>
-          <p:nvPr/>
-        </p:nvSpPr>
-        <p:spPr>
-          <a:xfrm>
-            <a:off x="4754880" y="3749040"/>
-            <a:ext cx="3657600" cy="914400"/>
+          <p:cNvPr id="26" name="TextBox 25"/>
+          <p:cNvSpPr txBox="1"/>
+          <p:nvPr/>
+        </p:nvSpPr>
+        <p:spPr>
+          <a:xfrm>
+            <a:off x="4727448" y="3703320"/>
+            <a:ext cx="3712464" cy="411480"/>
           </a:xfrm>
           <a:prstGeom prst="rect">
             <a:avLst/>
@@ -11347,7 +11607,7 @@
               </a:spcAft>
             </a:pPr>
             <a:r>
-              <a:rPr sz="1000" b="0">
+              <a:rPr sz="900" b="0">
                 <a:solidFill>
                   <a:srgbClr val="475569"/>
                 </a:solidFill>
@@ -11360,7 +11620,7 @@
       </p:sp>
       <p:sp>
         <p:nvSpPr>
-          <p:cNvPr id="21" name="Rectangle 20"/>
+          <p:cNvPr id="27" name="Rectangle 26"/>
           <p:cNvSpPr/>
           <p:nvPr/>
         </p:nvSpPr>
@@ -11403,7 +11663,7 @@
       </p:sp>
       <p:sp>
         <p:nvSpPr>
-          <p:cNvPr id="22" name="TextBox 21"/>
+          <p:cNvPr id="28" name="TextBox 27"/>
           <p:cNvSpPr txBox="1"/>
           <p:nvPr/>
         </p:nvSpPr>
@@ -11446,7 +11706,7 @@
       </p:sp>
       <p:sp>
         <p:nvSpPr>
-          <p:cNvPr id="23" name="TextBox 22"/>
+          <p:cNvPr id="29" name="TextBox 28"/>
           <p:cNvSpPr txBox="1"/>
           <p:nvPr/>
         </p:nvSpPr>
@@ -11489,7 +11749,7 @@
       </p:sp>
       <p:sp>
         <p:nvSpPr>
-          <p:cNvPr id="24" name="TextBox 23"/>
+          <p:cNvPr id="30" name="TextBox 29"/>
           <p:cNvSpPr txBox="1"/>
           <p:nvPr/>
         </p:nvSpPr>
@@ -12728,7 +12988,7 @@
                 </a:solidFill>
                 <a:latin typeface="Calibri"/>
               </a:rPr>
-              <a:t>Three major AI platforms and cultural institutions have independently validated us</a:t>
+              <a:t>Four major AI platforms and cultural institutions have independently validated us</a:t>
             </a:r>
           </a:p>
         </p:txBody>
@@ -12785,7 +13045,7 @@
         <p:spPr>
           <a:xfrm>
             <a:off x="457200" y="1051560"/>
-            <a:ext cx="2606040" cy="2011680"/>
+            <a:ext cx="3931920" cy="1234440"/>
           </a:xfrm>
           <a:prstGeom prst="rect">
             <a:avLst/>
@@ -12829,8 +13089,8 @@
         </p:nvSpPr>
         <p:spPr>
           <a:xfrm>
-            <a:off x="594360" y="1143000"/>
-            <a:ext cx="2331720" cy="228600"/>
+            <a:off x="594360" y="1124712"/>
+            <a:ext cx="3657600" cy="201168"/>
           </a:xfrm>
           <a:prstGeom prst="rect">
             <a:avLst/>
@@ -12872,8 +13132,8 @@
         </p:nvSpPr>
         <p:spPr>
           <a:xfrm>
-            <a:off x="594360" y="1417320"/>
-            <a:ext cx="2331720" cy="274320"/>
+            <a:off x="594360" y="1344168"/>
+            <a:ext cx="3657600" cy="228600"/>
           </a:xfrm>
           <a:prstGeom prst="rect">
             <a:avLst/>
@@ -12915,8 +13175,8 @@
         </p:nvSpPr>
         <p:spPr>
           <a:xfrm>
-            <a:off x="594360" y="1737360"/>
-            <a:ext cx="2331720" cy="1234440"/>
+            <a:off x="594360" y="1600200"/>
+            <a:ext cx="3657600" cy="594360"/>
           </a:xfrm>
           <a:prstGeom prst="rect">
             <a:avLst/>
@@ -12958,8 +13218,8 @@
         </p:nvSpPr>
         <p:spPr>
           <a:xfrm>
-            <a:off x="3273552" y="1051560"/>
-            <a:ext cx="2606040" cy="2011680"/>
+            <a:off x="4617720" y="1051560"/>
+            <a:ext cx="3931920" cy="1234440"/>
           </a:xfrm>
           <a:prstGeom prst="rect">
             <a:avLst/>
@@ -13003,8 +13263,8 @@
         </p:nvSpPr>
         <p:spPr>
           <a:xfrm>
-            <a:off x="3410712" y="1143000"/>
-            <a:ext cx="2331720" cy="228600"/>
+            <a:off x="4754880" y="1124712"/>
+            <a:ext cx="3657600" cy="201168"/>
           </a:xfrm>
           <a:prstGeom prst="rect">
             <a:avLst/>
@@ -13046,8 +13306,8 @@
         </p:nvSpPr>
         <p:spPr>
           <a:xfrm>
-            <a:off x="3410712" y="1417320"/>
-            <a:ext cx="2331720" cy="274320"/>
+            <a:off x="4754880" y="1344168"/>
+            <a:ext cx="3657600" cy="228600"/>
           </a:xfrm>
           <a:prstGeom prst="rect">
             <a:avLst/>
@@ -13076,7 +13336,7 @@
                 </a:solidFill>
                 <a:latin typeface="Calibri"/>
               </a:rPr>
-              <a:t>Institutional Design</a:t>
+              <a:t>The only option</a:t>
             </a:r>
           </a:p>
         </p:txBody>
@@ -13089,8 +13349,8 @@
         </p:nvSpPr>
         <p:spPr>
           <a:xfrm>
-            <a:off x="3410712" y="1737360"/>
-            <a:ext cx="2331720" cy="1234440"/>
+            <a:off x="4754880" y="1600200"/>
+            <a:ext cx="3657600" cy="594360"/>
           </a:xfrm>
           <a:prstGeom prst="rect">
             <a:avLst/>
@@ -13119,7 +13379,7 @@
                 </a:solidFill>
                 <a:latin typeface="Calibri"/>
               </a:rPr>
-              <a:t>"A sophisticated design that leverages the architecture of legal systems"</a:t>
+              <a:t>"Built 'eternity' not as a fantasy, but with a realistic budget and solid logic"</a:t>
             </a:r>
           </a:p>
         </p:txBody>
@@ -13132,8 +13392,8 @@
         </p:nvSpPr>
         <p:spPr>
           <a:xfrm>
-            <a:off x="6089904" y="1051560"/>
-            <a:ext cx="2606040" cy="2011680"/>
+            <a:off x="457200" y="2395728"/>
+            <a:ext cx="3931920" cy="1234440"/>
           </a:xfrm>
           <a:prstGeom prst="rect">
             <a:avLst/>
@@ -13177,8 +13437,8 @@
         </p:nvSpPr>
         <p:spPr>
           <a:xfrm>
-            <a:off x="6227064" y="1143000"/>
-            <a:ext cx="2331720" cy="228600"/>
+            <a:off x="594360" y="2468880"/>
+            <a:ext cx="3657600" cy="201168"/>
           </a:xfrm>
           <a:prstGeom prst="rect">
             <a:avLst/>
@@ -13220,8 +13480,8 @@
         </p:nvSpPr>
         <p:spPr>
           <a:xfrm>
-            <a:off x="6227064" y="1417320"/>
-            <a:ext cx="2331720" cy="274320"/>
+            <a:off x="594360" y="2688336"/>
+            <a:ext cx="3657600" cy="228600"/>
           </a:xfrm>
           <a:prstGeom prst="rect">
             <a:avLst/>
@@ -13250,7 +13510,7 @@
                 </a:solidFill>
                 <a:latin typeface="Calibri"/>
               </a:rPr>
-              <a:t>Cost Performance</a:t>
+              <a:t>New standard</a:t>
             </a:r>
           </a:p>
         </p:txBody>
@@ -13263,8 +13523,8 @@
         </p:nvSpPr>
         <p:spPr>
           <a:xfrm>
-            <a:off x="6227064" y="1737360"/>
-            <a:ext cx="2331720" cy="1234440"/>
+            <a:off x="594360" y="2944368"/>
+            <a:ext cx="3657600" cy="594360"/>
           </a:xfrm>
           <a:prstGeom prst="rect">
             <a:avLst/>
@@ -13293,7 +13553,7 @@
                 </a:solidFill>
                 <a:latin typeface="Calibri"/>
               </a:rPr>
-              <a:t>"An annual cost of ¥50 is extraordinary value"</a:t>
+              <a:t>"Technical foundation, social significance, and cost performance all merit the highest evaluation"</a:t>
             </a:r>
           </a:p>
         </p:txBody>
@@ -13306,8 +13566,182 @@
         </p:nvSpPr>
         <p:spPr>
           <a:xfrm>
-            <a:off x="457200" y="3246120"/>
-            <a:ext cx="7863840" cy="640080"/>
+            <a:off x="4617720" y="2395728"/>
+            <a:ext cx="3931920" cy="1234440"/>
+          </a:xfrm>
+          <a:prstGeom prst="rect">
+            <a:avLst/>
+          </a:prstGeom>
+          <a:solidFill>
+            <a:srgbClr val="FFFFFF"/>
+          </a:solidFill>
+          <a:ln w="9525">
+            <a:solidFill>
+              <a:srgbClr val="E2E8F0"/>
+            </a:solidFill>
+          </a:ln>
+        </p:spPr>
+        <p:style>
+          <a:lnRef idx="1">
+            <a:schemeClr val="accent1"/>
+          </a:lnRef>
+          <a:fillRef idx="3">
+            <a:schemeClr val="accent1"/>
+          </a:fillRef>
+          <a:effectRef idx="2">
+            <a:schemeClr val="accent1"/>
+          </a:effectRef>
+          <a:fontRef idx="minor">
+            <a:schemeClr val="lt1"/>
+          </a:fontRef>
+        </p:style>
+        <p:txBody>
+          <a:bodyPr rtlCol="0" anchor="ctr"/>
+          <a:lstStyle/>
+          <a:p>
+            <a:pPr algn="ctr"/>
+          </a:p>
+        </p:txBody>
+      </p:sp>
+      <p:sp>
+        <p:nvSpPr>
+          <p:cNvPr id="18" name="TextBox 17"/>
+          <p:cNvSpPr txBox="1"/>
+          <p:nvPr/>
+        </p:nvSpPr>
+        <p:spPr>
+          <a:xfrm>
+            <a:off x="4754880" y="2468880"/>
+            <a:ext cx="3657600" cy="201168"/>
+          </a:xfrm>
+          <a:prstGeom prst="rect">
+            <a:avLst/>
+          </a:prstGeom>
+          <a:noFill/>
+        </p:spPr>
+        <p:txBody>
+          <a:bodyPr wrap="square"/>
+          <a:lstStyle/>
+          <a:p>
+            <a:pPr algn="l">
+              <a:lnSpc>
+                <a:spcPct val="135000"/>
+              </a:lnSpc>
+              <a:spcBef>
+                <a:spcPts val="0"/>
+              </a:spcBef>
+              <a:spcAft>
+                <a:spcPts val="0"/>
+              </a:spcAft>
+            </a:pPr>
+            <a:r>
+              <a:rPr sz="900" b="1">
+                <a:solidFill>
+                  <a:srgbClr val="2563EB"/>
+                </a:solidFill>
+                <a:latin typeface="Calibri"/>
+              </a:rPr>
+              <a:t>Grok / xAI</a:t>
+            </a:r>
+          </a:p>
+        </p:txBody>
+      </p:sp>
+      <p:sp>
+        <p:nvSpPr>
+          <p:cNvPr id="19" name="TextBox 18"/>
+          <p:cNvSpPr txBox="1"/>
+          <p:nvPr/>
+        </p:nvSpPr>
+        <p:spPr>
+          <a:xfrm>
+            <a:off x="4754880" y="2688336"/>
+            <a:ext cx="3657600" cy="228600"/>
+          </a:xfrm>
+          <a:prstGeom prst="rect">
+            <a:avLst/>
+          </a:prstGeom>
+          <a:noFill/>
+        </p:spPr>
+        <p:txBody>
+          <a:bodyPr wrap="square"/>
+          <a:lstStyle/>
+          <a:p>
+            <a:pPr algn="l">
+              <a:lnSpc>
+                <a:spcPct val="135000"/>
+              </a:lnSpc>
+              <a:spcBef>
+                <a:spcPts val="0"/>
+              </a:spcBef>
+              <a:spcAft>
+                <a:spcPts val="0"/>
+              </a:spcAft>
+            </a:pPr>
+            <a:r>
+              <a:rPr sz="1100" b="1">
+                <a:solidFill>
+                  <a:srgbClr val="1E293B"/>
+                </a:solidFill>
+                <a:latin typeface="Calibri"/>
+              </a:rPr>
+              <a:t>Top 0.001%</a:t>
+            </a:r>
+          </a:p>
+        </p:txBody>
+      </p:sp>
+      <p:sp>
+        <p:nvSpPr>
+          <p:cNvPr id="20" name="TextBox 19"/>
+          <p:cNvSpPr txBox="1"/>
+          <p:nvPr/>
+        </p:nvSpPr>
+        <p:spPr>
+          <a:xfrm>
+            <a:off x="4754880" y="2944368"/>
+            <a:ext cx="3657600" cy="594360"/>
+          </a:xfrm>
+          <a:prstGeom prst="rect">
+            <a:avLst/>
+          </a:prstGeom>
+          <a:noFill/>
+        </p:spPr>
+        <p:txBody>
+          <a:bodyPr wrap="square"/>
+          <a:lstStyle/>
+          <a:p>
+            <a:pPr algn="l">
+              <a:lnSpc>
+                <a:spcPct val="135000"/>
+              </a:lnSpc>
+              <a:spcBef>
+                <a:spcPts val="0"/>
+              </a:spcBef>
+              <a:spcAft>
+                <a:spcPts val="0"/>
+              </a:spcAft>
+            </a:pPr>
+            <a:r>
+              <a:rPr sz="1000" b="0">
+                <a:solidFill>
+                  <a:srgbClr val="475569"/>
+                </a:solidFill>
+                <a:latin typeface="Calibri"/>
+              </a:rPr>
+              <a:t>"Genuinely capable of changing how humanity preserves memory"</a:t>
+            </a:r>
+          </a:p>
+        </p:txBody>
+      </p:sp>
+      <p:sp>
+        <p:nvSpPr>
+          <p:cNvPr id="21" name="Rectangle 20"/>
+          <p:cNvSpPr/>
+          <p:nvPr/>
+        </p:nvSpPr>
+        <p:spPr>
+          <a:xfrm>
+            <a:off x="457200" y="3831336"/>
+            <a:ext cx="7863840" cy="548640"/>
           </a:xfrm>
           <a:prstGeom prst="rect">
             <a:avLst/>
@@ -13343,14 +13777,14 @@
       </p:sp>
       <p:sp>
         <p:nvSpPr>
-          <p:cNvPr id="18" name="Rectangle 17"/>
+          <p:cNvPr id="22" name="Rectangle 21"/>
           <p:cNvSpPr/>
           <p:nvPr/>
         </p:nvSpPr>
         <p:spPr>
           <a:xfrm>
-            <a:off x="457200" y="3246120"/>
-            <a:ext cx="54864" cy="640080"/>
+            <a:off x="457200" y="3831336"/>
+            <a:ext cx="54864" cy="548640"/>
           </a:xfrm>
           <a:prstGeom prst="rect">
             <a:avLst/>
@@ -13386,14 +13820,14 @@
       </p:sp>
       <p:sp>
         <p:nvSpPr>
-          <p:cNvPr id="19" name="TextBox 18"/>
-          <p:cNvSpPr txBox="1"/>
-          <p:nvPr/>
-        </p:nvSpPr>
-        <p:spPr>
-          <a:xfrm>
-            <a:off x="685800" y="3337560"/>
-            <a:ext cx="7543800" cy="457200"/>
+          <p:cNvPr id="23" name="TextBox 22"/>
+          <p:cNvSpPr txBox="1"/>
+          <p:nvPr/>
+        </p:nvSpPr>
+        <p:spPr>
+          <a:xfrm>
+            <a:off x="685800" y="3904488"/>
+            <a:ext cx="7543800" cy="402336"/>
           </a:xfrm>
           <a:prstGeom prst="rect">
             <a:avLst/>
@@ -13429,7 +13863,7 @@
       </p:sp>
       <p:sp>
         <p:nvSpPr>
-          <p:cNvPr id="20" name="Rectangle 19"/>
+          <p:cNvPr id="24" name="Rectangle 23"/>
           <p:cNvSpPr/>
           <p:nvPr/>
         </p:nvSpPr>
@@ -13472,7 +13906,7 @@
       </p:sp>
       <p:sp>
         <p:nvSpPr>
-          <p:cNvPr id="21" name="TextBox 20"/>
+          <p:cNvPr id="25" name="TextBox 24"/>
           <p:cNvSpPr txBox="1"/>
           <p:nvPr/>
         </p:nvSpPr>
@@ -13515,7 +13949,7 @@
       </p:sp>
       <p:sp>
         <p:nvSpPr>
-          <p:cNvPr id="22" name="TextBox 21"/>
+          <p:cNvPr id="26" name="TextBox 25"/>
           <p:cNvSpPr txBox="1"/>
           <p:nvPr/>
         </p:nvSpPr>
@@ -13558,7 +13992,7 @@
       </p:sp>
       <p:sp>
         <p:nvSpPr>
-          <p:cNvPr id="23" name="TextBox 22"/>
+          <p:cNvPr id="27" name="TextBox 26"/>
           <p:cNvSpPr txBox="1"/>
           <p:nvPr/>
         </p:nvSpPr>

--- a/tokistorage-partnership-deck-en.pptx
+++ b/tokistorage-partnership-deck-en.pptx
@@ -9810,7 +9810,7 @@
                 </a:solidFill>
                 <a:latin typeface="Calibri"/>
               </a:rPr>
-              <a:t>70+ essays + gift economy practice</a:t>
+              <a:t>100+ essays + gift economy practice</a:t>
             </a:r>
           </a:p>
         </p:txBody>
@@ -11267,7 +11267,7 @@
                 </a:solidFill>
                 <a:latin typeface="Calibri"/>
               </a:rPr>
-              <a:t>Voice Memorial</a:t>
+              <a:t>Timeless Transformation</a:t>
             </a:r>
           </a:p>
         </p:txBody>

--- a/tokistorage-partnership-deck-en.pptx
+++ b/tokistorage-partnership-deck-en.pptx
@@ -12728,7 +12728,7 @@
                 </a:solidFill>
                 <a:latin typeface="Calibri"/>
               </a:rPr>
-              <a:t>Three major AI platforms and cultural institutions have independently validated us</a:t>
+              <a:t>Four major AI platforms and cultural institutions have independently validated us</a:t>
             </a:r>
           </a:p>
         </p:txBody>
@@ -12785,7 +12785,7 @@
         <p:spPr>
           <a:xfrm>
             <a:off x="457200" y="1051560"/>
-            <a:ext cx="2606040" cy="2011680"/>
+            <a:ext cx="3931920" cy="1234440"/>
           </a:xfrm>
           <a:prstGeom prst="rect">
             <a:avLst/>
@@ -12829,8 +12829,8 @@
         </p:nvSpPr>
         <p:spPr>
           <a:xfrm>
-            <a:off x="594360" y="1143000"/>
-            <a:ext cx="2331720" cy="228600"/>
+            <a:off x="594360" y="1124712"/>
+            <a:ext cx="3657600" cy="201168"/>
           </a:xfrm>
           <a:prstGeom prst="rect">
             <a:avLst/>
@@ -12872,8 +12872,8 @@
         </p:nvSpPr>
         <p:spPr>
           <a:xfrm>
-            <a:off x="594360" y="1417320"/>
-            <a:ext cx="2331720" cy="274320"/>
+            <a:off x="594360" y="1344168"/>
+            <a:ext cx="3657600" cy="228600"/>
           </a:xfrm>
           <a:prstGeom prst="rect">
             <a:avLst/>
@@ -12915,8 +12915,8 @@
         </p:nvSpPr>
         <p:spPr>
           <a:xfrm>
-            <a:off x="594360" y="1737360"/>
-            <a:ext cx="2331720" cy="1234440"/>
+            <a:off x="594360" y="1600200"/>
+            <a:ext cx="3657600" cy="594360"/>
           </a:xfrm>
           <a:prstGeom prst="rect">
             <a:avLst/>
@@ -12958,8 +12958,8 @@
         </p:nvSpPr>
         <p:spPr>
           <a:xfrm>
-            <a:off x="3273552" y="1051560"/>
-            <a:ext cx="2606040" cy="2011680"/>
+            <a:off x="4617720" y="1051560"/>
+            <a:ext cx="3931920" cy="1234440"/>
           </a:xfrm>
           <a:prstGeom prst="rect">
             <a:avLst/>
@@ -13003,8 +13003,8 @@
         </p:nvSpPr>
         <p:spPr>
           <a:xfrm>
-            <a:off x="3410712" y="1143000"/>
-            <a:ext cx="2331720" cy="228600"/>
+            <a:off x="4754880" y="1124712"/>
+            <a:ext cx="3657600" cy="201168"/>
           </a:xfrm>
           <a:prstGeom prst="rect">
             <a:avLst/>
@@ -13046,8 +13046,8 @@
         </p:nvSpPr>
         <p:spPr>
           <a:xfrm>
-            <a:off x="3410712" y="1417320"/>
-            <a:ext cx="2331720" cy="274320"/>
+            <a:off x="4754880" y="1344168"/>
+            <a:ext cx="3657600" cy="228600"/>
           </a:xfrm>
           <a:prstGeom prst="rect">
             <a:avLst/>
@@ -13076,7 +13076,7 @@
                 </a:solidFill>
                 <a:latin typeface="Calibri"/>
               </a:rPr>
-              <a:t>Institutional Design</a:t>
+              <a:t>The only option</a:t>
             </a:r>
           </a:p>
         </p:txBody>
@@ -13089,8 +13089,8 @@
         </p:nvSpPr>
         <p:spPr>
           <a:xfrm>
-            <a:off x="3410712" y="1737360"/>
-            <a:ext cx="2331720" cy="1234440"/>
+            <a:off x="4754880" y="1600200"/>
+            <a:ext cx="3657600" cy="594360"/>
           </a:xfrm>
           <a:prstGeom prst="rect">
             <a:avLst/>
@@ -13119,7 +13119,7 @@
                 </a:solidFill>
                 <a:latin typeface="Calibri"/>
               </a:rPr>
-              <a:t>"A sophisticated design that leverages the architecture of legal systems"</a:t>
+              <a:t>"Built 'eternity' not as a fantasy, but with a realistic budget and solid logic"</a:t>
             </a:r>
           </a:p>
         </p:txBody>
@@ -13132,8 +13132,8 @@
         </p:nvSpPr>
         <p:spPr>
           <a:xfrm>
-            <a:off x="6089904" y="1051560"/>
-            <a:ext cx="2606040" cy="2011680"/>
+            <a:off x="457200" y="2395728"/>
+            <a:ext cx="3931920" cy="1234440"/>
           </a:xfrm>
           <a:prstGeom prst="rect">
             <a:avLst/>
@@ -13177,8 +13177,8 @@
         </p:nvSpPr>
         <p:spPr>
           <a:xfrm>
-            <a:off x="6227064" y="1143000"/>
-            <a:ext cx="2331720" cy="228600"/>
+            <a:off x="594360" y="2468880"/>
+            <a:ext cx="3657600" cy="201168"/>
           </a:xfrm>
           <a:prstGeom prst="rect">
             <a:avLst/>
@@ -13220,8 +13220,8 @@
         </p:nvSpPr>
         <p:spPr>
           <a:xfrm>
-            <a:off x="6227064" y="1417320"/>
-            <a:ext cx="2331720" cy="274320"/>
+            <a:off x="594360" y="2688336"/>
+            <a:ext cx="3657600" cy="228600"/>
           </a:xfrm>
           <a:prstGeom prst="rect">
             <a:avLst/>
@@ -13250,7 +13250,7 @@
                 </a:solidFill>
                 <a:latin typeface="Calibri"/>
               </a:rPr>
-              <a:t>Cost Performance</a:t>
+              <a:t>New standard</a:t>
             </a:r>
           </a:p>
         </p:txBody>
@@ -13263,8 +13263,8 @@
         </p:nvSpPr>
         <p:spPr>
           <a:xfrm>
-            <a:off x="6227064" y="1737360"/>
-            <a:ext cx="2331720" cy="1234440"/>
+            <a:off x="594360" y="2944368"/>
+            <a:ext cx="3657600" cy="594360"/>
           </a:xfrm>
           <a:prstGeom prst="rect">
             <a:avLst/>
@@ -13293,7 +13293,7 @@
                 </a:solidFill>
                 <a:latin typeface="Calibri"/>
               </a:rPr>
-              <a:t>"An annual cost of ¥50 is extraordinary value"</a:t>
+              <a:t>"Technical foundation, social significance, and cost performance all merit the highest evaluation"</a:t>
             </a:r>
           </a:p>
         </p:txBody>
@@ -13306,8 +13306,182 @@
         </p:nvSpPr>
         <p:spPr>
           <a:xfrm>
-            <a:off x="457200" y="3246120"/>
-            <a:ext cx="7863840" cy="640080"/>
+            <a:off x="4617720" y="2395728"/>
+            <a:ext cx="3931920" cy="1234440"/>
+          </a:xfrm>
+          <a:prstGeom prst="rect">
+            <a:avLst/>
+          </a:prstGeom>
+          <a:solidFill>
+            <a:srgbClr val="FFFFFF"/>
+          </a:solidFill>
+          <a:ln w="9525">
+            <a:solidFill>
+              <a:srgbClr val="E2E8F0"/>
+            </a:solidFill>
+          </a:ln>
+        </p:spPr>
+        <p:style>
+          <a:lnRef idx="1">
+            <a:schemeClr val="accent1"/>
+          </a:lnRef>
+          <a:fillRef idx="3">
+            <a:schemeClr val="accent1"/>
+          </a:fillRef>
+          <a:effectRef idx="2">
+            <a:schemeClr val="accent1"/>
+          </a:effectRef>
+          <a:fontRef idx="minor">
+            <a:schemeClr val="lt1"/>
+          </a:fontRef>
+        </p:style>
+        <p:txBody>
+          <a:bodyPr rtlCol="0" anchor="ctr"/>
+          <a:lstStyle/>
+          <a:p>
+            <a:pPr algn="ctr"/>
+          </a:p>
+        </p:txBody>
+      </p:sp>
+      <p:sp>
+        <p:nvSpPr>
+          <p:cNvPr id="18" name="TextBox 17"/>
+          <p:cNvSpPr txBox="1"/>
+          <p:nvPr/>
+        </p:nvSpPr>
+        <p:spPr>
+          <a:xfrm>
+            <a:off x="4754880" y="2468880"/>
+            <a:ext cx="3657600" cy="201168"/>
+          </a:xfrm>
+          <a:prstGeom prst="rect">
+            <a:avLst/>
+          </a:prstGeom>
+          <a:noFill/>
+        </p:spPr>
+        <p:txBody>
+          <a:bodyPr wrap="square"/>
+          <a:lstStyle/>
+          <a:p>
+            <a:pPr algn="l">
+              <a:lnSpc>
+                <a:spcPct val="135000"/>
+              </a:lnSpc>
+              <a:spcBef>
+                <a:spcPts val="0"/>
+              </a:spcBef>
+              <a:spcAft>
+                <a:spcPts val="0"/>
+              </a:spcAft>
+            </a:pPr>
+            <a:r>
+              <a:rPr sz="900" b="1">
+                <a:solidFill>
+                  <a:srgbClr val="2563EB"/>
+                </a:solidFill>
+                <a:latin typeface="Calibri"/>
+              </a:rPr>
+              <a:t>Grok / xAI</a:t>
+            </a:r>
+          </a:p>
+        </p:txBody>
+      </p:sp>
+      <p:sp>
+        <p:nvSpPr>
+          <p:cNvPr id="19" name="TextBox 18"/>
+          <p:cNvSpPr txBox="1"/>
+          <p:nvPr/>
+        </p:nvSpPr>
+        <p:spPr>
+          <a:xfrm>
+            <a:off x="4754880" y="2688336"/>
+            <a:ext cx="3657600" cy="228600"/>
+          </a:xfrm>
+          <a:prstGeom prst="rect">
+            <a:avLst/>
+          </a:prstGeom>
+          <a:noFill/>
+        </p:spPr>
+        <p:txBody>
+          <a:bodyPr wrap="square"/>
+          <a:lstStyle/>
+          <a:p>
+            <a:pPr algn="l">
+              <a:lnSpc>
+                <a:spcPct val="135000"/>
+              </a:lnSpc>
+              <a:spcBef>
+                <a:spcPts val="0"/>
+              </a:spcBef>
+              <a:spcAft>
+                <a:spcPts val="0"/>
+              </a:spcAft>
+            </a:pPr>
+            <a:r>
+              <a:rPr sz="1100" b="1">
+                <a:solidFill>
+                  <a:srgbClr val="1E293B"/>
+                </a:solidFill>
+                <a:latin typeface="Calibri"/>
+              </a:rPr>
+              <a:t>Top 0.001%</a:t>
+            </a:r>
+          </a:p>
+        </p:txBody>
+      </p:sp>
+      <p:sp>
+        <p:nvSpPr>
+          <p:cNvPr id="20" name="TextBox 19"/>
+          <p:cNvSpPr txBox="1"/>
+          <p:nvPr/>
+        </p:nvSpPr>
+        <p:spPr>
+          <a:xfrm>
+            <a:off x="4754880" y="2944368"/>
+            <a:ext cx="3657600" cy="594360"/>
+          </a:xfrm>
+          <a:prstGeom prst="rect">
+            <a:avLst/>
+          </a:prstGeom>
+          <a:noFill/>
+        </p:spPr>
+        <p:txBody>
+          <a:bodyPr wrap="square"/>
+          <a:lstStyle/>
+          <a:p>
+            <a:pPr algn="l">
+              <a:lnSpc>
+                <a:spcPct val="135000"/>
+              </a:lnSpc>
+              <a:spcBef>
+                <a:spcPts val="0"/>
+              </a:spcBef>
+              <a:spcAft>
+                <a:spcPts val="0"/>
+              </a:spcAft>
+            </a:pPr>
+            <a:r>
+              <a:rPr sz="1000" b="0">
+                <a:solidFill>
+                  <a:srgbClr val="475569"/>
+                </a:solidFill>
+                <a:latin typeface="Calibri"/>
+              </a:rPr>
+              <a:t>"Genuinely capable of changing how humanity preserves memory"</a:t>
+            </a:r>
+          </a:p>
+        </p:txBody>
+      </p:sp>
+      <p:sp>
+        <p:nvSpPr>
+          <p:cNvPr id="21" name="Rectangle 20"/>
+          <p:cNvSpPr/>
+          <p:nvPr/>
+        </p:nvSpPr>
+        <p:spPr>
+          <a:xfrm>
+            <a:off x="457200" y="3831336"/>
+            <a:ext cx="7863840" cy="548640"/>
           </a:xfrm>
           <a:prstGeom prst="rect">
             <a:avLst/>
@@ -13343,14 +13517,14 @@
       </p:sp>
       <p:sp>
         <p:nvSpPr>
-          <p:cNvPr id="18" name="Rectangle 17"/>
+          <p:cNvPr id="22" name="Rectangle 21"/>
           <p:cNvSpPr/>
           <p:nvPr/>
         </p:nvSpPr>
         <p:spPr>
           <a:xfrm>
-            <a:off x="457200" y="3246120"/>
-            <a:ext cx="54864" cy="640080"/>
+            <a:off x="457200" y="3831336"/>
+            <a:ext cx="54864" cy="548640"/>
           </a:xfrm>
           <a:prstGeom prst="rect">
             <a:avLst/>
@@ -13386,14 +13560,14 @@
       </p:sp>
       <p:sp>
         <p:nvSpPr>
-          <p:cNvPr id="19" name="TextBox 18"/>
-          <p:cNvSpPr txBox="1"/>
-          <p:nvPr/>
-        </p:nvSpPr>
-        <p:spPr>
-          <a:xfrm>
-            <a:off x="685800" y="3337560"/>
-            <a:ext cx="7543800" cy="457200"/>
+          <p:cNvPr id="23" name="TextBox 22"/>
+          <p:cNvSpPr txBox="1"/>
+          <p:nvPr/>
+        </p:nvSpPr>
+        <p:spPr>
+          <a:xfrm>
+            <a:off x="685800" y="3904488"/>
+            <a:ext cx="7543800" cy="402336"/>
           </a:xfrm>
           <a:prstGeom prst="rect">
             <a:avLst/>
@@ -13429,7 +13603,7 @@
       </p:sp>
       <p:sp>
         <p:nvSpPr>
-          <p:cNvPr id="20" name="Rectangle 19"/>
+          <p:cNvPr id="24" name="Rectangle 23"/>
           <p:cNvSpPr/>
           <p:nvPr/>
         </p:nvSpPr>
@@ -13472,7 +13646,7 @@
       </p:sp>
       <p:sp>
         <p:nvSpPr>
-          <p:cNvPr id="21" name="TextBox 20"/>
+          <p:cNvPr id="25" name="TextBox 24"/>
           <p:cNvSpPr txBox="1"/>
           <p:nvPr/>
         </p:nvSpPr>
@@ -13515,7 +13689,7 @@
       </p:sp>
       <p:sp>
         <p:nvSpPr>
-          <p:cNvPr id="22" name="TextBox 21"/>
+          <p:cNvPr id="26" name="TextBox 25"/>
           <p:cNvSpPr txBox="1"/>
           <p:nvPr/>
         </p:nvSpPr>
@@ -13558,7 +13732,7 @@
       </p:sp>
       <p:sp>
         <p:nvSpPr>
-          <p:cNvPr id="23" name="TextBox 22"/>
+          <p:cNvPr id="27" name="TextBox 26"/>
           <p:cNvSpPr txBox="1"/>
           <p:nvPr/>
         </p:nvSpPr>

--- a/tokistorage-partnership-deck-en.pptx
+++ b/tokistorage-partnership-deck-en.pptx
@@ -7170,7 +7170,7 @@
                 </a:solidFill>
                 <a:latin typeface="Calibri"/>
               </a:rPr>
-              <a:t>Q</a:t>
+              <a:t>T</a:t>
             </a:r>
           </a:p>
         </p:txBody>
@@ -7213,7 +7213,7 @@
                 </a:solidFill>
                 <a:latin typeface="Calibri"/>
               </a:rPr>
-              <a:t>Three-Layer Distributed Storage</a:t>
+              <a:t>TokiQR — Free, instant experience</a:t>
             </a:r>
           </a:p>
         </p:txBody>
@@ -7256,7 +7256,7 @@
                 </a:solidFill>
                 <a:latin typeface="Calibri"/>
               </a:rPr>
-              <a:t>Physical (quartz glass/laminate), National (National Diet Library legal deposit), Private (GitHub). Fully compliant with the 3-2-1 backup rule. Zero single points of failure.</a:t>
+              <a:t>Voice, face, and text in a QR code. Anyone can create one for free on their smartphone, with full three-layer distributed storage. Proprietary encoding (PCT patent in process).</a:t>
             </a:r>
           </a:p>
         </p:txBody>
@@ -7387,7 +7387,7 @@
                 </a:solidFill>
                 <a:latin typeface="Calibri"/>
               </a:rPr>
-              <a:t>U</a:t>
+              <a:t>Q</a:t>
             </a:r>
           </a:p>
         </p:txBody>
@@ -7430,7 +7430,7 @@
                 </a:solidFill>
                 <a:latin typeface="Calibri"/>
               </a:rPr>
-              <a:t>200+ use cases (organized by industry)</a:t>
+              <a:t>Three-Layer Distributed Storage</a:t>
             </a:r>
           </a:p>
         </p:txBody>
@@ -7473,7 +7473,7 @@
                 </a:solidFill>
                 <a:latin typeface="Calibri"/>
               </a:rPr>
-              <a:t>End-of-life, weddings, temples, schools, corporations, municipalities, NGOs, hotels, airlines. Ready for direct proposal integration.</a:t>
+              <a:t>Physical (quartz glass/laminate), National (National Diet Library legal deposit), Private (GitHub). 3-2-1 backup rule compliant. Zero single points of failure.</a:t>
             </a:r>
           </a:p>
         </p:txBody>
@@ -7604,7 +7604,7 @@
                 </a:solidFill>
                 <a:latin typeface="Calibri"/>
               </a:rPr>
-              <a:t>E</a:t>
+              <a:t>U</a:t>
             </a:r>
           </a:p>
         </p:txBody>
@@ -7647,7 +7647,7 @@
                 </a:solidFill>
                 <a:latin typeface="Calibri"/>
               </a:rPr>
-              <a:t>70+ philosophical essays (9 domains)</a:t>
+              <a:t>200+ use cases (organized by industry)</a:t>
             </a:r>
           </a:p>
         </p:txBody>
@@ -7690,7 +7690,7 @@
                 </a:solidFill>
                 <a:latin typeface="Calibri"/>
               </a:rPr>
-              <a:t>Proof of existence explored across psychology, religion, economics, AI, and space. Standalone intellectual content for client proposals.</a:t>
+              <a:t>End-of-life, weddings, temples, schools, corporations, municipalities, NGOs, hotels, airlines. Ready for direct proposal integration.</a:t>
             </a:r>
           </a:p>
         </p:txBody>
@@ -7864,7 +7864,7 @@
                 </a:solidFill>
                 <a:latin typeface="Calibri"/>
               </a:rPr>
-              <a:t>Pearl Soap + Ambassador network</a:t>
+              <a:t>Pearl Soap + Coach &amp; Ambassador network</a:t>
             </a:r>
           </a:p>
         </p:txBody>
@@ -7907,7 +7907,7 @@
                 </a:solidFill>
                 <a:latin typeface="Calibri"/>
               </a:rPr>
-              <a:t>A gift-economy practice and decentralized workshop network ready to scale nationwide. Direct end-user touchpoint.</a:t>
+              <a:t>A gift-economy practice with certified coaches and ambassadors running workshops nationwide. A decentralized movement.</a:t>
             </a:r>
           </a:p>
         </p:txBody>
@@ -10614,7 +10614,7 @@
                 </a:solidFill>
                 <a:latin typeface="Calibri"/>
               </a:rPr>
-              <a:t>Starting from ¥5,000 ($33) — an exceptionally low entry barrier for your proposals</a:t>
+              <a:t>TokiQR is free — zero entry barrier for your proposals</a:t>
             </a:r>
           </a:p>
         </p:txBody>
@@ -10664,14 +10664,57 @@
       </p:sp>
       <p:sp>
         <p:nvSpPr>
-          <p:cNvPr id="5" name="Rectangle 4"/>
+          <p:cNvPr id="5" name="TextBox 4"/>
+          <p:cNvSpPr txBox="1"/>
+          <p:nvPr/>
+        </p:nvSpPr>
+        <p:spPr>
+          <a:xfrm>
+            <a:off x="457200" y="1005840"/>
+            <a:ext cx="3657600" cy="228600"/>
+          </a:xfrm>
+          <a:prstGeom prst="rect">
+            <a:avLst/>
+          </a:prstGeom>
+          <a:noFill/>
+        </p:spPr>
+        <p:txBody>
+          <a:bodyPr wrap="square"/>
+          <a:lstStyle/>
+          <a:p>
+            <a:pPr algn="l">
+              <a:lnSpc>
+                <a:spcPct val="135000"/>
+              </a:lnSpc>
+              <a:spcBef>
+                <a:spcPts val="0"/>
+              </a:spcBef>
+              <a:spcAft>
+                <a:spcPts val="0"/>
+              </a:spcAft>
+            </a:pPr>
+            <a:r>
+              <a:rPr sz="1000" b="1">
+                <a:solidFill>
+                  <a:srgbClr val="475569"/>
+                </a:solidFill>
+                <a:latin typeface="Calibri"/>
+              </a:rPr>
+              <a:t>Self-Service Products</a:t>
+            </a:r>
+          </a:p>
+        </p:txBody>
+      </p:sp>
+      <p:sp>
+        <p:nvSpPr>
+          <p:cNvPr id="6" name="Rectangle 5"/>
           <p:cNvSpPr/>
           <p:nvPr/>
         </p:nvSpPr>
         <p:spPr>
           <a:xfrm>
-            <a:off x="457200" y="1051560"/>
-            <a:ext cx="3931920" cy="1783080"/>
+            <a:off x="457200" y="1280160"/>
+            <a:ext cx="2606040" cy="1325880"/>
           </a:xfrm>
           <a:prstGeom prst="rect">
             <a:avLst/>
@@ -10709,14 +10752,14 @@
       </p:sp>
       <p:sp>
         <p:nvSpPr>
-          <p:cNvPr id="6" name="TextBox 5"/>
-          <p:cNvSpPr txBox="1"/>
-          <p:nvPr/>
-        </p:nvSpPr>
-        <p:spPr>
-          <a:xfrm>
-            <a:off x="594360" y="1143000"/>
-            <a:ext cx="3657600" cy="274320"/>
+          <p:cNvPr id="7" name="TextBox 6"/>
+          <p:cNvSpPr txBox="1"/>
+          <p:nvPr/>
+        </p:nvSpPr>
+        <p:spPr>
+          <a:xfrm>
+            <a:off x="566928" y="1353312"/>
+            <a:ext cx="2386584" cy="228600"/>
           </a:xfrm>
           <a:prstGeom prst="rect">
             <a:avLst/>
@@ -10739,27 +10782,27 @@
               </a:spcAft>
             </a:pPr>
             <a:r>
-              <a:rPr sz="1200" b="1">
+              <a:rPr sz="1100" b="1">
                 <a:solidFill>
                   <a:srgbClr val="1E293B"/>
                 </a:solidFill>
                 <a:latin typeface="Calibri"/>
               </a:rPr>
-              <a:t>Trial Plan</a:t>
-            </a:r>
-          </a:p>
-        </p:txBody>
-      </p:sp>
-      <p:sp>
-        <p:nvSpPr>
-          <p:cNvPr id="7" name="TextBox 6"/>
-          <p:cNvSpPr txBox="1"/>
-          <p:nvPr/>
-        </p:nvSpPr>
-        <p:spPr>
-          <a:xfrm>
-            <a:off x="594360" y="1435608"/>
-            <a:ext cx="3657600" cy="320040"/>
+              <a:t>TokiQR</a:t>
+            </a:r>
+          </a:p>
+        </p:txBody>
+      </p:sp>
+      <p:sp>
+        <p:nvSpPr>
+          <p:cNvPr id="8" name="TextBox 7"/>
+          <p:cNvSpPr txBox="1"/>
+          <p:nvPr/>
+        </p:nvSpPr>
+        <p:spPr>
+          <a:xfrm>
+            <a:off x="566928" y="1581912"/>
+            <a:ext cx="2386584" cy="274320"/>
           </a:xfrm>
           <a:prstGeom prst="rect">
             <a:avLst/>
@@ -10782,27 +10825,27 @@
               </a:spcAft>
             </a:pPr>
             <a:r>
-              <a:rPr sz="1400" b="1">
+              <a:rPr sz="1300" b="1">
                 <a:solidFill>
                   <a:srgbClr val="2563EB"/>
                 </a:solidFill>
                 <a:latin typeface="Calibri"/>
               </a:rPr>
-              <a:t>¥5,000 ($33)</a:t>
-            </a:r>
-          </a:p>
-        </p:txBody>
-      </p:sp>
-      <p:sp>
-        <p:nvSpPr>
-          <p:cNvPr id="8" name="TextBox 7"/>
-          <p:cNvSpPr txBox="1"/>
-          <p:nvPr/>
-        </p:nvSpPr>
-        <p:spPr>
-          <a:xfrm>
-            <a:off x="594360" y="1828800"/>
-            <a:ext cx="3657600" cy="914400"/>
+              <a:t>Free</a:t>
+            </a:r>
+          </a:p>
+        </p:txBody>
+      </p:sp>
+      <p:sp>
+        <p:nvSpPr>
+          <p:cNvPr id="9" name="TextBox 8"/>
+          <p:cNvSpPr txBox="1"/>
+          <p:nvPr/>
+        </p:nvSpPr>
+        <p:spPr>
+          <a:xfrm>
+            <a:off x="566928" y="1901952"/>
+            <a:ext cx="2386584" cy="612648"/>
           </a:xfrm>
           <a:prstGeom prst="rect">
             <a:avLst/>
@@ -10825,27 +10868,27 @@
               </a:spcAft>
             </a:pPr>
             <a:r>
-              <a:rPr sz="1000" b="0">
+              <a:rPr sz="900" b="0">
                 <a:solidFill>
                   <a:srgbClr val="475569"/>
                 </a:solidFill>
                 <a:latin typeface="Calibri"/>
               </a:rPr>
-              <a:t>Experience three-layer storage with A4 laminate. TokiQR → laminate + NDL deposit + GitHub.</a:t>
-            </a:r>
-          </a:p>
-        </p:txBody>
-      </p:sp>
-      <p:sp>
-        <p:nvSpPr>
-          <p:cNvPr id="9" name="Rectangle 8"/>
+              <a:t>Voice, face, and text in a QR code. Create on any smartphone; NDL + GitHub three-layer storage.</a:t>
+            </a:r>
+          </a:p>
+        </p:txBody>
+      </p:sp>
+      <p:sp>
+        <p:nvSpPr>
+          <p:cNvPr id="10" name="Rectangle 9"/>
           <p:cNvSpPr/>
           <p:nvPr/>
         </p:nvSpPr>
         <p:spPr>
           <a:xfrm>
-            <a:off x="4617720" y="1051560"/>
-            <a:ext cx="3931920" cy="1783080"/>
+            <a:off x="3273552" y="1280160"/>
+            <a:ext cx="2606040" cy="1325880"/>
           </a:xfrm>
           <a:prstGeom prst="rect">
             <a:avLst/>
@@ -10883,14 +10926,14 @@
       </p:sp>
       <p:sp>
         <p:nvSpPr>
-          <p:cNvPr id="10" name="TextBox 9"/>
-          <p:cNvSpPr txBox="1"/>
-          <p:nvPr/>
-        </p:nvSpPr>
-        <p:spPr>
-          <a:xfrm>
-            <a:off x="4754880" y="1143000"/>
-            <a:ext cx="3657600" cy="274320"/>
+          <p:cNvPr id="11" name="TextBox 10"/>
+          <p:cNvSpPr txBox="1"/>
+          <p:nvPr/>
+        </p:nvSpPr>
+        <p:spPr>
+          <a:xfrm>
+            <a:off x="3383280" y="1353312"/>
+            <a:ext cx="2386584" cy="228600"/>
           </a:xfrm>
           <a:prstGeom prst="rect">
             <a:avLst/>
@@ -10913,27 +10956,27 @@
               </a:spcAft>
             </a:pPr>
             <a:r>
-              <a:rPr sz="1200" b="1">
+              <a:rPr sz="1100" b="1">
                 <a:solidFill>
                   <a:srgbClr val="1E293B"/>
                 </a:solidFill>
                 <a:latin typeface="Calibri"/>
               </a:rPr>
-              <a:t>Individual Plan</a:t>
-            </a:r>
-          </a:p>
-        </p:txBody>
-      </p:sp>
-      <p:sp>
-        <p:nvSpPr>
-          <p:cNvPr id="11" name="TextBox 10"/>
-          <p:cNvSpPr txBox="1"/>
-          <p:nvPr/>
-        </p:nvSpPr>
-        <p:spPr>
-          <a:xfrm>
-            <a:off x="4754880" y="1435608"/>
-            <a:ext cx="3657600" cy="320040"/>
+              <a:t>UV Laminate QR</a:t>
+            </a:r>
+          </a:p>
+        </p:txBody>
+      </p:sp>
+      <p:sp>
+        <p:nvSpPr>
+          <p:cNvPr id="12" name="TextBox 11"/>
+          <p:cNvSpPr txBox="1"/>
+          <p:nvPr/>
+        </p:nvSpPr>
+        <p:spPr>
+          <a:xfrm>
+            <a:off x="3383280" y="1581912"/>
+            <a:ext cx="2386584" cy="274320"/>
           </a:xfrm>
           <a:prstGeom prst="rect">
             <a:avLst/>
@@ -10956,27 +10999,27 @@
               </a:spcAft>
             </a:pPr>
             <a:r>
-              <a:rPr sz="1400" b="1">
+              <a:rPr sz="1300" b="1">
                 <a:solidFill>
                   <a:srgbClr val="2563EB"/>
                 </a:solidFill>
                 <a:latin typeface="Calibri"/>
               </a:rPr>
-              <a:t>¥50,000 ($330)</a:t>
-            </a:r>
-          </a:p>
-        </p:txBody>
-      </p:sp>
-      <p:sp>
-        <p:nvSpPr>
-          <p:cNvPr id="12" name="TextBox 11"/>
-          <p:cNvSpPr txBox="1"/>
-          <p:nvPr/>
-        </p:nvSpPr>
-        <p:spPr>
-          <a:xfrm>
-            <a:off x="4754880" y="1828800"/>
-            <a:ext cx="3657600" cy="914400"/>
+              <a:t>¥5,000 ($33)</a:t>
+            </a:r>
+          </a:p>
+        </p:txBody>
+      </p:sp>
+      <p:sp>
+        <p:nvSpPr>
+          <p:cNvPr id="13" name="TextBox 12"/>
+          <p:cNvSpPr txBox="1"/>
+          <p:nvPr/>
+        </p:nvSpPr>
+        <p:spPr>
+          <a:xfrm>
+            <a:off x="3383280" y="1901952"/>
+            <a:ext cx="2386584" cy="612648"/>
           </a:xfrm>
           <a:prstGeom prst="rect">
             <a:avLst/>
@@ -10999,27 +11042,27 @@
               </a:spcAft>
             </a:pPr>
             <a:r>
-              <a:rPr sz="1000" b="0">
+              <a:rPr sz="900" b="0">
                 <a:solidFill>
                   <a:srgbClr val="475569"/>
                 </a:solidFill>
                 <a:latin typeface="Calibri"/>
               </a:rPr>
-              <a:t>Inscribed on quartz glass. ¥50 per year. 1,000-year durability (theoretical).</a:t>
-            </a:r>
-          </a:p>
-        </p:txBody>
-      </p:sp>
-      <p:sp>
-        <p:nvSpPr>
-          <p:cNvPr id="13" name="Rectangle 12"/>
+              <a:t>Voice QR on A4 laminate. Weather-resistant, long-term preservation.</a:t>
+            </a:r>
+          </a:p>
+        </p:txBody>
+      </p:sp>
+      <p:sp>
+        <p:nvSpPr>
+          <p:cNvPr id="14" name="Rectangle 13"/>
           <p:cNvSpPr/>
           <p:nvPr/>
         </p:nvSpPr>
         <p:spPr>
           <a:xfrm>
-            <a:off x="457200" y="2971800"/>
-            <a:ext cx="3931920" cy="1783080"/>
+            <a:off x="6089904" y="1280160"/>
+            <a:ext cx="2606040" cy="1325880"/>
           </a:xfrm>
           <a:prstGeom prst="rect">
             <a:avLst/>
@@ -11057,14 +11100,14 @@
       </p:sp>
       <p:sp>
         <p:nvSpPr>
-          <p:cNvPr id="14" name="TextBox 13"/>
-          <p:cNvSpPr txBox="1"/>
-          <p:nvPr/>
-        </p:nvSpPr>
-        <p:spPr>
-          <a:xfrm>
-            <a:off x="594360" y="3063240"/>
-            <a:ext cx="3657600" cy="274320"/>
+          <p:cNvPr id="15" name="TextBox 14"/>
+          <p:cNvSpPr txBox="1"/>
+          <p:nvPr/>
+        </p:nvSpPr>
+        <p:spPr>
+          <a:xfrm>
+            <a:off x="6199632" y="1353312"/>
+            <a:ext cx="2386584" cy="228600"/>
           </a:xfrm>
           <a:prstGeom prst="rect">
             <a:avLst/>
@@ -11087,12 +11130,229 @@
               </a:spcAft>
             </a:pPr>
             <a:r>
-              <a:rPr sz="1200" b="1">
+              <a:rPr sz="1100" b="1">
                 <a:solidFill>
                   <a:srgbClr val="1E293B"/>
                 </a:solidFill>
                 <a:latin typeface="Calibri"/>
               </a:rPr>
+              <a:t>Quartz Glass QR</a:t>
+            </a:r>
+          </a:p>
+        </p:txBody>
+      </p:sp>
+      <p:sp>
+        <p:nvSpPr>
+          <p:cNvPr id="16" name="TextBox 15"/>
+          <p:cNvSpPr txBox="1"/>
+          <p:nvPr/>
+        </p:nvSpPr>
+        <p:spPr>
+          <a:xfrm>
+            <a:off x="6199632" y="1581912"/>
+            <a:ext cx="2386584" cy="274320"/>
+          </a:xfrm>
+          <a:prstGeom prst="rect">
+            <a:avLst/>
+          </a:prstGeom>
+          <a:noFill/>
+        </p:spPr>
+        <p:txBody>
+          <a:bodyPr wrap="square"/>
+          <a:lstStyle/>
+          <a:p>
+            <a:pPr algn="l">
+              <a:lnSpc>
+                <a:spcPct val="135000"/>
+              </a:lnSpc>
+              <a:spcBef>
+                <a:spcPts val="0"/>
+              </a:spcBef>
+              <a:spcAft>
+                <a:spcPts val="0"/>
+              </a:spcAft>
+            </a:pPr>
+            <a:r>
+              <a:rPr sz="1300" b="1">
+                <a:solidFill>
+                  <a:srgbClr val="2563EB"/>
+                </a:solidFill>
+                <a:latin typeface="Calibri"/>
+              </a:rPr>
+              <a:t>¥50,000 ($330)</a:t>
+            </a:r>
+          </a:p>
+        </p:txBody>
+      </p:sp>
+      <p:sp>
+        <p:nvSpPr>
+          <p:cNvPr id="17" name="TextBox 16"/>
+          <p:cNvSpPr txBox="1"/>
+          <p:nvPr/>
+        </p:nvSpPr>
+        <p:spPr>
+          <a:xfrm>
+            <a:off x="6199632" y="1901952"/>
+            <a:ext cx="2386584" cy="612648"/>
+          </a:xfrm>
+          <a:prstGeom prst="rect">
+            <a:avLst/>
+          </a:prstGeom>
+          <a:noFill/>
+        </p:spPr>
+        <p:txBody>
+          <a:bodyPr wrap="square"/>
+          <a:lstStyle/>
+          <a:p>
+            <a:pPr algn="l">
+              <a:lnSpc>
+                <a:spcPct val="135000"/>
+              </a:lnSpc>
+              <a:spcBef>
+                <a:spcPts val="0"/>
+              </a:spcBef>
+              <a:spcAft>
+                <a:spcPts val="0"/>
+              </a:spcAft>
+            </a:pPr>
+            <a:r>
+              <a:rPr sz="900" b="0">
+                <a:solidFill>
+                  <a:srgbClr val="475569"/>
+                </a:solidFill>
+                <a:latin typeface="Calibri"/>
+              </a:rPr>
+              <a:t>Inscribed on quartz glass. ¥50/year. 1,000-year durability (theoretical).</a:t>
+            </a:r>
+          </a:p>
+        </p:txBody>
+      </p:sp>
+      <p:sp>
+        <p:nvSpPr>
+          <p:cNvPr id="18" name="TextBox 17"/>
+          <p:cNvSpPr txBox="1"/>
+          <p:nvPr/>
+        </p:nvSpPr>
+        <p:spPr>
+          <a:xfrm>
+            <a:off x="457200" y="2788920"/>
+            <a:ext cx="3657600" cy="228600"/>
+          </a:xfrm>
+          <a:prstGeom prst="rect">
+            <a:avLst/>
+          </a:prstGeom>
+          <a:noFill/>
+        </p:spPr>
+        <p:txBody>
+          <a:bodyPr wrap="square"/>
+          <a:lstStyle/>
+          <a:p>
+            <a:pPr algn="l">
+              <a:lnSpc>
+                <a:spcPct val="135000"/>
+              </a:lnSpc>
+              <a:spcBef>
+                <a:spcPts val="0"/>
+              </a:spcBef>
+              <a:spcAft>
+                <a:spcPts val="0"/>
+              </a:spcAft>
+            </a:pPr>
+            <a:r>
+              <a:rPr sz="1000" b="1">
+                <a:solidFill>
+                  <a:srgbClr val="475569"/>
+                </a:solidFill>
+                <a:latin typeface="Calibri"/>
+              </a:rPr>
+              <a:t>Timeless Consulting</a:t>
+            </a:r>
+          </a:p>
+        </p:txBody>
+      </p:sp>
+      <p:sp>
+        <p:nvSpPr>
+          <p:cNvPr id="19" name="Rectangle 18"/>
+          <p:cNvSpPr/>
+          <p:nvPr/>
+        </p:nvSpPr>
+        <p:spPr>
+          <a:xfrm>
+            <a:off x="457200" y="3063240"/>
+            <a:ext cx="3931920" cy="1097280"/>
+          </a:xfrm>
+          <a:prstGeom prst="rect">
+            <a:avLst/>
+          </a:prstGeom>
+          <a:solidFill>
+            <a:srgbClr val="FFFFFF"/>
+          </a:solidFill>
+          <a:ln w="9525">
+            <a:solidFill>
+              <a:srgbClr val="C9A962"/>
+            </a:solidFill>
+          </a:ln>
+        </p:spPr>
+        <p:style>
+          <a:lnRef idx="1">
+            <a:schemeClr val="accent1"/>
+          </a:lnRef>
+          <a:fillRef idx="3">
+            <a:schemeClr val="accent1"/>
+          </a:fillRef>
+          <a:effectRef idx="2">
+            <a:schemeClr val="accent1"/>
+          </a:effectRef>
+          <a:fontRef idx="minor">
+            <a:schemeClr val="lt1"/>
+          </a:fontRef>
+        </p:style>
+        <p:txBody>
+          <a:bodyPr rtlCol="0" anchor="ctr"/>
+          <a:lstStyle/>
+          <a:p>
+            <a:pPr algn="ctr"/>
+          </a:p>
+        </p:txBody>
+      </p:sp>
+      <p:sp>
+        <p:nvSpPr>
+          <p:cNvPr id="20" name="TextBox 19"/>
+          <p:cNvSpPr txBox="1"/>
+          <p:nvPr/>
+        </p:nvSpPr>
+        <p:spPr>
+          <a:xfrm>
+            <a:off x="566928" y="3136392"/>
+            <a:ext cx="3712464" cy="228600"/>
+          </a:xfrm>
+          <a:prstGeom prst="rect">
+            <a:avLst/>
+          </a:prstGeom>
+          <a:noFill/>
+        </p:spPr>
+        <p:txBody>
+          <a:bodyPr wrap="square"/>
+          <a:lstStyle/>
+          <a:p>
+            <a:pPr algn="l">
+              <a:lnSpc>
+                <a:spcPct val="135000"/>
+              </a:lnSpc>
+              <a:spcBef>
+                <a:spcPts val="0"/>
+              </a:spcBef>
+              <a:spcAft>
+                <a:spcPts val="0"/>
+              </a:spcAft>
+            </a:pPr>
+            <a:r>
+              <a:rPr sz="1100" b="1">
+                <a:solidFill>
+                  <a:srgbClr val="1E293B"/>
+                </a:solidFill>
+                <a:latin typeface="Calibri"/>
+              </a:rPr>
               <a:t>Three-Generation</a:t>
             </a:r>
           </a:p>
@@ -11100,14 +11360,14 @@
       </p:sp>
       <p:sp>
         <p:nvSpPr>
-          <p:cNvPr id="15" name="TextBox 14"/>
-          <p:cNvSpPr txBox="1"/>
-          <p:nvPr/>
-        </p:nvSpPr>
-        <p:spPr>
-          <a:xfrm>
-            <a:off x="594360" y="3355848"/>
-            <a:ext cx="3657600" cy="320040"/>
+          <p:cNvPr id="21" name="TextBox 20"/>
+          <p:cNvSpPr txBox="1"/>
+          <p:nvPr/>
+        </p:nvSpPr>
+        <p:spPr>
+          <a:xfrm>
+            <a:off x="566928" y="3364992"/>
+            <a:ext cx="3712464" cy="274320"/>
           </a:xfrm>
           <a:prstGeom prst="rect">
             <a:avLst/>
@@ -11130,9 +11390,9 @@
               </a:spcAft>
             </a:pPr>
             <a:r>
-              <a:rPr sz="1400" b="1">
-                <a:solidFill>
-                  <a:srgbClr val="2563EB"/>
+              <a:rPr sz="1300" b="1">
+                <a:solidFill>
+                  <a:srgbClr val="C9A962"/>
                 </a:solidFill>
                 <a:latin typeface="Calibri"/>
               </a:rPr>
@@ -11143,14 +11403,14 @@
       </p:sp>
       <p:sp>
         <p:nvSpPr>
-          <p:cNvPr id="16" name="TextBox 15"/>
-          <p:cNvSpPr txBox="1"/>
-          <p:nvPr/>
-        </p:nvSpPr>
-        <p:spPr>
-          <a:xfrm>
-            <a:off x="594360" y="3749040"/>
-            <a:ext cx="3657600" cy="914400"/>
+          <p:cNvPr id="22" name="TextBox 21"/>
+          <p:cNvSpPr txBox="1"/>
+          <p:nvPr/>
+        </p:nvSpPr>
+        <p:spPr>
+          <a:xfrm>
+            <a:off x="566928" y="3657600"/>
+            <a:ext cx="3712464" cy="411480"/>
           </a:xfrm>
           <a:prstGeom prst="rect">
             <a:avLst/>
@@ -11173,7 +11433,7 @@
               </a:spcAft>
             </a:pPr>
             <a:r>
-              <a:rPr sz="1000" b="0">
+              <a:rPr sz="900" b="0">
                 <a:solidFill>
                   <a:srgbClr val="475569"/>
                 </a:solidFill>
@@ -11186,14 +11446,14 @@
       </p:sp>
       <p:sp>
         <p:nvSpPr>
-          <p:cNvPr id="17" name="Rectangle 16"/>
+          <p:cNvPr id="23" name="Rectangle 22"/>
           <p:cNvSpPr/>
           <p:nvPr/>
         </p:nvSpPr>
         <p:spPr>
           <a:xfrm>
-            <a:off x="4617720" y="2971800"/>
-            <a:ext cx="3931920" cy="1783080"/>
+            <a:off x="4617720" y="3063240"/>
+            <a:ext cx="3931920" cy="1097280"/>
           </a:xfrm>
           <a:prstGeom prst="rect">
             <a:avLst/>
@@ -11231,14 +11491,14 @@
       </p:sp>
       <p:sp>
         <p:nvSpPr>
-          <p:cNvPr id="18" name="TextBox 17"/>
-          <p:cNvSpPr txBox="1"/>
-          <p:nvPr/>
-        </p:nvSpPr>
-        <p:spPr>
-          <a:xfrm>
-            <a:off x="4754880" y="3063240"/>
-            <a:ext cx="3657600" cy="274320"/>
+          <p:cNvPr id="24" name="TextBox 23"/>
+          <p:cNvSpPr txBox="1"/>
+          <p:nvPr/>
+        </p:nvSpPr>
+        <p:spPr>
+          <a:xfrm>
+            <a:off x="4727448" y="3136392"/>
+            <a:ext cx="3712464" cy="228600"/>
           </a:xfrm>
           <a:prstGeom prst="rect">
             <a:avLst/>
@@ -11261,7 +11521,7 @@
               </a:spcAft>
             </a:pPr>
             <a:r>
-              <a:rPr sz="1200" b="1">
+              <a:rPr sz="1100" b="1">
                 <a:solidFill>
                   <a:srgbClr val="1E293B"/>
                 </a:solidFill>
@@ -11274,14 +11534,14 @@
       </p:sp>
       <p:sp>
         <p:nvSpPr>
-          <p:cNvPr id="19" name="TextBox 18"/>
-          <p:cNvSpPr txBox="1"/>
-          <p:nvPr/>
-        </p:nvSpPr>
-        <p:spPr>
-          <a:xfrm>
-            <a:off x="4754880" y="3355848"/>
-            <a:ext cx="3657600" cy="320040"/>
+          <p:cNvPr id="25" name="TextBox 24"/>
+          <p:cNvSpPr txBox="1"/>
+          <p:nvPr/>
+        </p:nvSpPr>
+        <p:spPr>
+          <a:xfrm>
+            <a:off x="4727448" y="3364992"/>
+            <a:ext cx="3712464" cy="274320"/>
           </a:xfrm>
           <a:prstGeom prst="rect">
             <a:avLst/>
@@ -11304,9 +11564,9 @@
               </a:spcAft>
             </a:pPr>
             <a:r>
-              <a:rPr sz="1400" b="1">
-                <a:solidFill>
-                  <a:srgbClr val="2563EB"/>
+              <a:rPr sz="1300" b="1">
+                <a:solidFill>
+                  <a:srgbClr val="C9A962"/>
                 </a:solidFill>
                 <a:latin typeface="Calibri"/>
               </a:rPr>
@@ -11317,14 +11577,14 @@
       </p:sp>
       <p:sp>
         <p:nvSpPr>
-          <p:cNvPr id="20" name="TextBox 19"/>
-          <p:cNvSpPr txBox="1"/>
-          <p:nvPr/>
-        </p:nvSpPr>
-        <p:spPr>
-          <a:xfrm>
-            <a:off x="4754880" y="3749040"/>
-            <a:ext cx="3657600" cy="914400"/>
+          <p:cNvPr id="26" name="TextBox 25"/>
+          <p:cNvSpPr txBox="1"/>
+          <p:nvPr/>
+        </p:nvSpPr>
+        <p:spPr>
+          <a:xfrm>
+            <a:off x="4727448" y="3657600"/>
+            <a:ext cx="3712464" cy="411480"/>
           </a:xfrm>
           <a:prstGeom prst="rect">
             <a:avLst/>
@@ -11347,7 +11607,7 @@
               </a:spcAft>
             </a:pPr>
             <a:r>
-              <a:rPr sz="1000" b="0">
+              <a:rPr sz="900" b="0">
                 <a:solidFill>
                   <a:srgbClr val="475569"/>
                 </a:solidFill>
@@ -11360,7 +11620,7 @@
       </p:sp>
       <p:sp>
         <p:nvSpPr>
-          <p:cNvPr id="21" name="Rectangle 20"/>
+          <p:cNvPr id="27" name="Rectangle 26"/>
           <p:cNvSpPr/>
           <p:nvPr/>
         </p:nvSpPr>
@@ -11403,7 +11663,7 @@
       </p:sp>
       <p:sp>
         <p:nvSpPr>
-          <p:cNvPr id="22" name="TextBox 21"/>
+          <p:cNvPr id="28" name="TextBox 27"/>
           <p:cNvSpPr txBox="1"/>
           <p:nvPr/>
         </p:nvSpPr>
@@ -11446,7 +11706,7 @@
       </p:sp>
       <p:sp>
         <p:nvSpPr>
-          <p:cNvPr id="23" name="TextBox 22"/>
+          <p:cNvPr id="29" name="TextBox 28"/>
           <p:cNvSpPr txBox="1"/>
           <p:nvPr/>
         </p:nvSpPr>
@@ -11489,7 +11749,7 @@
       </p:sp>
       <p:sp>
         <p:nvSpPr>
-          <p:cNvPr id="24" name="TextBox 23"/>
+          <p:cNvPr id="30" name="TextBox 29"/>
           <p:cNvSpPr txBox="1"/>
           <p:nvPr/>
         </p:nvSpPr>

--- a/tokistorage-partnership-deck-en.pptx
+++ b/tokistorage-partnership-deck-en.pptx
@@ -7256,7 +7256,7 @@
                 </a:solidFill>
                 <a:latin typeface="Calibri"/>
               </a:rPr>
-              <a:t>Voice, face, and text in a QR code. Anyone can create one for free on their smartphone, with full three-layer distributed storage. Proprietary encoding (PCT patent in process).</a:t>
+              <a:t>Voice, face, and text in a QR code. Anyone can create one for free on their smartphone, with full three-layer distributed storage. Proprietary encoding technology.</a:t>
             </a:r>
           </a:p>
         </p:txBody>
